--- a/課題研究/2013/曽我勇貴/ポスター.pptx
+++ b/課題研究/2013/曽我勇貴/ポスター.pptx
@@ -5,8 +5,8 @@
     <p:sldMasterId id="2147483660" r:id="rId1"/>
   </p:sldMasterIdLst>
   <p:sldIdLst>
-    <p:sldId id="257" r:id="rId2"/>
-    <p:sldId id="258" r:id="rId3"/>
+    <p:sldId id="259" r:id="rId2"/>
+    <p:sldId id="260" r:id="rId3"/>
   </p:sldIdLst>
   <p:sldSz cx="6858000" cy="9144000" type="screen4x3"/>
   <p:notesSz cx="6797675" cy="9926638"/>
@@ -503,7 +503,7 @@
           <a:p>
             <a:fld id="{7599971D-E424-4083-B0C6-61FDC58FEAC9}" type="datetimeFigureOut">
               <a:rPr kumimoji="1" lang="ja-JP" altLang="en-US" smtClean="0"/>
-              <a:t>2013/12/7</a:t>
+              <a:t>2013/12/10</a:t>
             </a:fld>
             <a:endParaRPr kumimoji="1" lang="ja-JP" altLang="en-US"/>
           </a:p>
@@ -3721,7 +3721,7 @@
           <a:p>
             <a:fld id="{7599971D-E424-4083-B0C6-61FDC58FEAC9}" type="datetimeFigureOut">
               <a:rPr kumimoji="1" lang="ja-JP" altLang="en-US" smtClean="0"/>
-              <a:t>2013/12/7</a:t>
+              <a:t>2013/12/10</a:t>
             </a:fld>
             <a:endParaRPr kumimoji="1" lang="ja-JP" altLang="en-US"/>
           </a:p>
@@ -3947,7 +3947,7 @@
           <a:p>
             <a:fld id="{7599971D-E424-4083-B0C6-61FDC58FEAC9}" type="datetimeFigureOut">
               <a:rPr kumimoji="1" lang="ja-JP" altLang="en-US" smtClean="0"/>
-              <a:t>2013/12/7</a:t>
+              <a:t>2013/12/10</a:t>
             </a:fld>
             <a:endParaRPr kumimoji="1" lang="ja-JP" altLang="en-US"/>
           </a:p>
@@ -4173,7 +4173,7 @@
           <a:p>
             <a:fld id="{7599971D-E424-4083-B0C6-61FDC58FEAC9}" type="datetimeFigureOut">
               <a:rPr kumimoji="1" lang="ja-JP" altLang="en-US" smtClean="0"/>
-              <a:t>2013/12/7</a:t>
+              <a:t>2013/12/10</a:t>
             </a:fld>
             <a:endParaRPr kumimoji="1" lang="ja-JP" altLang="en-US"/>
           </a:p>
@@ -4489,7 +4489,7 @@
           <a:p>
             <a:fld id="{7599971D-E424-4083-B0C6-61FDC58FEAC9}" type="datetimeFigureOut">
               <a:rPr kumimoji="1" lang="ja-JP" altLang="en-US" smtClean="0"/>
-              <a:t>2013/12/7</a:t>
+              <a:t>2013/12/10</a:t>
             </a:fld>
             <a:endParaRPr kumimoji="1" lang="ja-JP" altLang="en-US"/>
           </a:p>
@@ -12091,7 +12091,7 @@
           <a:p>
             <a:fld id="{7599971D-E424-4083-B0C6-61FDC58FEAC9}" type="datetimeFigureOut">
               <a:rPr kumimoji="1" lang="ja-JP" altLang="en-US" smtClean="0"/>
-              <a:t>2013/12/7</a:t>
+              <a:t>2013/12/10</a:t>
             </a:fld>
             <a:endParaRPr kumimoji="1" lang="ja-JP" altLang="en-US"/>
           </a:p>
@@ -12596,7 +12596,7 @@
           <a:p>
             <a:fld id="{7599971D-E424-4083-B0C6-61FDC58FEAC9}" type="datetimeFigureOut">
               <a:rPr kumimoji="1" lang="ja-JP" altLang="en-US" smtClean="0"/>
-              <a:t>2013/12/7</a:t>
+              <a:t>2013/12/10</a:t>
             </a:fld>
             <a:endParaRPr kumimoji="1" lang="ja-JP" altLang="en-US"/>
           </a:p>
@@ -12733,7 +12733,7 @@
           <a:p>
             <a:fld id="{7599971D-E424-4083-B0C6-61FDC58FEAC9}" type="datetimeFigureOut">
               <a:rPr kumimoji="1" lang="ja-JP" altLang="en-US" smtClean="0"/>
-              <a:t>2013/12/7</a:t>
+              <a:t>2013/12/10</a:t>
             </a:fld>
             <a:endParaRPr kumimoji="1" lang="ja-JP" altLang="en-US"/>
           </a:p>
@@ -12842,7 +12842,7 @@
           <a:p>
             <a:fld id="{7599971D-E424-4083-B0C6-61FDC58FEAC9}" type="datetimeFigureOut">
               <a:rPr kumimoji="1" lang="ja-JP" altLang="en-US" smtClean="0"/>
-              <a:t>2013/12/7</a:t>
+              <a:t>2013/12/10</a:t>
             </a:fld>
             <a:endParaRPr kumimoji="1" lang="ja-JP" altLang="en-US"/>
           </a:p>
@@ -13226,7 +13226,7 @@
           <a:p>
             <a:fld id="{7599971D-E424-4083-B0C6-61FDC58FEAC9}" type="datetimeFigureOut">
               <a:rPr kumimoji="1" lang="ja-JP" altLang="en-US" smtClean="0"/>
-              <a:t>2013/12/7</a:t>
+              <a:t>2013/12/10</a:t>
             </a:fld>
             <a:endParaRPr kumimoji="1" lang="ja-JP" altLang="en-US"/>
           </a:p>
@@ -13586,7 +13586,7 @@
           <a:p>
             <a:fld id="{7599971D-E424-4083-B0C6-61FDC58FEAC9}" type="datetimeFigureOut">
               <a:rPr kumimoji="1" lang="ja-JP" altLang="en-US" smtClean="0"/>
-              <a:t>2013/12/7</a:t>
+              <a:t>2013/12/10</a:t>
             </a:fld>
             <a:endParaRPr kumimoji="1" lang="ja-JP" altLang="en-US"/>
           </a:p>
@@ -13713,7 +13713,7 @@
           <a:p>
             <a:fld id="{7599971D-E424-4083-B0C6-61FDC58FEAC9}" type="datetimeFigureOut">
               <a:rPr kumimoji="1" lang="ja-JP" altLang="en-US" smtClean="0"/>
-              <a:t>2013/12/7</a:t>
+              <a:t>2013/12/10</a:t>
             </a:fld>
             <a:endParaRPr kumimoji="1" lang="ja-JP" altLang="en-US"/>
           </a:p>
@@ -17453,329 +17453,14 @@
       </p:grpSpPr>
       <p:sp>
         <p:nvSpPr>
-          <p:cNvPr id="2" name="タイトル 1"/>
-          <p:cNvSpPr>
-            <a:spLocks noGrp="1"/>
-          </p:cNvSpPr>
-          <p:nvPr>
-            <p:ph type="title"/>
-          </p:nvPr>
-        </p:nvSpPr>
-        <p:spPr>
-          <a:xfrm>
-            <a:off x="114807" y="0"/>
-            <a:ext cx="6624736" cy="965456"/>
-          </a:xfrm>
-        </p:spPr>
-        <p:txBody>
-          <a:bodyPr>
-            <a:normAutofit/>
-          </a:bodyPr>
-          <a:lstStyle/>
-          <a:p>
-            <a:r>
-              <a:rPr kumimoji="1" lang="en-US" altLang="ja-JP" sz="2800" dirty="0" smtClean="0"/>
-              <a:t>Wikipedia</a:t>
-            </a:r>
-            <a:r>
-              <a:rPr kumimoji="1" lang="ja-JP" altLang="en-US" sz="2800" dirty="0" smtClean="0"/>
-              <a:t>を使用した</a:t>
-            </a:r>
-            <a:r>
-              <a:rPr kumimoji="1" lang="en-US" altLang="ja-JP" sz="2800" dirty="0" smtClean="0"/>
-              <a:t/>
-            </a:r>
-            <a:br>
-              <a:rPr kumimoji="1" lang="en-US" altLang="ja-JP" sz="2800" dirty="0" smtClean="0"/>
-            </a:br>
-            <a:r>
-              <a:rPr kumimoji="1" lang="ja-JP" altLang="en-US" sz="2800" dirty="0" smtClean="0"/>
-              <a:t>プロジェクトマネジメント研究</a:t>
-            </a:r>
-            <a:endParaRPr kumimoji="1" lang="ja-JP" altLang="en-US" sz="2800" dirty="0"/>
-          </a:p>
-        </p:txBody>
-      </p:sp>
-      <p:sp>
-        <p:nvSpPr>
-          <p:cNvPr id="3" name="コンテンツ プレースホルダー 2"/>
-          <p:cNvSpPr>
-            <a:spLocks noGrp="1"/>
-          </p:cNvSpPr>
-          <p:nvPr>
-            <p:ph idx="1"/>
-          </p:nvPr>
-        </p:nvSpPr>
-        <p:spPr>
-          <a:xfrm>
-            <a:off x="116632" y="1331640"/>
-            <a:ext cx="6624736" cy="3816424"/>
-          </a:xfrm>
-        </p:spPr>
-        <p:txBody>
-          <a:bodyPr>
-            <a:normAutofit lnSpcReduction="10000"/>
-          </a:bodyPr>
-          <a:lstStyle/>
-          <a:p>
-            <a:pPr marL="0" indent="0">
-              <a:buNone/>
-            </a:pPr>
-            <a:endParaRPr kumimoji="1" lang="en-US" altLang="ja-JP" sz="2000" dirty="0" smtClean="0">
-              <a:solidFill>
-                <a:srgbClr val="FF0000"/>
-              </a:solidFill>
-            </a:endParaRPr>
-          </a:p>
-          <a:p>
-            <a:pPr marL="0" indent="0">
-              <a:buNone/>
-            </a:pPr>
-            <a:r>
-              <a:rPr lang="ja-JP" altLang="en-US" sz="2000" dirty="0" smtClean="0">
-                <a:solidFill>
-                  <a:schemeClr val="tx1"/>
-                </a:solidFill>
-              </a:rPr>
-              <a:t>　</a:t>
-            </a:r>
-            <a:r>
-              <a:rPr lang="en-US" altLang="ja-JP" sz="2000" dirty="0" smtClean="0">
-                <a:solidFill>
-                  <a:schemeClr val="tx1"/>
-                </a:solidFill>
-              </a:rPr>
-              <a:t>Wikipedia</a:t>
-            </a:r>
-            <a:r>
-              <a:rPr lang="ja-JP" altLang="en-US" sz="2000" dirty="0">
-                <a:solidFill>
-                  <a:schemeClr val="tx1"/>
-                </a:solidFill>
-              </a:rPr>
-              <a:t>はウェブでは最も有名なオンライン百科事典である．しかし，今日の</a:t>
-            </a:r>
-            <a:r>
-              <a:rPr lang="en-US" altLang="ja-JP" sz="2000" dirty="0">
-                <a:solidFill>
-                  <a:schemeClr val="tx1"/>
-                </a:solidFill>
-              </a:rPr>
-              <a:t>Wikipedia</a:t>
-            </a:r>
-            <a:r>
-              <a:rPr lang="ja-JP" altLang="en-US" sz="2000" dirty="0">
-                <a:solidFill>
-                  <a:schemeClr val="tx1"/>
-                </a:solidFill>
-              </a:rPr>
-              <a:t>はプロジェクトとしてでは衰退してきている．この背景としては，官僚主義の行き過ぎと，執筆者の離脱が原因と考えられている．</a:t>
-            </a:r>
-            <a:r>
-              <a:rPr lang="en-US" altLang="ja-JP" sz="2000" dirty="0">
-                <a:solidFill>
-                  <a:schemeClr val="tx1"/>
-                </a:solidFill>
-              </a:rPr>
-              <a:t>Wikipedia</a:t>
-            </a:r>
-            <a:r>
-              <a:rPr lang="ja-JP" altLang="en-US" sz="2000" dirty="0">
-                <a:solidFill>
-                  <a:schemeClr val="tx1"/>
-                </a:solidFill>
-              </a:rPr>
-              <a:t>には，多くの協力者によって成り立っているが，今日では，協力者を失いつつある状況である．アクティブな協力者のうち</a:t>
-            </a:r>
-            <a:r>
-              <a:rPr lang="en-US" altLang="ja-JP" sz="2000" dirty="0">
-                <a:solidFill>
-                  <a:schemeClr val="tx1"/>
-                </a:solidFill>
-              </a:rPr>
-              <a:t>90</a:t>
-            </a:r>
-            <a:r>
-              <a:rPr lang="ja-JP" altLang="en-US" sz="2000" dirty="0">
-                <a:solidFill>
-                  <a:schemeClr val="tx1"/>
-                </a:solidFill>
-              </a:rPr>
-              <a:t>％が男性で大部分が西洋人である．拡大するネット人口を代表しているとはほとんどいえない．</a:t>
-            </a:r>
-          </a:p>
-          <a:p>
-            <a:pPr marL="0" indent="0">
-              <a:buNone/>
-            </a:pPr>
-            <a:r>
-              <a:rPr lang="ja-JP" altLang="en-US" sz="2000" dirty="0">
-                <a:solidFill>
-                  <a:schemeClr val="tx1"/>
-                </a:solidFill>
-              </a:rPr>
-              <a:t>このオンライン百科事典の英語版は</a:t>
-            </a:r>
-            <a:r>
-              <a:rPr lang="en-US" altLang="ja-JP" sz="2000" dirty="0">
-                <a:solidFill>
-                  <a:schemeClr val="tx1"/>
-                </a:solidFill>
-              </a:rPr>
-              <a:t>2007</a:t>
-            </a:r>
-            <a:r>
-              <a:rPr lang="ja-JP" altLang="en-US" sz="2000" dirty="0">
-                <a:solidFill>
-                  <a:schemeClr val="tx1"/>
-                </a:solidFill>
-              </a:rPr>
-              <a:t>年から</a:t>
-            </a:r>
-            <a:r>
-              <a:rPr lang="en-US" altLang="ja-JP" sz="2000" dirty="0">
-                <a:solidFill>
-                  <a:schemeClr val="tx1"/>
-                </a:solidFill>
-              </a:rPr>
-              <a:t>2012</a:t>
-            </a:r>
-            <a:r>
-              <a:rPr lang="ja-JP" altLang="en-US" sz="2000" dirty="0">
-                <a:solidFill>
-                  <a:schemeClr val="tx1"/>
-                </a:solidFill>
-              </a:rPr>
-              <a:t>年までに協力者の</a:t>
-            </a:r>
-            <a:r>
-              <a:rPr lang="en-US" altLang="ja-JP" sz="2000" dirty="0">
-                <a:solidFill>
-                  <a:schemeClr val="tx1"/>
-                </a:solidFill>
-              </a:rPr>
-              <a:t>30</a:t>
-            </a:r>
-            <a:r>
-              <a:rPr lang="ja-JP" altLang="en-US" sz="2000" dirty="0">
-                <a:solidFill>
-                  <a:schemeClr val="tx1"/>
-                </a:solidFill>
-              </a:rPr>
-              <a:t>％を失っている</a:t>
-            </a:r>
-            <a:r>
-              <a:rPr lang="en-US" altLang="ja-JP" sz="2000" dirty="0">
-                <a:solidFill>
-                  <a:schemeClr val="tx1"/>
-                </a:solidFill>
-              </a:rPr>
-              <a:t>(</a:t>
-            </a:r>
-            <a:r>
-              <a:rPr lang="ja-JP" altLang="en-US" sz="2000" dirty="0">
-                <a:solidFill>
-                  <a:schemeClr val="tx1"/>
-                </a:solidFill>
-              </a:rPr>
-              <a:t>現在</a:t>
-            </a:r>
-            <a:r>
-              <a:rPr lang="en-US" altLang="ja-JP" sz="2000" dirty="0">
-                <a:solidFill>
-                  <a:schemeClr val="tx1"/>
-                </a:solidFill>
-              </a:rPr>
-              <a:t>3</a:t>
-            </a:r>
-            <a:r>
-              <a:rPr lang="ja-JP" altLang="en-US" sz="2000" dirty="0">
-                <a:solidFill>
-                  <a:schemeClr val="tx1"/>
-                </a:solidFill>
-              </a:rPr>
-              <a:t>万</a:t>
-            </a:r>
-            <a:r>
-              <a:rPr lang="en-US" altLang="ja-JP" sz="2000" dirty="0">
-                <a:solidFill>
-                  <a:schemeClr val="tx1"/>
-                </a:solidFill>
-              </a:rPr>
-              <a:t>1000</a:t>
-            </a:r>
-            <a:r>
-              <a:rPr lang="ja-JP" altLang="en-US" sz="2000" dirty="0">
-                <a:solidFill>
-                  <a:schemeClr val="tx1"/>
-                </a:solidFill>
-              </a:rPr>
-              <a:t>人．世界の</a:t>
-            </a:r>
-            <a:r>
-              <a:rPr lang="en-US" altLang="ja-JP" sz="2000" dirty="0">
-                <a:solidFill>
-                  <a:schemeClr val="tx1"/>
-                </a:solidFill>
-              </a:rPr>
-              <a:t>Wikipedia</a:t>
-            </a:r>
-            <a:r>
-              <a:rPr lang="ja-JP" altLang="en-US" sz="2000" dirty="0">
-                <a:solidFill>
-                  <a:schemeClr val="tx1"/>
-                </a:solidFill>
-              </a:rPr>
-              <a:t>の総計は</a:t>
-            </a:r>
-            <a:r>
-              <a:rPr lang="en-US" altLang="ja-JP" sz="2000" dirty="0">
-                <a:solidFill>
-                  <a:schemeClr val="tx1"/>
-                </a:solidFill>
-              </a:rPr>
-              <a:t>25</a:t>
-            </a:r>
-            <a:r>
-              <a:rPr lang="ja-JP" altLang="en-US" sz="2000" dirty="0">
-                <a:solidFill>
-                  <a:schemeClr val="tx1"/>
-                </a:solidFill>
-              </a:rPr>
-              <a:t>万人．</a:t>
-            </a:r>
-            <a:r>
-              <a:rPr lang="en-US" altLang="ja-JP" sz="2000" dirty="0" smtClean="0">
-                <a:solidFill>
-                  <a:schemeClr val="tx1"/>
-                </a:solidFill>
-              </a:rPr>
-              <a:t>)</a:t>
-            </a:r>
-            <a:endParaRPr lang="ja-JP" altLang="en-US" sz="2000" dirty="0">
-              <a:solidFill>
-                <a:schemeClr val="tx1"/>
-              </a:solidFill>
-            </a:endParaRPr>
-          </a:p>
-          <a:p>
-            <a:pPr marL="0" indent="0">
-              <a:buNone/>
-            </a:pPr>
-            <a:endParaRPr kumimoji="1" lang="ja-JP" altLang="en-US" sz="1400" dirty="0"/>
-          </a:p>
-        </p:txBody>
-      </p:sp>
-      <p:sp>
-        <p:nvSpPr>
-          <p:cNvPr id="4" name="テキスト ボックス 3"/>
+          <p:cNvPr id="3" name="テキスト ボックス 2"/>
           <p:cNvSpPr txBox="1"/>
           <p:nvPr/>
         </p:nvSpPr>
         <p:spPr>
           <a:xfrm>
-            <a:off x="116632" y="6138753"/>
-            <a:ext cx="6624736" cy="1631216"/>
+            <a:off x="188640" y="107504"/>
+            <a:ext cx="6264696" cy="400110"/>
           </a:xfrm>
           <a:prstGeom prst="rect">
             <a:avLst/>
@@ -17788,154 +17473,122 @@
           </a:bodyPr>
           <a:lstStyle/>
           <a:p>
-            <a:endParaRPr kumimoji="1" lang="en-US" altLang="ja-JP" sz="2000" dirty="0" smtClean="0">
-              <a:solidFill>
-                <a:srgbClr val="FF0000"/>
-              </a:solidFill>
-            </a:endParaRPr>
-          </a:p>
-          <a:p>
-            <a:r>
-              <a:rPr lang="ja-JP" altLang="en-US" sz="2000" dirty="0"/>
-              <a:t>　</a:t>
-            </a:r>
-            <a:r>
-              <a:rPr lang="ja-JP" altLang="ja-JP" sz="2000" dirty="0"/>
-              <a:t>　今日</a:t>
-            </a:r>
-            <a:r>
-              <a:rPr lang="ja-JP" altLang="ja-JP" sz="2000" dirty="0" smtClean="0"/>
-              <a:t>の</a:t>
-            </a:r>
-            <a:r>
-              <a:rPr lang="en-US" altLang="ja-JP" sz="2000" dirty="0"/>
-              <a:t>W</a:t>
-            </a:r>
-            <a:r>
-              <a:rPr lang="en-US" altLang="ja-JP" sz="2000" dirty="0" smtClean="0"/>
-              <a:t>ikipedia</a:t>
-            </a:r>
-            <a:r>
-              <a:rPr lang="ja-JP" altLang="ja-JP" sz="2000" dirty="0"/>
-              <a:t>が衰退してきている原因を探り，今後の</a:t>
-            </a:r>
-            <a:r>
-              <a:rPr lang="en-US" altLang="ja-JP" sz="2000" dirty="0"/>
+            <a:pPr algn="ctr"/>
+            <a:r>
+              <a:rPr lang="en-US" altLang="ja-JP" sz="2000" kern="0" dirty="0">
+                <a:solidFill>
+                  <a:srgbClr val="975C1E"/>
+                </a:solidFill>
+                <a:effectLst>
+                  <a:glow rad="101600">
+                    <a:srgbClr val="FFE880">
+                      <a:tint val="20000"/>
+                      <a:alpha val="60000"/>
+                    </a:srgbClr>
+                  </a:glow>
+                  <a:outerShdw blurRad="50800" dist="50800" dir="2700000" algn="tl" rotWithShape="0">
+                    <a:srgbClr val="000000">
+                      <a:alpha val="43137"/>
+                    </a:srgbClr>
+                  </a:outerShdw>
+                </a:effectLst>
+                <a:latin typeface="Bookman Old Style"/>
+                <a:ea typeface="HG明朝E"/>
+              </a:rPr>
               <a:t>Wikipedia</a:t>
             </a:r>
             <a:r>
-              <a:rPr lang="ja-JP" altLang="ja-JP" sz="2000" dirty="0"/>
-              <a:t>の目指す先を見出す</a:t>
-            </a:r>
-            <a:r>
-              <a:rPr lang="ja-JP" altLang="ja-JP" sz="2000" dirty="0" smtClean="0"/>
-              <a:t>．</a:t>
-            </a:r>
-            <a:r>
-              <a:rPr lang="ja-JP" altLang="en-US" sz="2000" dirty="0" smtClean="0"/>
-              <a:t>また，</a:t>
-            </a:r>
-            <a:r>
-              <a:rPr lang="en-US" altLang="ja-JP" sz="2000" dirty="0" smtClean="0"/>
-              <a:t>Wikipedia</a:t>
-            </a:r>
-            <a:r>
-              <a:rPr lang="ja-JP" altLang="en-US" sz="2000" dirty="0" smtClean="0"/>
-              <a:t>へ，簡単に協力できように，拡大の為の案を考案する．</a:t>
-            </a:r>
-            <a:endParaRPr lang="ja-JP" altLang="ja-JP" sz="2000" dirty="0"/>
-          </a:p>
-          <a:p>
+              <a:rPr lang="ja-JP" altLang="en-US" sz="2000" kern="0" dirty="0">
+                <a:solidFill>
+                  <a:srgbClr val="975C1E"/>
+                </a:solidFill>
+                <a:effectLst>
+                  <a:glow rad="101600">
+                    <a:srgbClr val="FFE880">
+                      <a:tint val="20000"/>
+                      <a:alpha val="60000"/>
+                    </a:srgbClr>
+                  </a:glow>
+                  <a:outerShdw blurRad="50800" dist="50800" dir="2700000" algn="tl" rotWithShape="0">
+                    <a:srgbClr val="000000">
+                      <a:alpha val="43137"/>
+                    </a:srgbClr>
+                  </a:outerShdw>
+                </a:effectLst>
+                <a:latin typeface="Bookman Old Style"/>
+                <a:ea typeface="HG明朝E"/>
+              </a:rPr>
+              <a:t>を使用</a:t>
+            </a:r>
+            <a:r>
+              <a:rPr lang="ja-JP" altLang="en-US" sz="2000" kern="0" dirty="0" smtClean="0">
+                <a:solidFill>
+                  <a:srgbClr val="975C1E"/>
+                </a:solidFill>
+                <a:effectLst>
+                  <a:glow rad="101600">
+                    <a:srgbClr val="FFE880">
+                      <a:tint val="20000"/>
+                      <a:alpha val="60000"/>
+                    </a:srgbClr>
+                  </a:glow>
+                  <a:outerShdw blurRad="50800" dist="50800" dir="2700000" algn="tl" rotWithShape="0">
+                    <a:srgbClr val="000000">
+                      <a:alpha val="43137"/>
+                    </a:srgbClr>
+                  </a:outerShdw>
+                </a:effectLst>
+                <a:latin typeface="Bookman Old Style"/>
+                <a:ea typeface="HG明朝E"/>
+              </a:rPr>
+              <a:t>したプロジェクトマネジメント</a:t>
+            </a:r>
+            <a:r>
+              <a:rPr lang="ja-JP" altLang="en-US" sz="2000" kern="0" dirty="0">
+                <a:solidFill>
+                  <a:srgbClr val="975C1E"/>
+                </a:solidFill>
+                <a:effectLst>
+                  <a:glow rad="101600">
+                    <a:srgbClr val="FFE880">
+                      <a:tint val="20000"/>
+                      <a:alpha val="60000"/>
+                    </a:srgbClr>
+                  </a:glow>
+                  <a:outerShdw blurRad="50800" dist="50800" dir="2700000" algn="tl" rotWithShape="0">
+                    <a:srgbClr val="000000">
+                      <a:alpha val="43137"/>
+                    </a:srgbClr>
+                  </a:outerShdw>
+                </a:effectLst>
+                <a:latin typeface="Bookman Old Style"/>
+                <a:ea typeface="HG明朝E"/>
+              </a:rPr>
+              <a:t>研究</a:t>
+            </a:r>
             <a:endParaRPr kumimoji="1" lang="ja-JP" altLang="en-US" sz="2000" dirty="0"/>
           </a:p>
         </p:txBody>
       </p:sp>
       <p:sp>
         <p:nvSpPr>
-          <p:cNvPr id="5" name="テキスト ボックス 4"/>
-          <p:cNvSpPr txBox="1"/>
-          <p:nvPr/>
-        </p:nvSpPr>
-        <p:spPr>
-          <a:xfrm>
-            <a:off x="152129" y="7769969"/>
-            <a:ext cx="6624736" cy="1015663"/>
-          </a:xfrm>
-          <a:prstGeom prst="rect">
-            <a:avLst/>
-          </a:prstGeom>
-          <a:noFill/>
-        </p:spPr>
-        <p:txBody>
-          <a:bodyPr wrap="square" rtlCol="0">
-            <a:spAutoFit/>
-          </a:bodyPr>
-          <a:lstStyle/>
-          <a:p>
-            <a:endParaRPr kumimoji="1" lang="en-US" altLang="ja-JP" sz="2000" dirty="0" smtClean="0">
-              <a:solidFill>
-                <a:srgbClr val="FF0000"/>
-              </a:solidFill>
-            </a:endParaRPr>
-          </a:p>
-          <a:p>
-            <a:r>
-              <a:rPr lang="ja-JP" altLang="en-US" sz="2000" dirty="0">
-                <a:solidFill>
-                  <a:srgbClr val="FF0000"/>
-                </a:solidFill>
-              </a:rPr>
-              <a:t>　</a:t>
-            </a:r>
-            <a:r>
-              <a:rPr lang="ja-JP" altLang="ja-JP" sz="2000" dirty="0"/>
-              <a:t>インターネットを利用し，現在の</a:t>
-            </a:r>
-            <a:r>
-              <a:rPr lang="en-US" altLang="ja-JP" sz="2000" dirty="0"/>
-              <a:t>Wikipedia</a:t>
-            </a:r>
-            <a:r>
-              <a:rPr lang="ja-JP" altLang="ja-JP" sz="2000" dirty="0"/>
-              <a:t>の事について学ぶ．多くの情報を扱うオンライン百科事典の成り立ちから</a:t>
-            </a:r>
-            <a:r>
-              <a:rPr lang="ja-JP" altLang="ja-JP" sz="2000" dirty="0" smtClean="0"/>
-              <a:t>調べる</a:t>
-            </a:r>
-            <a:r>
-              <a:rPr lang="ja-JP" altLang="en-US" sz="2000" dirty="0" smtClean="0"/>
-              <a:t>．</a:t>
-            </a:r>
-            <a:endParaRPr kumimoji="1" lang="ja-JP" altLang="en-US" sz="2000" dirty="0">
-              <a:solidFill>
-                <a:srgbClr val="FF0000"/>
-              </a:solidFill>
-            </a:endParaRPr>
-          </a:p>
-        </p:txBody>
-      </p:sp>
-      <p:sp>
-        <p:nvSpPr>
-          <p:cNvPr id="7" name="ホームベース 6"/>
+          <p:cNvPr id="4" name="ホームベース 3"/>
           <p:cNvSpPr/>
           <p:nvPr/>
         </p:nvSpPr>
         <p:spPr>
           <a:xfrm>
-            <a:off x="116632" y="1244753"/>
-            <a:ext cx="1475657" cy="484632"/>
+            <a:off x="147377" y="939727"/>
+            <a:ext cx="1440160" cy="504056"/>
           </a:xfrm>
           <a:prstGeom prst="homePlate">
             <a:avLst/>
           </a:prstGeom>
           <a:solidFill>
-            <a:srgbClr val="00B050"/>
+            <a:srgbClr val="92D050"/>
           </a:solidFill>
           <a:ln>
-            <a:solidFill>
-              <a:srgbClr val="00B050"/>
-            </a:solidFill>
+            <a:noFill/>
           </a:ln>
         </p:spPr>
         <p:style>
@@ -17960,23 +17613,31 @@
           <a:p>
             <a:pPr algn="ctr"/>
             <a:r>
-              <a:rPr kumimoji="1" lang="ja-JP" altLang="en-US" sz="2400" dirty="0" smtClean="0"/>
+              <a:rPr kumimoji="1" lang="ja-JP" altLang="en-US" sz="2000" dirty="0" smtClean="0">
+                <a:solidFill>
+                  <a:schemeClr val="tx1"/>
+                </a:solidFill>
+              </a:rPr>
               <a:t>背景</a:t>
             </a:r>
-            <a:endParaRPr kumimoji="1" lang="ja-JP" altLang="en-US" sz="2400" dirty="0"/>
+            <a:endParaRPr kumimoji="1" lang="ja-JP" altLang="en-US" sz="2000" dirty="0">
+              <a:solidFill>
+                <a:schemeClr val="tx1"/>
+              </a:solidFill>
+            </a:endParaRPr>
           </a:p>
         </p:txBody>
       </p:sp>
       <p:sp>
         <p:nvSpPr>
-          <p:cNvPr id="8" name="テキスト ボックス 7"/>
+          <p:cNvPr id="13" name="テキスト ボックス 12"/>
           <p:cNvSpPr txBox="1"/>
           <p:nvPr/>
         </p:nvSpPr>
         <p:spPr>
           <a:xfrm>
-            <a:off x="2168353" y="971600"/>
-            <a:ext cx="4608512" cy="307777"/>
+            <a:off x="1471358" y="682477"/>
+            <a:ext cx="5222465" cy="338554"/>
           </a:xfrm>
           <a:prstGeom prst="rect">
             <a:avLst/>
@@ -17990,24 +17651,497 @@
           <a:lstStyle/>
           <a:p>
             <a:r>
-              <a:rPr kumimoji="1" lang="ja-JP" altLang="en-US" sz="1400" dirty="0" smtClean="0"/>
+              <a:rPr kumimoji="1" lang="ja-JP" altLang="en-US" sz="1600" b="1" dirty="0" smtClean="0"/>
               <a:t>ソフトウェア開発コース　矢吹研究室　</a:t>
             </a:r>
             <a:r>
-              <a:rPr kumimoji="1" lang="en-US" altLang="ja-JP" sz="1400" dirty="0" smtClean="0"/>
+              <a:rPr kumimoji="1" lang="en-US" altLang="ja-JP" sz="1600" b="1" dirty="0" smtClean="0"/>
               <a:t>1142066</a:t>
             </a:r>
             <a:r>
-              <a:rPr kumimoji="1" lang="ja-JP" altLang="en-US" sz="1400" dirty="0" smtClean="0"/>
+              <a:rPr kumimoji="1" lang="ja-JP" altLang="en-US" sz="1600" b="1" dirty="0" smtClean="0"/>
               <a:t>　曽我勇貴</a:t>
             </a:r>
-            <a:endParaRPr kumimoji="1" lang="ja-JP" altLang="en-US" sz="1400" dirty="0"/>
+            <a:endParaRPr kumimoji="1" lang="ja-JP" altLang="en-US" sz="1600" b="1" dirty="0"/>
+          </a:p>
+        </p:txBody>
+      </p:sp>
+      <p:sp>
+        <p:nvSpPr>
+          <p:cNvPr id="5" name="円/楕円 4"/>
+          <p:cNvSpPr/>
+          <p:nvPr/>
+        </p:nvSpPr>
+        <p:spPr>
+          <a:xfrm>
+            <a:off x="1027230" y="1636139"/>
+            <a:ext cx="2797794" cy="927750"/>
+          </a:xfrm>
+          <a:prstGeom prst="ellipse">
+            <a:avLst/>
+          </a:prstGeom>
+          <a:solidFill>
+            <a:srgbClr val="FFC000"/>
+          </a:solidFill>
+          <a:ln>
+            <a:noFill/>
+          </a:ln>
+        </p:spPr>
+        <p:style>
+          <a:lnRef idx="2">
+            <a:schemeClr val="accent1">
+              <a:shade val="50000"/>
+            </a:schemeClr>
+          </a:lnRef>
+          <a:fillRef idx="1">
+            <a:schemeClr val="accent1"/>
+          </a:fillRef>
+          <a:effectRef idx="0">
+            <a:schemeClr val="accent1"/>
+          </a:effectRef>
+          <a:fontRef idx="minor">
+            <a:schemeClr val="lt1"/>
+          </a:fontRef>
+        </p:style>
+        <p:txBody>
+          <a:bodyPr rtlCol="0" anchor="ctr"/>
+          <a:lstStyle/>
+          <a:p>
+            <a:pPr algn="ctr"/>
+            <a:r>
+              <a:rPr kumimoji="1" lang="en-US" altLang="ja-JP" sz="2800" b="1" dirty="0" smtClean="0">
+                <a:solidFill>
+                  <a:schemeClr val="tx1"/>
+                </a:solidFill>
+              </a:rPr>
+              <a:t>Wikipedia</a:t>
+            </a:r>
+            <a:endParaRPr kumimoji="1" lang="ja-JP" altLang="en-US" sz="2800" b="1" dirty="0">
+              <a:solidFill>
+                <a:schemeClr val="tx1"/>
+              </a:solidFill>
+            </a:endParaRPr>
+          </a:p>
+        </p:txBody>
+      </p:sp>
+      <p:sp>
+        <p:nvSpPr>
+          <p:cNvPr id="6" name="右矢印 5"/>
+          <p:cNvSpPr/>
+          <p:nvPr/>
+        </p:nvSpPr>
+        <p:spPr>
+          <a:xfrm>
+            <a:off x="3856884" y="1827128"/>
+            <a:ext cx="809888" cy="545773"/>
+          </a:xfrm>
+          <a:prstGeom prst="rightArrow">
+            <a:avLst/>
+          </a:prstGeom>
+          <a:solidFill>
+            <a:srgbClr val="00B0F0"/>
+          </a:solidFill>
+          <a:ln>
+            <a:noFill/>
+          </a:ln>
+        </p:spPr>
+        <p:style>
+          <a:lnRef idx="2">
+            <a:schemeClr val="accent1">
+              <a:shade val="50000"/>
+            </a:schemeClr>
+          </a:lnRef>
+          <a:fillRef idx="1">
+            <a:schemeClr val="accent1"/>
+          </a:fillRef>
+          <a:effectRef idx="0">
+            <a:schemeClr val="accent1"/>
+          </a:effectRef>
+          <a:fontRef idx="minor">
+            <a:schemeClr val="lt1"/>
+          </a:fontRef>
+        </p:style>
+        <p:txBody>
+          <a:bodyPr rtlCol="0" anchor="ctr"/>
+          <a:lstStyle/>
+          <a:p>
+            <a:pPr algn="ctr"/>
+            <a:endParaRPr kumimoji="1" lang="ja-JP" altLang="en-US"/>
+          </a:p>
+        </p:txBody>
+      </p:sp>
+      <p:sp>
+        <p:nvSpPr>
+          <p:cNvPr id="7" name="対角する 2 つの角を切り取った四角形 6"/>
+          <p:cNvSpPr/>
+          <p:nvPr/>
+        </p:nvSpPr>
+        <p:spPr>
+          <a:xfrm>
+            <a:off x="4811468" y="1788145"/>
+            <a:ext cx="1742508" cy="623740"/>
+          </a:xfrm>
+          <a:prstGeom prst="snip2DiagRect">
+            <a:avLst/>
+          </a:prstGeom>
+          <a:solidFill>
+            <a:schemeClr val="accent4">
+              <a:lumMod val="60000"/>
+              <a:lumOff val="40000"/>
+            </a:schemeClr>
+          </a:solidFill>
+          <a:ln>
+            <a:noFill/>
+          </a:ln>
+        </p:spPr>
+        <p:style>
+          <a:lnRef idx="2">
+            <a:schemeClr val="accent1">
+              <a:shade val="50000"/>
+            </a:schemeClr>
+          </a:lnRef>
+          <a:fillRef idx="1">
+            <a:schemeClr val="accent1"/>
+          </a:fillRef>
+          <a:effectRef idx="0">
+            <a:schemeClr val="accent1"/>
+          </a:effectRef>
+          <a:fontRef idx="minor">
+            <a:schemeClr val="lt1"/>
+          </a:fontRef>
+        </p:style>
+        <p:txBody>
+          <a:bodyPr rtlCol="0" anchor="ctr"/>
+          <a:lstStyle/>
+          <a:p>
+            <a:pPr algn="ctr"/>
+            <a:r>
+              <a:rPr lang="ja-JP" altLang="en-US" b="1" dirty="0">
+                <a:solidFill>
+                  <a:schemeClr val="tx1"/>
+                </a:solidFill>
+              </a:rPr>
+              <a:t>有用</a:t>
+            </a:r>
+            <a:r>
+              <a:rPr lang="ja-JP" altLang="en-US" b="1" dirty="0" smtClean="0">
+                <a:solidFill>
+                  <a:schemeClr val="tx1"/>
+                </a:solidFill>
+              </a:rPr>
+              <a:t>な情報</a:t>
+            </a:r>
+            <a:endParaRPr kumimoji="1" lang="ja-JP" altLang="en-US" b="1" dirty="0">
+              <a:solidFill>
+                <a:schemeClr val="tx1"/>
+              </a:solidFill>
+            </a:endParaRPr>
+          </a:p>
+        </p:txBody>
+      </p:sp>
+      <p:sp>
+        <p:nvSpPr>
+          <p:cNvPr id="10" name="上矢印 9"/>
+          <p:cNvSpPr/>
+          <p:nvPr/>
+        </p:nvSpPr>
+        <p:spPr>
+          <a:xfrm>
+            <a:off x="1920289" y="2573650"/>
+            <a:ext cx="515383" cy="665826"/>
+          </a:xfrm>
+          <a:prstGeom prst="upArrow">
+            <a:avLst/>
+          </a:prstGeom>
+          <a:solidFill>
+            <a:srgbClr val="00B0F0"/>
+          </a:solidFill>
+          <a:ln>
+            <a:noFill/>
+          </a:ln>
+        </p:spPr>
+        <p:style>
+          <a:lnRef idx="2">
+            <a:schemeClr val="accent1">
+              <a:shade val="50000"/>
+            </a:schemeClr>
+          </a:lnRef>
+          <a:fillRef idx="1">
+            <a:schemeClr val="accent1"/>
+          </a:fillRef>
+          <a:effectRef idx="0">
+            <a:schemeClr val="accent1"/>
+          </a:effectRef>
+          <a:fontRef idx="minor">
+            <a:schemeClr val="lt1"/>
+          </a:fontRef>
+        </p:style>
+        <p:txBody>
+          <a:bodyPr rtlCol="0" anchor="ctr"/>
+          <a:lstStyle/>
+          <a:p>
+            <a:pPr algn="ctr"/>
+            <a:endParaRPr kumimoji="1" lang="ja-JP" altLang="en-US"/>
+          </a:p>
+        </p:txBody>
+      </p:sp>
+      <p:sp>
+        <p:nvSpPr>
+          <p:cNvPr id="11" name="上矢印 10"/>
+          <p:cNvSpPr/>
+          <p:nvPr/>
+        </p:nvSpPr>
+        <p:spPr>
+          <a:xfrm>
+            <a:off x="2595243" y="2590438"/>
+            <a:ext cx="515383" cy="649037"/>
+          </a:xfrm>
+          <a:prstGeom prst="upArrow">
+            <a:avLst/>
+          </a:prstGeom>
+          <a:solidFill>
+            <a:srgbClr val="00B0F0"/>
+          </a:solidFill>
+          <a:ln>
+            <a:noFill/>
+          </a:ln>
+        </p:spPr>
+        <p:style>
+          <a:lnRef idx="2">
+            <a:schemeClr val="accent1">
+              <a:shade val="50000"/>
+            </a:schemeClr>
+          </a:lnRef>
+          <a:fillRef idx="1">
+            <a:schemeClr val="accent1"/>
+          </a:fillRef>
+          <a:effectRef idx="0">
+            <a:schemeClr val="accent1"/>
+          </a:effectRef>
+          <a:fontRef idx="minor">
+            <a:schemeClr val="lt1"/>
+          </a:fontRef>
+        </p:style>
+        <p:txBody>
+          <a:bodyPr rtlCol="0" anchor="ctr"/>
+          <a:lstStyle/>
+          <a:p>
+            <a:pPr algn="ctr"/>
+            <a:endParaRPr kumimoji="1" lang="ja-JP" altLang="en-US"/>
+          </a:p>
+        </p:txBody>
+      </p:sp>
+      <p:sp>
+        <p:nvSpPr>
+          <p:cNvPr id="12" name="角丸四角形 11"/>
+          <p:cNvSpPr/>
+          <p:nvPr/>
+        </p:nvSpPr>
+        <p:spPr>
+          <a:xfrm>
+            <a:off x="1686939" y="3309182"/>
+            <a:ext cx="1656588" cy="467805"/>
+          </a:xfrm>
+          <a:prstGeom prst="roundRect">
+            <a:avLst/>
+          </a:prstGeom>
+          <a:solidFill>
+            <a:srgbClr val="92D050"/>
+          </a:solidFill>
+          <a:ln>
+            <a:noFill/>
+          </a:ln>
+        </p:spPr>
+        <p:style>
+          <a:lnRef idx="2">
+            <a:schemeClr val="accent1">
+              <a:shade val="50000"/>
+            </a:schemeClr>
+          </a:lnRef>
+          <a:fillRef idx="1">
+            <a:schemeClr val="accent1"/>
+          </a:fillRef>
+          <a:effectRef idx="0">
+            <a:schemeClr val="accent1"/>
+          </a:effectRef>
+          <a:fontRef idx="minor">
+            <a:schemeClr val="lt1"/>
+          </a:fontRef>
+        </p:style>
+        <p:txBody>
+          <a:bodyPr rtlCol="0" anchor="ctr"/>
+          <a:lstStyle/>
+          <a:p>
+            <a:pPr algn="ctr"/>
+            <a:r>
+              <a:rPr kumimoji="1" lang="ja-JP" altLang="en-US" b="1" dirty="0" smtClean="0">
+                <a:solidFill>
+                  <a:schemeClr val="tx1"/>
+                </a:solidFill>
+              </a:rPr>
+              <a:t>更新する人々</a:t>
+            </a:r>
+            <a:endParaRPr kumimoji="1" lang="ja-JP" altLang="en-US" b="1" dirty="0">
+              <a:solidFill>
+                <a:schemeClr val="tx1"/>
+              </a:solidFill>
+            </a:endParaRPr>
+          </a:p>
+        </p:txBody>
+      </p:sp>
+      <p:sp>
+        <p:nvSpPr>
+          <p:cNvPr id="14" name="円/楕円 13"/>
+          <p:cNvSpPr/>
+          <p:nvPr/>
+        </p:nvSpPr>
+        <p:spPr>
+          <a:xfrm>
+            <a:off x="1563405" y="2889331"/>
+            <a:ext cx="2009101" cy="227711"/>
+          </a:xfrm>
+          <a:prstGeom prst="ellipse">
+            <a:avLst/>
+          </a:prstGeom>
+          <a:solidFill>
+            <a:srgbClr val="FFC000"/>
+          </a:solidFill>
+          <a:ln>
+            <a:noFill/>
+          </a:ln>
+        </p:spPr>
+        <p:style>
+          <a:lnRef idx="2">
+            <a:schemeClr val="accent1">
+              <a:shade val="50000"/>
+            </a:schemeClr>
+          </a:lnRef>
+          <a:fillRef idx="1">
+            <a:schemeClr val="accent1"/>
+          </a:fillRef>
+          <a:effectRef idx="0">
+            <a:schemeClr val="accent1"/>
+          </a:effectRef>
+          <a:fontRef idx="minor">
+            <a:schemeClr val="lt1"/>
+          </a:fontRef>
+        </p:style>
+        <p:txBody>
+          <a:bodyPr rtlCol="0" anchor="ctr"/>
+          <a:lstStyle/>
+          <a:p>
+            <a:pPr algn="ctr"/>
+            <a:endParaRPr kumimoji="1" lang="ja-JP" altLang="en-US"/>
+          </a:p>
+        </p:txBody>
+      </p:sp>
+      <p:sp>
+        <p:nvSpPr>
+          <p:cNvPr id="15" name="左矢印 14"/>
+          <p:cNvSpPr/>
+          <p:nvPr/>
+        </p:nvSpPr>
+        <p:spPr>
+          <a:xfrm>
+            <a:off x="3799734" y="2714759"/>
+            <a:ext cx="778718" cy="524716"/>
+          </a:xfrm>
+          <a:prstGeom prst="leftArrow">
+            <a:avLst/>
+          </a:prstGeom>
+          <a:solidFill>
+            <a:srgbClr val="00B0F0"/>
+          </a:solidFill>
+          <a:ln>
+            <a:noFill/>
+          </a:ln>
+        </p:spPr>
+        <p:style>
+          <a:lnRef idx="2">
+            <a:schemeClr val="accent1">
+              <a:shade val="50000"/>
+            </a:schemeClr>
+          </a:lnRef>
+          <a:fillRef idx="1">
+            <a:schemeClr val="accent1"/>
+          </a:fillRef>
+          <a:effectRef idx="0">
+            <a:schemeClr val="accent1"/>
+          </a:effectRef>
+          <a:fontRef idx="minor">
+            <a:schemeClr val="lt1"/>
+          </a:fontRef>
+        </p:style>
+        <p:txBody>
+          <a:bodyPr rtlCol="0" anchor="ctr"/>
+          <a:lstStyle/>
+          <a:p>
+            <a:pPr algn="ctr"/>
+            <a:endParaRPr kumimoji="1" lang="ja-JP" altLang="en-US"/>
+          </a:p>
+        </p:txBody>
+      </p:sp>
+      <p:sp>
+        <p:nvSpPr>
+          <p:cNvPr id="17" name="ホームベース 16"/>
+          <p:cNvSpPr/>
+          <p:nvPr/>
+        </p:nvSpPr>
+        <p:spPr>
+          <a:xfrm>
+            <a:off x="97757" y="5653541"/>
+            <a:ext cx="1440160" cy="504056"/>
+          </a:xfrm>
+          <a:prstGeom prst="homePlate">
+            <a:avLst/>
+          </a:prstGeom>
+          <a:solidFill>
+            <a:srgbClr val="92D050"/>
+          </a:solidFill>
+          <a:ln>
+            <a:noFill/>
+          </a:ln>
+        </p:spPr>
+        <p:style>
+          <a:lnRef idx="2">
+            <a:schemeClr val="accent1">
+              <a:shade val="50000"/>
+            </a:schemeClr>
+          </a:lnRef>
+          <a:fillRef idx="1">
+            <a:schemeClr val="accent1"/>
+          </a:fillRef>
+          <a:effectRef idx="0">
+            <a:schemeClr val="accent1"/>
+          </a:effectRef>
+          <a:fontRef idx="minor">
+            <a:schemeClr val="lt1"/>
+          </a:fontRef>
+        </p:style>
+        <p:txBody>
+          <a:bodyPr rtlCol="0" anchor="ctr"/>
+          <a:lstStyle/>
+          <a:p>
+            <a:pPr algn="ctr"/>
+            <a:r>
+              <a:rPr lang="ja-JP" altLang="en-US" sz="2000" dirty="0" smtClean="0">
+                <a:solidFill>
+                  <a:schemeClr val="tx1"/>
+                </a:solidFill>
+              </a:rPr>
+              <a:t>目的</a:t>
+            </a:r>
+            <a:endParaRPr lang="en-US" altLang="ja-JP" sz="2000" dirty="0" smtClean="0">
+              <a:solidFill>
+                <a:schemeClr val="tx1"/>
+              </a:solidFill>
+            </a:endParaRPr>
           </a:p>
         </p:txBody>
       </p:sp>
       <p:pic>
         <p:nvPicPr>
-          <p:cNvPr id="1026" name="Picture 2"/>
+          <p:cNvPr id="30" name="Picture 2"/>
           <p:cNvPicPr>
             <a:picLocks noChangeAspect="1" noChangeArrowheads="1"/>
           </p:cNvPicPr>
@@ -18028,8 +18162,8 @@
         </p:blipFill>
         <p:spPr bwMode="auto">
           <a:xfrm>
-            <a:off x="3185418" y="4572000"/>
-            <a:ext cx="3591447" cy="1872208"/>
+            <a:off x="2475035" y="4130358"/>
+            <a:ext cx="4136960" cy="1762930"/>
           </a:xfrm>
           <a:prstGeom prst="rect">
             <a:avLst/>
@@ -18071,24 +18205,90 @@
       </p:pic>
       <p:sp>
         <p:nvSpPr>
-          <p:cNvPr id="10" name="ホームベース 9"/>
+          <p:cNvPr id="31" name="ホームベース 30"/>
           <p:cNvSpPr/>
           <p:nvPr/>
         </p:nvSpPr>
         <p:spPr>
           <a:xfrm>
-            <a:off x="112437" y="6012160"/>
-            <a:ext cx="1475657" cy="484632"/>
+            <a:off x="97757" y="7250757"/>
+            <a:ext cx="1411662" cy="547142"/>
           </a:xfrm>
           <a:prstGeom prst="homePlate">
             <a:avLst/>
           </a:prstGeom>
           <a:solidFill>
-            <a:srgbClr val="00B050"/>
+            <a:srgbClr val="92D050"/>
+          </a:solidFill>
+          <a:ln>
+            <a:noFill/>
+          </a:ln>
+        </p:spPr>
+        <p:style>
+          <a:lnRef idx="2">
+            <a:schemeClr val="accent1">
+              <a:shade val="50000"/>
+            </a:schemeClr>
+          </a:lnRef>
+          <a:fillRef idx="1">
+            <a:schemeClr val="accent1"/>
+          </a:fillRef>
+          <a:effectRef idx="0">
+            <a:schemeClr val="accent1"/>
+          </a:effectRef>
+          <a:fontRef idx="minor">
+            <a:schemeClr val="lt1"/>
+          </a:fontRef>
+        </p:style>
+        <p:txBody>
+          <a:bodyPr rtlCol="0" anchor="ctr"/>
+          <a:lstStyle/>
+          <a:p>
+            <a:pPr algn="ctr"/>
+            <a:r>
+              <a:rPr lang="ja-JP" altLang="en-US" sz="2000" dirty="0" smtClean="0">
+                <a:solidFill>
+                  <a:schemeClr val="tx1"/>
+                </a:solidFill>
+              </a:rPr>
+              <a:t>研究</a:t>
+            </a:r>
+            <a:r>
+              <a:rPr lang="ja-JP" altLang="en-US" sz="2000" dirty="0">
+                <a:solidFill>
+                  <a:schemeClr val="tx1"/>
+                </a:solidFill>
+              </a:rPr>
+              <a:t>方法</a:t>
+            </a:r>
+            <a:endParaRPr kumimoji="1" lang="ja-JP" altLang="en-US" sz="2000" dirty="0">
+              <a:solidFill>
+                <a:schemeClr val="tx1"/>
+              </a:solidFill>
+            </a:endParaRPr>
+          </a:p>
+        </p:txBody>
+      </p:sp>
+      <p:sp>
+        <p:nvSpPr>
+          <p:cNvPr id="32" name="正方形/長方形 31"/>
+          <p:cNvSpPr/>
+          <p:nvPr/>
+        </p:nvSpPr>
+        <p:spPr>
+          <a:xfrm>
+            <a:off x="690581" y="7812360"/>
+            <a:ext cx="5387366" cy="1224136"/>
+          </a:xfrm>
+          <a:prstGeom prst="rect">
+            <a:avLst/>
+          </a:prstGeom>
+          <a:solidFill>
+            <a:schemeClr val="bg1"/>
           </a:solidFill>
           <a:ln>
             <a:solidFill>
-              <a:srgbClr val="00B050"/>
+              <a:schemeClr val="tx1"/>
             </a:solidFill>
           </a:ln>
         </p:spPr>
@@ -18112,36 +18312,137 @@
           <a:bodyPr rtlCol="0" anchor="ctr"/>
           <a:lstStyle/>
           <a:p>
-            <a:pPr algn="ctr"/>
-            <a:r>
-              <a:rPr lang="ja-JP" altLang="en-US" sz="2400" dirty="0"/>
-              <a:t>目的</a:t>
-            </a:r>
-            <a:endParaRPr kumimoji="1" lang="ja-JP" altLang="en-US" sz="2400" dirty="0"/>
+            <a:r>
+              <a:rPr lang="ja-JP" altLang="en-US" dirty="0">
+                <a:solidFill>
+                  <a:schemeClr val="tx1"/>
+                </a:solidFill>
+              </a:rPr>
+              <a:t>先行研究と</a:t>
+            </a:r>
+            <a:r>
+              <a:rPr lang="ja-JP" altLang="en-US" dirty="0" smtClean="0">
+                <a:solidFill>
+                  <a:schemeClr val="tx1"/>
+                </a:solidFill>
+              </a:rPr>
+              <a:t>して，</a:t>
+            </a:r>
+            <a:r>
+              <a:rPr lang="en-US" altLang="ja-JP" dirty="0" smtClean="0">
+                <a:solidFill>
+                  <a:schemeClr val="tx1"/>
+                </a:solidFill>
+              </a:rPr>
+              <a:t>Wikipedia</a:t>
+            </a:r>
+            <a:r>
+              <a:rPr lang="ja-JP" altLang="en-US" dirty="0" smtClean="0">
+                <a:solidFill>
+                  <a:schemeClr val="tx1"/>
+                </a:solidFill>
+              </a:rPr>
+              <a:t>マイニングについて研究．</a:t>
+            </a:r>
+            <a:endParaRPr lang="en-US" altLang="ja-JP" dirty="0" smtClean="0">
+              <a:solidFill>
+                <a:schemeClr val="tx1"/>
+              </a:solidFill>
+            </a:endParaRPr>
+          </a:p>
+          <a:p>
+            <a:r>
+              <a:rPr lang="en-US" altLang="ja-JP" dirty="0" smtClean="0">
+                <a:solidFill>
+                  <a:schemeClr val="tx1"/>
+                </a:solidFill>
+              </a:rPr>
+              <a:t>Wikipedia</a:t>
+            </a:r>
+            <a:r>
+              <a:rPr lang="ja-JP" altLang="en-US" dirty="0" smtClean="0">
+                <a:solidFill>
+                  <a:schemeClr val="tx1"/>
+                </a:solidFill>
+              </a:rPr>
+              <a:t>のデータを取得し，データを集める．</a:t>
+            </a:r>
+            <a:endParaRPr lang="en-US" altLang="ja-JP" dirty="0" smtClean="0">
+              <a:solidFill>
+                <a:schemeClr val="tx1"/>
+              </a:solidFill>
+            </a:endParaRPr>
+          </a:p>
+          <a:p>
+            <a:r>
+              <a:rPr kumimoji="1" lang="en-US" altLang="ja-JP" dirty="0" smtClean="0">
+                <a:solidFill>
+                  <a:schemeClr val="tx1"/>
+                </a:solidFill>
+              </a:rPr>
+              <a:t>Wikipedia</a:t>
+            </a:r>
+            <a:r>
+              <a:rPr kumimoji="1" lang="ja-JP" altLang="en-US" dirty="0" smtClean="0">
+                <a:solidFill>
+                  <a:schemeClr val="tx1"/>
+                </a:solidFill>
+              </a:rPr>
+              <a:t>の</a:t>
+            </a:r>
+            <a:r>
+              <a:rPr kumimoji="1" lang="en-US" altLang="ja-JP" dirty="0" smtClean="0">
+                <a:solidFill>
+                  <a:schemeClr val="tx1"/>
+                </a:solidFill>
+              </a:rPr>
+              <a:t>API</a:t>
+            </a:r>
+            <a:r>
+              <a:rPr kumimoji="1" lang="ja-JP" altLang="en-US" dirty="0" smtClean="0">
+                <a:solidFill>
+                  <a:schemeClr val="tx1"/>
+                </a:solidFill>
+              </a:rPr>
+              <a:t>にどのようなものがあるかを調査する．</a:t>
+            </a:r>
+            <a:endParaRPr kumimoji="1" lang="en-US" altLang="ja-JP" dirty="0" smtClean="0">
+              <a:solidFill>
+                <a:schemeClr val="tx1"/>
+              </a:solidFill>
+            </a:endParaRPr>
+          </a:p>
+          <a:p>
+            <a:endParaRPr kumimoji="1" lang="ja-JP" altLang="en-US" dirty="0">
+              <a:solidFill>
+                <a:schemeClr val="tx1"/>
+              </a:solidFill>
+            </a:endParaRPr>
           </a:p>
         </p:txBody>
       </p:sp>
       <p:sp>
         <p:nvSpPr>
-          <p:cNvPr id="11" name="ホームベース 10"/>
+          <p:cNvPr id="33" name="対角する 2 つの角を切り取った四角形 32"/>
           <p:cNvSpPr/>
           <p:nvPr/>
         </p:nvSpPr>
         <p:spPr>
           <a:xfrm>
-            <a:off x="112437" y="7668344"/>
-            <a:ext cx="1565413" cy="484632"/>
+            <a:off x="4666772" y="2677105"/>
+            <a:ext cx="2014512" cy="652163"/>
           </a:xfrm>
-          <a:prstGeom prst="homePlate">
+          <a:prstGeom prst="snip2DiagRect">
             <a:avLst/>
           </a:prstGeom>
           <a:solidFill>
-            <a:srgbClr val="00B050"/>
+            <a:schemeClr val="accent4">
+              <a:lumMod val="60000"/>
+              <a:lumOff val="40000"/>
+            </a:schemeClr>
           </a:solidFill>
           <a:ln>
-            <a:solidFill>
-              <a:srgbClr val="00B050"/>
-            </a:solidFill>
+            <a:noFill/>
           </a:ln>
         </p:spPr>
         <p:style>
@@ -18166,21 +18467,251 @@
           <a:p>
             <a:pPr algn="ctr"/>
             <a:r>
-              <a:rPr lang="ja-JP" altLang="en-US" sz="2400" dirty="0" smtClean="0"/>
-              <a:t>研究</a:t>
-            </a:r>
-            <a:r>
-              <a:rPr lang="ja-JP" altLang="en-US" sz="2400" dirty="0"/>
-              <a:t>方法</a:t>
-            </a:r>
-            <a:endParaRPr kumimoji="1" lang="ja-JP" altLang="en-US" sz="2400" dirty="0"/>
+              <a:rPr lang="ja-JP" altLang="en-US" sz="1400" b="1" dirty="0">
+                <a:solidFill>
+                  <a:schemeClr val="tx1"/>
+                </a:solidFill>
+              </a:rPr>
+              <a:t>プロジェクトとして</a:t>
+            </a:r>
+            <a:endParaRPr lang="en-US" altLang="ja-JP" sz="1400" b="1" dirty="0">
+              <a:solidFill>
+                <a:schemeClr val="tx1"/>
+              </a:solidFill>
+            </a:endParaRPr>
+          </a:p>
+          <a:p>
+            <a:pPr algn="ctr"/>
+            <a:r>
+              <a:rPr lang="ja-JP" altLang="en-US" sz="1400" b="1" dirty="0">
+                <a:solidFill>
+                  <a:schemeClr val="tx1"/>
+                </a:solidFill>
+              </a:rPr>
+              <a:t>利用できるのでは？</a:t>
+            </a:r>
+          </a:p>
+        </p:txBody>
+      </p:sp>
+      <p:sp>
+        <p:nvSpPr>
+          <p:cNvPr id="34" name="屈折矢印 33"/>
+          <p:cNvSpPr/>
+          <p:nvPr/>
+        </p:nvSpPr>
+        <p:spPr>
+          <a:xfrm rot="10800000">
+            <a:off x="390861" y="2058752"/>
+            <a:ext cx="599440" cy="1058289"/>
+          </a:xfrm>
+          <a:prstGeom prst="bentUpArrow">
+            <a:avLst>
+              <a:gd name="adj1" fmla="val 25000"/>
+              <a:gd name="adj2" fmla="val 48040"/>
+              <a:gd name="adj3" fmla="val 25000"/>
+            </a:avLst>
+          </a:prstGeom>
+          <a:solidFill>
+            <a:srgbClr val="00B0F0"/>
+          </a:solidFill>
+          <a:ln>
+            <a:noFill/>
+          </a:ln>
+        </p:spPr>
+        <p:style>
+          <a:lnRef idx="2">
+            <a:schemeClr val="accent1">
+              <a:shade val="50000"/>
+            </a:schemeClr>
+          </a:lnRef>
+          <a:fillRef idx="1">
+            <a:schemeClr val="accent1"/>
+          </a:fillRef>
+          <a:effectRef idx="0">
+            <a:schemeClr val="accent1"/>
+          </a:effectRef>
+          <a:fontRef idx="minor">
+            <a:schemeClr val="lt1"/>
+          </a:fontRef>
+        </p:style>
+        <p:txBody>
+          <a:bodyPr rtlCol="0" anchor="ctr"/>
+          <a:lstStyle/>
+          <a:p>
+            <a:pPr algn="ctr"/>
+            <a:endParaRPr kumimoji="1" lang="ja-JP" altLang="en-US"/>
+          </a:p>
+        </p:txBody>
+      </p:sp>
+      <p:sp>
+        <p:nvSpPr>
+          <p:cNvPr id="35" name="正方形/長方形 34"/>
+          <p:cNvSpPr/>
+          <p:nvPr/>
+        </p:nvSpPr>
+        <p:spPr>
+          <a:xfrm>
+            <a:off x="170822" y="3237089"/>
+            <a:ext cx="1344154" cy="613254"/>
+          </a:xfrm>
+          <a:prstGeom prst="rect">
+            <a:avLst/>
+          </a:prstGeom>
+          <a:solidFill>
+            <a:srgbClr val="92D050"/>
+          </a:solidFill>
+          <a:ln>
+            <a:noFill/>
+          </a:ln>
+        </p:spPr>
+        <p:style>
+          <a:lnRef idx="2">
+            <a:schemeClr val="accent1">
+              <a:shade val="50000"/>
+            </a:schemeClr>
+          </a:lnRef>
+          <a:fillRef idx="1">
+            <a:schemeClr val="accent1"/>
+          </a:fillRef>
+          <a:effectRef idx="0">
+            <a:schemeClr val="accent1"/>
+          </a:effectRef>
+          <a:fontRef idx="minor">
+            <a:schemeClr val="lt1"/>
+          </a:fontRef>
+        </p:style>
+        <p:txBody>
+          <a:bodyPr rtlCol="0" anchor="ctr"/>
+          <a:lstStyle/>
+          <a:p>
+            <a:pPr algn="ctr"/>
+            <a:r>
+              <a:rPr kumimoji="1" lang="ja-JP" altLang="en-US" b="1" dirty="0" smtClean="0">
+                <a:solidFill>
+                  <a:schemeClr val="tx1"/>
+                </a:solidFill>
+              </a:rPr>
+              <a:t>データ収集</a:t>
+            </a:r>
+            <a:endParaRPr kumimoji="1" lang="en-US" altLang="ja-JP" b="1" dirty="0" smtClean="0">
+              <a:solidFill>
+                <a:schemeClr val="tx1"/>
+              </a:solidFill>
+            </a:endParaRPr>
+          </a:p>
+          <a:p>
+            <a:pPr algn="ctr"/>
+            <a:r>
+              <a:rPr lang="ja-JP" altLang="en-US" b="1" dirty="0" smtClean="0">
+                <a:solidFill>
+                  <a:schemeClr val="tx1"/>
+                </a:solidFill>
+              </a:rPr>
+              <a:t>データ</a:t>
+            </a:r>
+            <a:r>
+              <a:rPr kumimoji="1" lang="ja-JP" altLang="en-US" b="1" dirty="0" smtClean="0">
+                <a:solidFill>
+                  <a:schemeClr val="tx1"/>
+                </a:solidFill>
+              </a:rPr>
+              <a:t>解析</a:t>
+            </a:r>
+            <a:endParaRPr kumimoji="1" lang="ja-JP" altLang="en-US" b="1" dirty="0">
+              <a:solidFill>
+                <a:schemeClr val="tx1"/>
+              </a:solidFill>
+            </a:endParaRPr>
+          </a:p>
+        </p:txBody>
+      </p:sp>
+      <p:sp>
+        <p:nvSpPr>
+          <p:cNvPr id="9" name="正方形/長方形 8"/>
+          <p:cNvSpPr/>
+          <p:nvPr/>
+        </p:nvSpPr>
+        <p:spPr>
+          <a:xfrm>
+            <a:off x="97757" y="6300192"/>
+            <a:ext cx="6716459" cy="864096"/>
+          </a:xfrm>
+          <a:prstGeom prst="rect">
+            <a:avLst/>
+          </a:prstGeom>
+          <a:solidFill>
+            <a:schemeClr val="bg1"/>
+          </a:solidFill>
+          <a:ln>
+            <a:solidFill>
+              <a:schemeClr val="tx1"/>
+            </a:solidFill>
+          </a:ln>
+        </p:spPr>
+        <p:style>
+          <a:lnRef idx="2">
+            <a:schemeClr val="accent1">
+              <a:shade val="50000"/>
+            </a:schemeClr>
+          </a:lnRef>
+          <a:fillRef idx="1">
+            <a:schemeClr val="accent1"/>
+          </a:fillRef>
+          <a:effectRef idx="0">
+            <a:schemeClr val="accent1"/>
+          </a:effectRef>
+          <a:fontRef idx="minor">
+            <a:schemeClr val="lt1"/>
+          </a:fontRef>
+        </p:style>
+        <p:txBody>
+          <a:bodyPr rtlCol="0" anchor="t"/>
+          <a:lstStyle/>
+          <a:p>
+            <a:r>
+              <a:rPr lang="en-US" altLang="ja-JP" dirty="0">
+                <a:solidFill>
+                  <a:schemeClr val="tx1"/>
+                </a:solidFill>
+              </a:rPr>
+              <a:t>Wikipedia</a:t>
+            </a:r>
+            <a:r>
+              <a:rPr lang="ja-JP" altLang="en-US" dirty="0">
+                <a:solidFill>
+                  <a:schemeClr val="tx1"/>
+                </a:solidFill>
+              </a:rPr>
+              <a:t>に投稿している人々の利用頻度をランダムに選び，ヒストグラムなどにまとめ，プロジェクトマネジメントに</a:t>
+            </a:r>
+            <a:r>
+              <a:rPr lang="en-US" altLang="ja-JP" dirty="0">
+                <a:solidFill>
+                  <a:schemeClr val="tx1"/>
+                </a:solidFill>
+              </a:rPr>
+              <a:t>Wikipedia</a:t>
+            </a:r>
+            <a:r>
+              <a:rPr lang="ja-JP" altLang="en-US" dirty="0">
+                <a:solidFill>
+                  <a:schemeClr val="tx1"/>
+                </a:solidFill>
+              </a:rPr>
+              <a:t>を利用する．</a:t>
+            </a:r>
+            <a:endParaRPr kumimoji="1" lang="ja-JP" altLang="en-US" dirty="0">
+              <a:solidFill>
+                <a:schemeClr val="tx1"/>
+              </a:solidFill>
+            </a:endParaRPr>
           </a:p>
         </p:txBody>
       </p:sp>
     </p:spTree>
     <p:extLst>
       <p:ext uri="{BB962C8B-B14F-4D97-AF65-F5344CB8AC3E}">
-        <p14:creationId xmlns:p14="http://schemas.microsoft.com/office/powerpoint/2010/main" val="3711156551"/>
+        <p14:creationId xmlns:p14="http://schemas.microsoft.com/office/powerpoint/2010/main" val="838238967"/>
       </p:ext>
     </p:extLst>
   </p:cSld>
@@ -18216,849 +18747,20 @@
       </p:grpSpPr>
       <p:sp>
         <p:nvSpPr>
-          <p:cNvPr id="4" name="テキスト ボックス 3"/>
-          <p:cNvSpPr txBox="1"/>
-          <p:nvPr/>
-        </p:nvSpPr>
-        <p:spPr>
-          <a:xfrm>
-            <a:off x="129613" y="4716016"/>
-            <a:ext cx="6624736" cy="1631216"/>
-          </a:xfrm>
-          <a:prstGeom prst="rect">
-            <a:avLst/>
-          </a:prstGeom>
-          <a:noFill/>
-        </p:spPr>
-        <p:txBody>
-          <a:bodyPr wrap="square" rtlCol="0">
-            <a:spAutoFit/>
-          </a:bodyPr>
-          <a:lstStyle/>
-          <a:p>
-            <a:endParaRPr kumimoji="1" lang="en-US" altLang="ja-JP" sz="2000" dirty="0" smtClean="0">
-              <a:solidFill>
-                <a:srgbClr val="FF0000"/>
-              </a:solidFill>
-            </a:endParaRPr>
-          </a:p>
-          <a:p>
-            <a:r>
-              <a:rPr kumimoji="1" lang="ja-JP" altLang="en-US" sz="2000" dirty="0" smtClean="0">
-                <a:solidFill>
-                  <a:srgbClr val="FF0000"/>
-                </a:solidFill>
-              </a:rPr>
-              <a:t>　</a:t>
-            </a:r>
-            <a:r>
-              <a:rPr lang="en-US" altLang="ja-JP" sz="2000" dirty="0" smtClean="0"/>
-              <a:t>Wikipedia</a:t>
-            </a:r>
-            <a:r>
-              <a:rPr lang="ja-JP" altLang="en-US" sz="2000" dirty="0" smtClean="0"/>
-              <a:t>はオンライン辞書としては，とても優れており</a:t>
-            </a:r>
-            <a:r>
-              <a:rPr lang="ja-JP" altLang="en-US" sz="2000" dirty="0" smtClean="0"/>
-              <a:t>，</a:t>
-            </a:r>
-            <a:r>
-              <a:rPr lang="en-US" altLang="ja-JP" sz="2000" dirty="0" smtClean="0"/>
-              <a:t>Wikipedia</a:t>
-            </a:r>
-            <a:r>
-              <a:rPr lang="ja-JP" altLang="en-US" sz="2000" dirty="0" smtClean="0"/>
-              <a:t>マイニング</a:t>
-            </a:r>
-            <a:r>
-              <a:rPr lang="ja-JP" altLang="en-US" sz="2000" dirty="0" smtClean="0"/>
-              <a:t>によると，言葉の意味を</a:t>
-            </a:r>
-            <a:r>
-              <a:rPr lang="en-US" altLang="ja-JP" sz="2000" dirty="0" smtClean="0"/>
-              <a:t>Web</a:t>
-            </a:r>
-            <a:r>
-              <a:rPr lang="ja-JP" altLang="en-US" sz="2000" dirty="0" smtClean="0"/>
-              <a:t>コーパスを用いて，ハイパーリンクなどを付けることによりわかりやすくしている．</a:t>
-            </a:r>
-            <a:endParaRPr lang="en-US" altLang="ja-JP" sz="2000" dirty="0" smtClean="0"/>
-          </a:p>
-        </p:txBody>
-      </p:sp>
-      <p:sp>
-        <p:nvSpPr>
-          <p:cNvPr id="5" name="テキスト ボックス 4"/>
-          <p:cNvSpPr txBox="1"/>
-          <p:nvPr/>
-        </p:nvSpPr>
-        <p:spPr>
-          <a:xfrm>
-            <a:off x="129613" y="7762102"/>
-            <a:ext cx="6467739" cy="1015663"/>
-          </a:xfrm>
-          <a:prstGeom prst="rect">
-            <a:avLst/>
-          </a:prstGeom>
-          <a:noFill/>
-        </p:spPr>
-        <p:txBody>
-          <a:bodyPr wrap="square" rtlCol="0">
-            <a:spAutoFit/>
-          </a:bodyPr>
-          <a:lstStyle/>
-          <a:p>
-            <a:endParaRPr kumimoji="1" lang="en-US" altLang="ja-JP" sz="2000" dirty="0" smtClean="0">
-              <a:solidFill>
-                <a:srgbClr val="FF0000"/>
-              </a:solidFill>
-            </a:endParaRPr>
-          </a:p>
-          <a:p>
-            <a:r>
-              <a:rPr lang="ja-JP" altLang="en-US" sz="2000" dirty="0" smtClean="0">
-                <a:solidFill>
-                  <a:srgbClr val="FF0000"/>
-                </a:solidFill>
-              </a:rPr>
-              <a:t>　</a:t>
-            </a:r>
-            <a:r>
-              <a:rPr lang="ja-JP" altLang="en-US" sz="2000" dirty="0" smtClean="0"/>
-              <a:t>今後の計画では，インターネットを通して，</a:t>
-            </a:r>
-            <a:r>
-              <a:rPr lang="en-US" altLang="ja-JP" sz="2000" dirty="0" smtClean="0"/>
-              <a:t>Wikipedia</a:t>
-            </a:r>
-            <a:r>
-              <a:rPr lang="ja-JP" altLang="en-US" sz="2000" dirty="0" smtClean="0"/>
-              <a:t>の協力者拡大の為にはどのようにしたらいいのかを調査する．</a:t>
-            </a:r>
-            <a:endParaRPr kumimoji="1" lang="ja-JP" altLang="en-US" sz="2000" dirty="0">
-              <a:solidFill>
-                <a:srgbClr val="FF0000"/>
-              </a:solidFill>
-            </a:endParaRPr>
-          </a:p>
-        </p:txBody>
-      </p:sp>
-      <p:pic>
-        <p:nvPicPr>
-          <p:cNvPr id="6" name="図 5"/>
-          <p:cNvPicPr>
-            <a:picLocks noChangeAspect="1"/>
-          </p:cNvPicPr>
-          <p:nvPr/>
-        </p:nvPicPr>
-        <p:blipFill>
-          <a:blip r:embed="rId2" cstate="print">
-            <a:extLst>
-              <a:ext uri="{28A0092B-C50C-407E-A947-70E740481C1C}">
-                <a14:useLocalDpi xmlns:a14="http://schemas.microsoft.com/office/drawing/2010/main" val="0"/>
-              </a:ext>
-            </a:extLst>
-          </a:blip>
-          <a:stretch>
-            <a:fillRect/>
-          </a:stretch>
-        </p:blipFill>
-        <p:spPr>
-          <a:xfrm>
-            <a:off x="4005064" y="6012160"/>
-            <a:ext cx="2016224" cy="2016224"/>
-          </a:xfrm>
-          <a:prstGeom prst="rect">
-            <a:avLst/>
-          </a:prstGeom>
-        </p:spPr>
-      </p:pic>
-      <p:sp>
-        <p:nvSpPr>
-          <p:cNvPr id="7" name="ホームベース 6"/>
+          <p:cNvPr id="9" name="ホームベース 8"/>
           <p:cNvSpPr/>
           <p:nvPr/>
         </p:nvSpPr>
         <p:spPr>
           <a:xfrm>
-            <a:off x="139163" y="107504"/>
+            <a:off x="143574" y="251520"/>
             <a:ext cx="2195737" cy="484632"/>
           </a:xfrm>
           <a:prstGeom prst="homePlate">
             <a:avLst/>
           </a:prstGeom>
           <a:solidFill>
-            <a:srgbClr val="00B050"/>
-          </a:solidFill>
-          <a:ln>
-            <a:solidFill>
-              <a:srgbClr val="00B050"/>
-            </a:solidFill>
-          </a:ln>
-        </p:spPr>
-        <p:style>
-          <a:lnRef idx="2">
-            <a:schemeClr val="accent1">
-              <a:shade val="50000"/>
-            </a:schemeClr>
-          </a:lnRef>
-          <a:fillRef idx="1">
-            <a:schemeClr val="accent1"/>
-          </a:fillRef>
-          <a:effectRef idx="0">
-            <a:schemeClr val="accent1"/>
-          </a:effectRef>
-          <a:fontRef idx="minor">
-            <a:schemeClr val="lt1"/>
-          </a:fontRef>
-        </p:style>
-        <p:txBody>
-          <a:bodyPr rtlCol="0" anchor="ctr"/>
-          <a:lstStyle/>
-          <a:p>
-            <a:pPr algn="ctr"/>
-            <a:r>
-              <a:rPr lang="en-US" altLang="ja-JP" sz="2400" dirty="0" smtClean="0"/>
-              <a:t>PM</a:t>
-            </a:r>
-            <a:r>
-              <a:rPr lang="ja-JP" altLang="en-US" sz="2400" dirty="0" smtClean="0"/>
-              <a:t>との関連性</a:t>
-            </a:r>
-            <a:endParaRPr kumimoji="1" lang="ja-JP" altLang="en-US" sz="2400" dirty="0"/>
-          </a:p>
-        </p:txBody>
-      </p:sp>
-      <p:sp>
-        <p:nvSpPr>
-          <p:cNvPr id="8" name="ホームベース 7"/>
-          <p:cNvSpPr/>
-          <p:nvPr/>
-        </p:nvSpPr>
-        <p:spPr>
-          <a:xfrm>
-            <a:off x="141842" y="7596336"/>
-            <a:ext cx="1872209" cy="484632"/>
-          </a:xfrm>
-          <a:prstGeom prst="homePlate">
-            <a:avLst/>
-          </a:prstGeom>
-          <a:solidFill>
-            <a:srgbClr val="00B050"/>
-          </a:solidFill>
-          <a:ln>
-            <a:solidFill>
-              <a:srgbClr val="00B050"/>
-            </a:solidFill>
-          </a:ln>
-        </p:spPr>
-        <p:style>
-          <a:lnRef idx="2">
-            <a:schemeClr val="accent1">
-              <a:shade val="50000"/>
-            </a:schemeClr>
-          </a:lnRef>
-          <a:fillRef idx="1">
-            <a:schemeClr val="accent1"/>
-          </a:fillRef>
-          <a:effectRef idx="0">
-            <a:schemeClr val="accent1"/>
-          </a:effectRef>
-          <a:fontRef idx="minor">
-            <a:schemeClr val="lt1"/>
-          </a:fontRef>
-        </p:style>
-        <p:txBody>
-          <a:bodyPr rtlCol="0" anchor="ctr"/>
-          <a:lstStyle/>
-          <a:p>
-            <a:pPr algn="ctr"/>
-            <a:r>
-              <a:rPr lang="ja-JP" altLang="en-US" sz="2400" dirty="0"/>
-              <a:t>今後</a:t>
-            </a:r>
-            <a:r>
-              <a:rPr lang="ja-JP" altLang="en-US" sz="2400" dirty="0" smtClean="0"/>
-              <a:t>の計画</a:t>
-            </a:r>
-            <a:endParaRPr kumimoji="1" lang="ja-JP" altLang="en-US" sz="2400" dirty="0"/>
-          </a:p>
-        </p:txBody>
-      </p:sp>
-      <p:sp>
-        <p:nvSpPr>
-          <p:cNvPr id="9" name="ホームベース 8"/>
-          <p:cNvSpPr/>
-          <p:nvPr/>
-        </p:nvSpPr>
-        <p:spPr>
-          <a:xfrm>
-            <a:off x="139163" y="4623763"/>
-            <a:ext cx="1863857" cy="484632"/>
-          </a:xfrm>
-          <a:prstGeom prst="homePlate">
-            <a:avLst/>
-          </a:prstGeom>
-          <a:solidFill>
-            <a:srgbClr val="00B050"/>
-          </a:solidFill>
-          <a:ln>
-            <a:solidFill>
-              <a:srgbClr val="00B050"/>
-            </a:solidFill>
-          </a:ln>
-        </p:spPr>
-        <p:style>
-          <a:lnRef idx="2">
-            <a:schemeClr val="accent1">
-              <a:shade val="50000"/>
-            </a:schemeClr>
-          </a:lnRef>
-          <a:fillRef idx="1">
-            <a:schemeClr val="accent1"/>
-          </a:fillRef>
-          <a:effectRef idx="0">
-            <a:schemeClr val="accent1"/>
-          </a:effectRef>
-          <a:fontRef idx="minor">
-            <a:schemeClr val="lt1"/>
-          </a:fontRef>
-        </p:style>
-        <p:txBody>
-          <a:bodyPr rtlCol="0" anchor="ctr"/>
-          <a:lstStyle/>
-          <a:p>
-            <a:pPr algn="ctr"/>
-            <a:r>
-              <a:rPr lang="ja-JP" altLang="en-US" sz="2400" dirty="0"/>
-              <a:t>研究</a:t>
-            </a:r>
-            <a:r>
-              <a:rPr lang="ja-JP" altLang="en-US" sz="2400" dirty="0" smtClean="0"/>
-              <a:t>の現状</a:t>
-            </a:r>
-            <a:endParaRPr kumimoji="1" lang="ja-JP" altLang="en-US" sz="2400" dirty="0"/>
-          </a:p>
-        </p:txBody>
-      </p:sp>
-      <p:pic>
-        <p:nvPicPr>
-          <p:cNvPr id="2" name="図 1"/>
-          <p:cNvPicPr>
-            <a:picLocks noChangeAspect="1"/>
-          </p:cNvPicPr>
-          <p:nvPr/>
-        </p:nvPicPr>
-        <p:blipFill>
-          <a:blip r:embed="rId3" cstate="print">
-            <a:extLst>
-              <a:ext uri="{28A0092B-C50C-407E-A947-70E740481C1C}">
-                <a14:useLocalDpi xmlns:a14="http://schemas.microsoft.com/office/drawing/2010/main" val="0"/>
-              </a:ext>
-            </a:extLst>
-          </a:blip>
-          <a:stretch>
-            <a:fillRect/>
-          </a:stretch>
-        </p:blipFill>
-        <p:spPr>
-          <a:xfrm>
-            <a:off x="1071091" y="6084168"/>
-            <a:ext cx="2821293" cy="1369674"/>
-          </a:xfrm>
-          <a:prstGeom prst="rect">
-            <a:avLst/>
-          </a:prstGeom>
-        </p:spPr>
-      </p:pic>
-      <p:sp>
-        <p:nvSpPr>
-          <p:cNvPr id="10" name="円/楕円 9"/>
-          <p:cNvSpPr/>
-          <p:nvPr/>
-        </p:nvSpPr>
-        <p:spPr>
-          <a:xfrm>
-            <a:off x="2944656" y="106091"/>
-            <a:ext cx="3878270" cy="1224136"/>
-          </a:xfrm>
-          <a:prstGeom prst="ellipse">
-            <a:avLst/>
-          </a:prstGeom>
-          <a:solidFill>
-            <a:srgbClr val="FFFF00"/>
-          </a:solidFill>
-          <a:ln>
-            <a:solidFill>
-              <a:srgbClr val="92D050"/>
-            </a:solidFill>
-          </a:ln>
-        </p:spPr>
-        <p:style>
-          <a:lnRef idx="2">
-            <a:schemeClr val="accent1">
-              <a:shade val="50000"/>
-            </a:schemeClr>
-          </a:lnRef>
-          <a:fillRef idx="1">
-            <a:schemeClr val="accent1"/>
-          </a:fillRef>
-          <a:effectRef idx="0">
-            <a:schemeClr val="accent1"/>
-          </a:effectRef>
-          <a:fontRef idx="minor">
-            <a:schemeClr val="lt1"/>
-          </a:fontRef>
-        </p:style>
-        <p:txBody>
-          <a:bodyPr rtlCol="0" anchor="ctr"/>
-          <a:lstStyle/>
-          <a:p>
-            <a:pPr algn="ctr"/>
-            <a:endParaRPr lang="en-US" altLang="ja-JP" sz="1400" b="1" dirty="0">
-              <a:solidFill>
-                <a:schemeClr val="tx1"/>
-              </a:solidFill>
-            </a:endParaRPr>
-          </a:p>
-          <a:p>
-            <a:pPr algn="ctr"/>
-            <a:endParaRPr lang="en-US" altLang="ja-JP" b="1" dirty="0" smtClean="0">
-              <a:solidFill>
-                <a:schemeClr val="tx1"/>
-              </a:solidFill>
-            </a:endParaRPr>
-          </a:p>
-          <a:p>
-            <a:pPr algn="ctr"/>
-            <a:endParaRPr lang="en-US" altLang="ja-JP" b="1" dirty="0" smtClean="0">
-              <a:solidFill>
-                <a:schemeClr val="tx1"/>
-              </a:solidFill>
-            </a:endParaRPr>
-          </a:p>
-          <a:p>
-            <a:pPr algn="ctr"/>
-            <a:r>
-              <a:rPr lang="ja-JP" altLang="ja-JP" sz="1400" dirty="0">
-                <a:solidFill>
-                  <a:schemeClr val="tx1"/>
-                </a:solidFill>
-              </a:rPr>
-              <a:t>多くの協力者に参加してもらう事により品質の向上</a:t>
-            </a:r>
-          </a:p>
-          <a:p>
-            <a:pPr algn="ctr"/>
-            <a:endParaRPr kumimoji="1" lang="en-US" altLang="ja-JP" sz="1400" dirty="0" smtClean="0">
-              <a:solidFill>
-                <a:schemeClr val="tx1"/>
-              </a:solidFill>
-            </a:endParaRPr>
-          </a:p>
-        </p:txBody>
-      </p:sp>
-      <p:sp>
-        <p:nvSpPr>
-          <p:cNvPr id="12" name="円/楕円 11"/>
-          <p:cNvSpPr/>
-          <p:nvPr/>
-        </p:nvSpPr>
-        <p:spPr>
-          <a:xfrm>
-            <a:off x="-3423" y="926679"/>
-            <a:ext cx="3878270" cy="1224136"/>
-          </a:xfrm>
-          <a:prstGeom prst="ellipse">
-            <a:avLst/>
-          </a:prstGeom>
-          <a:solidFill>
-            <a:srgbClr val="FFFF00"/>
-          </a:solidFill>
-          <a:ln>
-            <a:solidFill>
-              <a:srgbClr val="92D050"/>
-            </a:solidFill>
-          </a:ln>
-        </p:spPr>
-        <p:style>
-          <a:lnRef idx="2">
-            <a:schemeClr val="accent1">
-              <a:shade val="50000"/>
-            </a:schemeClr>
-          </a:lnRef>
-          <a:fillRef idx="1">
-            <a:schemeClr val="accent1"/>
-          </a:fillRef>
-          <a:effectRef idx="0">
-            <a:schemeClr val="accent1"/>
-          </a:effectRef>
-          <a:fontRef idx="minor">
-            <a:schemeClr val="lt1"/>
-          </a:fontRef>
-        </p:style>
-        <p:txBody>
-          <a:bodyPr rtlCol="0" anchor="ctr"/>
-          <a:lstStyle/>
-          <a:p>
-            <a:pPr algn="ctr"/>
-            <a:endParaRPr lang="en-US" altLang="ja-JP" sz="1400" b="1" dirty="0">
-              <a:solidFill>
-                <a:schemeClr val="tx1"/>
-              </a:solidFill>
-            </a:endParaRPr>
-          </a:p>
-          <a:p>
-            <a:pPr algn="ctr"/>
-            <a:endParaRPr kumimoji="1" lang="en-US" altLang="ja-JP" sz="1400" b="1" dirty="0" smtClean="0">
-              <a:solidFill>
-                <a:schemeClr val="tx1"/>
-              </a:solidFill>
-            </a:endParaRPr>
-          </a:p>
-          <a:p>
-            <a:pPr algn="ctr"/>
-            <a:endParaRPr kumimoji="1" lang="en-US" altLang="ja-JP" sz="1400" b="1" dirty="0" smtClean="0">
-              <a:solidFill>
-                <a:schemeClr val="tx1"/>
-              </a:solidFill>
-            </a:endParaRPr>
-          </a:p>
-          <a:p>
-            <a:pPr algn="ctr"/>
-            <a:r>
-              <a:rPr lang="ja-JP" altLang="ja-JP" sz="1400" dirty="0">
-                <a:solidFill>
-                  <a:schemeClr val="tx1"/>
-                </a:solidFill>
-              </a:rPr>
-              <a:t>類似したプロジェクトなどを参考にすることでコス</a:t>
-            </a:r>
-            <a:r>
-              <a:rPr lang="ja-JP" altLang="en-US" sz="1400" dirty="0">
-                <a:solidFill>
-                  <a:schemeClr val="tx1"/>
-                </a:solidFill>
-              </a:rPr>
-              <a:t>ト</a:t>
-            </a:r>
-            <a:r>
-              <a:rPr lang="ja-JP" altLang="ja-JP" sz="1400" dirty="0">
-                <a:solidFill>
-                  <a:schemeClr val="tx1"/>
-                </a:solidFill>
-              </a:rPr>
-              <a:t>ダウン</a:t>
-            </a:r>
-            <a:endParaRPr kumimoji="1" lang="ja-JP" altLang="en-US" sz="1400" dirty="0">
-              <a:solidFill>
-                <a:schemeClr val="tx1"/>
-              </a:solidFill>
-            </a:endParaRPr>
-          </a:p>
-        </p:txBody>
-      </p:sp>
-      <p:sp>
-        <p:nvSpPr>
-          <p:cNvPr id="13" name="円/楕円 12"/>
-          <p:cNvSpPr/>
-          <p:nvPr/>
-        </p:nvSpPr>
-        <p:spPr>
-          <a:xfrm>
-            <a:off x="2972859" y="1763688"/>
-            <a:ext cx="3878270" cy="1224136"/>
-          </a:xfrm>
-          <a:prstGeom prst="ellipse">
-            <a:avLst/>
-          </a:prstGeom>
-          <a:solidFill>
-            <a:srgbClr val="FFFF00"/>
-          </a:solidFill>
-          <a:ln>
-            <a:solidFill>
-              <a:srgbClr val="92D050"/>
-            </a:solidFill>
-          </a:ln>
-        </p:spPr>
-        <p:style>
-          <a:lnRef idx="2">
-            <a:schemeClr val="accent1">
-              <a:shade val="50000"/>
-            </a:schemeClr>
-          </a:lnRef>
-          <a:fillRef idx="1">
-            <a:schemeClr val="accent1"/>
-          </a:fillRef>
-          <a:effectRef idx="0">
-            <a:schemeClr val="accent1"/>
-          </a:effectRef>
-          <a:fontRef idx="minor">
-            <a:schemeClr val="lt1"/>
-          </a:fontRef>
-        </p:style>
-        <p:txBody>
-          <a:bodyPr rtlCol="0" anchor="ctr"/>
-          <a:lstStyle/>
-          <a:p>
-            <a:pPr algn="ctr"/>
-            <a:endParaRPr lang="en-US" altLang="ja-JP" sz="1400" b="1" dirty="0">
-              <a:solidFill>
-                <a:schemeClr val="tx1"/>
-              </a:solidFill>
-            </a:endParaRPr>
-          </a:p>
-          <a:p>
-            <a:pPr algn="ctr"/>
-            <a:endParaRPr kumimoji="1" lang="en-US" altLang="ja-JP" sz="1400" b="1" dirty="0" smtClean="0">
-              <a:solidFill>
-                <a:schemeClr val="tx1"/>
-              </a:solidFill>
-            </a:endParaRPr>
-          </a:p>
-          <a:p>
-            <a:pPr algn="ctr"/>
-            <a:r>
-              <a:rPr lang="ja-JP" altLang="ja-JP" sz="1400" dirty="0">
-                <a:solidFill>
-                  <a:schemeClr val="tx1"/>
-                </a:solidFill>
-              </a:rPr>
-              <a:t>幅広い知識を持った人々のボランティアによる</a:t>
-            </a:r>
-            <a:r>
-              <a:rPr lang="ja-JP" altLang="ja-JP" sz="1400" dirty="0" smtClean="0">
-                <a:solidFill>
-                  <a:schemeClr val="tx1"/>
-                </a:solidFill>
-              </a:rPr>
-              <a:t>協力</a:t>
-            </a:r>
-            <a:endParaRPr lang="ja-JP" altLang="ja-JP" sz="1400" dirty="0">
-              <a:solidFill>
-                <a:schemeClr val="tx1"/>
-              </a:solidFill>
-            </a:endParaRPr>
-          </a:p>
-        </p:txBody>
-      </p:sp>
-      <p:sp>
-        <p:nvSpPr>
-          <p:cNvPr id="14" name="円/楕円 13"/>
-          <p:cNvSpPr/>
-          <p:nvPr/>
-        </p:nvSpPr>
-        <p:spPr>
-          <a:xfrm>
-            <a:off x="63885" y="2627784"/>
-            <a:ext cx="3878270" cy="1224136"/>
-          </a:xfrm>
-          <a:prstGeom prst="ellipse">
-            <a:avLst/>
-          </a:prstGeom>
-          <a:solidFill>
-            <a:srgbClr val="FFFF00"/>
-          </a:solidFill>
-          <a:ln>
-            <a:solidFill>
-              <a:srgbClr val="92D050"/>
-            </a:solidFill>
-          </a:ln>
-        </p:spPr>
-        <p:style>
-          <a:lnRef idx="2">
-            <a:schemeClr val="accent1">
-              <a:shade val="50000"/>
-            </a:schemeClr>
-          </a:lnRef>
-          <a:fillRef idx="1">
-            <a:schemeClr val="accent1"/>
-          </a:fillRef>
-          <a:effectRef idx="0">
-            <a:schemeClr val="accent1"/>
-          </a:effectRef>
-          <a:fontRef idx="minor">
-            <a:schemeClr val="lt1"/>
-          </a:fontRef>
-        </p:style>
-        <p:txBody>
-          <a:bodyPr rtlCol="0" anchor="ctr"/>
-          <a:lstStyle/>
-          <a:p>
-            <a:pPr algn="ctr"/>
-            <a:endParaRPr lang="en-US" altLang="ja-JP" sz="1400" b="1" dirty="0">
-              <a:solidFill>
-                <a:schemeClr val="tx1"/>
-              </a:solidFill>
-            </a:endParaRPr>
-          </a:p>
-          <a:p>
-            <a:pPr algn="ctr"/>
-            <a:endParaRPr lang="en-US" altLang="ja-JP" sz="1400" b="1" dirty="0" smtClean="0">
-              <a:solidFill>
-                <a:schemeClr val="tx1"/>
-              </a:solidFill>
-            </a:endParaRPr>
-          </a:p>
-          <a:p>
-            <a:pPr algn="ctr"/>
-            <a:endParaRPr lang="en-US" altLang="ja-JP" b="1" dirty="0" smtClean="0">
-              <a:solidFill>
-                <a:schemeClr val="tx1"/>
-              </a:solidFill>
-            </a:endParaRPr>
-          </a:p>
-          <a:p>
-            <a:pPr algn="ctr"/>
-            <a:r>
-              <a:rPr lang="en-US" altLang="ja-JP" sz="1400" dirty="0">
-                <a:solidFill>
-                  <a:schemeClr val="tx1"/>
-                </a:solidFill>
-              </a:rPr>
-              <a:t>URL</a:t>
-            </a:r>
-            <a:r>
-              <a:rPr lang="ja-JP" altLang="ja-JP" sz="1400" dirty="0">
-                <a:solidFill>
-                  <a:schemeClr val="tx1"/>
-                </a:solidFill>
-              </a:rPr>
-              <a:t>やリンクなどを使って表現の意味などを共通し</a:t>
-            </a:r>
-            <a:r>
-              <a:rPr lang="ja-JP" altLang="en-US" sz="1400" dirty="0">
-                <a:solidFill>
-                  <a:schemeClr val="tx1"/>
-                </a:solidFill>
-              </a:rPr>
-              <a:t>た</a:t>
-            </a:r>
-            <a:r>
-              <a:rPr lang="ja-JP" altLang="ja-JP" sz="1400" dirty="0">
-                <a:solidFill>
-                  <a:schemeClr val="tx1"/>
-                </a:solidFill>
-              </a:rPr>
-              <a:t>理解を持てる</a:t>
-            </a:r>
-            <a:endParaRPr lang="en-US" altLang="ja-JP" sz="1400" dirty="0">
-              <a:solidFill>
-                <a:schemeClr val="tx1"/>
-              </a:solidFill>
-            </a:endParaRPr>
-          </a:p>
-          <a:p>
-            <a:pPr algn="ctr"/>
-            <a:endParaRPr kumimoji="1" lang="en-US" altLang="ja-JP" sz="1400" dirty="0" smtClean="0">
-              <a:solidFill>
-                <a:schemeClr val="tx1"/>
-              </a:solidFill>
-            </a:endParaRPr>
-          </a:p>
-        </p:txBody>
-      </p:sp>
-      <p:sp>
-        <p:nvSpPr>
-          <p:cNvPr id="15" name="円/楕円 14"/>
-          <p:cNvSpPr/>
-          <p:nvPr/>
-        </p:nvSpPr>
-        <p:spPr>
-          <a:xfrm>
-            <a:off x="2908449" y="3491880"/>
-            <a:ext cx="3878270" cy="1224136"/>
-          </a:xfrm>
-          <a:prstGeom prst="ellipse">
-            <a:avLst/>
-          </a:prstGeom>
-          <a:solidFill>
-            <a:srgbClr val="FFFF00"/>
-          </a:solidFill>
-          <a:ln>
-            <a:solidFill>
-              <a:srgbClr val="92D050"/>
-            </a:solidFill>
-          </a:ln>
-        </p:spPr>
-        <p:style>
-          <a:lnRef idx="2">
-            <a:schemeClr val="accent1">
-              <a:shade val="50000"/>
-            </a:schemeClr>
-          </a:lnRef>
-          <a:fillRef idx="1">
-            <a:schemeClr val="accent1"/>
-          </a:fillRef>
-          <a:effectRef idx="0">
-            <a:schemeClr val="accent1"/>
-          </a:effectRef>
-          <a:fontRef idx="minor">
-            <a:schemeClr val="lt1"/>
-          </a:fontRef>
-        </p:style>
-        <p:txBody>
-          <a:bodyPr rtlCol="0" anchor="ctr"/>
-          <a:lstStyle/>
-          <a:p>
-            <a:pPr algn="ctr"/>
-            <a:endParaRPr lang="en-US" altLang="ja-JP" sz="1400" b="1" dirty="0">
-              <a:solidFill>
-                <a:schemeClr val="tx1"/>
-              </a:solidFill>
-            </a:endParaRPr>
-          </a:p>
-          <a:p>
-            <a:pPr algn="ctr"/>
-            <a:endParaRPr lang="en-US" altLang="ja-JP" sz="1400" b="1" dirty="0" smtClean="0">
-              <a:solidFill>
-                <a:schemeClr val="tx1"/>
-              </a:solidFill>
-            </a:endParaRPr>
-          </a:p>
-          <a:p>
-            <a:pPr algn="ctr"/>
-            <a:endParaRPr lang="en-US" altLang="ja-JP" sz="1400" b="1" dirty="0" smtClean="0">
-              <a:solidFill>
-                <a:schemeClr val="tx1"/>
-              </a:solidFill>
-            </a:endParaRPr>
-          </a:p>
-          <a:p>
-            <a:pPr algn="ctr"/>
-            <a:r>
-              <a:rPr lang="ja-JP" altLang="ja-JP" sz="1400" dirty="0">
-                <a:solidFill>
-                  <a:schemeClr val="tx1"/>
-                </a:solidFill>
-              </a:rPr>
-              <a:t>顧客が何を欲しているのか情報を通じて理解できる</a:t>
-            </a:r>
-            <a:endParaRPr kumimoji="1" lang="ja-JP" altLang="en-US" sz="1400" dirty="0">
-              <a:solidFill>
-                <a:schemeClr val="tx1"/>
-              </a:solidFill>
-            </a:endParaRPr>
-          </a:p>
-        </p:txBody>
-      </p:sp>
-      <p:sp>
-        <p:nvSpPr>
-          <p:cNvPr id="11" name="正方形/長方形 10"/>
-          <p:cNvSpPr/>
-          <p:nvPr/>
-        </p:nvSpPr>
-        <p:spPr>
-          <a:xfrm>
-            <a:off x="980728" y="1115616"/>
-            <a:ext cx="1992131" cy="288032"/>
-          </a:xfrm>
-          <a:prstGeom prst="rect">
-            <a:avLst/>
-          </a:prstGeom>
-          <a:solidFill>
-            <a:schemeClr val="bg1"/>
+            <a:srgbClr val="92D050"/>
           </a:solidFill>
           <a:ln>
             <a:noFill/>
@@ -19086,14 +18788,22 @@
           <a:p>
             <a:pPr algn="ctr"/>
             <a:r>
-              <a:rPr kumimoji="1" lang="ja-JP" altLang="en-US" dirty="0" smtClean="0">
+              <a:rPr lang="en-US" altLang="ja-JP" sz="2400" dirty="0" smtClean="0">
                 <a:solidFill>
                   <a:schemeClr val="tx1"/>
                 </a:solidFill>
               </a:rPr>
-              <a:t>コスト・マネジメント</a:t>
-            </a:r>
-            <a:endParaRPr kumimoji="1" lang="ja-JP" altLang="en-US" dirty="0">
+              <a:t>PM</a:t>
+            </a:r>
+            <a:r>
+              <a:rPr lang="ja-JP" altLang="en-US" sz="2400" dirty="0" smtClean="0">
+                <a:solidFill>
+                  <a:schemeClr val="tx1"/>
+                </a:solidFill>
+              </a:rPr>
+              <a:t>との関連性</a:t>
+            </a:r>
+            <a:endParaRPr kumimoji="1" lang="ja-JP" altLang="en-US" sz="2400" dirty="0">
               <a:solidFill>
                 <a:schemeClr val="tx1"/>
               </a:solidFill>
@@ -19103,20 +18813,20 @@
       </p:sp>
       <p:sp>
         <p:nvSpPr>
-          <p:cNvPr id="17" name="正方形/長方形 16"/>
+          <p:cNvPr id="21" name="ホームベース 20"/>
           <p:cNvSpPr/>
           <p:nvPr/>
         </p:nvSpPr>
         <p:spPr>
           <a:xfrm>
-            <a:off x="3915928" y="3707904"/>
-            <a:ext cx="1992131" cy="288032"/>
+            <a:off x="57017" y="4958332"/>
+            <a:ext cx="1863857" cy="484632"/>
           </a:xfrm>
-          <a:prstGeom prst="rect">
+          <a:prstGeom prst="homePlate">
             <a:avLst/>
           </a:prstGeom>
           <a:solidFill>
-            <a:schemeClr val="bg1"/>
+            <a:srgbClr val="92D050"/>
           </a:solidFill>
           <a:ln>
             <a:noFill/>
@@ -19144,22 +18854,22 @@
           <a:p>
             <a:pPr algn="ctr"/>
             <a:r>
-              <a:rPr lang="ja-JP" altLang="en-US" dirty="0">
+              <a:rPr lang="ja-JP" altLang="en-US" sz="2400" dirty="0">
                 <a:solidFill>
                   <a:schemeClr val="tx1"/>
                 </a:solidFill>
               </a:rPr>
-              <a:t>調達</a:t>
-            </a:r>
-            <a:r>
-              <a:rPr kumimoji="1" lang="ja-JP" altLang="en-US" dirty="0" smtClean="0">
+              <a:t>研究</a:t>
+            </a:r>
+            <a:r>
+              <a:rPr lang="ja-JP" altLang="en-US" sz="2400" dirty="0" smtClean="0">
                 <a:solidFill>
                   <a:schemeClr val="tx1"/>
                 </a:solidFill>
               </a:rPr>
-              <a:t>マネジメント</a:t>
-            </a:r>
-            <a:endParaRPr kumimoji="1" lang="ja-JP" altLang="en-US" dirty="0">
+              <a:t>の現状</a:t>
+            </a:r>
+            <a:endParaRPr kumimoji="1" lang="ja-JP" altLang="en-US" sz="2400" dirty="0">
               <a:solidFill>
                 <a:schemeClr val="tx1"/>
               </a:solidFill>
@@ -19169,20 +18879,20 @@
       </p:sp>
       <p:sp>
         <p:nvSpPr>
-          <p:cNvPr id="18" name="正方形/長方形 17"/>
+          <p:cNvPr id="22" name="ホームベース 21"/>
           <p:cNvSpPr/>
           <p:nvPr/>
         </p:nvSpPr>
         <p:spPr>
           <a:xfrm>
-            <a:off x="346986" y="2951820"/>
-            <a:ext cx="3177451" cy="288032"/>
+            <a:off x="48665" y="7222343"/>
+            <a:ext cx="1872209" cy="484632"/>
           </a:xfrm>
-          <a:prstGeom prst="rect">
+          <a:prstGeom prst="homePlate">
             <a:avLst/>
           </a:prstGeom>
           <a:solidFill>
-            <a:schemeClr val="bg1"/>
+            <a:srgbClr val="92D050"/>
           </a:solidFill>
           <a:ln>
             <a:noFill/>
@@ -19210,22 +18920,22 @@
           <a:p>
             <a:pPr algn="ctr"/>
             <a:r>
-              <a:rPr lang="ja-JP" altLang="en-US" dirty="0">
+              <a:rPr lang="ja-JP" altLang="en-US" sz="2400" dirty="0">
                 <a:solidFill>
                   <a:schemeClr val="tx1"/>
                 </a:solidFill>
               </a:rPr>
-              <a:t>コミュニケーション</a:t>
-            </a:r>
-            <a:r>
-              <a:rPr kumimoji="1" lang="ja-JP" altLang="en-US" dirty="0" smtClean="0">
+              <a:t>今後</a:t>
+            </a:r>
+            <a:r>
+              <a:rPr lang="ja-JP" altLang="en-US" sz="2400" dirty="0" smtClean="0">
                 <a:solidFill>
                   <a:schemeClr val="tx1"/>
                 </a:solidFill>
               </a:rPr>
-              <a:t>・マネジメント</a:t>
-            </a:r>
-            <a:endParaRPr kumimoji="1" lang="ja-JP" altLang="en-US" dirty="0">
+              <a:t>の計画</a:t>
+            </a:r>
+            <a:endParaRPr kumimoji="1" lang="ja-JP" altLang="en-US" sz="2400" dirty="0">
               <a:solidFill>
                 <a:schemeClr val="tx1"/>
               </a:solidFill>
@@ -19235,14 +18945,14 @@
       </p:sp>
       <p:sp>
         <p:nvSpPr>
-          <p:cNvPr id="19" name="正方形/長方形 18"/>
+          <p:cNvPr id="2" name="正方形/長方形 1"/>
           <p:cNvSpPr/>
           <p:nvPr/>
         </p:nvSpPr>
         <p:spPr>
           <a:xfrm>
-            <a:off x="3708031" y="1907704"/>
-            <a:ext cx="2279104" cy="288032"/>
+            <a:off x="349141" y="5580112"/>
+            <a:ext cx="6248210" cy="1512168"/>
           </a:xfrm>
           <a:prstGeom prst="rect">
             <a:avLst/>
@@ -19251,7 +18961,9 @@
             <a:schemeClr val="bg1"/>
           </a:solidFill>
           <a:ln>
-            <a:noFill/>
+            <a:solidFill>
+              <a:schemeClr val="tx1"/>
+            </a:solidFill>
           </a:ln>
         </p:spPr>
         <p:style>
@@ -19271,17 +18983,24 @@
           </a:fontRef>
         </p:style>
         <p:txBody>
-          <a:bodyPr rtlCol="0" anchor="ctr"/>
+          <a:bodyPr rtlCol="0" anchor="t"/>
           <a:lstStyle/>
           <a:p>
-            <a:pPr algn="ctr"/>
             <a:r>
               <a:rPr lang="ja-JP" altLang="en-US" dirty="0">
                 <a:solidFill>
                   <a:schemeClr val="tx1"/>
                 </a:solidFill>
               </a:rPr>
-              <a:t>人的資源</a:t>
+              <a:t>・</a:t>
+            </a:r>
+            <a:r>
+              <a:rPr kumimoji="1" lang="en-US" altLang="ja-JP" dirty="0" smtClean="0">
+                <a:solidFill>
+                  <a:schemeClr val="tx1"/>
+                </a:solidFill>
+              </a:rPr>
+              <a:t>Wikipedia</a:t>
             </a:r>
             <a:r>
               <a:rPr kumimoji="1" lang="ja-JP" altLang="en-US" dirty="0" smtClean="0">
@@ -19289,9 +19008,215 @@
                   <a:schemeClr val="tx1"/>
                 </a:solidFill>
               </a:rPr>
-              <a:t>マネジメント</a:t>
-            </a:r>
-            <a:endParaRPr kumimoji="1" lang="ja-JP" altLang="en-US" dirty="0">
+              <a:t>マイニングとは，</a:t>
+            </a:r>
+            <a:r>
+              <a:rPr kumimoji="1" lang="en-US" altLang="ja-JP" dirty="0" smtClean="0">
+                <a:solidFill>
+                  <a:schemeClr val="tx1"/>
+                </a:solidFill>
+              </a:rPr>
+              <a:t>Wikipedia</a:t>
+            </a:r>
+            <a:r>
+              <a:rPr kumimoji="1" lang="ja-JP" altLang="en-US" dirty="0" smtClean="0">
+                <a:solidFill>
+                  <a:schemeClr val="tx1"/>
+                </a:solidFill>
+              </a:rPr>
+              <a:t>を</a:t>
+            </a:r>
+            <a:r>
+              <a:rPr kumimoji="1" lang="en-US" altLang="ja-JP" dirty="0" smtClean="0">
+                <a:solidFill>
+                  <a:schemeClr val="tx1"/>
+                </a:solidFill>
+              </a:rPr>
+              <a:t>Web</a:t>
+            </a:r>
+            <a:r>
+              <a:rPr kumimoji="1" lang="ja-JP" altLang="en-US" dirty="0" smtClean="0">
+                <a:solidFill>
+                  <a:schemeClr val="tx1"/>
+                </a:solidFill>
+              </a:rPr>
+              <a:t>マイニングしたものであり，</a:t>
+            </a:r>
+            <a:r>
+              <a:rPr kumimoji="1" lang="en-US" altLang="ja-JP" dirty="0" smtClean="0">
+                <a:solidFill>
+                  <a:schemeClr val="tx1"/>
+                </a:solidFill>
+              </a:rPr>
+              <a:t>Web</a:t>
+            </a:r>
+            <a:r>
+              <a:rPr kumimoji="1" lang="ja-JP" altLang="en-US" dirty="0" smtClean="0">
+                <a:solidFill>
+                  <a:schemeClr val="tx1"/>
+                </a:solidFill>
+              </a:rPr>
+              <a:t>コーパスとして有益な情報を抽出する手法．</a:t>
+            </a:r>
+            <a:endParaRPr kumimoji="1" lang="en-US" altLang="ja-JP" dirty="0" smtClean="0">
+              <a:solidFill>
+                <a:schemeClr val="tx1"/>
+              </a:solidFill>
+            </a:endParaRPr>
+          </a:p>
+          <a:p>
+            <a:r>
+              <a:rPr kumimoji="1" lang="ja-JP" altLang="en-US" dirty="0" smtClean="0">
+                <a:solidFill>
+                  <a:schemeClr val="tx1"/>
+                </a:solidFill>
+              </a:rPr>
+              <a:t>・</a:t>
+            </a:r>
+            <a:r>
+              <a:rPr kumimoji="1" lang="en-US" altLang="ja-JP" dirty="0" smtClean="0">
+                <a:solidFill>
+                  <a:schemeClr val="tx1"/>
+                </a:solidFill>
+              </a:rPr>
+              <a:t>Wikipedia</a:t>
+            </a:r>
+            <a:r>
+              <a:rPr lang="ja-JP" altLang="en-US" dirty="0" smtClean="0">
+                <a:solidFill>
+                  <a:schemeClr val="tx1"/>
+                </a:solidFill>
+              </a:rPr>
+              <a:t>で使える</a:t>
+            </a:r>
+            <a:r>
+              <a:rPr kumimoji="1" lang="en-US" altLang="ja-JP" dirty="0" smtClean="0">
+                <a:solidFill>
+                  <a:schemeClr val="tx1"/>
+                </a:solidFill>
+              </a:rPr>
+              <a:t>API</a:t>
+            </a:r>
+            <a:r>
+              <a:rPr lang="en-US" altLang="ja-JP" dirty="0" smtClean="0">
+                <a:solidFill>
+                  <a:schemeClr val="tx1"/>
+                </a:solidFill>
+              </a:rPr>
+              <a:t>(</a:t>
+            </a:r>
+            <a:r>
+              <a:rPr lang="en-US" altLang="ja-JP" b="1" dirty="0" err="1" smtClean="0">
+                <a:solidFill>
+                  <a:schemeClr val="tx1"/>
+                </a:solidFill>
+              </a:rPr>
+              <a:t>isual</a:t>
+            </a:r>
+            <a:r>
+              <a:rPr lang="en-US" altLang="ja-JP" b="1" dirty="0" smtClean="0">
+                <a:solidFill>
+                  <a:schemeClr val="tx1"/>
+                </a:solidFill>
+              </a:rPr>
+              <a:t> </a:t>
+            </a:r>
+            <a:r>
+              <a:rPr lang="en-US" altLang="ja-JP" b="1" dirty="0">
+                <a:solidFill>
+                  <a:schemeClr val="tx1"/>
+                </a:solidFill>
+              </a:rPr>
+              <a:t>Studio </a:t>
+            </a:r>
+            <a:r>
+              <a:rPr lang="en-US" altLang="ja-JP" b="1" dirty="0" err="1">
+                <a:solidFill>
+                  <a:schemeClr val="tx1"/>
+                </a:solidFill>
+              </a:rPr>
+              <a:t>.net</a:t>
+            </a:r>
+            <a:r>
+              <a:rPr lang="en-US" altLang="ja-JP" b="1" dirty="0">
+                <a:solidFill>
+                  <a:schemeClr val="tx1"/>
+                </a:solidFill>
+              </a:rPr>
+              <a:t> (C</a:t>
+            </a:r>
+            <a:r>
+              <a:rPr lang="en-US" altLang="ja-JP" b="1" dirty="0" smtClean="0">
+                <a:solidFill>
+                  <a:schemeClr val="tx1"/>
+                </a:solidFill>
+              </a:rPr>
+              <a:t>#)</a:t>
+            </a:r>
+            <a:r>
+              <a:rPr lang="ja-JP" altLang="en-US" b="1" dirty="0" err="1" smtClean="0">
+                <a:solidFill>
+                  <a:schemeClr val="tx1"/>
+                </a:solidFill>
+              </a:rPr>
+              <a:t>，</a:t>
+            </a:r>
+            <a:r>
+              <a:rPr lang="en-US" altLang="ja-JP" b="1" dirty="0" smtClean="0">
+                <a:solidFill>
+                  <a:schemeClr val="tx1"/>
+                </a:solidFill>
+              </a:rPr>
+              <a:t>Java</a:t>
+            </a:r>
+            <a:r>
+              <a:rPr lang="en-US" altLang="ja-JP" dirty="0" smtClean="0">
+                <a:solidFill>
+                  <a:schemeClr val="tx1"/>
+                </a:solidFill>
+              </a:rPr>
+              <a:t>)</a:t>
+            </a:r>
+            <a:r>
+              <a:rPr lang="ja-JP" altLang="en-US" dirty="0" smtClean="0">
+                <a:solidFill>
+                  <a:schemeClr val="tx1"/>
+                </a:solidFill>
+              </a:rPr>
+              <a:t>の調査．</a:t>
+            </a:r>
+            <a:endParaRPr lang="en-US" altLang="ja-JP" dirty="0" smtClean="0">
+              <a:solidFill>
+                <a:schemeClr val="tx1"/>
+              </a:solidFill>
+            </a:endParaRPr>
+          </a:p>
+          <a:p>
+            <a:r>
+              <a:rPr lang="ja-JP" altLang="en-US" dirty="0" smtClean="0">
+                <a:solidFill>
+                  <a:schemeClr val="tx1"/>
+                </a:solidFill>
+              </a:rPr>
+              <a:t>・</a:t>
+            </a:r>
+            <a:r>
+              <a:rPr lang="en-US" altLang="ja-JP" dirty="0" smtClean="0">
+                <a:solidFill>
+                  <a:schemeClr val="tx1"/>
+                </a:solidFill>
+              </a:rPr>
+              <a:t>Wikipedia</a:t>
+            </a:r>
+            <a:r>
+              <a:rPr lang="ja-JP" altLang="en-US" dirty="0" smtClean="0">
+                <a:solidFill>
+                  <a:schemeClr val="tx1"/>
+                </a:solidFill>
+              </a:rPr>
+              <a:t>の全データダウンロード．</a:t>
+            </a:r>
+            <a:endParaRPr lang="en-US" altLang="ja-JP" dirty="0" smtClean="0">
               <a:solidFill>
                 <a:schemeClr val="tx1"/>
               </a:solidFill>
@@ -19301,14 +19226,14 @@
       </p:sp>
       <p:sp>
         <p:nvSpPr>
-          <p:cNvPr id="20" name="正方形/長方形 19"/>
+          <p:cNvPr id="4" name="正方形/長方形 3"/>
           <p:cNvSpPr/>
           <p:nvPr/>
         </p:nvSpPr>
         <p:spPr>
           <a:xfrm>
-            <a:off x="3851518" y="304104"/>
-            <a:ext cx="1992131" cy="288032"/>
+            <a:off x="244152" y="7884368"/>
+            <a:ext cx="6458189" cy="1152128"/>
           </a:xfrm>
           <a:prstGeom prst="rect">
             <a:avLst/>
@@ -19317,7 +19242,9 @@
             <a:schemeClr val="bg1"/>
           </a:solidFill>
           <a:ln>
-            <a:noFill/>
+            <a:solidFill>
+              <a:schemeClr val="tx1"/>
+            </a:solidFill>
           </a:ln>
         </p:spPr>
         <p:style>
@@ -19337,26 +19264,71 @@
           </a:fontRef>
         </p:style>
         <p:txBody>
-          <a:bodyPr rtlCol="0" anchor="ctr"/>
+          <a:bodyPr rtlCol="0" anchor="t"/>
           <a:lstStyle/>
           <a:p>
-            <a:pPr algn="ctr"/>
+            <a:r>
+              <a:rPr kumimoji="1" lang="en-US" altLang="ja-JP" dirty="0" smtClean="0">
+                <a:solidFill>
+                  <a:schemeClr val="tx1"/>
+                </a:solidFill>
+              </a:rPr>
+              <a:t>Wikipedia</a:t>
+            </a:r>
+            <a:r>
+              <a:rPr kumimoji="1" lang="ja-JP" altLang="en-US" dirty="0" smtClean="0">
+                <a:solidFill>
+                  <a:schemeClr val="tx1"/>
+                </a:solidFill>
+              </a:rPr>
+              <a:t>の全データをダウンロードしたものを，</a:t>
+            </a:r>
+            <a:r>
+              <a:rPr kumimoji="1" lang="en-US" altLang="ja-JP" dirty="0" smtClean="0">
+                <a:solidFill>
+                  <a:schemeClr val="tx1"/>
+                </a:solidFill>
+              </a:rPr>
+              <a:t>API</a:t>
+            </a:r>
+            <a:r>
+              <a:rPr kumimoji="1" lang="ja-JP" altLang="en-US" dirty="0" smtClean="0">
+                <a:solidFill>
+                  <a:schemeClr val="tx1"/>
+                </a:solidFill>
+              </a:rPr>
+              <a:t>で解析．</a:t>
+            </a:r>
+            <a:endParaRPr kumimoji="1" lang="en-US" altLang="ja-JP" dirty="0" smtClean="0">
+              <a:solidFill>
+                <a:schemeClr val="tx1"/>
+              </a:solidFill>
+            </a:endParaRPr>
+          </a:p>
+          <a:p>
+            <a:r>
+              <a:rPr lang="en-US" altLang="ja-JP" dirty="0">
+                <a:solidFill>
+                  <a:schemeClr val="tx1"/>
+                </a:solidFill>
+              </a:rPr>
+              <a:t>Wikipedia</a:t>
+            </a:r>
             <a:r>
               <a:rPr lang="ja-JP" altLang="en-US" dirty="0">
                 <a:solidFill>
                   <a:schemeClr val="tx1"/>
                 </a:solidFill>
               </a:rPr>
-              <a:t>品質</a:t>
-            </a:r>
-            <a:r>
-              <a:rPr kumimoji="1" lang="ja-JP" altLang="en-US" dirty="0" smtClean="0">
-                <a:solidFill>
-                  <a:schemeClr val="tx1"/>
-                </a:solidFill>
-              </a:rPr>
-              <a:t>マネジメント</a:t>
-            </a:r>
+              <a:t>のコミット回数のヒストグラムを描き，どのような傾向がみられるか調査する．</a:t>
+            </a:r>
+            <a:endParaRPr lang="en-US" altLang="ja-JP" dirty="0">
+              <a:solidFill>
+                <a:schemeClr val="tx1"/>
+              </a:solidFill>
+            </a:endParaRPr>
+          </a:p>
+          <a:p>
             <a:endParaRPr kumimoji="1" lang="ja-JP" altLang="en-US" dirty="0">
               <a:solidFill>
                 <a:schemeClr val="tx1"/>
@@ -19365,10 +19337,676 @@
           </a:p>
         </p:txBody>
       </p:sp>
+      <p:grpSp>
+        <p:nvGrpSpPr>
+          <p:cNvPr id="5" name="グループ化 4"/>
+          <p:cNvGrpSpPr/>
+          <p:nvPr/>
+        </p:nvGrpSpPr>
+        <p:grpSpPr>
+          <a:xfrm>
+            <a:off x="119918" y="931321"/>
+            <a:ext cx="6706658" cy="4027011"/>
+            <a:chOff x="40931" y="744886"/>
+            <a:chExt cx="6706658" cy="4027011"/>
+          </a:xfrm>
+        </p:grpSpPr>
+        <p:sp>
+          <p:nvSpPr>
+            <p:cNvPr id="24" name="円/楕円 23"/>
+            <p:cNvSpPr/>
+            <p:nvPr/>
+          </p:nvSpPr>
+          <p:spPr>
+            <a:xfrm>
+              <a:off x="2878120" y="1677724"/>
+              <a:ext cx="3864256" cy="1224136"/>
+            </a:xfrm>
+            <a:prstGeom prst="ellipse">
+              <a:avLst/>
+            </a:prstGeom>
+            <a:solidFill>
+              <a:srgbClr val="FFFF00"/>
+            </a:solidFill>
+            <a:ln>
+              <a:solidFill>
+                <a:srgbClr val="92D050"/>
+              </a:solidFill>
+            </a:ln>
+          </p:spPr>
+          <p:style>
+            <a:lnRef idx="2">
+              <a:schemeClr val="accent1">
+                <a:shade val="50000"/>
+              </a:schemeClr>
+            </a:lnRef>
+            <a:fillRef idx="1">
+              <a:schemeClr val="accent1"/>
+            </a:fillRef>
+            <a:effectRef idx="0">
+              <a:schemeClr val="accent1"/>
+            </a:effectRef>
+            <a:fontRef idx="minor">
+              <a:schemeClr val="lt1"/>
+            </a:fontRef>
+          </p:style>
+          <p:txBody>
+            <a:bodyPr rtlCol="0" anchor="ctr"/>
+            <a:lstStyle/>
+            <a:p>
+              <a:pPr algn="ctr"/>
+              <a:endParaRPr lang="en-US" altLang="ja-JP" sz="1400" b="1" dirty="0">
+                <a:solidFill>
+                  <a:schemeClr val="tx1"/>
+                </a:solidFill>
+              </a:endParaRPr>
+            </a:p>
+            <a:p>
+              <a:pPr algn="ctr"/>
+              <a:endParaRPr lang="en-US" altLang="ja-JP" b="1" dirty="0" smtClean="0">
+                <a:solidFill>
+                  <a:schemeClr val="tx1"/>
+                </a:solidFill>
+              </a:endParaRPr>
+            </a:p>
+            <a:p>
+              <a:pPr algn="ctr"/>
+              <a:endParaRPr lang="en-US" altLang="ja-JP" b="1" dirty="0" smtClean="0">
+                <a:solidFill>
+                  <a:schemeClr val="tx1"/>
+                </a:solidFill>
+              </a:endParaRPr>
+            </a:p>
+            <a:p>
+              <a:pPr algn="ctr"/>
+              <a:r>
+                <a:rPr lang="ja-JP" altLang="ja-JP" sz="1400" dirty="0">
+                  <a:solidFill>
+                    <a:schemeClr val="tx1"/>
+                  </a:solidFill>
+                </a:rPr>
+                <a:t>多くの協力者に参加してもらう事により品質の向上</a:t>
+              </a:r>
+            </a:p>
+            <a:p>
+              <a:pPr algn="ctr"/>
+              <a:endParaRPr kumimoji="1" lang="en-US" altLang="ja-JP" sz="1400" dirty="0" smtClean="0">
+                <a:solidFill>
+                  <a:schemeClr val="tx1"/>
+                </a:solidFill>
+              </a:endParaRPr>
+            </a:p>
+          </p:txBody>
+        </p:sp>
+        <p:sp>
+          <p:nvSpPr>
+            <p:cNvPr id="25" name="円/楕円 24"/>
+            <p:cNvSpPr/>
+            <p:nvPr/>
+          </p:nvSpPr>
+          <p:spPr>
+            <a:xfrm>
+              <a:off x="63096" y="744886"/>
+              <a:ext cx="3864256" cy="1224136"/>
+            </a:xfrm>
+            <a:prstGeom prst="ellipse">
+              <a:avLst/>
+            </a:prstGeom>
+            <a:solidFill>
+              <a:srgbClr val="FFFF00"/>
+            </a:solidFill>
+            <a:ln>
+              <a:solidFill>
+                <a:srgbClr val="92D050"/>
+              </a:solidFill>
+            </a:ln>
+          </p:spPr>
+          <p:style>
+            <a:lnRef idx="2">
+              <a:schemeClr val="accent1">
+                <a:shade val="50000"/>
+              </a:schemeClr>
+            </a:lnRef>
+            <a:fillRef idx="1">
+              <a:schemeClr val="accent1"/>
+            </a:fillRef>
+            <a:effectRef idx="0">
+              <a:schemeClr val="accent1"/>
+            </a:effectRef>
+            <a:fontRef idx="minor">
+              <a:schemeClr val="lt1"/>
+            </a:fontRef>
+          </p:style>
+          <p:txBody>
+            <a:bodyPr rtlCol="0" anchor="ctr"/>
+            <a:lstStyle/>
+            <a:p>
+              <a:pPr algn="ctr"/>
+              <a:endParaRPr lang="en-US" altLang="ja-JP" sz="1400" b="1" dirty="0">
+                <a:solidFill>
+                  <a:schemeClr val="tx1"/>
+                </a:solidFill>
+              </a:endParaRPr>
+            </a:p>
+            <a:p>
+              <a:pPr algn="ctr"/>
+              <a:endParaRPr kumimoji="1" lang="en-US" altLang="ja-JP" sz="1400" b="1" dirty="0" smtClean="0">
+                <a:solidFill>
+                  <a:schemeClr val="tx1"/>
+                </a:solidFill>
+              </a:endParaRPr>
+            </a:p>
+            <a:p>
+              <a:pPr algn="ctr"/>
+              <a:endParaRPr kumimoji="1" lang="en-US" altLang="ja-JP" sz="1400" b="1" dirty="0" smtClean="0">
+                <a:solidFill>
+                  <a:schemeClr val="tx1"/>
+                </a:solidFill>
+              </a:endParaRPr>
+            </a:p>
+            <a:p>
+              <a:pPr algn="ctr"/>
+              <a:r>
+                <a:rPr lang="ja-JP" altLang="ja-JP" sz="1400" dirty="0">
+                  <a:solidFill>
+                    <a:schemeClr val="tx1"/>
+                  </a:solidFill>
+                </a:rPr>
+                <a:t>類似したプロジェクトなどを参考にすることで</a:t>
+              </a:r>
+              <a:r>
+                <a:rPr lang="ja-JP" altLang="ja-JP" sz="1400" dirty="0" smtClean="0">
+                  <a:solidFill>
+                    <a:schemeClr val="tx1"/>
+                  </a:solidFill>
+                </a:rPr>
+                <a:t>コス</a:t>
+              </a:r>
+              <a:r>
+                <a:rPr lang="ja-JP" altLang="en-US" sz="1400" dirty="0" smtClean="0">
+                  <a:solidFill>
+                    <a:schemeClr val="tx1"/>
+                  </a:solidFill>
+                </a:rPr>
+                <a:t>ト</a:t>
+              </a:r>
+              <a:r>
+                <a:rPr lang="ja-JP" altLang="ja-JP" sz="1400" dirty="0" smtClean="0">
+                  <a:solidFill>
+                    <a:schemeClr val="tx1"/>
+                  </a:solidFill>
+                </a:rPr>
+                <a:t>ダウン</a:t>
+              </a:r>
+              <a:endParaRPr kumimoji="1" lang="ja-JP" altLang="en-US" sz="1400" dirty="0">
+                <a:solidFill>
+                  <a:schemeClr val="tx1"/>
+                </a:solidFill>
+              </a:endParaRPr>
+            </a:p>
+          </p:txBody>
+        </p:sp>
+        <p:sp>
+          <p:nvSpPr>
+            <p:cNvPr id="27" name="円/楕円 26"/>
+            <p:cNvSpPr/>
+            <p:nvPr/>
+          </p:nvSpPr>
+          <p:spPr>
+            <a:xfrm>
+              <a:off x="40931" y="2627784"/>
+              <a:ext cx="3864256" cy="1224136"/>
+            </a:xfrm>
+            <a:prstGeom prst="ellipse">
+              <a:avLst/>
+            </a:prstGeom>
+            <a:solidFill>
+              <a:srgbClr val="FFFF00"/>
+            </a:solidFill>
+            <a:ln>
+              <a:solidFill>
+                <a:srgbClr val="92D050"/>
+              </a:solidFill>
+            </a:ln>
+          </p:spPr>
+          <p:style>
+            <a:lnRef idx="2">
+              <a:schemeClr val="accent1">
+                <a:shade val="50000"/>
+              </a:schemeClr>
+            </a:lnRef>
+            <a:fillRef idx="1">
+              <a:schemeClr val="accent1"/>
+            </a:fillRef>
+            <a:effectRef idx="0">
+              <a:schemeClr val="accent1"/>
+            </a:effectRef>
+            <a:fontRef idx="minor">
+              <a:schemeClr val="lt1"/>
+            </a:fontRef>
+          </p:style>
+          <p:txBody>
+            <a:bodyPr rtlCol="0" anchor="ctr"/>
+            <a:lstStyle/>
+            <a:p>
+              <a:pPr algn="ctr"/>
+              <a:endParaRPr lang="en-US" altLang="ja-JP" sz="1400" b="1" dirty="0">
+                <a:solidFill>
+                  <a:schemeClr val="tx1"/>
+                </a:solidFill>
+              </a:endParaRPr>
+            </a:p>
+            <a:p>
+              <a:pPr algn="ctr"/>
+              <a:endParaRPr lang="en-US" altLang="ja-JP" sz="1400" b="1" dirty="0" smtClean="0">
+                <a:solidFill>
+                  <a:schemeClr val="tx1"/>
+                </a:solidFill>
+              </a:endParaRPr>
+            </a:p>
+            <a:p>
+              <a:pPr algn="ctr"/>
+              <a:endParaRPr lang="en-US" altLang="ja-JP" b="1" dirty="0" smtClean="0">
+                <a:solidFill>
+                  <a:schemeClr val="tx1"/>
+                </a:solidFill>
+              </a:endParaRPr>
+            </a:p>
+            <a:p>
+              <a:pPr algn="ctr"/>
+              <a:r>
+                <a:rPr lang="en-US" altLang="ja-JP" sz="1400" dirty="0">
+                  <a:solidFill>
+                    <a:schemeClr val="tx1"/>
+                  </a:solidFill>
+                </a:rPr>
+                <a:t>URL</a:t>
+              </a:r>
+              <a:r>
+                <a:rPr lang="ja-JP" altLang="ja-JP" sz="1400" dirty="0">
+                  <a:solidFill>
+                    <a:schemeClr val="tx1"/>
+                  </a:solidFill>
+                </a:rPr>
+                <a:t>やリンクなどを使って表現の意味などを共通し</a:t>
+              </a:r>
+              <a:r>
+                <a:rPr lang="ja-JP" altLang="en-US" sz="1400" dirty="0">
+                  <a:solidFill>
+                    <a:schemeClr val="tx1"/>
+                  </a:solidFill>
+                </a:rPr>
+                <a:t>た</a:t>
+              </a:r>
+              <a:r>
+                <a:rPr lang="ja-JP" altLang="ja-JP" sz="1400" dirty="0">
+                  <a:solidFill>
+                    <a:schemeClr val="tx1"/>
+                  </a:solidFill>
+                </a:rPr>
+                <a:t>理解を持てる</a:t>
+              </a:r>
+              <a:endParaRPr lang="en-US" altLang="ja-JP" sz="1400" dirty="0">
+                <a:solidFill>
+                  <a:schemeClr val="tx1"/>
+                </a:solidFill>
+              </a:endParaRPr>
+            </a:p>
+            <a:p>
+              <a:pPr algn="ctr"/>
+              <a:endParaRPr kumimoji="1" lang="en-US" altLang="ja-JP" sz="1400" dirty="0" smtClean="0">
+                <a:solidFill>
+                  <a:schemeClr val="tx1"/>
+                </a:solidFill>
+              </a:endParaRPr>
+            </a:p>
+          </p:txBody>
+        </p:sp>
+        <p:sp>
+          <p:nvSpPr>
+            <p:cNvPr id="28" name="円/楕円 27"/>
+            <p:cNvSpPr/>
+            <p:nvPr/>
+          </p:nvSpPr>
+          <p:spPr>
+            <a:xfrm>
+              <a:off x="2883333" y="3547761"/>
+              <a:ext cx="3864256" cy="1224136"/>
+            </a:xfrm>
+            <a:prstGeom prst="ellipse">
+              <a:avLst/>
+            </a:prstGeom>
+            <a:solidFill>
+              <a:srgbClr val="FFFF00"/>
+            </a:solidFill>
+            <a:ln>
+              <a:solidFill>
+                <a:srgbClr val="92D050"/>
+              </a:solidFill>
+            </a:ln>
+          </p:spPr>
+          <p:style>
+            <a:lnRef idx="2">
+              <a:schemeClr val="accent1">
+                <a:shade val="50000"/>
+              </a:schemeClr>
+            </a:lnRef>
+            <a:fillRef idx="1">
+              <a:schemeClr val="accent1"/>
+            </a:fillRef>
+            <a:effectRef idx="0">
+              <a:schemeClr val="accent1"/>
+            </a:effectRef>
+            <a:fontRef idx="minor">
+              <a:schemeClr val="lt1"/>
+            </a:fontRef>
+          </p:style>
+          <p:txBody>
+            <a:bodyPr rtlCol="0" anchor="ctr"/>
+            <a:lstStyle/>
+            <a:p>
+              <a:pPr algn="ctr"/>
+              <a:endParaRPr lang="en-US" altLang="ja-JP" sz="1400" b="1" dirty="0">
+                <a:solidFill>
+                  <a:schemeClr val="tx1"/>
+                </a:solidFill>
+              </a:endParaRPr>
+            </a:p>
+            <a:p>
+              <a:pPr algn="ctr"/>
+              <a:endParaRPr lang="en-US" altLang="ja-JP" sz="1400" b="1" dirty="0" smtClean="0">
+                <a:solidFill>
+                  <a:schemeClr val="tx1"/>
+                </a:solidFill>
+              </a:endParaRPr>
+            </a:p>
+            <a:p>
+              <a:pPr algn="ctr"/>
+              <a:endParaRPr lang="en-US" altLang="ja-JP" sz="1400" b="1" dirty="0" smtClean="0">
+                <a:solidFill>
+                  <a:schemeClr val="tx1"/>
+                </a:solidFill>
+              </a:endParaRPr>
+            </a:p>
+            <a:p>
+              <a:pPr algn="ctr"/>
+              <a:r>
+                <a:rPr lang="ja-JP" altLang="ja-JP" sz="1400" dirty="0">
+                  <a:solidFill>
+                    <a:schemeClr val="tx1"/>
+                  </a:solidFill>
+                </a:rPr>
+                <a:t>顧客が何を欲しているのか情報を通じて理解できる</a:t>
+              </a:r>
+              <a:endParaRPr kumimoji="1" lang="ja-JP" altLang="en-US" sz="1400" dirty="0">
+                <a:solidFill>
+                  <a:schemeClr val="tx1"/>
+                </a:solidFill>
+              </a:endParaRPr>
+            </a:p>
+          </p:txBody>
+        </p:sp>
+        <p:sp>
+          <p:nvSpPr>
+            <p:cNvPr id="29" name="正方形/長方形 28"/>
+            <p:cNvSpPr/>
+            <p:nvPr/>
+          </p:nvSpPr>
+          <p:spPr>
+            <a:xfrm>
+              <a:off x="898264" y="974512"/>
+              <a:ext cx="1984932" cy="288032"/>
+            </a:xfrm>
+            <a:prstGeom prst="rect">
+              <a:avLst/>
+            </a:prstGeom>
+            <a:solidFill>
+              <a:srgbClr val="FFFF00"/>
+            </a:solidFill>
+            <a:ln>
+              <a:noFill/>
+            </a:ln>
+          </p:spPr>
+          <p:style>
+            <a:lnRef idx="2">
+              <a:schemeClr val="accent1">
+                <a:shade val="50000"/>
+              </a:schemeClr>
+            </a:lnRef>
+            <a:fillRef idx="1">
+              <a:schemeClr val="accent1"/>
+            </a:fillRef>
+            <a:effectRef idx="0">
+              <a:schemeClr val="accent1"/>
+            </a:effectRef>
+            <a:fontRef idx="minor">
+              <a:schemeClr val="lt1"/>
+            </a:fontRef>
+          </p:style>
+          <p:txBody>
+            <a:bodyPr rtlCol="0" anchor="ctr"/>
+            <a:lstStyle/>
+            <a:p>
+              <a:pPr algn="ctr"/>
+              <a:r>
+                <a:rPr kumimoji="1" lang="ja-JP" altLang="en-US" b="1" dirty="0" smtClean="0">
+                  <a:solidFill>
+                    <a:schemeClr val="tx1"/>
+                  </a:solidFill>
+                </a:rPr>
+                <a:t>コスト・マネジメント</a:t>
+              </a:r>
+              <a:endParaRPr kumimoji="1" lang="ja-JP" altLang="en-US" b="1" dirty="0">
+                <a:solidFill>
+                  <a:schemeClr val="tx1"/>
+                </a:solidFill>
+              </a:endParaRPr>
+            </a:p>
+          </p:txBody>
+        </p:sp>
+        <p:sp>
+          <p:nvSpPr>
+            <p:cNvPr id="30" name="正方形/長方形 29"/>
+            <p:cNvSpPr/>
+            <p:nvPr/>
+          </p:nvSpPr>
+          <p:spPr>
+            <a:xfrm>
+              <a:off x="3856398" y="3715734"/>
+              <a:ext cx="1984932" cy="288032"/>
+            </a:xfrm>
+            <a:prstGeom prst="rect">
+              <a:avLst/>
+            </a:prstGeom>
+            <a:solidFill>
+              <a:srgbClr val="FFFF00"/>
+            </a:solidFill>
+            <a:ln>
+              <a:noFill/>
+            </a:ln>
+          </p:spPr>
+          <p:style>
+            <a:lnRef idx="2">
+              <a:schemeClr val="accent1">
+                <a:shade val="50000"/>
+              </a:schemeClr>
+            </a:lnRef>
+            <a:fillRef idx="1">
+              <a:schemeClr val="accent1"/>
+            </a:fillRef>
+            <a:effectRef idx="0">
+              <a:schemeClr val="accent1"/>
+            </a:effectRef>
+            <a:fontRef idx="minor">
+              <a:schemeClr val="lt1"/>
+            </a:fontRef>
+          </p:style>
+          <p:txBody>
+            <a:bodyPr rtlCol="0" anchor="ctr"/>
+            <a:lstStyle/>
+            <a:p>
+              <a:pPr algn="ctr"/>
+              <a:r>
+                <a:rPr lang="ja-JP" altLang="en-US" b="1" dirty="0">
+                  <a:solidFill>
+                    <a:schemeClr val="tx1"/>
+                  </a:solidFill>
+                </a:rPr>
+                <a:t>調達</a:t>
+              </a:r>
+              <a:r>
+                <a:rPr kumimoji="1" lang="ja-JP" altLang="en-US" b="1" dirty="0" smtClean="0">
+                  <a:solidFill>
+                    <a:schemeClr val="tx1"/>
+                  </a:solidFill>
+                </a:rPr>
+                <a:t>マネジメント</a:t>
+              </a:r>
+              <a:endParaRPr kumimoji="1" lang="ja-JP" altLang="en-US" b="1" dirty="0">
+                <a:solidFill>
+                  <a:schemeClr val="tx1"/>
+                </a:solidFill>
+              </a:endParaRPr>
+            </a:p>
+          </p:txBody>
+        </p:sp>
+        <p:sp>
+          <p:nvSpPr>
+            <p:cNvPr id="31" name="正方形/長方形 30"/>
+            <p:cNvSpPr/>
+            <p:nvPr/>
+          </p:nvSpPr>
+          <p:spPr>
+            <a:xfrm>
+              <a:off x="390073" y="2901860"/>
+              <a:ext cx="3165969" cy="288032"/>
+            </a:xfrm>
+            <a:prstGeom prst="rect">
+              <a:avLst/>
+            </a:prstGeom>
+            <a:solidFill>
+              <a:srgbClr val="FFFF00"/>
+            </a:solidFill>
+            <a:ln>
+              <a:noFill/>
+            </a:ln>
+          </p:spPr>
+          <p:style>
+            <a:lnRef idx="2">
+              <a:schemeClr val="accent1">
+                <a:shade val="50000"/>
+              </a:schemeClr>
+            </a:lnRef>
+            <a:fillRef idx="1">
+              <a:schemeClr val="accent1"/>
+            </a:fillRef>
+            <a:effectRef idx="0">
+              <a:schemeClr val="accent1"/>
+            </a:effectRef>
+            <a:fontRef idx="minor">
+              <a:schemeClr val="lt1"/>
+            </a:fontRef>
+          </p:style>
+          <p:txBody>
+            <a:bodyPr rtlCol="0" anchor="ctr"/>
+            <a:lstStyle/>
+            <a:p>
+              <a:pPr algn="ctr"/>
+              <a:r>
+                <a:rPr lang="ja-JP" altLang="en-US" b="1" dirty="0">
+                  <a:solidFill>
+                    <a:schemeClr val="tx1"/>
+                  </a:solidFill>
+                </a:rPr>
+                <a:t>コミュニケーション</a:t>
+              </a:r>
+              <a:r>
+                <a:rPr kumimoji="1" lang="ja-JP" altLang="en-US" b="1" dirty="0" smtClean="0">
+                  <a:solidFill>
+                    <a:schemeClr val="tx1"/>
+                  </a:solidFill>
+                </a:rPr>
+                <a:t>・マネジメント</a:t>
+              </a:r>
+              <a:endParaRPr kumimoji="1" lang="ja-JP" altLang="en-US" b="1" dirty="0">
+                <a:solidFill>
+                  <a:schemeClr val="tx1"/>
+                </a:solidFill>
+              </a:endParaRPr>
+            </a:p>
+          </p:txBody>
+        </p:sp>
+        <p:sp>
+          <p:nvSpPr>
+            <p:cNvPr id="33" name="正方形/長方形 32"/>
+            <p:cNvSpPr/>
+            <p:nvPr/>
+          </p:nvSpPr>
+          <p:spPr>
+            <a:xfrm>
+              <a:off x="3784224" y="1821628"/>
+              <a:ext cx="1984932" cy="288032"/>
+            </a:xfrm>
+            <a:prstGeom prst="rect">
+              <a:avLst/>
+            </a:prstGeom>
+            <a:solidFill>
+              <a:srgbClr val="FFFF00"/>
+            </a:solidFill>
+            <a:ln>
+              <a:noFill/>
+            </a:ln>
+          </p:spPr>
+          <p:style>
+            <a:lnRef idx="2">
+              <a:schemeClr val="accent1">
+                <a:shade val="50000"/>
+              </a:schemeClr>
+            </a:lnRef>
+            <a:fillRef idx="1">
+              <a:schemeClr val="accent1"/>
+            </a:fillRef>
+            <a:effectRef idx="0">
+              <a:schemeClr val="accent1"/>
+            </a:effectRef>
+            <a:fontRef idx="minor">
+              <a:schemeClr val="lt1"/>
+            </a:fontRef>
+          </p:style>
+          <p:txBody>
+            <a:bodyPr rtlCol="0" anchor="ctr"/>
+            <a:lstStyle/>
+            <a:p>
+              <a:pPr algn="ctr"/>
+              <a:r>
+                <a:rPr lang="ja-JP" altLang="en-US" b="1" dirty="0">
+                  <a:solidFill>
+                    <a:schemeClr val="tx1"/>
+                  </a:solidFill>
+                </a:rPr>
+                <a:t>品質</a:t>
+              </a:r>
+              <a:r>
+                <a:rPr kumimoji="1" lang="ja-JP" altLang="en-US" b="1" dirty="0" smtClean="0">
+                  <a:solidFill>
+                    <a:schemeClr val="tx1"/>
+                  </a:solidFill>
+                </a:rPr>
+                <a:t>マネジメント</a:t>
+              </a:r>
+              <a:endParaRPr kumimoji="1" lang="ja-JP" altLang="en-US" b="1" dirty="0">
+                <a:solidFill>
+                  <a:schemeClr val="tx1"/>
+                </a:solidFill>
+              </a:endParaRPr>
+            </a:p>
+          </p:txBody>
+        </p:sp>
+      </p:grpSp>
     </p:spTree>
     <p:extLst>
       <p:ext uri="{BB962C8B-B14F-4D97-AF65-F5344CB8AC3E}">
-        <p14:creationId xmlns:p14="http://schemas.microsoft.com/office/powerpoint/2010/main" val="3630989014"/>
+        <p14:creationId xmlns:p14="http://schemas.microsoft.com/office/powerpoint/2010/main" val="3734641489"/>
       </p:ext>
     </p:extLst>
   </p:cSld>

--- a/課題研究/2013/曽我勇貴/ポスター.pptx
+++ b/課題研究/2013/曽我勇貴/ポスター.pptx
@@ -2,23 +2,20 @@
 <file path=ppt/presentation.xml><?xml version="1.0" encoding="utf-8"?>
 <p:presentation xmlns:a="http://schemas.openxmlformats.org/drawingml/2006/main" xmlns:r="http://schemas.openxmlformats.org/officeDocument/2006/relationships" xmlns:p="http://schemas.openxmlformats.org/presentationml/2006/main" saveSubsetFonts="1">
   <p:sldMasterIdLst>
-    <p:sldMasterId id="2147483660" r:id="rId1"/>
+    <p:sldMasterId id="2147483684" r:id="rId1"/>
   </p:sldMasterIdLst>
   <p:sldIdLst>
-    <p:sldId id="259" r:id="rId2"/>
-    <p:sldId id="260" r:id="rId3"/>
+    <p:sldId id="258" r:id="rId2"/>
+    <p:sldId id="259" r:id="rId3"/>
   </p:sldIdLst>
-  <p:sldSz cx="6858000" cy="9144000" type="screen4x3"/>
-  <p:notesSz cx="6797675" cy="9926638"/>
-  <p:custDataLst>
-    <p:tags r:id="rId4"/>
-  </p:custDataLst>
+  <p:sldSz cx="21386800" cy="30279975"/>
+  <p:notesSz cx="6858000" cy="9144000"/>
   <p:defaultTextStyle>
     <a:defPPr>
       <a:defRPr lang="ja-JP"/>
     </a:defPPr>
-    <a:lvl1pPr marL="0" algn="l" defTabSz="914400" rtl="0" eaLnBrk="1" latinLnBrk="0" hangingPunct="1">
-      <a:defRPr kumimoji="1" sz="1800" kern="1200">
+    <a:lvl1pPr marL="0" algn="l" defTabSz="2952323" rtl="0" eaLnBrk="1" latinLnBrk="0" hangingPunct="1">
+      <a:defRPr kumimoji="1" sz="5800" kern="1200">
         <a:solidFill>
           <a:schemeClr val="tx1"/>
         </a:solidFill>
@@ -27,8 +24,8 @@
         <a:cs typeface="+mn-cs"/>
       </a:defRPr>
     </a:lvl1pPr>
-    <a:lvl2pPr marL="457200" algn="l" defTabSz="914400" rtl="0" eaLnBrk="1" latinLnBrk="0" hangingPunct="1">
-      <a:defRPr kumimoji="1" sz="1800" kern="1200">
+    <a:lvl2pPr marL="1476162" algn="l" defTabSz="2952323" rtl="0" eaLnBrk="1" latinLnBrk="0" hangingPunct="1">
+      <a:defRPr kumimoji="1" sz="5800" kern="1200">
         <a:solidFill>
           <a:schemeClr val="tx1"/>
         </a:solidFill>
@@ -37,8 +34,8 @@
         <a:cs typeface="+mn-cs"/>
       </a:defRPr>
     </a:lvl2pPr>
-    <a:lvl3pPr marL="914400" algn="l" defTabSz="914400" rtl="0" eaLnBrk="1" latinLnBrk="0" hangingPunct="1">
-      <a:defRPr kumimoji="1" sz="1800" kern="1200">
+    <a:lvl3pPr marL="2952323" algn="l" defTabSz="2952323" rtl="0" eaLnBrk="1" latinLnBrk="0" hangingPunct="1">
+      <a:defRPr kumimoji="1" sz="5800" kern="1200">
         <a:solidFill>
           <a:schemeClr val="tx1"/>
         </a:solidFill>
@@ -47,8 +44,8 @@
         <a:cs typeface="+mn-cs"/>
       </a:defRPr>
     </a:lvl3pPr>
-    <a:lvl4pPr marL="1371600" algn="l" defTabSz="914400" rtl="0" eaLnBrk="1" latinLnBrk="0" hangingPunct="1">
-      <a:defRPr kumimoji="1" sz="1800" kern="1200">
+    <a:lvl4pPr marL="4428485" algn="l" defTabSz="2952323" rtl="0" eaLnBrk="1" latinLnBrk="0" hangingPunct="1">
+      <a:defRPr kumimoji="1" sz="5800" kern="1200">
         <a:solidFill>
           <a:schemeClr val="tx1"/>
         </a:solidFill>
@@ -57,8 +54,8 @@
         <a:cs typeface="+mn-cs"/>
       </a:defRPr>
     </a:lvl4pPr>
-    <a:lvl5pPr marL="1828800" algn="l" defTabSz="914400" rtl="0" eaLnBrk="1" latinLnBrk="0" hangingPunct="1">
-      <a:defRPr kumimoji="1" sz="1800" kern="1200">
+    <a:lvl5pPr marL="5904647" algn="l" defTabSz="2952323" rtl="0" eaLnBrk="1" latinLnBrk="0" hangingPunct="1">
+      <a:defRPr kumimoji="1" sz="5800" kern="1200">
         <a:solidFill>
           <a:schemeClr val="tx1"/>
         </a:solidFill>
@@ -67,8 +64,8 @@
         <a:cs typeface="+mn-cs"/>
       </a:defRPr>
     </a:lvl5pPr>
-    <a:lvl6pPr marL="2286000" algn="l" defTabSz="914400" rtl="0" eaLnBrk="1" latinLnBrk="0" hangingPunct="1">
-      <a:defRPr kumimoji="1" sz="1800" kern="1200">
+    <a:lvl6pPr marL="7380808" algn="l" defTabSz="2952323" rtl="0" eaLnBrk="1" latinLnBrk="0" hangingPunct="1">
+      <a:defRPr kumimoji="1" sz="5800" kern="1200">
         <a:solidFill>
           <a:schemeClr val="tx1"/>
         </a:solidFill>
@@ -77,8 +74,8 @@
         <a:cs typeface="+mn-cs"/>
       </a:defRPr>
     </a:lvl6pPr>
-    <a:lvl7pPr marL="2743200" algn="l" defTabSz="914400" rtl="0" eaLnBrk="1" latinLnBrk="0" hangingPunct="1">
-      <a:defRPr kumimoji="1" sz="1800" kern="1200">
+    <a:lvl7pPr marL="8856970" algn="l" defTabSz="2952323" rtl="0" eaLnBrk="1" latinLnBrk="0" hangingPunct="1">
+      <a:defRPr kumimoji="1" sz="5800" kern="1200">
         <a:solidFill>
           <a:schemeClr val="tx1"/>
         </a:solidFill>
@@ -87,8 +84,8 @@
         <a:cs typeface="+mn-cs"/>
       </a:defRPr>
     </a:lvl7pPr>
-    <a:lvl8pPr marL="3200400" algn="l" defTabSz="914400" rtl="0" eaLnBrk="1" latinLnBrk="0" hangingPunct="1">
-      <a:defRPr kumimoji="1" sz="1800" kern="1200">
+    <a:lvl8pPr marL="10333131" algn="l" defTabSz="2952323" rtl="0" eaLnBrk="1" latinLnBrk="0" hangingPunct="1">
+      <a:defRPr kumimoji="1" sz="5800" kern="1200">
         <a:solidFill>
           <a:schemeClr val="tx1"/>
         </a:solidFill>
@@ -97,8 +94,8 @@
         <a:cs typeface="+mn-cs"/>
       </a:defRPr>
     </a:lvl8pPr>
-    <a:lvl9pPr marL="3657600" algn="l" defTabSz="914400" rtl="0" eaLnBrk="1" latinLnBrk="0" hangingPunct="1">
-      <a:defRPr kumimoji="1" sz="1800" kern="1200">
+    <a:lvl9pPr marL="11809293" algn="l" defTabSz="2952323" rtl="0" eaLnBrk="1" latinLnBrk="0" hangingPunct="1">
+      <a:defRPr kumimoji="1" sz="5800" kern="1200">
         <a:solidFill>
           <a:schemeClr val="tx1"/>
         </a:solidFill>
@@ -143,8 +140,8 @@
         </p:nvSpPr>
         <p:spPr bwMode="auto">
           <a:xfrm>
-            <a:off x="0" y="5386151"/>
-            <a:ext cx="6851142" cy="655108"/>
+            <a:off x="0" y="17836016"/>
+            <a:ext cx="21365413" cy="2169363"/>
           </a:xfrm>
           <a:custGeom>
             <a:avLst/>
@@ -306,7 +303,7 @@
           <a:effectLst/>
         </p:spPr>
         <p:txBody>
-          <a:bodyPr vert="horz" wrap="square" lIns="91440" tIns="45720" rIns="91440" bIns="45720" anchor="t" compatLnSpc="1"/>
+          <a:bodyPr vert="horz" wrap="square" lIns="295232" tIns="147616" rIns="295232" bIns="147616" anchor="t" compatLnSpc="1"/>
           <a:lstStyle/>
           <a:p>
             <a:endParaRPr kumimoji="0" lang="ja-JP" altLang="en-US"/>
@@ -325,8 +322,8 @@
         </p:nvSpPr>
         <p:spPr>
           <a:xfrm>
-            <a:off x="642918" y="1619234"/>
-            <a:ext cx="5518586" cy="1960033"/>
+            <a:off x="2004952" y="5362026"/>
+            <a:ext cx="17209811" cy="6490569"/>
           </a:xfrm>
         </p:spPr>
         <p:txBody>
@@ -335,7 +332,7 @@
           </a:bodyPr>
           <a:lstStyle>
             <a:lvl1pPr>
-              <a:defRPr sz="4300">
+              <a:defRPr sz="13900">
                 <a:solidFill>
                   <a:schemeClr val="tx2"/>
                 </a:solidFill>
@@ -376,8 +373,8 @@
         </p:nvSpPr>
         <p:spPr>
           <a:xfrm>
-            <a:off x="642918" y="3611029"/>
-            <a:ext cx="5518586" cy="1238259"/>
+            <a:off x="2004952" y="11957773"/>
+            <a:ext cx="17209811" cy="4100442"/>
           </a:xfrm>
         </p:spPr>
         <p:txBody>
@@ -391,7 +388,7 @@
                 </a:solidFill>
               </a:defRPr>
             </a:lvl1pPr>
-            <a:lvl2pPr marL="457200" indent="0" algn="ctr">
+            <a:lvl2pPr marL="1476162" indent="0" algn="ctr">
               <a:buNone/>
               <a:defRPr>
                 <a:solidFill>
@@ -401,7 +398,7 @@
                 </a:solidFill>
               </a:defRPr>
             </a:lvl2pPr>
-            <a:lvl3pPr marL="914400" indent="0" algn="ctr">
+            <a:lvl3pPr marL="2952323" indent="0" algn="ctr">
               <a:buNone/>
               <a:defRPr>
                 <a:solidFill>
@@ -411,7 +408,7 @@
                 </a:solidFill>
               </a:defRPr>
             </a:lvl3pPr>
-            <a:lvl4pPr marL="1371600" indent="0" algn="ctr">
+            <a:lvl4pPr marL="4428485" indent="0" algn="ctr">
               <a:buNone/>
               <a:defRPr>
                 <a:solidFill>
@@ -421,7 +418,7 @@
                 </a:solidFill>
               </a:defRPr>
             </a:lvl4pPr>
-            <a:lvl5pPr marL="1828800" indent="0" algn="ctr">
+            <a:lvl5pPr marL="5904647" indent="0" algn="ctr">
               <a:buNone/>
               <a:defRPr>
                 <a:solidFill>
@@ -431,7 +428,7 @@
                 </a:solidFill>
               </a:defRPr>
             </a:lvl5pPr>
-            <a:lvl6pPr marL="2286000" indent="0" algn="ctr">
+            <a:lvl6pPr marL="7380808" indent="0" algn="ctr">
               <a:buNone/>
               <a:defRPr>
                 <a:solidFill>
@@ -441,7 +438,7 @@
                 </a:solidFill>
               </a:defRPr>
             </a:lvl6pPr>
-            <a:lvl7pPr marL="2743200" indent="0" algn="ctr">
+            <a:lvl7pPr marL="8856970" indent="0" algn="ctr">
               <a:buNone/>
               <a:defRPr>
                 <a:solidFill>
@@ -451,7 +448,7 @@
                 </a:solidFill>
               </a:defRPr>
             </a:lvl7pPr>
-            <a:lvl8pPr marL="3200400" indent="0" algn="ctr">
+            <a:lvl8pPr marL="10333131" indent="0" algn="ctr">
               <a:buNone/>
               <a:defRPr>
                 <a:solidFill>
@@ -461,7 +458,7 @@
                 </a:solidFill>
               </a:defRPr>
             </a:lvl8pPr>
-            <a:lvl9pPr marL="3657600" indent="0" algn="ctr">
+            <a:lvl9pPr marL="11809293" indent="0" algn="ctr">
               <a:buNone/>
               <a:defRPr>
                 <a:solidFill>
@@ -494,16 +491,16 @@
         <p:spPr>
           <a:xfrm>
             <a:off x="0" y="0"/>
-            <a:ext cx="1601100" cy="480000"/>
+            <a:ext cx="4993060" cy="1589500"/>
           </a:xfrm>
         </p:spPr>
         <p:txBody>
           <a:bodyPr/>
           <a:lstStyle/>
           <a:p>
-            <a:fld id="{7599971D-E424-4083-B0C6-61FDC58FEAC9}" type="datetimeFigureOut">
+            <a:fld id="{CD18CB5A-6947-405F-A94A-52FF85729738}" type="datetimeFigureOut">
               <a:rPr kumimoji="1" lang="ja-JP" altLang="en-US" smtClean="0"/>
-              <a:t>2013/12/10</a:t>
+              <a:t>2013/12/11</a:t>
             </a:fld>
             <a:endParaRPr kumimoji="1" lang="ja-JP" altLang="en-US"/>
           </a:p>
@@ -521,8 +518,8 @@
         </p:nvSpPr>
         <p:spPr>
           <a:xfrm>
-            <a:off x="1649700" y="0"/>
-            <a:ext cx="3375000" cy="480000"/>
+            <a:off x="5144620" y="0"/>
+            <a:ext cx="10525000" cy="1589500"/>
           </a:xfrm>
         </p:spPr>
         <p:txBody>
@@ -545,8 +542,8 @@
         </p:nvSpPr>
         <p:spPr>
           <a:xfrm>
-            <a:off x="5786100" y="0"/>
-            <a:ext cx="1071900" cy="480000"/>
+            <a:off x="18044060" y="0"/>
+            <a:ext cx="3342740" cy="1589500"/>
           </a:xfrm>
         </p:spPr>
         <p:txBody>
@@ -557,7 +554,7 @@
             </a:lvl1pPr>
           </a:lstStyle>
           <a:p>
-            <a:fld id="{9231AA80-B81E-4211-B860-A0480B528245}" type="slidenum">
+            <a:fld id="{B8FB692E-29AC-4FC2-ACCA-CA334E189FAF}" type="slidenum">
               <a:rPr kumimoji="1" lang="ja-JP" altLang="en-US" smtClean="0"/>
               <a:t>‹#›</a:t>
             </a:fld>
@@ -575,8 +572,8 @@
         </p:nvSpPr>
         <p:spPr bwMode="auto">
           <a:xfrm>
-            <a:off x="0" y="4095748"/>
-            <a:ext cx="6858000" cy="1487985"/>
+            <a:off x="0" y="13562897"/>
+            <a:ext cx="21386800" cy="4927401"/>
           </a:xfrm>
           <a:custGeom>
             <a:avLst/>
@@ -726,7 +723,7 @@
           <a:effectLst/>
         </p:spPr>
         <p:txBody>
-          <a:bodyPr vert="horz" wrap="square" lIns="91440" tIns="45720" rIns="91440" bIns="45720" anchor="t" compatLnSpc="1"/>
+          <a:bodyPr vert="horz" wrap="square" lIns="295232" tIns="147616" rIns="295232" bIns="147616" anchor="t" compatLnSpc="1"/>
           <a:lstStyle/>
           <a:p>
             <a:endParaRPr kumimoji="0" lang="ja-JP" altLang="en-US"/>
@@ -743,8 +740,8 @@
         </p:nvSpPr>
         <p:spPr bwMode="auto">
           <a:xfrm>
-            <a:off x="0" y="5270215"/>
-            <a:ext cx="6858000" cy="492155"/>
+            <a:off x="0" y="17452096"/>
+            <a:ext cx="21386800" cy="1629750"/>
           </a:xfrm>
           <a:custGeom>
             <a:avLst/>
@@ -900,7 +897,7 @@
           <a:effectLst/>
         </p:spPr>
         <p:txBody>
-          <a:bodyPr vert="horz" wrap="square" lIns="91440" tIns="45720" rIns="91440" bIns="45720" anchor="t" compatLnSpc="1"/>
+          <a:bodyPr vert="horz" wrap="square" lIns="295232" tIns="147616" rIns="295232" bIns="147616" anchor="t" compatLnSpc="1"/>
           <a:lstStyle/>
           <a:p>
             <a:endParaRPr kumimoji="0" lang="ja-JP" altLang="en-US"/>
@@ -917,8 +914,8 @@
         </p:nvSpPr>
         <p:spPr bwMode="auto">
           <a:xfrm>
-            <a:off x="0" y="5079714"/>
-            <a:ext cx="6858000" cy="655108"/>
+            <a:off x="0" y="16821261"/>
+            <a:ext cx="21386800" cy="2169363"/>
           </a:xfrm>
           <a:custGeom>
             <a:avLst/>
@@ -1080,7 +1077,7 @@
           <a:effectLst/>
         </p:spPr>
         <p:txBody>
-          <a:bodyPr vert="horz" wrap="square" lIns="91440" tIns="45720" rIns="91440" bIns="45720" anchor="t" compatLnSpc="1"/>
+          <a:bodyPr vert="horz" wrap="square" lIns="295232" tIns="147616" rIns="295232" bIns="147616" anchor="t" compatLnSpc="1"/>
           <a:lstStyle/>
           <a:p>
             <a:endParaRPr kumimoji="0" lang="ja-JP" altLang="en-US"/>
@@ -1097,8 +1094,8 @@
         </p:nvSpPr>
         <p:spPr bwMode="auto">
           <a:xfrm>
-            <a:off x="0" y="5454071"/>
-            <a:ext cx="6858000" cy="641940"/>
+            <a:off x="0" y="18060930"/>
+            <a:ext cx="21386800" cy="2125758"/>
           </a:xfrm>
           <a:custGeom>
             <a:avLst/>
@@ -1272,7 +1269,7 @@
           <a:effectLst/>
         </p:spPr>
         <p:txBody>
-          <a:bodyPr vert="horz" wrap="square" lIns="91440" tIns="45720" rIns="91440" bIns="45720" anchor="t" compatLnSpc="1"/>
+          <a:bodyPr vert="horz" wrap="square" lIns="295232" tIns="147616" rIns="295232" bIns="147616" anchor="t" compatLnSpc="1"/>
           <a:lstStyle/>
           <a:p>
             <a:endParaRPr kumimoji="0" lang="ja-JP" altLang="en-US"/>
@@ -1289,8 +1286,8 @@
         </p:nvSpPr>
         <p:spPr bwMode="auto">
           <a:xfrm>
-            <a:off x="0" y="5767152"/>
-            <a:ext cx="6858000" cy="737408"/>
+            <a:off x="0" y="19097683"/>
+            <a:ext cx="21386800" cy="2441896"/>
           </a:xfrm>
           <a:custGeom>
             <a:avLst/>
@@ -1404,7 +1401,7 @@
           <a:effectLst/>
         </p:spPr>
         <p:txBody>
-          <a:bodyPr vert="horz" wrap="square" lIns="91440" tIns="45720" rIns="91440" bIns="45720" anchor="t" compatLnSpc="1"/>
+          <a:bodyPr vert="horz" wrap="square" lIns="295232" tIns="147616" rIns="295232" bIns="147616" anchor="t" compatLnSpc="1"/>
           <a:lstStyle/>
           <a:p>
             <a:endParaRPr kumimoji="0" lang="ja-JP" altLang="en-US"/>
@@ -1421,8 +1418,8 @@
         </p:nvSpPr>
         <p:spPr bwMode="auto">
           <a:xfrm>
-            <a:off x="107442" y="5429258"/>
-            <a:ext cx="6750558" cy="655108"/>
+            <a:off x="335060" y="17978762"/>
+            <a:ext cx="21051740" cy="2169363"/>
           </a:xfrm>
           <a:custGeom>
             <a:avLst/>
@@ -1584,7 +1581,7 @@
           <a:effectLst/>
         </p:spPr>
         <p:txBody>
-          <a:bodyPr vert="horz" wrap="square" lIns="91440" tIns="45720" rIns="91440" bIns="45720" anchor="t" compatLnSpc="1"/>
+          <a:bodyPr vert="horz" wrap="square" lIns="295232" tIns="147616" rIns="295232" bIns="147616" anchor="t" compatLnSpc="1"/>
           <a:lstStyle/>
           <a:p>
             <a:endParaRPr kumimoji="0" lang="ja-JP" altLang="en-US"/>
@@ -1601,8 +1598,8 @@
         </p:nvSpPr>
         <p:spPr bwMode="auto">
           <a:xfrm>
-            <a:off x="114300" y="5358822"/>
-            <a:ext cx="6743700" cy="641940"/>
+            <a:off x="356447" y="17745516"/>
+            <a:ext cx="21030353" cy="2125758"/>
           </a:xfrm>
           <a:custGeom>
             <a:avLst/>
@@ -1776,7 +1773,7 @@
           <a:effectLst/>
         </p:spPr>
         <p:txBody>
-          <a:bodyPr vert="horz" wrap="square" lIns="91440" tIns="45720" rIns="91440" bIns="45720" anchor="t" compatLnSpc="1"/>
+          <a:bodyPr vert="horz" wrap="square" lIns="295232" tIns="147616" rIns="295232" bIns="147616" anchor="t" compatLnSpc="1"/>
           <a:lstStyle/>
           <a:p>
             <a:endParaRPr kumimoji="0" lang="ja-JP" altLang="en-US"/>
@@ -1793,8 +1790,8 @@
         </p:nvSpPr>
         <p:spPr bwMode="auto">
           <a:xfrm>
-            <a:off x="107442" y="4953005"/>
-            <a:ext cx="6750558" cy="655108"/>
+            <a:off x="335060" y="16401669"/>
+            <a:ext cx="21051740" cy="2169363"/>
           </a:xfrm>
           <a:custGeom>
             <a:avLst/>
@@ -1956,7 +1953,7 @@
           <a:effectLst/>
         </p:spPr>
         <p:txBody>
-          <a:bodyPr vert="horz" wrap="square" lIns="91440" tIns="45720" rIns="91440" bIns="45720" anchor="t" compatLnSpc="1"/>
+          <a:bodyPr vert="horz" wrap="square" lIns="295232" tIns="147616" rIns="295232" bIns="147616" anchor="t" compatLnSpc="1"/>
           <a:lstStyle/>
           <a:p>
             <a:endParaRPr kumimoji="0" lang="ja-JP" altLang="en-US"/>
@@ -1973,8 +1970,8 @@
         </p:nvSpPr>
         <p:spPr bwMode="auto">
           <a:xfrm>
-            <a:off x="114300" y="5174966"/>
-            <a:ext cx="6743700" cy="641940"/>
+            <a:off x="356447" y="17136684"/>
+            <a:ext cx="21030353" cy="2125758"/>
           </a:xfrm>
           <a:custGeom>
             <a:avLst/>
@@ -2148,7 +2145,7 @@
           <a:effectLst/>
         </p:spPr>
         <p:txBody>
-          <a:bodyPr vert="horz" wrap="square" lIns="91440" tIns="45720" rIns="91440" bIns="45720" anchor="t" compatLnSpc="1"/>
+          <a:bodyPr vert="horz" wrap="square" lIns="295232" tIns="147616" rIns="295232" bIns="147616" anchor="t" compatLnSpc="1"/>
           <a:lstStyle/>
           <a:p>
             <a:endParaRPr kumimoji="0" lang="ja-JP" altLang="en-US"/>
@@ -2163,8 +2160,8 @@
         </p:nvGrpSpPr>
         <p:grpSpPr>
           <a:xfrm>
-            <a:off x="5648078" y="5161992"/>
-            <a:ext cx="1156368" cy="1898961"/>
+            <a:off x="17613634" y="17093719"/>
+            <a:ext cx="3606155" cy="6288331"/>
             <a:chOff x="7286645" y="3871493"/>
             <a:chExt cx="1541824" cy="1424221"/>
           </a:xfrm>
@@ -3594,8 +3591,8 @@
         </p:nvSpPr>
         <p:spPr>
           <a:xfrm>
-            <a:off x="342900" y="571483"/>
-            <a:ext cx="6172200" cy="1524000"/>
+            <a:off x="1069340" y="1892441"/>
+            <a:ext cx="19248120" cy="5046663"/>
           </a:xfrm>
         </p:spPr>
         <p:txBody>
@@ -3622,8 +3619,8 @@
         </p:nvSpPr>
         <p:spPr>
           <a:xfrm>
-            <a:off x="342900" y="2134892"/>
-            <a:ext cx="6172200" cy="6249600"/>
+            <a:off x="1069340" y="7069606"/>
+            <a:ext cx="19248120" cy="20695290"/>
           </a:xfrm>
         </p:spPr>
         <p:txBody>
@@ -3712,16 +3709,16 @@
         <p:spPr>
           <a:xfrm>
             <a:off x="0" y="0"/>
-            <a:ext cx="1600200" cy="480000"/>
+            <a:ext cx="4990253" cy="1589500"/>
           </a:xfrm>
         </p:spPr>
         <p:txBody>
           <a:bodyPr/>
           <a:lstStyle/>
           <a:p>
-            <a:fld id="{7599971D-E424-4083-B0C6-61FDC58FEAC9}" type="datetimeFigureOut">
+            <a:fld id="{CD18CB5A-6947-405F-A94A-52FF85729738}" type="datetimeFigureOut">
               <a:rPr kumimoji="1" lang="ja-JP" altLang="en-US" smtClean="0"/>
-              <a:t>2013/12/10</a:t>
+              <a:t>2013/12/11</a:t>
             </a:fld>
             <a:endParaRPr kumimoji="1" lang="ja-JP" altLang="en-US"/>
           </a:p>
@@ -3739,8 +3736,8 @@
         </p:nvSpPr>
         <p:spPr>
           <a:xfrm>
-            <a:off x="1649700" y="1"/>
-            <a:ext cx="3375000" cy="481796"/>
+            <a:off x="5144620" y="2"/>
+            <a:ext cx="10525000" cy="1595447"/>
           </a:xfrm>
         </p:spPr>
         <p:txBody>
@@ -3763,8 +3760,8 @@
         </p:nvSpPr>
         <p:spPr>
           <a:xfrm>
-            <a:off x="5786100" y="0"/>
-            <a:ext cx="1071900" cy="480000"/>
+            <a:off x="18044060" y="0"/>
+            <a:ext cx="3342740" cy="1589500"/>
           </a:xfrm>
         </p:spPr>
         <p:txBody>
@@ -3775,7 +3772,7 @@
             </a:lvl1pPr>
           </a:lstStyle>
           <a:p>
-            <a:fld id="{9231AA80-B81E-4211-B860-A0480B528245}" type="slidenum">
+            <a:fld id="{B8FB692E-29AC-4FC2-ACCA-CA334E189FAF}" type="slidenum">
               <a:rPr kumimoji="1" lang="ja-JP" altLang="en-US" smtClean="0"/>
               <a:t>‹#›</a:t>
             </a:fld>
@@ -3820,8 +3817,8 @@
         </p:nvSpPr>
         <p:spPr>
           <a:xfrm>
-            <a:off x="4972050" y="666727"/>
-            <a:ext cx="1543050" cy="7905803"/>
+            <a:off x="15505430" y="2207838"/>
+            <a:ext cx="4812030" cy="26179736"/>
           </a:xfrm>
         </p:spPr>
         <p:txBody>
@@ -3848,8 +3845,8 @@
         </p:nvSpPr>
         <p:spPr>
           <a:xfrm>
-            <a:off x="341667" y="666726"/>
-            <a:ext cx="4514850" cy="7905804"/>
+            <a:off x="1065495" y="2207835"/>
+            <a:ext cx="14079643" cy="26179741"/>
           </a:xfrm>
         </p:spPr>
         <p:txBody>
@@ -3938,16 +3935,16 @@
         <p:spPr>
           <a:xfrm>
             <a:off x="0" y="0"/>
-            <a:ext cx="1600200" cy="480000"/>
+            <a:ext cx="4990253" cy="1589500"/>
           </a:xfrm>
         </p:spPr>
         <p:txBody>
           <a:bodyPr/>
           <a:lstStyle/>
           <a:p>
-            <a:fld id="{7599971D-E424-4083-B0C6-61FDC58FEAC9}" type="datetimeFigureOut">
+            <a:fld id="{CD18CB5A-6947-405F-A94A-52FF85729738}" type="datetimeFigureOut">
               <a:rPr kumimoji="1" lang="ja-JP" altLang="en-US" smtClean="0"/>
-              <a:t>2013/12/10</a:t>
+              <a:t>2013/12/11</a:t>
             </a:fld>
             <a:endParaRPr kumimoji="1" lang="ja-JP" altLang="en-US"/>
           </a:p>
@@ -3965,8 +3962,8 @@
         </p:nvSpPr>
         <p:spPr>
           <a:xfrm>
-            <a:off x="1649700" y="1"/>
-            <a:ext cx="3375000" cy="481796"/>
+            <a:off x="5144620" y="2"/>
+            <a:ext cx="10525000" cy="1595447"/>
           </a:xfrm>
         </p:spPr>
         <p:txBody>
@@ -3989,8 +3986,8 @@
         </p:nvSpPr>
         <p:spPr>
           <a:xfrm>
-            <a:off x="5786100" y="0"/>
-            <a:ext cx="1071900" cy="480000"/>
+            <a:off x="18044060" y="0"/>
+            <a:ext cx="3342740" cy="1589500"/>
           </a:xfrm>
         </p:spPr>
         <p:txBody>
@@ -4001,7 +3998,7 @@
             </a:lvl1pPr>
           </a:lstStyle>
           <a:p>
-            <a:fld id="{9231AA80-B81E-4211-B860-A0480B528245}" type="slidenum">
+            <a:fld id="{B8FB692E-29AC-4FC2-ACCA-CA334E189FAF}" type="slidenum">
               <a:rPr kumimoji="1" lang="ja-JP" altLang="en-US" smtClean="0"/>
               <a:t>‹#›</a:t>
             </a:fld>
@@ -4046,8 +4043,8 @@
         </p:nvSpPr>
         <p:spPr>
           <a:xfrm>
-            <a:off x="321447" y="571472"/>
-            <a:ext cx="6172200" cy="1524000"/>
+            <a:off x="1002438" y="1892405"/>
+            <a:ext cx="19248120" cy="5046663"/>
           </a:xfrm>
         </p:spPr>
         <p:txBody>
@@ -4074,8 +4071,8 @@
         </p:nvSpPr>
         <p:spPr>
           <a:xfrm>
-            <a:off x="321447" y="2152636"/>
-            <a:ext cx="6172200" cy="6249600"/>
+            <a:off x="1002438" y="7128364"/>
+            <a:ext cx="19248120" cy="20695290"/>
           </a:xfrm>
         </p:spPr>
         <p:txBody>
@@ -4164,16 +4161,16 @@
         <p:spPr>
           <a:xfrm>
             <a:off x="0" y="0"/>
-            <a:ext cx="1600200" cy="480000"/>
+            <a:ext cx="4990253" cy="1589500"/>
           </a:xfrm>
         </p:spPr>
         <p:txBody>
           <a:bodyPr/>
           <a:lstStyle/>
           <a:p>
-            <a:fld id="{7599971D-E424-4083-B0C6-61FDC58FEAC9}" type="datetimeFigureOut">
+            <a:fld id="{CD18CB5A-6947-405F-A94A-52FF85729738}" type="datetimeFigureOut">
               <a:rPr kumimoji="1" lang="ja-JP" altLang="en-US" smtClean="0"/>
-              <a:t>2013/12/10</a:t>
+              <a:t>2013/12/11</a:t>
             </a:fld>
             <a:endParaRPr kumimoji="1" lang="ja-JP" altLang="en-US"/>
           </a:p>
@@ -4191,8 +4188,8 @@
         </p:nvSpPr>
         <p:spPr>
           <a:xfrm>
-            <a:off x="1649699" y="0"/>
-            <a:ext cx="3375000" cy="480000"/>
+            <a:off x="5144618" y="0"/>
+            <a:ext cx="10525000" cy="1589500"/>
           </a:xfrm>
         </p:spPr>
         <p:txBody>
@@ -4215,8 +4212,8 @@
         </p:nvSpPr>
         <p:spPr>
           <a:xfrm>
-            <a:off x="5786100" y="0"/>
-            <a:ext cx="1071900" cy="480000"/>
+            <a:off x="18044060" y="0"/>
+            <a:ext cx="3342740" cy="1589500"/>
           </a:xfrm>
         </p:spPr>
         <p:txBody>
@@ -4227,7 +4224,7 @@
             </a:lvl1pPr>
           </a:lstStyle>
           <a:p>
-            <a:fld id="{9231AA80-B81E-4211-B860-A0480B528245}" type="slidenum">
+            <a:fld id="{B8FB692E-29AC-4FC2-ACCA-CA334E189FAF}" type="slidenum">
               <a:rPr kumimoji="1" lang="ja-JP" altLang="en-US" smtClean="0"/>
               <a:t>‹#›</a:t>
             </a:fld>
@@ -4277,15 +4274,15 @@
         </p:nvSpPr>
         <p:spPr>
           <a:xfrm>
-            <a:off x="361908" y="3598321"/>
-            <a:ext cx="5829300" cy="1816100"/>
+            <a:off x="1128617" y="11915689"/>
+            <a:ext cx="18178780" cy="6013939"/>
           </a:xfrm>
         </p:spPr>
         <p:txBody>
           <a:bodyPr anchor="t"/>
           <a:lstStyle>
             <a:lvl1pPr algn="l">
-              <a:defRPr sz="4000" b="1" cap="all"/>
+              <a:defRPr sz="12900" b="1" cap="all"/>
             </a:lvl1pPr>
           </a:lstStyle>
           <a:p>
@@ -4309,8 +4306,8 @@
         </p:nvSpPr>
         <p:spPr>
           <a:xfrm>
-            <a:off x="361908" y="1568430"/>
-            <a:ext cx="5829300" cy="2000249"/>
+            <a:off x="1128617" y="5193791"/>
+            <a:ext cx="18178780" cy="6623742"/>
           </a:xfrm>
         </p:spPr>
         <p:txBody>
@@ -4318,47 +4315,47 @@
           <a:lstStyle>
             <a:lvl1pPr marL="0" indent="0">
               <a:buNone/>
-              <a:defRPr sz="2000" baseline="0">
+              <a:defRPr sz="6500" baseline="0">
                 <a:solidFill>
                   <a:schemeClr val="tx2"/>
                 </a:solidFill>
               </a:defRPr>
             </a:lvl1pPr>
-            <a:lvl2pPr marL="457200" indent="0">
+            <a:lvl2pPr marL="1476162" indent="0">
               <a:buNone/>
-              <a:defRPr sz="1800">
+              <a:defRPr sz="5800">
                 <a:solidFill>
                   <a:schemeClr val="tx2"/>
                 </a:solidFill>
               </a:defRPr>
             </a:lvl2pPr>
-            <a:lvl3pPr marL="914400" indent="0">
+            <a:lvl3pPr marL="2952323" indent="0">
               <a:buNone/>
-              <a:defRPr sz="1600">
+              <a:defRPr sz="5200">
                 <a:solidFill>
                   <a:schemeClr val="tx2"/>
                 </a:solidFill>
               </a:defRPr>
             </a:lvl3pPr>
-            <a:lvl4pPr marL="1371600" indent="0">
+            <a:lvl4pPr marL="4428485" indent="0">
               <a:buNone/>
-              <a:defRPr sz="1400">
+              <a:defRPr sz="4500">
                 <a:solidFill>
                   <a:schemeClr val="tx2"/>
                 </a:solidFill>
               </a:defRPr>
             </a:lvl4pPr>
-            <a:lvl5pPr marL="1828800" indent="0">
+            <a:lvl5pPr marL="5904647" indent="0">
               <a:buNone/>
-              <a:defRPr sz="1400">
+              <a:defRPr sz="4500">
                 <a:solidFill>
                   <a:schemeClr val="tx2"/>
                 </a:solidFill>
               </a:defRPr>
             </a:lvl5pPr>
-            <a:lvl6pPr marL="2286000" indent="0">
+            <a:lvl6pPr marL="7380808" indent="0">
               <a:buNone/>
-              <a:defRPr sz="1400">
+              <a:defRPr sz="4500">
                 <a:solidFill>
                   <a:schemeClr val="tx1">
                     <a:tint val="75000"/>
@@ -4366,9 +4363,9 @@
                 </a:solidFill>
               </a:defRPr>
             </a:lvl6pPr>
-            <a:lvl7pPr marL="2743200" indent="0">
+            <a:lvl7pPr marL="8856970" indent="0">
               <a:buNone/>
-              <a:defRPr sz="1400">
+              <a:defRPr sz="4500">
                 <a:solidFill>
                   <a:schemeClr val="tx1">
                     <a:tint val="75000"/>
@@ -4376,9 +4373,9 @@
                 </a:solidFill>
               </a:defRPr>
             </a:lvl7pPr>
-            <a:lvl8pPr marL="3200400" indent="0">
+            <a:lvl8pPr marL="10333131" indent="0">
               <a:buNone/>
-              <a:defRPr sz="1400">
+              <a:defRPr sz="4500">
                 <a:solidFill>
                   <a:schemeClr val="tx1">
                     <a:tint val="75000"/>
@@ -4386,9 +4383,9 @@
                 </a:solidFill>
               </a:defRPr>
             </a:lvl8pPr>
-            <a:lvl9pPr marL="3657600" indent="0">
+            <a:lvl9pPr marL="11809293" indent="0">
               <a:buNone/>
-              <a:defRPr sz="1400">
+              <a:defRPr sz="4500">
                 <a:solidFill>
                   <a:schemeClr val="tx1">
                     <a:tint val="75000"/>
@@ -4480,16 +4477,16 @@
         <p:spPr>
           <a:xfrm>
             <a:off x="0" y="0"/>
-            <a:ext cx="1600200" cy="480000"/>
+            <a:ext cx="4990253" cy="1589500"/>
           </a:xfrm>
         </p:spPr>
         <p:txBody>
           <a:bodyPr/>
           <a:lstStyle/>
           <a:p>
-            <a:fld id="{7599971D-E424-4083-B0C6-61FDC58FEAC9}" type="datetimeFigureOut">
+            <a:fld id="{CD18CB5A-6947-405F-A94A-52FF85729738}" type="datetimeFigureOut">
               <a:rPr kumimoji="1" lang="ja-JP" altLang="en-US" smtClean="0"/>
-              <a:t>2013/12/10</a:t>
+              <a:t>2013/12/11</a:t>
             </a:fld>
             <a:endParaRPr kumimoji="1" lang="ja-JP" altLang="en-US"/>
           </a:p>
@@ -4507,8 +4504,8 @@
         </p:nvSpPr>
         <p:spPr>
           <a:xfrm>
-            <a:off x="1649700" y="0"/>
-            <a:ext cx="3375000" cy="480000"/>
+            <a:off x="5144620" y="0"/>
+            <a:ext cx="10525000" cy="1589500"/>
           </a:xfrm>
         </p:spPr>
         <p:txBody>
@@ -4531,8 +4528,8 @@
         </p:nvSpPr>
         <p:spPr>
           <a:xfrm>
-            <a:off x="5786100" y="0"/>
-            <a:ext cx="1071900" cy="480000"/>
+            <a:off x="18044060" y="0"/>
+            <a:ext cx="3342740" cy="1589500"/>
           </a:xfrm>
         </p:spPr>
         <p:txBody>
@@ -4543,7 +4540,7 @@
             </a:lvl1pPr>
           </a:lstStyle>
           <a:p>
-            <a:fld id="{9231AA80-B81E-4211-B860-A0480B528245}" type="slidenum">
+            <a:fld id="{B8FB692E-29AC-4FC2-ACCA-CA334E189FAF}" type="slidenum">
               <a:rPr kumimoji="1" lang="ja-JP" altLang="en-US" smtClean="0"/>
               <a:t>‹#›</a:t>
             </a:fld>
@@ -4561,8 +4558,8 @@
         </p:nvGrpSpPr>
         <p:grpSpPr bwMode="auto">
           <a:xfrm>
-            <a:off x="-12012" y="0"/>
-            <a:ext cx="6858000" cy="9144032"/>
+            <a:off x="-37460" y="0"/>
+            <a:ext cx="21386800" cy="30280081"/>
             <a:chOff x="-129" y="-42"/>
             <a:chExt cx="6177" cy="4355"/>
           </a:xfrm>
@@ -5920,8 +5917,8 @@
         </p:nvGrpSpPr>
         <p:grpSpPr>
           <a:xfrm>
-            <a:off x="5452972" y="5161992"/>
-            <a:ext cx="1156368" cy="1898961"/>
+            <a:off x="17005193" y="17093719"/>
+            <a:ext cx="3606155" cy="6288331"/>
             <a:chOff x="7286645" y="3871493"/>
             <a:chExt cx="1541824" cy="1424221"/>
           </a:xfrm>
@@ -7370,8 +7367,8 @@
         </p:nvGrpSpPr>
         <p:grpSpPr>
           <a:xfrm>
-            <a:off x="4756450" y="6667515"/>
-            <a:ext cx="803678" cy="1382136"/>
+            <a:off x="14833079" y="22079197"/>
+            <a:ext cx="2506283" cy="4576886"/>
             <a:chOff x="6357950" y="5000636"/>
             <a:chExt cx="1071570" cy="1036602"/>
           </a:xfrm>
@@ -8417,8 +8414,8 @@
         </p:nvSpPr>
         <p:spPr bwMode="auto">
           <a:xfrm>
-            <a:off x="4381402" y="7810523"/>
-            <a:ext cx="183815" cy="309324"/>
+            <a:off x="13663481" y="25864222"/>
+            <a:ext cx="573231" cy="1024314"/>
           </a:xfrm>
           <a:custGeom>
             <a:avLst/>
@@ -8759,7 +8756,7 @@
           <a:effectLst/>
         </p:spPr>
         <p:txBody>
-          <a:bodyPr vert="horz" wrap="square" lIns="91440" tIns="45720" rIns="91440" bIns="45720" anchor="t" compatLnSpc="1"/>
+          <a:bodyPr vert="horz" wrap="square" lIns="295232" tIns="147616" rIns="295232" bIns="147616" anchor="t" compatLnSpc="1"/>
           <a:lstStyle/>
           <a:p>
             <a:pPr marL="0" algn="l" rtl="0" eaLnBrk="1" latinLnBrk="0" hangingPunct="1"/>
@@ -8786,8 +8783,8 @@
         </p:nvSpPr>
         <p:spPr bwMode="auto">
           <a:xfrm rot="5400000">
-            <a:off x="4939611" y="7229688"/>
-            <a:ext cx="2526269" cy="1258790"/>
+            <a:off x="15160558" y="24062246"/>
+            <a:ext cx="8365636" cy="3925558"/>
           </a:xfrm>
           <a:custGeom>
             <a:avLst/>
@@ -8927,7 +8924,7 @@
           <a:effectLst/>
         </p:spPr>
         <p:txBody>
-          <a:bodyPr vert="horz" wrap="square" lIns="91440" tIns="45720" rIns="91440" bIns="45720" anchor="t" compatLnSpc="1"/>
+          <a:bodyPr vert="horz" wrap="square" lIns="295232" tIns="147616" rIns="295232" bIns="147616" anchor="t" compatLnSpc="1"/>
           <a:lstStyle/>
           <a:p>
             <a:pPr marL="0" algn="l" rtl="0" eaLnBrk="1" latinLnBrk="0" hangingPunct="1"/>
@@ -8950,8 +8947,8 @@
         </p:nvGrpSpPr>
         <p:grpSpPr>
           <a:xfrm>
-            <a:off x="5464984" y="5161992"/>
-            <a:ext cx="1156368" cy="1898961"/>
+            <a:off x="17042653" y="17093719"/>
+            <a:ext cx="3606155" cy="6288331"/>
             <a:chOff x="7286645" y="3871493"/>
             <a:chExt cx="1541824" cy="1424221"/>
           </a:xfrm>
@@ -10388,8 +10385,8 @@
         </p:nvGrpSpPr>
         <p:grpSpPr>
           <a:xfrm>
-            <a:off x="4768462" y="6667515"/>
-            <a:ext cx="803678" cy="1382136"/>
+            <a:off x="14870539" y="22079197"/>
+            <a:ext cx="2506283" cy="4576886"/>
             <a:chOff x="6357950" y="5000636"/>
             <a:chExt cx="1071570" cy="1036602"/>
           </a:xfrm>
@@ -11423,8 +11420,8 @@
         </p:nvSpPr>
         <p:spPr bwMode="auto">
           <a:xfrm>
-            <a:off x="4393414" y="7810523"/>
-            <a:ext cx="183815" cy="309324"/>
+            <a:off x="13700941" y="25864222"/>
+            <a:ext cx="573231" cy="1024314"/>
           </a:xfrm>
           <a:custGeom>
             <a:avLst/>
@@ -11765,7 +11762,7 @@
           <a:effectLst/>
         </p:spPr>
         <p:txBody>
-          <a:bodyPr vert="horz" wrap="square" lIns="91440" tIns="45720" rIns="91440" bIns="45720" anchor="t" compatLnSpc="1"/>
+          <a:bodyPr vert="horz" wrap="square" lIns="295232" tIns="147616" rIns="295232" bIns="147616" anchor="t" compatLnSpc="1"/>
           <a:lstStyle/>
           <a:p>
             <a:pPr marL="0" algn="l" rtl="0" eaLnBrk="1" latinLnBrk="0" hangingPunct="1"/>
@@ -11819,8 +11816,8 @@
         </p:nvSpPr>
         <p:spPr>
           <a:xfrm>
-            <a:off x="321447" y="571472"/>
-            <a:ext cx="6172200" cy="1524000"/>
+            <a:off x="1002438" y="1892405"/>
+            <a:ext cx="19248120" cy="5046663"/>
           </a:xfrm>
         </p:spPr>
         <p:txBody>
@@ -11847,39 +11844,39 @@
         </p:nvSpPr>
         <p:spPr>
           <a:xfrm>
-            <a:off x="321447" y="2133601"/>
-            <a:ext cx="3028950" cy="6249600"/>
+            <a:off x="1002438" y="7065332"/>
+            <a:ext cx="9445837" cy="20695290"/>
           </a:xfrm>
         </p:spPr>
         <p:txBody>
           <a:bodyPr/>
           <a:lstStyle>
             <a:lvl1pPr>
-              <a:defRPr sz="2800"/>
+              <a:defRPr sz="9000"/>
             </a:lvl1pPr>
             <a:lvl2pPr>
-              <a:defRPr sz="2400"/>
+              <a:defRPr sz="7700"/>
             </a:lvl2pPr>
             <a:lvl3pPr>
-              <a:defRPr sz="2000"/>
+              <a:defRPr sz="6500"/>
             </a:lvl3pPr>
             <a:lvl4pPr>
-              <a:defRPr sz="1800"/>
+              <a:defRPr sz="5800"/>
             </a:lvl4pPr>
             <a:lvl5pPr>
-              <a:defRPr sz="1800"/>
+              <a:defRPr sz="5800"/>
             </a:lvl5pPr>
             <a:lvl6pPr>
-              <a:defRPr sz="1800"/>
+              <a:defRPr sz="5800"/>
             </a:lvl6pPr>
             <a:lvl7pPr>
-              <a:defRPr sz="1800"/>
+              <a:defRPr sz="5800"/>
             </a:lvl7pPr>
             <a:lvl8pPr>
-              <a:defRPr sz="1800"/>
+              <a:defRPr sz="5800"/>
             </a:lvl8pPr>
             <a:lvl9pPr>
-              <a:defRPr sz="1800"/>
+              <a:defRPr sz="5800"/>
             </a:lvl9pPr>
           </a:lstStyle>
           <a:p>
@@ -11964,39 +11961,39 @@
         </p:nvSpPr>
         <p:spPr>
           <a:xfrm>
-            <a:off x="3486150" y="2133601"/>
-            <a:ext cx="3028950" cy="6249600"/>
+            <a:off x="10871623" y="7065332"/>
+            <a:ext cx="9445837" cy="20695290"/>
           </a:xfrm>
         </p:spPr>
         <p:txBody>
           <a:bodyPr/>
           <a:lstStyle>
             <a:lvl1pPr>
-              <a:defRPr sz="2800"/>
+              <a:defRPr sz="9000"/>
             </a:lvl1pPr>
             <a:lvl2pPr>
-              <a:defRPr sz="2400"/>
+              <a:defRPr sz="7700"/>
             </a:lvl2pPr>
             <a:lvl3pPr>
-              <a:defRPr sz="2000"/>
+              <a:defRPr sz="6500"/>
             </a:lvl3pPr>
             <a:lvl4pPr>
-              <a:defRPr sz="1800"/>
+              <a:defRPr sz="5800"/>
             </a:lvl4pPr>
             <a:lvl5pPr>
-              <a:defRPr sz="1800"/>
+              <a:defRPr sz="5800"/>
             </a:lvl5pPr>
             <a:lvl6pPr>
-              <a:defRPr sz="1800"/>
+              <a:defRPr sz="5800"/>
             </a:lvl6pPr>
             <a:lvl7pPr>
-              <a:defRPr sz="1800"/>
+              <a:defRPr sz="5800"/>
             </a:lvl7pPr>
             <a:lvl8pPr>
-              <a:defRPr sz="1800"/>
+              <a:defRPr sz="5800"/>
             </a:lvl8pPr>
             <a:lvl9pPr>
-              <a:defRPr sz="1800"/>
+              <a:defRPr sz="5800"/>
             </a:lvl9pPr>
           </a:lstStyle>
           <a:p>
@@ -12082,16 +12079,16 @@
         <p:spPr>
           <a:xfrm>
             <a:off x="0" y="0"/>
-            <a:ext cx="1601100" cy="480000"/>
+            <a:ext cx="4993060" cy="1589500"/>
           </a:xfrm>
         </p:spPr>
         <p:txBody>
           <a:bodyPr/>
           <a:lstStyle/>
           <a:p>
-            <a:fld id="{7599971D-E424-4083-B0C6-61FDC58FEAC9}" type="datetimeFigureOut">
+            <a:fld id="{CD18CB5A-6947-405F-A94A-52FF85729738}" type="datetimeFigureOut">
               <a:rPr kumimoji="1" lang="ja-JP" altLang="en-US" smtClean="0"/>
-              <a:t>2013/12/10</a:t>
+              <a:t>2013/12/11</a:t>
             </a:fld>
             <a:endParaRPr kumimoji="1" lang="ja-JP" altLang="en-US"/>
           </a:p>
@@ -12109,8 +12106,8 @@
         </p:nvSpPr>
         <p:spPr>
           <a:xfrm>
-            <a:off x="1649700" y="0"/>
-            <a:ext cx="3375000" cy="480000"/>
+            <a:off x="5144620" y="0"/>
+            <a:ext cx="10525000" cy="1589500"/>
           </a:xfrm>
         </p:spPr>
         <p:txBody>
@@ -12133,8 +12130,8 @@
         </p:nvSpPr>
         <p:spPr>
           <a:xfrm>
-            <a:off x="5786100" y="0"/>
-            <a:ext cx="1071900" cy="480000"/>
+            <a:off x="18044060" y="0"/>
+            <a:ext cx="3342740" cy="1589500"/>
           </a:xfrm>
         </p:spPr>
         <p:txBody>
@@ -12145,7 +12142,7 @@
             </a:lvl1pPr>
           </a:lstStyle>
           <a:p>
-            <a:fld id="{9231AA80-B81E-4211-B860-A0480B528245}" type="slidenum">
+            <a:fld id="{B8FB692E-29AC-4FC2-ACCA-CA334E189FAF}" type="slidenum">
               <a:rPr kumimoji="1" lang="ja-JP" altLang="en-US" smtClean="0"/>
               <a:t>‹#›</a:t>
             </a:fld>
@@ -12190,8 +12187,8 @@
         </p:nvSpPr>
         <p:spPr>
           <a:xfrm>
-            <a:off x="342900" y="1238237"/>
-            <a:ext cx="6172200" cy="761995"/>
+            <a:off x="1069340" y="4100371"/>
+            <a:ext cx="19248120" cy="2523314"/>
           </a:xfrm>
         </p:spPr>
         <p:txBody>
@@ -12222,8 +12219,8 @@
         </p:nvSpPr>
         <p:spPr>
           <a:xfrm>
-            <a:off x="342900" y="2046817"/>
-            <a:ext cx="3030141" cy="853016"/>
+            <a:off x="1069340" y="6777950"/>
+            <a:ext cx="9449551" cy="2824727"/>
           </a:xfrm>
         </p:spPr>
         <p:txBody>
@@ -12231,39 +12228,39 @@
           <a:lstStyle>
             <a:lvl1pPr marL="0" indent="0">
               <a:buNone/>
-              <a:defRPr sz="2400" b="1"/>
+              <a:defRPr sz="7700" b="1"/>
             </a:lvl1pPr>
-            <a:lvl2pPr marL="457200" indent="0">
+            <a:lvl2pPr marL="1476162" indent="0">
               <a:buNone/>
-              <a:defRPr sz="2000" b="1"/>
+              <a:defRPr sz="6500" b="1"/>
             </a:lvl2pPr>
-            <a:lvl3pPr marL="914400" indent="0">
+            <a:lvl3pPr marL="2952323" indent="0">
               <a:buNone/>
-              <a:defRPr sz="1800" b="1"/>
+              <a:defRPr sz="5800" b="1"/>
             </a:lvl3pPr>
-            <a:lvl4pPr marL="1371600" indent="0">
+            <a:lvl4pPr marL="4428485" indent="0">
               <a:buNone/>
-              <a:defRPr sz="1600" b="1"/>
+              <a:defRPr sz="5200" b="1"/>
             </a:lvl4pPr>
-            <a:lvl5pPr marL="1828800" indent="0">
+            <a:lvl5pPr marL="5904647" indent="0">
               <a:buNone/>
-              <a:defRPr sz="1600" b="1"/>
+              <a:defRPr sz="5200" b="1"/>
             </a:lvl5pPr>
-            <a:lvl6pPr marL="2286000" indent="0">
+            <a:lvl6pPr marL="7380808" indent="0">
               <a:buNone/>
-              <a:defRPr sz="1600" b="1"/>
+              <a:defRPr sz="5200" b="1"/>
             </a:lvl6pPr>
-            <a:lvl7pPr marL="2743200" indent="0">
+            <a:lvl7pPr marL="8856970" indent="0">
               <a:buNone/>
-              <a:defRPr sz="1600" b="1"/>
+              <a:defRPr sz="5200" b="1"/>
             </a:lvl7pPr>
-            <a:lvl8pPr marL="3200400" indent="0">
+            <a:lvl8pPr marL="10333131" indent="0">
               <a:buNone/>
-              <a:defRPr sz="1600" b="1"/>
+              <a:defRPr sz="5200" b="1"/>
             </a:lvl8pPr>
-            <a:lvl9pPr marL="3657600" indent="0">
+            <a:lvl9pPr marL="11809293" indent="0">
               <a:buNone/>
-              <a:defRPr sz="1600" b="1"/>
+              <a:defRPr sz="5200" b="1"/>
             </a:lvl9pPr>
           </a:lstStyle>
           <a:p>
@@ -12287,39 +12284,39 @@
         </p:nvSpPr>
         <p:spPr>
           <a:xfrm>
-            <a:off x="342900" y="2899835"/>
-            <a:ext cx="3030141" cy="5577443"/>
+            <a:off x="1069340" y="9602682"/>
+            <a:ext cx="9449551" cy="18469469"/>
           </a:xfrm>
         </p:spPr>
         <p:txBody>
           <a:bodyPr/>
           <a:lstStyle>
             <a:lvl1pPr>
-              <a:defRPr sz="2400"/>
+              <a:defRPr sz="7700"/>
             </a:lvl1pPr>
             <a:lvl2pPr>
-              <a:defRPr sz="2000"/>
+              <a:defRPr sz="6500"/>
             </a:lvl2pPr>
             <a:lvl3pPr>
-              <a:defRPr sz="1800"/>
+              <a:defRPr sz="5800"/>
             </a:lvl3pPr>
             <a:lvl4pPr>
-              <a:defRPr sz="1600"/>
+              <a:defRPr sz="5200"/>
             </a:lvl4pPr>
             <a:lvl5pPr>
-              <a:defRPr sz="1600"/>
+              <a:defRPr sz="5200"/>
             </a:lvl5pPr>
             <a:lvl6pPr>
-              <a:defRPr sz="1600"/>
+              <a:defRPr sz="5200"/>
             </a:lvl6pPr>
             <a:lvl7pPr>
-              <a:defRPr sz="1600"/>
+              <a:defRPr sz="5200"/>
             </a:lvl7pPr>
             <a:lvl8pPr>
-              <a:defRPr sz="1600"/>
+              <a:defRPr sz="5200"/>
             </a:lvl8pPr>
             <a:lvl9pPr>
-              <a:defRPr sz="1600"/>
+              <a:defRPr sz="5200"/>
             </a:lvl9pPr>
           </a:lstStyle>
           <a:p>
@@ -12404,8 +12401,8 @@
         </p:nvSpPr>
         <p:spPr>
           <a:xfrm>
-            <a:off x="3483769" y="2046817"/>
-            <a:ext cx="3031331" cy="853016"/>
+            <a:off x="10864198" y="6777950"/>
+            <a:ext cx="9453263" cy="2824727"/>
           </a:xfrm>
         </p:spPr>
         <p:txBody>
@@ -12413,39 +12410,39 @@
           <a:lstStyle>
             <a:lvl1pPr marL="0" indent="0">
               <a:buNone/>
-              <a:defRPr sz="2400" b="1"/>
+              <a:defRPr sz="7700" b="1"/>
             </a:lvl1pPr>
-            <a:lvl2pPr marL="457200" indent="0">
+            <a:lvl2pPr marL="1476162" indent="0">
               <a:buNone/>
-              <a:defRPr sz="2000" b="1"/>
+              <a:defRPr sz="6500" b="1"/>
             </a:lvl2pPr>
-            <a:lvl3pPr marL="914400" indent="0">
+            <a:lvl3pPr marL="2952323" indent="0">
               <a:buNone/>
-              <a:defRPr sz="1800" b="1"/>
+              <a:defRPr sz="5800" b="1"/>
             </a:lvl3pPr>
-            <a:lvl4pPr marL="1371600" indent="0">
+            <a:lvl4pPr marL="4428485" indent="0">
               <a:buNone/>
-              <a:defRPr sz="1600" b="1"/>
+              <a:defRPr sz="5200" b="1"/>
             </a:lvl4pPr>
-            <a:lvl5pPr marL="1828800" indent="0">
+            <a:lvl5pPr marL="5904647" indent="0">
               <a:buNone/>
-              <a:defRPr sz="1600" b="1"/>
+              <a:defRPr sz="5200" b="1"/>
             </a:lvl5pPr>
-            <a:lvl6pPr marL="2286000" indent="0">
+            <a:lvl6pPr marL="7380808" indent="0">
               <a:buNone/>
-              <a:defRPr sz="1600" b="1"/>
+              <a:defRPr sz="5200" b="1"/>
             </a:lvl6pPr>
-            <a:lvl7pPr marL="2743200" indent="0">
+            <a:lvl7pPr marL="8856970" indent="0">
               <a:buNone/>
-              <a:defRPr sz="1600" b="1"/>
+              <a:defRPr sz="5200" b="1"/>
             </a:lvl7pPr>
-            <a:lvl8pPr marL="3200400" indent="0">
+            <a:lvl8pPr marL="10333131" indent="0">
               <a:buNone/>
-              <a:defRPr sz="1600" b="1"/>
+              <a:defRPr sz="5200" b="1"/>
             </a:lvl8pPr>
-            <a:lvl9pPr marL="3657600" indent="0">
+            <a:lvl9pPr marL="11809293" indent="0">
               <a:buNone/>
-              <a:defRPr sz="1600" b="1"/>
+              <a:defRPr sz="5200" b="1"/>
             </a:lvl9pPr>
           </a:lstStyle>
           <a:p>
@@ -12469,39 +12466,39 @@
         </p:nvSpPr>
         <p:spPr>
           <a:xfrm>
-            <a:off x="3483771" y="2899835"/>
-            <a:ext cx="3031331" cy="5577443"/>
+            <a:off x="10864203" y="9602682"/>
+            <a:ext cx="9453263" cy="18469469"/>
           </a:xfrm>
         </p:spPr>
         <p:txBody>
           <a:bodyPr/>
           <a:lstStyle>
             <a:lvl1pPr>
-              <a:defRPr sz="2400"/>
+              <a:defRPr sz="7700"/>
             </a:lvl1pPr>
             <a:lvl2pPr>
-              <a:defRPr sz="2000"/>
+              <a:defRPr sz="6500"/>
             </a:lvl2pPr>
             <a:lvl3pPr>
-              <a:defRPr sz="1800"/>
+              <a:defRPr sz="5800"/>
             </a:lvl3pPr>
             <a:lvl4pPr>
-              <a:defRPr sz="1600"/>
+              <a:defRPr sz="5200"/>
             </a:lvl4pPr>
             <a:lvl5pPr>
-              <a:defRPr sz="1600"/>
+              <a:defRPr sz="5200"/>
             </a:lvl5pPr>
             <a:lvl6pPr>
-              <a:defRPr sz="1600"/>
+              <a:defRPr sz="5200"/>
             </a:lvl6pPr>
             <a:lvl7pPr>
-              <a:defRPr sz="1600"/>
+              <a:defRPr sz="5200"/>
             </a:lvl7pPr>
             <a:lvl8pPr>
-              <a:defRPr sz="1600"/>
+              <a:defRPr sz="5200"/>
             </a:lvl8pPr>
             <a:lvl9pPr>
-              <a:defRPr sz="1600"/>
+              <a:defRPr sz="5200"/>
             </a:lvl9pPr>
           </a:lstStyle>
           <a:p>
@@ -12587,16 +12584,16 @@
         <p:spPr>
           <a:xfrm>
             <a:off x="0" y="0"/>
-            <a:ext cx="1601100" cy="480000"/>
+            <a:ext cx="4993060" cy="1589500"/>
           </a:xfrm>
         </p:spPr>
         <p:txBody>
           <a:bodyPr/>
           <a:lstStyle/>
           <a:p>
-            <a:fld id="{7599971D-E424-4083-B0C6-61FDC58FEAC9}" type="datetimeFigureOut">
+            <a:fld id="{CD18CB5A-6947-405F-A94A-52FF85729738}" type="datetimeFigureOut">
               <a:rPr kumimoji="1" lang="ja-JP" altLang="en-US" smtClean="0"/>
-              <a:t>2013/12/10</a:t>
+              <a:t>2013/12/11</a:t>
             </a:fld>
             <a:endParaRPr kumimoji="1" lang="ja-JP" altLang="en-US"/>
           </a:p>
@@ -12614,8 +12611,8 @@
         </p:nvSpPr>
         <p:spPr>
           <a:xfrm>
-            <a:off x="1649700" y="0"/>
-            <a:ext cx="3375000" cy="480000"/>
+            <a:off x="5144620" y="0"/>
+            <a:ext cx="10525000" cy="1589500"/>
           </a:xfrm>
         </p:spPr>
         <p:txBody>
@@ -12638,8 +12635,8 @@
         </p:nvSpPr>
         <p:spPr>
           <a:xfrm>
-            <a:off x="5786100" y="0"/>
-            <a:ext cx="1071900" cy="480000"/>
+            <a:off x="18044060" y="0"/>
+            <a:ext cx="3342740" cy="1589500"/>
           </a:xfrm>
         </p:spPr>
         <p:txBody>
@@ -12650,7 +12647,7 @@
             </a:lvl1pPr>
           </a:lstStyle>
           <a:p>
-            <a:fld id="{9231AA80-B81E-4211-B860-A0480B528245}" type="slidenum">
+            <a:fld id="{B8FB692E-29AC-4FC2-ACCA-CA334E189FAF}" type="slidenum">
               <a:rPr kumimoji="1" lang="ja-JP" altLang="en-US" smtClean="0"/>
               <a:t>‹#›</a:t>
             </a:fld>
@@ -12695,8 +12692,8 @@
         </p:nvSpPr>
         <p:spPr>
           <a:xfrm>
-            <a:off x="342900" y="3428992"/>
-            <a:ext cx="6172200" cy="1524000"/>
+            <a:off x="1069340" y="11354964"/>
+            <a:ext cx="19248120" cy="5046663"/>
           </a:xfrm>
         </p:spPr>
         <p:txBody>
@@ -12724,16 +12721,16 @@
         <p:spPr>
           <a:xfrm>
             <a:off x="0" y="0"/>
-            <a:ext cx="1600200" cy="480000"/>
+            <a:ext cx="4990253" cy="1589500"/>
           </a:xfrm>
         </p:spPr>
         <p:txBody>
           <a:bodyPr/>
           <a:lstStyle/>
           <a:p>
-            <a:fld id="{7599971D-E424-4083-B0C6-61FDC58FEAC9}" type="datetimeFigureOut">
+            <a:fld id="{CD18CB5A-6947-405F-A94A-52FF85729738}" type="datetimeFigureOut">
               <a:rPr kumimoji="1" lang="ja-JP" altLang="en-US" smtClean="0"/>
-              <a:t>2013/12/10</a:t>
+              <a:t>2013/12/11</a:t>
             </a:fld>
             <a:endParaRPr kumimoji="1" lang="ja-JP" altLang="en-US"/>
           </a:p>
@@ -12751,8 +12748,8 @@
         </p:nvSpPr>
         <p:spPr>
           <a:xfrm>
-            <a:off x="1649700" y="0"/>
-            <a:ext cx="3375000" cy="480000"/>
+            <a:off x="5144620" y="0"/>
+            <a:ext cx="10525000" cy="1589500"/>
           </a:xfrm>
         </p:spPr>
         <p:txBody>
@@ -12775,8 +12772,8 @@
         </p:nvSpPr>
         <p:spPr>
           <a:xfrm>
-            <a:off x="5786100" y="0"/>
-            <a:ext cx="1071900" cy="480000"/>
+            <a:off x="18044060" y="0"/>
+            <a:ext cx="3342740" cy="1589500"/>
           </a:xfrm>
         </p:spPr>
         <p:txBody>
@@ -12787,7 +12784,7 @@
             </a:lvl1pPr>
           </a:lstStyle>
           <a:p>
-            <a:fld id="{9231AA80-B81E-4211-B860-A0480B528245}" type="slidenum">
+            <a:fld id="{B8FB692E-29AC-4FC2-ACCA-CA334E189FAF}" type="slidenum">
               <a:rPr kumimoji="1" lang="ja-JP" altLang="en-US" smtClean="0"/>
               <a:t>‹#›</a:t>
             </a:fld>
@@ -12833,16 +12830,16 @@
         <p:spPr>
           <a:xfrm>
             <a:off x="0" y="0"/>
-            <a:ext cx="1600200" cy="480000"/>
+            <a:ext cx="4990253" cy="1589500"/>
           </a:xfrm>
         </p:spPr>
         <p:txBody>
           <a:bodyPr/>
           <a:lstStyle/>
           <a:p>
-            <a:fld id="{7599971D-E424-4083-B0C6-61FDC58FEAC9}" type="datetimeFigureOut">
+            <a:fld id="{CD18CB5A-6947-405F-A94A-52FF85729738}" type="datetimeFigureOut">
               <a:rPr kumimoji="1" lang="ja-JP" altLang="en-US" smtClean="0"/>
-              <a:t>2013/12/10</a:t>
+              <a:t>2013/12/11</a:t>
             </a:fld>
             <a:endParaRPr kumimoji="1" lang="ja-JP" altLang="en-US"/>
           </a:p>
@@ -12860,8 +12857,8 @@
         </p:nvSpPr>
         <p:spPr>
           <a:xfrm>
-            <a:off x="1649700" y="0"/>
-            <a:ext cx="3375000" cy="480000"/>
+            <a:off x="5144620" y="0"/>
+            <a:ext cx="10525000" cy="1589500"/>
           </a:xfrm>
         </p:spPr>
         <p:txBody>
@@ -12884,8 +12881,8 @@
         </p:nvSpPr>
         <p:spPr>
           <a:xfrm>
-            <a:off x="5786100" y="0"/>
-            <a:ext cx="1071900" cy="480000"/>
+            <a:off x="18044060" y="0"/>
+            <a:ext cx="3342740" cy="1589500"/>
           </a:xfrm>
         </p:spPr>
         <p:txBody>
@@ -12896,7 +12893,7 @@
             </a:lvl1pPr>
           </a:lstStyle>
           <a:p>
-            <a:fld id="{9231AA80-B81E-4211-B860-A0480B528245}" type="slidenum">
+            <a:fld id="{B8FB692E-29AC-4FC2-ACCA-CA334E189FAF}" type="slidenum">
               <a:rPr kumimoji="1" lang="ja-JP" altLang="en-US" smtClean="0"/>
               <a:t>‹#›</a:t>
             </a:fld>
@@ -12941,15 +12938,15 @@
         </p:nvSpPr>
         <p:spPr>
           <a:xfrm>
-            <a:off x="346303" y="958877"/>
-            <a:ext cx="2443158" cy="1549400"/>
+            <a:off x="1079952" y="3175282"/>
+            <a:ext cx="7619033" cy="5130774"/>
           </a:xfrm>
         </p:spPr>
         <p:txBody>
           <a:bodyPr anchor="b"/>
           <a:lstStyle>
             <a:lvl1pPr algn="l">
-              <a:defRPr sz="2000" b="1"/>
+              <a:defRPr sz="6500" b="1"/>
             </a:lvl1pPr>
           </a:lstStyle>
           <a:p>
@@ -12973,39 +12970,39 @@
         </p:nvSpPr>
         <p:spPr>
           <a:xfrm>
-            <a:off x="2861089" y="958877"/>
-            <a:ext cx="3568307" cy="7613651"/>
+            <a:off x="8922361" y="3175282"/>
+            <a:ext cx="11127830" cy="25212287"/>
           </a:xfrm>
         </p:spPr>
         <p:txBody>
           <a:bodyPr/>
           <a:lstStyle>
             <a:lvl1pPr>
-              <a:defRPr sz="3200"/>
+              <a:defRPr sz="10300"/>
             </a:lvl1pPr>
             <a:lvl2pPr>
-              <a:defRPr sz="2800"/>
+              <a:defRPr sz="9000"/>
             </a:lvl2pPr>
             <a:lvl3pPr>
-              <a:defRPr sz="2400"/>
+              <a:defRPr sz="7700"/>
             </a:lvl3pPr>
             <a:lvl4pPr>
-              <a:defRPr sz="2000"/>
+              <a:defRPr sz="6500"/>
             </a:lvl4pPr>
             <a:lvl5pPr>
-              <a:defRPr sz="2000"/>
+              <a:defRPr sz="6500"/>
             </a:lvl5pPr>
             <a:lvl6pPr>
-              <a:defRPr sz="2000"/>
+              <a:defRPr sz="6500"/>
             </a:lvl6pPr>
             <a:lvl7pPr>
-              <a:defRPr sz="2000"/>
+              <a:defRPr sz="6500"/>
             </a:lvl7pPr>
             <a:lvl8pPr>
-              <a:defRPr sz="2000"/>
+              <a:defRPr sz="6500"/>
             </a:lvl8pPr>
             <a:lvl9pPr>
-              <a:defRPr sz="2000"/>
+              <a:defRPr sz="6500"/>
             </a:lvl9pPr>
           </a:lstStyle>
           <a:p>
@@ -13090,8 +13087,8 @@
         </p:nvSpPr>
         <p:spPr>
           <a:xfrm>
-            <a:off x="346303" y="2571739"/>
-            <a:ext cx="2443500" cy="6000789"/>
+            <a:off x="1079952" y="8516205"/>
+            <a:ext cx="7620100" cy="19871364"/>
           </a:xfrm>
         </p:spPr>
         <p:txBody>
@@ -13099,39 +13096,39 @@
           <a:lstStyle>
             <a:lvl1pPr marL="0" indent="0">
               <a:buNone/>
-              <a:defRPr sz="1400"/>
+              <a:defRPr sz="4500"/>
             </a:lvl1pPr>
-            <a:lvl2pPr marL="457200" indent="0">
+            <a:lvl2pPr marL="1476162" indent="0">
               <a:buNone/>
-              <a:defRPr sz="1200"/>
+              <a:defRPr sz="3900"/>
             </a:lvl2pPr>
-            <a:lvl3pPr marL="914400" indent="0">
+            <a:lvl3pPr marL="2952323" indent="0">
               <a:buNone/>
-              <a:defRPr sz="1000"/>
+              <a:defRPr sz="3200"/>
             </a:lvl3pPr>
-            <a:lvl4pPr marL="1371600" indent="0">
+            <a:lvl4pPr marL="4428485" indent="0">
               <a:buNone/>
-              <a:defRPr sz="900"/>
+              <a:defRPr sz="2900"/>
             </a:lvl4pPr>
-            <a:lvl5pPr marL="1828800" indent="0">
+            <a:lvl5pPr marL="5904647" indent="0">
               <a:buNone/>
-              <a:defRPr sz="900"/>
+              <a:defRPr sz="2900"/>
             </a:lvl5pPr>
-            <a:lvl6pPr marL="2286000" indent="0">
+            <a:lvl6pPr marL="7380808" indent="0">
               <a:buNone/>
-              <a:defRPr sz="900"/>
+              <a:defRPr sz="2900"/>
             </a:lvl6pPr>
-            <a:lvl7pPr marL="2743200" indent="0">
+            <a:lvl7pPr marL="8856970" indent="0">
               <a:buNone/>
-              <a:defRPr sz="900"/>
+              <a:defRPr sz="2900"/>
             </a:lvl7pPr>
-            <a:lvl8pPr marL="3200400" indent="0">
+            <a:lvl8pPr marL="10333131" indent="0">
               <a:buNone/>
-              <a:defRPr sz="900"/>
+              <a:defRPr sz="2900"/>
             </a:lvl8pPr>
-            <a:lvl9pPr marL="3657600" indent="0">
+            <a:lvl9pPr marL="11809293" indent="0">
               <a:buNone/>
-              <a:defRPr sz="900"/>
+              <a:defRPr sz="2900"/>
             </a:lvl9pPr>
           </a:lstStyle>
           <a:p>
@@ -13217,16 +13214,16 @@
         <p:spPr>
           <a:xfrm>
             <a:off x="0" y="0"/>
-            <a:ext cx="1600200" cy="480000"/>
+            <a:ext cx="4990253" cy="1589500"/>
           </a:xfrm>
         </p:spPr>
         <p:txBody>
           <a:bodyPr/>
           <a:lstStyle/>
           <a:p>
-            <a:fld id="{7599971D-E424-4083-B0C6-61FDC58FEAC9}" type="datetimeFigureOut">
+            <a:fld id="{CD18CB5A-6947-405F-A94A-52FF85729738}" type="datetimeFigureOut">
               <a:rPr kumimoji="1" lang="ja-JP" altLang="en-US" smtClean="0"/>
-              <a:t>2013/12/10</a:t>
+              <a:t>2013/12/11</a:t>
             </a:fld>
             <a:endParaRPr kumimoji="1" lang="ja-JP" altLang="en-US"/>
           </a:p>
@@ -13244,8 +13241,8 @@
         </p:nvSpPr>
         <p:spPr>
           <a:xfrm>
-            <a:off x="5786100" y="0"/>
-            <a:ext cx="1071900" cy="480000"/>
+            <a:off x="18044060" y="0"/>
+            <a:ext cx="3342740" cy="1589500"/>
           </a:xfrm>
         </p:spPr>
         <p:txBody>
@@ -13256,7 +13253,7 @@
             </a:lvl1pPr>
           </a:lstStyle>
           <a:p>
-            <a:fld id="{9231AA80-B81E-4211-B860-A0480B528245}" type="slidenum">
+            <a:fld id="{B8FB692E-29AC-4FC2-ACCA-CA334E189FAF}" type="slidenum">
               <a:rPr kumimoji="1" lang="ja-JP" altLang="en-US" smtClean="0"/>
               <a:t>‹#›</a:t>
             </a:fld>
@@ -13276,8 +13273,8 @@
         </p:nvSpPr>
         <p:spPr>
           <a:xfrm>
-            <a:off x="1649699" y="0"/>
-            <a:ext cx="3375000" cy="480000"/>
+            <a:off x="5144618" y="0"/>
+            <a:ext cx="10525000" cy="1589500"/>
           </a:xfrm>
         </p:spPr>
         <p:txBody>
@@ -13330,15 +13327,15 @@
         </p:nvSpPr>
         <p:spPr>
           <a:xfrm>
-            <a:off x="330354" y="6556431"/>
-            <a:ext cx="5831150" cy="571504"/>
+            <a:off x="1030215" y="21711347"/>
+            <a:ext cx="18184548" cy="1892512"/>
           </a:xfrm>
         </p:spPr>
         <p:txBody>
           <a:bodyPr anchor="b"/>
           <a:lstStyle>
             <a:lvl1pPr algn="l">
-              <a:defRPr sz="2000" b="1"/>
+              <a:defRPr sz="6500" b="1"/>
             </a:lvl1pPr>
           </a:lstStyle>
           <a:p>
@@ -13362,8 +13359,8 @@
         </p:nvSpPr>
         <p:spPr>
           <a:xfrm>
-            <a:off x="428604" y="831779"/>
-            <a:ext cx="4114800" cy="5486400"/>
+            <a:off x="1336610" y="2754400"/>
+            <a:ext cx="12832080" cy="18167985"/>
           </a:xfrm>
           <a:prstGeom prst="rect">
             <a:avLst/>
@@ -13394,39 +13391,39 @@
           <a:lstStyle>
             <a:lvl1pPr marL="0" indent="0">
               <a:buNone/>
-              <a:defRPr sz="3200"/>
+              <a:defRPr sz="10300"/>
             </a:lvl1pPr>
-            <a:lvl2pPr marL="457200" indent="0">
+            <a:lvl2pPr marL="1476162" indent="0">
               <a:buNone/>
-              <a:defRPr sz="2800"/>
+              <a:defRPr sz="9000"/>
             </a:lvl2pPr>
-            <a:lvl3pPr marL="914400" indent="0">
+            <a:lvl3pPr marL="2952323" indent="0">
               <a:buNone/>
-              <a:defRPr sz="2400"/>
+              <a:defRPr sz="7700"/>
             </a:lvl3pPr>
-            <a:lvl4pPr marL="1371600" indent="0">
+            <a:lvl4pPr marL="4428485" indent="0">
               <a:buNone/>
-              <a:defRPr sz="2000"/>
+              <a:defRPr sz="6500"/>
             </a:lvl4pPr>
-            <a:lvl5pPr marL="1828800" indent="0">
+            <a:lvl5pPr marL="5904647" indent="0">
               <a:buNone/>
-              <a:defRPr sz="2000"/>
+              <a:defRPr sz="6500"/>
             </a:lvl5pPr>
-            <a:lvl6pPr marL="2286000" indent="0">
+            <a:lvl6pPr marL="7380808" indent="0">
               <a:buNone/>
-              <a:defRPr sz="2000"/>
+              <a:defRPr sz="6500"/>
             </a:lvl6pPr>
-            <a:lvl7pPr marL="2743200" indent="0">
+            <a:lvl7pPr marL="8856970" indent="0">
               <a:buNone/>
-              <a:defRPr sz="2000"/>
+              <a:defRPr sz="6500"/>
             </a:lvl7pPr>
-            <a:lvl8pPr marL="3200400" indent="0">
+            <a:lvl8pPr marL="10333131" indent="0">
               <a:buNone/>
-              <a:defRPr sz="2000"/>
+              <a:defRPr sz="6500"/>
             </a:lvl8pPr>
-            <a:lvl9pPr marL="3657600" indent="0">
+            <a:lvl9pPr marL="11809293" indent="0">
               <a:buNone/>
-              <a:defRPr sz="2000"/>
+              <a:defRPr sz="6500"/>
             </a:lvl9pPr>
           </a:lstStyle>
           <a:p>
@@ -13450,8 +13447,8 @@
         </p:nvSpPr>
         <p:spPr>
           <a:xfrm>
-            <a:off x="321447" y="7239019"/>
-            <a:ext cx="5840057" cy="1333509"/>
+            <a:off x="1002439" y="23971708"/>
+            <a:ext cx="18212324" cy="4415861"/>
           </a:xfrm>
         </p:spPr>
         <p:txBody>
@@ -13459,39 +13456,39 @@
           <a:lstStyle>
             <a:lvl1pPr marL="0" indent="0">
               <a:buNone/>
-              <a:defRPr sz="1400"/>
+              <a:defRPr sz="4500"/>
             </a:lvl1pPr>
-            <a:lvl2pPr marL="457200" indent="0">
+            <a:lvl2pPr marL="1476162" indent="0">
               <a:buNone/>
-              <a:defRPr sz="1200"/>
+              <a:defRPr sz="3900"/>
             </a:lvl2pPr>
-            <a:lvl3pPr marL="914400" indent="0">
+            <a:lvl3pPr marL="2952323" indent="0">
               <a:buNone/>
-              <a:defRPr sz="1000"/>
+              <a:defRPr sz="3200"/>
             </a:lvl3pPr>
-            <a:lvl4pPr marL="1371600" indent="0">
+            <a:lvl4pPr marL="4428485" indent="0">
               <a:buNone/>
-              <a:defRPr sz="900"/>
+              <a:defRPr sz="2900"/>
             </a:lvl4pPr>
-            <a:lvl5pPr marL="1828800" indent="0">
+            <a:lvl5pPr marL="5904647" indent="0">
               <a:buNone/>
-              <a:defRPr sz="900"/>
+              <a:defRPr sz="2900"/>
             </a:lvl5pPr>
-            <a:lvl6pPr marL="2286000" indent="0">
+            <a:lvl6pPr marL="7380808" indent="0">
               <a:buNone/>
-              <a:defRPr sz="900"/>
+              <a:defRPr sz="2900"/>
             </a:lvl6pPr>
-            <a:lvl7pPr marL="2743200" indent="0">
+            <a:lvl7pPr marL="8856970" indent="0">
               <a:buNone/>
-              <a:defRPr sz="900"/>
+              <a:defRPr sz="2900"/>
             </a:lvl7pPr>
-            <a:lvl8pPr marL="3200400" indent="0">
+            <a:lvl8pPr marL="10333131" indent="0">
               <a:buNone/>
-              <a:defRPr sz="900"/>
+              <a:defRPr sz="2900"/>
             </a:lvl8pPr>
-            <a:lvl9pPr marL="3657600" indent="0">
+            <a:lvl9pPr marL="11809293" indent="0">
               <a:buNone/>
-              <a:defRPr sz="900"/>
+              <a:defRPr sz="2900"/>
             </a:lvl9pPr>
           </a:lstStyle>
           <a:p>
@@ -13577,16 +13574,16 @@
         <p:spPr>
           <a:xfrm>
             <a:off x="0" y="0"/>
-            <a:ext cx="1601100" cy="480000"/>
+            <a:ext cx="4993060" cy="1589500"/>
           </a:xfrm>
         </p:spPr>
         <p:txBody>
           <a:bodyPr/>
           <a:lstStyle/>
           <a:p>
-            <a:fld id="{7599971D-E424-4083-B0C6-61FDC58FEAC9}" type="datetimeFigureOut">
+            <a:fld id="{CD18CB5A-6947-405F-A94A-52FF85729738}" type="datetimeFigureOut">
               <a:rPr kumimoji="1" lang="ja-JP" altLang="en-US" smtClean="0"/>
-              <a:t>2013/12/10</a:t>
+              <a:t>2013/12/11</a:t>
             </a:fld>
             <a:endParaRPr kumimoji="1" lang="ja-JP" altLang="en-US"/>
           </a:p>
@@ -13604,8 +13601,8 @@
         </p:nvSpPr>
         <p:spPr>
           <a:xfrm>
-            <a:off x="1649700" y="1"/>
-            <a:ext cx="3375000" cy="481796"/>
+            <a:off x="5144620" y="2"/>
+            <a:ext cx="10525000" cy="1595447"/>
           </a:xfrm>
         </p:spPr>
         <p:txBody>
@@ -13628,8 +13625,8 @@
         </p:nvSpPr>
         <p:spPr>
           <a:xfrm>
-            <a:off x="5786100" y="0"/>
-            <a:ext cx="1071900" cy="480000"/>
+            <a:off x="18044060" y="0"/>
+            <a:ext cx="3342740" cy="1589500"/>
           </a:xfrm>
         </p:spPr>
         <p:txBody>
@@ -13640,7 +13637,7 @@
             </a:lvl1pPr>
           </a:lstStyle>
           <a:p>
-            <a:fld id="{9231AA80-B81E-4211-B860-A0480B528245}" type="slidenum">
+            <a:fld id="{B8FB692E-29AC-4FC2-ACCA-CA334E189FAF}" type="slidenum">
               <a:rPr kumimoji="1" lang="ja-JP" altLang="en-US" smtClean="0"/>
               <a:t>‹#›</a:t>
             </a:fld>
@@ -13691,17 +13688,17 @@
         <p:spPr>
           <a:xfrm>
             <a:off x="0" y="0"/>
-            <a:ext cx="1600200" cy="480000"/>
+            <a:ext cx="4990253" cy="1589500"/>
           </a:xfrm>
           <a:prstGeom prst="rect">
             <a:avLst/>
           </a:prstGeom>
         </p:spPr>
         <p:txBody>
-          <a:bodyPr vert="horz" rtlCol="0" anchor="ctr"/>
+          <a:bodyPr vert="horz" lIns="295232" tIns="147616" rIns="295232" bIns="147616" rtlCol="0" anchor="ctr"/>
           <a:lstStyle>
             <a:lvl1pPr algn="l" eaLnBrk="1" latinLnBrk="0" hangingPunct="1">
-              <a:defRPr kumimoji="0" sz="1200">
+              <a:defRPr kumimoji="0" sz="3900">
                 <a:solidFill>
                   <a:schemeClr val="tx2">
                     <a:shade val="50000"/>
@@ -13711,9 +13708,9 @@
             </a:lvl1pPr>
           </a:lstStyle>
           <a:p>
-            <a:fld id="{7599971D-E424-4083-B0C6-61FDC58FEAC9}" type="datetimeFigureOut">
+            <a:fld id="{CD18CB5A-6947-405F-A94A-52FF85729738}" type="datetimeFigureOut">
               <a:rPr kumimoji="1" lang="ja-JP" altLang="en-US" smtClean="0"/>
-              <a:t>2013/12/10</a:t>
+              <a:t>2013/12/11</a:t>
             </a:fld>
             <a:endParaRPr kumimoji="1" lang="ja-JP" altLang="en-US"/>
           </a:p>
@@ -13731,18 +13728,18 @@
         </p:nvSpPr>
         <p:spPr>
           <a:xfrm>
-            <a:off x="1648933" y="2"/>
-            <a:ext cx="3375446" cy="481796"/>
+            <a:off x="5142230" y="7"/>
+            <a:ext cx="10526389" cy="1595447"/>
           </a:xfrm>
           <a:prstGeom prst="rect">
             <a:avLst/>
           </a:prstGeom>
         </p:spPr>
         <p:txBody>
-          <a:bodyPr vert="horz" rtlCol="0" anchor="ctr"/>
+          <a:bodyPr vert="horz" lIns="295232" tIns="147616" rIns="295232" bIns="147616" rtlCol="0" anchor="ctr"/>
           <a:lstStyle>
             <a:lvl1pPr algn="ctr" eaLnBrk="1" latinLnBrk="0" hangingPunct="1">
-              <a:defRPr kumimoji="0" sz="1200">
+              <a:defRPr kumimoji="0" sz="3900">
                 <a:solidFill>
                   <a:schemeClr val="tx2">
                     <a:shade val="50000"/>
@@ -13768,18 +13765,18 @@
         </p:nvSpPr>
         <p:spPr>
           <a:xfrm>
-            <a:off x="5786454" y="0"/>
-            <a:ext cx="1071546" cy="480000"/>
+            <a:off x="18045164" y="0"/>
+            <a:ext cx="3341636" cy="1589500"/>
           </a:xfrm>
           <a:prstGeom prst="rect">
             <a:avLst/>
           </a:prstGeom>
         </p:spPr>
         <p:txBody>
-          <a:bodyPr vert="horz" rtlCol="0" anchor="ctr"/>
+          <a:bodyPr vert="horz" lIns="295232" tIns="147616" rIns="295232" bIns="147616" rtlCol="0" anchor="ctr"/>
           <a:lstStyle>
             <a:lvl1pPr algn="ctr" eaLnBrk="1" latinLnBrk="0" hangingPunct="1">
-              <a:defRPr kumimoji="0" sz="1200">
+              <a:defRPr kumimoji="0" sz="3900">
                 <a:solidFill>
                   <a:schemeClr val="tx2">
                     <a:shade val="50000"/>
@@ -13789,7 +13786,7 @@
             </a:lvl1pPr>
           </a:lstStyle>
           <a:p>
-            <a:fld id="{9231AA80-B81E-4211-B860-A0480B528245}" type="slidenum">
+            <a:fld id="{B8FB692E-29AC-4FC2-ACCA-CA334E189FAF}" type="slidenum">
               <a:rPr kumimoji="1" lang="ja-JP" altLang="en-US" smtClean="0"/>
               <a:t>‹#›</a:t>
             </a:fld>
@@ -13807,8 +13804,8 @@
         </p:nvGrpSpPr>
         <p:grpSpPr bwMode="auto">
           <a:xfrm>
-            <a:off x="-20864" y="-17"/>
-            <a:ext cx="6878270" cy="9142072"/>
+            <a:off x="-65064" y="-58"/>
+            <a:ext cx="21450013" cy="30273591"/>
             <a:chOff x="2074" y="1608"/>
             <a:chExt cx="1603" cy="1129"/>
           </a:xfrm>
@@ -16001,8 +15998,8 @@
         </p:nvSpPr>
         <p:spPr>
           <a:xfrm>
-            <a:off x="342900" y="571483"/>
-            <a:ext cx="6172200" cy="1524000"/>
+            <a:off x="1069340" y="1892441"/>
+            <a:ext cx="19248120" cy="5046663"/>
           </a:xfrm>
           <a:prstGeom prst="rect">
             <a:avLst/>
@@ -16012,7 +16009,7 @@
           </a:effectLst>
         </p:spPr>
         <p:txBody>
-          <a:bodyPr vert="horz" rtlCol="0" anchor="ctr">
+          <a:bodyPr vert="horz" lIns="295232" tIns="147616" rIns="295232" bIns="147616" rtlCol="0" anchor="ctr">
             <a:normAutofit/>
           </a:bodyPr>
           <a:lstStyle/>
@@ -16037,15 +16034,15 @@
         </p:nvSpPr>
         <p:spPr>
           <a:xfrm>
-            <a:off x="342900" y="2134894"/>
-            <a:ext cx="6172200" cy="6247133"/>
+            <a:off x="1069340" y="7069610"/>
+            <a:ext cx="19248120" cy="20687122"/>
           </a:xfrm>
           <a:prstGeom prst="rect">
             <a:avLst/>
           </a:prstGeom>
         </p:spPr>
         <p:txBody>
-          <a:bodyPr vert="horz" rtlCol="0">
+          <a:bodyPr vert="horz" lIns="295232" tIns="147616" rIns="295232" bIns="147616" rtlCol="0">
             <a:normAutofit/>
           </a:bodyPr>
           <a:lstStyle/>
@@ -16127,8 +16124,8 @@
         </p:nvGrpSpPr>
         <p:grpSpPr>
           <a:xfrm>
-            <a:off x="6054322" y="7770043"/>
-            <a:ext cx="803678" cy="1382136"/>
+            <a:off x="18880517" y="25730172"/>
+            <a:ext cx="2506283" cy="4576886"/>
             <a:chOff x="6357950" y="5000636"/>
             <a:chExt cx="1071570" cy="1036602"/>
           </a:xfrm>
@@ -17112,17 +17109,17 @@
   </p:cSld>
   <p:clrMap bg1="lt1" tx1="dk1" bg2="lt2" tx2="dk2" accent1="accent1" accent2="accent2" accent3="accent3" accent4="accent4" accent5="accent5" accent6="accent6" hlink="hlink" folHlink="folHlink"/>
   <p:sldLayoutIdLst>
-    <p:sldLayoutId id="2147483661" r:id="rId1"/>
-    <p:sldLayoutId id="2147483662" r:id="rId2"/>
-    <p:sldLayoutId id="2147483663" r:id="rId3"/>
-    <p:sldLayoutId id="2147483664" r:id="rId4"/>
-    <p:sldLayoutId id="2147483665" r:id="rId5"/>
-    <p:sldLayoutId id="2147483666" r:id="rId6"/>
-    <p:sldLayoutId id="2147483667" r:id="rId7"/>
-    <p:sldLayoutId id="2147483668" r:id="rId8"/>
-    <p:sldLayoutId id="2147483669" r:id="rId9"/>
-    <p:sldLayoutId id="2147483670" r:id="rId10"/>
-    <p:sldLayoutId id="2147483671" r:id="rId11"/>
+    <p:sldLayoutId id="2147483685" r:id="rId1"/>
+    <p:sldLayoutId id="2147483686" r:id="rId2"/>
+    <p:sldLayoutId id="2147483687" r:id="rId3"/>
+    <p:sldLayoutId id="2147483688" r:id="rId4"/>
+    <p:sldLayoutId id="2147483689" r:id="rId5"/>
+    <p:sldLayoutId id="2147483690" r:id="rId6"/>
+    <p:sldLayoutId id="2147483691" r:id="rId7"/>
+    <p:sldLayoutId id="2147483692" r:id="rId8"/>
+    <p:sldLayoutId id="2147483693" r:id="rId9"/>
+    <p:sldLayoutId id="2147483694" r:id="rId10"/>
+    <p:sldLayoutId id="2147483695" r:id="rId11"/>
   </p:sldLayoutIdLst>
   <p:txStyles>
     <p:titleStyle>
@@ -17131,7 +17128,7 @@
           <a:spcPct val="0"/>
         </a:spcBef>
         <a:buNone/>
-        <a:defRPr kumimoji="1" sz="4400" baseline="0">
+        <a:defRPr kumimoji="1" sz="14200" baseline="0">
           <a:ln>
             <a:noFill/>
           </a:ln>
@@ -17158,7 +17155,7 @@
       </a:lvl1pPr>
     </p:titleStyle>
     <p:bodyStyle>
-      <a:lvl1pPr marL="342900" indent="-342900" algn="l" rtl="0" eaLnBrk="1" latinLnBrk="0" hangingPunct="1">
+      <a:lvl1pPr marL="1107121" indent="-1107121" algn="l" rtl="0" eaLnBrk="1" latinLnBrk="0" hangingPunct="1">
         <a:spcBef>
           <a:spcPct val="20000"/>
         </a:spcBef>
@@ -17168,7 +17165,7 @@
         <a:buSzPct val="80000"/>
         <a:buFont typeface="Wingdings"/>
         <a:buChar char="l"/>
-        <a:defRPr kumimoji="1" sz="3200" baseline="0">
+        <a:defRPr kumimoji="1" sz="10300" baseline="0">
           <a:solidFill>
             <a:schemeClr val="tx2"/>
           </a:solidFill>
@@ -17177,7 +17174,7 @@
           <a:cs typeface="+mn-cs"/>
         </a:defRPr>
       </a:lvl1pPr>
-      <a:lvl2pPr marL="742950" indent="-285750" algn="l" rtl="0" eaLnBrk="1" latinLnBrk="0" hangingPunct="1">
+      <a:lvl2pPr marL="2398763" indent="-922601" algn="l" rtl="0" eaLnBrk="1" latinLnBrk="0" hangingPunct="1">
         <a:spcBef>
           <a:spcPct val="20000"/>
         </a:spcBef>
@@ -17187,7 +17184,7 @@
         <a:buSzPct val="65000"/>
         <a:buFont typeface="Wingdings"/>
         <a:buChar char="l"/>
-        <a:defRPr kumimoji="1" sz="2800" baseline="0">
+        <a:defRPr kumimoji="1" sz="9000" baseline="0">
           <a:solidFill>
             <a:schemeClr val="tx2"/>
           </a:solidFill>
@@ -17196,7 +17193,7 @@
           <a:cs typeface="+mn-cs"/>
         </a:defRPr>
       </a:lvl2pPr>
-      <a:lvl3pPr marL="1143000" indent="-228600" algn="l" rtl="0" eaLnBrk="1" latinLnBrk="0" hangingPunct="1">
+      <a:lvl3pPr marL="3690404" indent="-738081" algn="l" rtl="0" eaLnBrk="1" latinLnBrk="0" hangingPunct="1">
         <a:spcBef>
           <a:spcPct val="20000"/>
         </a:spcBef>
@@ -17206,7 +17203,7 @@
         <a:buSzPct val="60000"/>
         <a:buFont typeface="Wingdings"/>
         <a:buChar char="l"/>
-        <a:defRPr kumimoji="1" sz="2400" baseline="0">
+        <a:defRPr kumimoji="1" sz="7700" baseline="0">
           <a:solidFill>
             <a:schemeClr val="tx2"/>
           </a:solidFill>
@@ -17215,7 +17212,7 @@
           <a:cs typeface="+mn-cs"/>
         </a:defRPr>
       </a:lvl3pPr>
-      <a:lvl4pPr marL="1600200" indent="-228600" algn="l" rtl="0" eaLnBrk="1" latinLnBrk="0" hangingPunct="1">
+      <a:lvl4pPr marL="5166566" indent="-738081" algn="l" rtl="0" eaLnBrk="1" latinLnBrk="0" hangingPunct="1">
         <a:spcBef>
           <a:spcPct val="20000"/>
         </a:spcBef>
@@ -17225,7 +17222,7 @@
         <a:buSzPct val="60000"/>
         <a:buFont typeface="Wingdings"/>
         <a:buChar char="l"/>
-        <a:defRPr kumimoji="1" sz="2000" baseline="0">
+        <a:defRPr kumimoji="1" sz="6500" baseline="0">
           <a:solidFill>
             <a:schemeClr val="tx2"/>
           </a:solidFill>
@@ -17234,7 +17231,7 @@
           <a:cs typeface="+mn-cs"/>
         </a:defRPr>
       </a:lvl4pPr>
-      <a:lvl5pPr marL="2057400" indent="-228600" algn="l" rtl="0" eaLnBrk="1" latinLnBrk="0" hangingPunct="1">
+      <a:lvl5pPr marL="6642727" indent="-738081" algn="l" rtl="0" eaLnBrk="1" latinLnBrk="0" hangingPunct="1">
         <a:spcBef>
           <a:spcPct val="20000"/>
         </a:spcBef>
@@ -17244,7 +17241,7 @@
         <a:buSzPct val="55000"/>
         <a:buFont typeface="Wingdings"/>
         <a:buChar char="l"/>
-        <a:defRPr kumimoji="1" sz="2000" baseline="0">
+        <a:defRPr kumimoji="1" sz="6500" baseline="0">
           <a:solidFill>
             <a:schemeClr val="tx2"/>
           </a:solidFill>
@@ -17253,7 +17250,7 @@
           <a:cs typeface="+mn-cs"/>
         </a:defRPr>
       </a:lvl5pPr>
-      <a:lvl6pPr marL="2514600" indent="-228600" algn="l" rtl="0" eaLnBrk="1" latinLnBrk="0" hangingPunct="1">
+      <a:lvl6pPr marL="8118889" indent="-738081" algn="l" rtl="0" eaLnBrk="1" latinLnBrk="0" hangingPunct="1">
         <a:spcBef>
           <a:spcPct val="20000"/>
         </a:spcBef>
@@ -17263,7 +17260,7 @@
         <a:buSzPct val="50000"/>
         <a:buFont typeface="Wingdings"/>
         <a:buChar char="l"/>
-        <a:defRPr kumimoji="1" sz="1900">
+        <a:defRPr kumimoji="1" sz="6100">
           <a:solidFill>
             <a:schemeClr val="accent1">
               <a:shade val="50000"/>
@@ -17274,7 +17271,7 @@
           <a:cs typeface="+mn-cs"/>
         </a:defRPr>
       </a:lvl6pPr>
-      <a:lvl7pPr marL="2971800" indent="-228600" algn="l" rtl="0" eaLnBrk="1" latinLnBrk="0" hangingPunct="1">
+      <a:lvl7pPr marL="9595051" indent="-738081" algn="l" rtl="0" eaLnBrk="1" latinLnBrk="0" hangingPunct="1">
         <a:spcBef>
           <a:spcPct val="20000"/>
         </a:spcBef>
@@ -17284,7 +17281,7 @@
         <a:buSzPct val="50000"/>
         <a:buFont typeface="Wingdings"/>
         <a:buChar char="l"/>
-        <a:defRPr kumimoji="1" lang="ja-JP" altLang="en-US" sz="1600" smtClean="0">
+        <a:defRPr kumimoji="1" lang="ja-JP" altLang="en-US" sz="5200" smtClean="0">
           <a:solidFill>
             <a:schemeClr val="accent1">
               <a:shade val="50000"/>
@@ -17295,7 +17292,7 @@
           <a:cs typeface="+mn-cs"/>
         </a:defRPr>
       </a:lvl7pPr>
-      <a:lvl8pPr marL="3429000" indent="-228600" algn="l" rtl="0" eaLnBrk="1" latinLnBrk="0" hangingPunct="1">
+      <a:lvl8pPr marL="11071212" indent="-738081" algn="l" rtl="0" eaLnBrk="1" latinLnBrk="0" hangingPunct="1">
         <a:spcBef>
           <a:spcPct val="20000"/>
         </a:spcBef>
@@ -17305,7 +17302,7 @@
         <a:buSzPct val="50000"/>
         <a:buFont typeface="Wingdings"/>
         <a:buChar char="l"/>
-        <a:defRPr kumimoji="1" lang="ja-JP" altLang="en-US" sz="1600" smtClean="0">
+        <a:defRPr kumimoji="1" lang="ja-JP" altLang="en-US" sz="5200" smtClean="0">
           <a:solidFill>
             <a:schemeClr val="accent1">
               <a:shade val="50000"/>
@@ -17316,7 +17313,7 @@
           <a:cs typeface="+mn-cs"/>
         </a:defRPr>
       </a:lvl8pPr>
-      <a:lvl9pPr marL="3886200" indent="-228600" algn="l" rtl="0" eaLnBrk="1" latinLnBrk="0" hangingPunct="1">
+      <a:lvl9pPr marL="12547374" indent="-738081" algn="l" rtl="0" eaLnBrk="1" latinLnBrk="0" hangingPunct="1">
         <a:spcBef>
           <a:spcPct val="20000"/>
         </a:spcBef>
@@ -17326,7 +17323,7 @@
         <a:buSzPct val="50000"/>
         <a:buFont typeface="Wingdings"/>
         <a:buChar char="l"/>
-        <a:defRPr kumimoji="1" lang="ja-JP" altLang="en-US" sz="1600" smtClean="0">
+        <a:defRPr kumimoji="1" lang="ja-JP" altLang="en-US" sz="5200" smtClean="0">
           <a:solidFill>
             <a:schemeClr val="accent1">
               <a:shade val="50000"/>
@@ -17349,7 +17346,7 @@
           <a:cs typeface="+mn-cs"/>
         </a:defRPr>
       </a:lvl1pPr>
-      <a:lvl2pPr marL="457200" algn="l" rtl="0" eaLnBrk="1" latinLnBrk="0" hangingPunct="1">
+      <a:lvl2pPr marL="1476162" algn="l" rtl="0" eaLnBrk="1" latinLnBrk="0" hangingPunct="1">
         <a:defRPr kumimoji="1">
           <a:solidFill>
             <a:schemeClr val="tx1"/>
@@ -17359,7 +17356,7 @@
           <a:cs typeface="+mn-cs"/>
         </a:defRPr>
       </a:lvl2pPr>
-      <a:lvl3pPr marL="914400" algn="l" rtl="0" eaLnBrk="1" latinLnBrk="0" hangingPunct="1">
+      <a:lvl3pPr marL="2952323" algn="l" rtl="0" eaLnBrk="1" latinLnBrk="0" hangingPunct="1">
         <a:defRPr kumimoji="1">
           <a:solidFill>
             <a:schemeClr val="tx1"/>
@@ -17369,7 +17366,7 @@
           <a:cs typeface="+mn-cs"/>
         </a:defRPr>
       </a:lvl3pPr>
-      <a:lvl4pPr marL="1371600" algn="l" rtl="0" eaLnBrk="1" latinLnBrk="0" hangingPunct="1">
+      <a:lvl4pPr marL="4428485" algn="l" rtl="0" eaLnBrk="1" latinLnBrk="0" hangingPunct="1">
         <a:defRPr kumimoji="1">
           <a:solidFill>
             <a:schemeClr val="tx1"/>
@@ -17379,7 +17376,7 @@
           <a:cs typeface="+mn-cs"/>
         </a:defRPr>
       </a:lvl4pPr>
-      <a:lvl5pPr marL="1828800" algn="l" rtl="0" eaLnBrk="1" latinLnBrk="0" hangingPunct="1">
+      <a:lvl5pPr marL="5904647" algn="l" rtl="0" eaLnBrk="1" latinLnBrk="0" hangingPunct="1">
         <a:defRPr kumimoji="1">
           <a:solidFill>
             <a:schemeClr val="tx1"/>
@@ -17389,7 +17386,7 @@
           <a:cs typeface="+mn-cs"/>
         </a:defRPr>
       </a:lvl5pPr>
-      <a:lvl6pPr marL="2286000" algn="l" rtl="0" eaLnBrk="1" latinLnBrk="0" hangingPunct="1">
+      <a:lvl6pPr marL="7380808" algn="l" rtl="0" eaLnBrk="1" latinLnBrk="0" hangingPunct="1">
         <a:defRPr kumimoji="1">
           <a:solidFill>
             <a:schemeClr val="tx1"/>
@@ -17399,7 +17396,7 @@
           <a:cs typeface="+mn-cs"/>
         </a:defRPr>
       </a:lvl6pPr>
-      <a:lvl7pPr marL="2743200" algn="l" rtl="0" eaLnBrk="1" latinLnBrk="0" hangingPunct="1">
+      <a:lvl7pPr marL="8856970" algn="l" rtl="0" eaLnBrk="1" latinLnBrk="0" hangingPunct="1">
         <a:defRPr kumimoji="1">
           <a:solidFill>
             <a:schemeClr val="tx1"/>
@@ -17409,7 +17406,7 @@
           <a:cs typeface="+mn-cs"/>
         </a:defRPr>
       </a:lvl7pPr>
-      <a:lvl8pPr marL="3200400" algn="l" rtl="0" eaLnBrk="1" latinLnBrk="0" hangingPunct="1">
+      <a:lvl8pPr marL="10333131" algn="l" rtl="0" eaLnBrk="1" latinLnBrk="0" hangingPunct="1">
         <a:defRPr kumimoji="1">
           <a:solidFill>
             <a:schemeClr val="tx1"/>
@@ -17419,7 +17416,7 @@
           <a:cs typeface="+mn-cs"/>
         </a:defRPr>
       </a:lvl8pPr>
-      <a:lvl9pPr marL="3657600" algn="l" rtl="0" eaLnBrk="1" latinLnBrk="0" hangingPunct="1">
+      <a:lvl9pPr marL="11809293" algn="l" rtl="0" eaLnBrk="1" latinLnBrk="0" hangingPunct="1">
         <a:defRPr kumimoji="1">
           <a:solidFill>
             <a:schemeClr val="tx1"/>
@@ -17459,8 +17456,8 @@
         </p:nvSpPr>
         <p:spPr>
           <a:xfrm>
-            <a:off x="188640" y="107504"/>
-            <a:ext cx="6264696" cy="400110"/>
+            <a:off x="400539" y="522363"/>
+            <a:ext cx="20474274" cy="1298389"/>
           </a:xfrm>
           <a:prstGeom prst="rect">
             <a:avLst/>
@@ -17468,14 +17465,14 @@
           <a:noFill/>
         </p:spPr>
         <p:txBody>
-          <a:bodyPr wrap="square" rtlCol="0">
+          <a:bodyPr wrap="square" lIns="295232" tIns="147616" rIns="295232" bIns="147616" rtlCol="0">
             <a:spAutoFit/>
           </a:bodyPr>
           <a:lstStyle/>
           <a:p>
             <a:pPr algn="ctr"/>
             <a:r>
-              <a:rPr lang="en-US" altLang="ja-JP" sz="2000" kern="0" dirty="0">
+              <a:rPr lang="en-US" altLang="ja-JP" sz="6500" kern="0" dirty="0">
                 <a:solidFill>
                   <a:srgbClr val="975C1E"/>
                 </a:solidFill>
@@ -17498,7 +17495,7 @@
               <a:t>Wikipedia</a:t>
             </a:r>
             <a:r>
-              <a:rPr lang="ja-JP" altLang="en-US" sz="2000" kern="0" dirty="0">
+              <a:rPr lang="ja-JP" altLang="en-US" sz="6500" kern="0" dirty="0">
                 <a:solidFill>
                   <a:srgbClr val="975C1E"/>
                 </a:solidFill>
@@ -17521,7 +17518,7 @@
               <a:t>を使用</a:t>
             </a:r>
             <a:r>
-              <a:rPr lang="ja-JP" altLang="en-US" sz="2000" kern="0" dirty="0" smtClean="0">
+              <a:rPr lang="ja-JP" altLang="en-US" sz="6500" kern="0" dirty="0">
                 <a:solidFill>
                   <a:srgbClr val="975C1E"/>
                 </a:solidFill>
@@ -17544,7 +17541,7 @@
               <a:t>したプロジェクトマネジメント</a:t>
             </a:r>
             <a:r>
-              <a:rPr lang="ja-JP" altLang="en-US" sz="2000" kern="0" dirty="0">
+              <a:rPr lang="ja-JP" altLang="en-US" sz="6500" kern="0" dirty="0">
                 <a:solidFill>
                   <a:srgbClr val="975C1E"/>
                 </a:solidFill>
@@ -17566,7 +17563,7 @@
               </a:rPr>
               <a:t>研究</a:t>
             </a:r>
-            <a:endParaRPr kumimoji="1" lang="ja-JP" altLang="en-US" sz="2000" dirty="0"/>
+            <a:endParaRPr lang="ja-JP" altLang="en-US" sz="6500" dirty="0"/>
           </a:p>
         </p:txBody>
       </p:sp>
@@ -17578,8 +17575,8 @@
         </p:nvSpPr>
         <p:spPr>
           <a:xfrm>
-            <a:off x="147377" y="939727"/>
-            <a:ext cx="1440160" cy="504056"/>
+            <a:off x="457705" y="3546699"/>
+            <a:ext cx="4491166" cy="1669160"/>
           </a:xfrm>
           <a:prstGeom prst="homePlate">
             <a:avLst/>
@@ -17608,19 +17605,19 @@
           </a:fontRef>
         </p:style>
         <p:txBody>
-          <a:bodyPr rtlCol="0" anchor="ctr"/>
+          <a:bodyPr lIns="295232" tIns="147616" rIns="295232" bIns="147616" rtlCol="0" anchor="ctr"/>
           <a:lstStyle/>
           <a:p>
             <a:pPr algn="ctr"/>
             <a:r>
-              <a:rPr kumimoji="1" lang="ja-JP" altLang="en-US" sz="2000" dirty="0" smtClean="0">
+              <a:rPr lang="ja-JP" altLang="en-US" sz="6500" dirty="0">
                 <a:solidFill>
                   <a:schemeClr val="tx1"/>
                 </a:solidFill>
               </a:rPr>
               <a:t>背景</a:t>
             </a:r>
-            <a:endParaRPr kumimoji="1" lang="ja-JP" altLang="en-US" sz="2000" dirty="0">
+            <a:endParaRPr lang="ja-JP" altLang="en-US" sz="6500" dirty="0">
               <a:solidFill>
                 <a:schemeClr val="tx1"/>
               </a:solidFill>
@@ -17636,8 +17633,8 @@
         </p:nvSpPr>
         <p:spPr>
           <a:xfrm>
-            <a:off x="1471358" y="682477"/>
-            <a:ext cx="5222465" cy="338554"/>
+            <a:off x="2487067" y="2225595"/>
+            <a:ext cx="18462332" cy="1098334"/>
           </a:xfrm>
           <a:prstGeom prst="rect">
             <a:avLst/>
@@ -17645,24 +17642,24 @@
           <a:noFill/>
         </p:spPr>
         <p:txBody>
-          <a:bodyPr wrap="square" rtlCol="0">
+          <a:bodyPr wrap="square" lIns="295232" tIns="147616" rIns="295232" bIns="147616" rtlCol="0">
             <a:spAutoFit/>
           </a:bodyPr>
           <a:lstStyle/>
           <a:p>
             <a:r>
-              <a:rPr kumimoji="1" lang="ja-JP" altLang="en-US" sz="1600" b="1" dirty="0" smtClean="0"/>
+              <a:rPr lang="ja-JP" altLang="en-US" sz="5200" b="1" dirty="0"/>
               <a:t>ソフトウェア開発コース　矢吹研究室　</a:t>
             </a:r>
             <a:r>
-              <a:rPr kumimoji="1" lang="en-US" altLang="ja-JP" sz="1600" b="1" dirty="0" smtClean="0"/>
+              <a:rPr lang="en-US" altLang="ja-JP" sz="5200" b="1" dirty="0" smtClean="0"/>
               <a:t>1142066</a:t>
             </a:r>
             <a:r>
-              <a:rPr kumimoji="1" lang="ja-JP" altLang="en-US" sz="1600" b="1" dirty="0" smtClean="0"/>
+              <a:rPr lang="ja-JP" altLang="en-US" sz="5200" b="1" dirty="0"/>
               <a:t>　曽我勇貴</a:t>
             </a:r>
-            <a:endParaRPr kumimoji="1" lang="ja-JP" altLang="en-US" sz="1600" b="1" dirty="0"/>
+            <a:endParaRPr lang="ja-JP" altLang="en-US" sz="5200" b="1" dirty="0"/>
           </a:p>
         </p:txBody>
       </p:sp>
@@ -17674,8 +17671,8 @@
         </p:nvSpPr>
         <p:spPr>
           <a:xfrm>
-            <a:off x="1027230" y="1636139"/>
-            <a:ext cx="2797794" cy="927750"/>
+            <a:off x="3203436" y="5418006"/>
+            <a:ext cx="8724972" cy="3072205"/>
           </a:xfrm>
           <a:prstGeom prst="ellipse">
             <a:avLst/>
@@ -17704,19 +17701,19 @@
           </a:fontRef>
         </p:style>
         <p:txBody>
-          <a:bodyPr rtlCol="0" anchor="ctr"/>
+          <a:bodyPr lIns="295232" tIns="147616" rIns="295232" bIns="147616" rtlCol="0" anchor="ctr"/>
           <a:lstStyle/>
           <a:p>
             <a:pPr algn="ctr"/>
             <a:r>
-              <a:rPr kumimoji="1" lang="en-US" altLang="ja-JP" sz="2800" b="1" dirty="0" smtClean="0">
+              <a:rPr lang="en-US" altLang="ja-JP" sz="9000" b="1" dirty="0">
                 <a:solidFill>
                   <a:schemeClr val="tx1"/>
                 </a:solidFill>
               </a:rPr>
               <a:t>Wikipedia</a:t>
             </a:r>
-            <a:endParaRPr kumimoji="1" lang="ja-JP" altLang="en-US" sz="2800" b="1" dirty="0">
+            <a:endParaRPr lang="ja-JP" altLang="en-US" sz="9000" b="1" dirty="0">
               <a:solidFill>
                 <a:schemeClr val="tx1"/>
               </a:solidFill>
@@ -17732,8 +17729,8 @@
         </p:nvSpPr>
         <p:spPr>
           <a:xfrm>
-            <a:off x="3856884" y="1827128"/>
-            <a:ext cx="809888" cy="545773"/>
+            <a:off x="12027764" y="6050460"/>
+            <a:ext cx="2525651" cy="1807305"/>
           </a:xfrm>
           <a:prstGeom prst="rightArrow">
             <a:avLst/>
@@ -17762,7 +17759,7 @@
           </a:fontRef>
         </p:style>
         <p:txBody>
-          <a:bodyPr rtlCol="0" anchor="ctr"/>
+          <a:bodyPr lIns="295232" tIns="147616" rIns="295232" bIns="147616" rtlCol="0" anchor="ctr"/>
           <a:lstStyle/>
           <a:p>
             <a:pPr algn="ctr"/>
@@ -17778,8 +17775,8 @@
         </p:nvSpPr>
         <p:spPr>
           <a:xfrm>
-            <a:off x="4811468" y="1788145"/>
-            <a:ext cx="1742508" cy="623740"/>
+            <a:off x="15004652" y="5921368"/>
+            <a:ext cx="5434043" cy="2065489"/>
           </a:xfrm>
           <a:prstGeom prst="snip2DiagRect">
             <a:avLst/>
@@ -17811,7 +17808,7 @@
           </a:fontRef>
         </p:style>
         <p:txBody>
-          <a:bodyPr rtlCol="0" anchor="ctr"/>
+          <a:bodyPr lIns="295232" tIns="147616" rIns="295232" bIns="147616" rtlCol="0" anchor="ctr"/>
           <a:lstStyle/>
           <a:p>
             <a:pPr algn="ctr"/>
@@ -17847,8 +17844,8 @@
         </p:nvSpPr>
         <p:spPr>
           <a:xfrm>
-            <a:off x="1920289" y="2573650"/>
-            <a:ext cx="515383" cy="665826"/>
+            <a:off x="5988459" y="8522535"/>
+            <a:ext cx="1607231" cy="2204855"/>
           </a:xfrm>
           <a:prstGeom prst="upArrow">
             <a:avLst/>
@@ -17877,7 +17874,7 @@
           </a:fontRef>
         </p:style>
         <p:txBody>
-          <a:bodyPr rtlCol="0" anchor="ctr"/>
+          <a:bodyPr lIns="295232" tIns="147616" rIns="295232" bIns="147616" rtlCol="0" anchor="ctr"/>
           <a:lstStyle/>
           <a:p>
             <a:pPr algn="ctr"/>
@@ -17893,8 +17890,8 @@
         </p:nvSpPr>
         <p:spPr>
           <a:xfrm>
-            <a:off x="2595243" y="2590438"/>
-            <a:ext cx="515383" cy="649037"/>
+            <a:off x="8093315" y="8578129"/>
+            <a:ext cx="1607231" cy="2149259"/>
           </a:xfrm>
           <a:prstGeom prst="upArrow">
             <a:avLst/>
@@ -17923,7 +17920,7 @@
           </a:fontRef>
         </p:style>
         <p:txBody>
-          <a:bodyPr rtlCol="0" anchor="ctr"/>
+          <a:bodyPr lIns="295232" tIns="147616" rIns="295232" bIns="147616" rtlCol="0" anchor="ctr"/>
           <a:lstStyle/>
           <a:p>
             <a:pPr algn="ctr"/>
@@ -17939,14 +17936,14 @@
         </p:nvSpPr>
         <p:spPr>
           <a:xfrm>
-            <a:off x="1686939" y="3309182"/>
-            <a:ext cx="1656588" cy="467805"/>
+            <a:off x="5260751" y="10958220"/>
+            <a:ext cx="5166100" cy="1549117"/>
           </a:xfrm>
           <a:prstGeom prst="roundRect">
             <a:avLst/>
           </a:prstGeom>
           <a:solidFill>
-            <a:srgbClr val="92D050"/>
+            <a:schemeClr val="bg1"/>
           </a:solidFill>
           <a:ln>
             <a:noFill/>
@@ -17969,7 +17966,7 @@
           </a:fontRef>
         </p:style>
         <p:txBody>
-          <a:bodyPr rtlCol="0" anchor="ctr"/>
+          <a:bodyPr lIns="295232" tIns="147616" rIns="295232" bIns="147616" rtlCol="0" anchor="ctr"/>
           <a:lstStyle/>
           <a:p>
             <a:pPr algn="ctr"/>
@@ -17997,8 +17994,8 @@
         </p:nvSpPr>
         <p:spPr>
           <a:xfrm>
-            <a:off x="1563405" y="2889331"/>
-            <a:ext cx="2009101" cy="227711"/>
+            <a:off x="4875509" y="9567901"/>
+            <a:ext cx="6265419" cy="754055"/>
           </a:xfrm>
           <a:prstGeom prst="ellipse">
             <a:avLst/>
@@ -18027,7 +18024,7 @@
           </a:fontRef>
         </p:style>
         <p:txBody>
-          <a:bodyPr rtlCol="0" anchor="ctr"/>
+          <a:bodyPr lIns="295232" tIns="147616" rIns="295232" bIns="147616" rtlCol="0" anchor="ctr"/>
           <a:lstStyle/>
           <a:p>
             <a:pPr algn="ctr"/>
@@ -18043,8 +18040,8 @@
         </p:nvSpPr>
         <p:spPr>
           <a:xfrm>
-            <a:off x="3799734" y="2714759"/>
-            <a:ext cx="778718" cy="524716"/>
+            <a:off x="11849541" y="8989811"/>
+            <a:ext cx="2428447" cy="1737575"/>
           </a:xfrm>
           <a:prstGeom prst="leftArrow">
             <a:avLst/>
@@ -18073,7 +18070,7 @@
           </a:fontRef>
         </p:style>
         <p:txBody>
-          <a:bodyPr rtlCol="0" anchor="ctr"/>
+          <a:bodyPr lIns="295232" tIns="147616" rIns="295232" bIns="147616" rtlCol="0" anchor="ctr"/>
           <a:lstStyle/>
           <a:p>
             <a:pPr algn="ctr"/>
@@ -18089,8 +18086,8 @@
         </p:nvSpPr>
         <p:spPr>
           <a:xfrm>
-            <a:off x="97757" y="5653541"/>
-            <a:ext cx="1440160" cy="504056"/>
+            <a:off x="656305" y="18740387"/>
+            <a:ext cx="4491166" cy="1669160"/>
           </a:xfrm>
           <a:prstGeom prst="homePlate">
             <a:avLst/>
@@ -18119,19 +18116,19 @@
           </a:fontRef>
         </p:style>
         <p:txBody>
-          <a:bodyPr rtlCol="0" anchor="ctr"/>
+          <a:bodyPr lIns="295232" tIns="147616" rIns="295232" bIns="147616" rtlCol="0" anchor="ctr"/>
           <a:lstStyle/>
           <a:p>
             <a:pPr algn="ctr"/>
             <a:r>
-              <a:rPr lang="ja-JP" altLang="en-US" sz="2000" dirty="0" smtClean="0">
+              <a:rPr lang="ja-JP" altLang="en-US" sz="6500" dirty="0">
                 <a:solidFill>
                   <a:schemeClr val="tx1"/>
                 </a:solidFill>
               </a:rPr>
               <a:t>目的</a:t>
             </a:r>
-            <a:endParaRPr lang="en-US" altLang="ja-JP" sz="2000" dirty="0" smtClean="0">
+            <a:endParaRPr lang="en-US" altLang="ja-JP" sz="6500" dirty="0">
               <a:solidFill>
                 <a:schemeClr val="tx1"/>
               </a:solidFill>
@@ -18162,8 +18159,8 @@
         </p:blipFill>
         <p:spPr bwMode="auto">
           <a:xfrm>
-            <a:off x="2475035" y="4130358"/>
-            <a:ext cx="4136960" cy="1762930"/>
+            <a:off x="6372920" y="12912368"/>
+            <a:ext cx="12901186" cy="5837869"/>
           </a:xfrm>
           <a:prstGeom prst="rect">
             <a:avLst/>
@@ -18211,8 +18208,8 @@
         </p:nvSpPr>
         <p:spPr>
           <a:xfrm>
-            <a:off x="97757" y="7250757"/>
-            <a:ext cx="1411662" cy="547142"/>
+            <a:off x="656305" y="23852955"/>
+            <a:ext cx="4402294" cy="1811838"/>
           </a:xfrm>
           <a:prstGeom prst="homePlate">
             <a:avLst/>
@@ -18241,12 +18238,12 @@
           </a:fontRef>
         </p:style>
         <p:txBody>
-          <a:bodyPr rtlCol="0" anchor="ctr"/>
+          <a:bodyPr lIns="295232" tIns="147616" rIns="295232" bIns="147616" rtlCol="0" anchor="ctr"/>
           <a:lstStyle/>
           <a:p>
             <a:pPr algn="ctr"/>
             <a:r>
-              <a:rPr lang="ja-JP" altLang="en-US" sz="2000" dirty="0" smtClean="0">
+              <a:rPr lang="ja-JP" altLang="en-US" sz="6500" dirty="0">
                 <a:solidFill>
                   <a:schemeClr val="tx1"/>
                 </a:solidFill>
@@ -18254,18 +18251,13 @@
               <a:t>研究</a:t>
             </a:r>
             <a:r>
-              <a:rPr lang="ja-JP" altLang="en-US" sz="2000" dirty="0">
+              <a:rPr lang="ja-JP" altLang="en-US" sz="6500" dirty="0">
                 <a:solidFill>
                   <a:schemeClr val="tx1"/>
                 </a:solidFill>
               </a:rPr>
               <a:t>方法</a:t>
             </a:r>
-            <a:endParaRPr kumimoji="1" lang="ja-JP" altLang="en-US" sz="2000" dirty="0">
-              <a:solidFill>
-                <a:schemeClr val="tx1"/>
-              </a:solidFill>
-            </a:endParaRPr>
           </a:p>
         </p:txBody>
       </p:sp>
@@ -18277,8 +18269,8 @@
         </p:nvSpPr>
         <p:spPr>
           <a:xfrm>
-            <a:off x="690581" y="7812360"/>
-            <a:ext cx="5387366" cy="1224136"/>
+            <a:off x="656305" y="26085203"/>
+            <a:ext cx="19400515" cy="3528392"/>
           </a:xfrm>
           <a:prstGeom prst="rect">
             <a:avLst/>
@@ -18309,16 +18301,24 @@
           </a:fontRef>
         </p:style>
         <p:txBody>
-          <a:bodyPr rtlCol="0" anchor="ctr"/>
+          <a:bodyPr lIns="295232" tIns="147616" rIns="295232" bIns="147616" rtlCol="0" anchor="t"/>
           <a:lstStyle/>
           <a:p>
+            <a:r>
+              <a:rPr lang="ja-JP" altLang="en-US" dirty="0" smtClean="0">
+                <a:solidFill>
+                  <a:schemeClr val="tx1"/>
+                </a:solidFill>
+              </a:rPr>
+              <a:t>・先行</a:t>
+            </a:r>
             <a:r>
               <a:rPr lang="ja-JP" altLang="en-US" dirty="0">
                 <a:solidFill>
                   <a:schemeClr val="tx1"/>
                 </a:solidFill>
               </a:rPr>
-              <a:t>先行研究と</a:t>
+              <a:t>研究と</a:t>
             </a:r>
             <a:r>
               <a:rPr lang="ja-JP" altLang="en-US" dirty="0" smtClean="0">
@@ -18352,6 +18352,14 @@
           </a:p>
           <a:p>
             <a:r>
+              <a:rPr lang="ja-JP" altLang="en-US" dirty="0" smtClean="0">
+                <a:solidFill>
+                  <a:schemeClr val="tx1"/>
+                </a:solidFill>
+              </a:rPr>
+              <a:t>・</a:t>
+            </a:r>
+            <a:r>
               <a:rPr lang="en-US" altLang="ja-JP" dirty="0" smtClean="0">
                 <a:solidFill>
                   <a:schemeClr val="tx1"/>
@@ -18374,6 +18382,14 @@
             </a:endParaRPr>
           </a:p>
           <a:p>
+            <a:r>
+              <a:rPr kumimoji="1" lang="ja-JP" altLang="en-US" dirty="0" smtClean="0">
+                <a:solidFill>
+                  <a:schemeClr val="tx1"/>
+                </a:solidFill>
+              </a:rPr>
+              <a:t>・</a:t>
+            </a:r>
             <a:r>
               <a:rPr kumimoji="1" lang="en-US" altLang="ja-JP" dirty="0" smtClean="0">
                 <a:solidFill>
@@ -18429,8 +18445,8 @@
         </p:nvSpPr>
         <p:spPr>
           <a:xfrm>
-            <a:off x="4666772" y="2677105"/>
-            <a:ext cx="2014512" cy="652163"/>
+            <a:off x="14553415" y="8865123"/>
+            <a:ext cx="6282293" cy="2159611"/>
           </a:xfrm>
           <a:prstGeom prst="snip2DiagRect">
             <a:avLst/>
@@ -18462,19 +18478,19 @@
           </a:fontRef>
         </p:style>
         <p:txBody>
-          <a:bodyPr rtlCol="0" anchor="ctr"/>
+          <a:bodyPr lIns="295232" tIns="147616" rIns="295232" bIns="147616" rtlCol="0" anchor="ctr"/>
           <a:lstStyle/>
           <a:p>
             <a:pPr algn="ctr"/>
             <a:r>
-              <a:rPr lang="ja-JP" altLang="en-US" sz="1400" b="1" dirty="0">
+              <a:rPr lang="ja-JP" altLang="en-US" sz="4500" b="1" dirty="0">
                 <a:solidFill>
                   <a:schemeClr val="tx1"/>
                 </a:solidFill>
               </a:rPr>
               <a:t>プロジェクトとして</a:t>
             </a:r>
-            <a:endParaRPr lang="en-US" altLang="ja-JP" sz="1400" b="1" dirty="0">
+            <a:endParaRPr lang="en-US" altLang="ja-JP" sz="4500" b="1" dirty="0">
               <a:solidFill>
                 <a:schemeClr val="tx1"/>
               </a:solidFill>
@@ -18483,7 +18499,7 @@
           <a:p>
             <a:pPr algn="ctr"/>
             <a:r>
-              <a:rPr lang="ja-JP" altLang="en-US" sz="1400" b="1" dirty="0">
+              <a:rPr lang="ja-JP" altLang="en-US" sz="4500" b="1" dirty="0">
                 <a:solidFill>
                   <a:schemeClr val="tx1"/>
                 </a:solidFill>
@@ -18501,8 +18517,8 @@
         </p:nvSpPr>
         <p:spPr>
           <a:xfrm rot="10800000">
-            <a:off x="390861" y="2058752"/>
-            <a:ext cx="599440" cy="1058289"/>
+            <a:off x="1218907" y="6817473"/>
+            <a:ext cx="1869365" cy="3504480"/>
           </a:xfrm>
           <a:prstGeom prst="bentUpArrow">
             <a:avLst>
@@ -18535,7 +18551,7 @@
           </a:fontRef>
         </p:style>
         <p:txBody>
-          <a:bodyPr rtlCol="0" anchor="ctr"/>
+          <a:bodyPr lIns="295232" tIns="147616" rIns="295232" bIns="147616" rtlCol="0" anchor="ctr"/>
           <a:lstStyle/>
           <a:p>
             <a:pPr algn="ctr"/>
@@ -18551,14 +18567,14 @@
         </p:nvSpPr>
         <p:spPr>
           <a:xfrm>
-            <a:off x="170822" y="3237089"/>
-            <a:ext cx="1344154" cy="613254"/>
+            <a:off x="532712" y="10719485"/>
+            <a:ext cx="4418052" cy="2030765"/>
           </a:xfrm>
           <a:prstGeom prst="rect">
             <a:avLst/>
           </a:prstGeom>
           <a:solidFill>
-            <a:srgbClr val="92D050"/>
+            <a:schemeClr val="bg1"/>
           </a:solidFill>
           <a:ln>
             <a:noFill/>
@@ -18581,7 +18597,7 @@
           </a:fontRef>
         </p:style>
         <p:txBody>
-          <a:bodyPr rtlCol="0" anchor="ctr"/>
+          <a:bodyPr lIns="295232" tIns="147616" rIns="295232" bIns="147616" rtlCol="0" anchor="ctr"/>
           <a:lstStyle/>
           <a:p>
             <a:pPr algn="ctr"/>
@@ -18633,8 +18649,8 @@
         </p:nvSpPr>
         <p:spPr>
           <a:xfrm>
-            <a:off x="97757" y="6300192"/>
-            <a:ext cx="6716459" cy="864096"/>
+            <a:off x="656305" y="20684603"/>
+            <a:ext cx="19893598" cy="2952328"/>
           </a:xfrm>
           <a:prstGeom prst="rect">
             <a:avLst/>
@@ -18665,7 +18681,7 @@
           </a:fontRef>
         </p:style>
         <p:txBody>
-          <a:bodyPr rtlCol="0" anchor="t"/>
+          <a:bodyPr lIns="295232" tIns="147616" rIns="295232" bIns="147616" rtlCol="0" anchor="t"/>
           <a:lstStyle/>
           <a:p>
             <a:r>
@@ -18711,7 +18727,7 @@
     </p:spTree>
     <p:extLst>
       <p:ext uri="{BB962C8B-B14F-4D97-AF65-F5344CB8AC3E}">
-        <p14:creationId xmlns:p14="http://schemas.microsoft.com/office/powerpoint/2010/main" val="838238967"/>
+        <p14:creationId xmlns:p14="http://schemas.microsoft.com/office/powerpoint/2010/main" val="2017730835"/>
       </p:ext>
     </p:extLst>
   </p:cSld>
@@ -18753,8 +18769,8 @@
         </p:nvSpPr>
         <p:spPr>
           <a:xfrm>
-            <a:off x="143574" y="251520"/>
-            <a:ext cx="2195737" cy="484632"/>
+            <a:off x="1077089" y="1242443"/>
+            <a:ext cx="7293332" cy="1604839"/>
           </a:xfrm>
           <a:prstGeom prst="homePlate">
             <a:avLst/>
@@ -18783,12 +18799,12 @@
           </a:fontRef>
         </p:style>
         <p:txBody>
-          <a:bodyPr rtlCol="0" anchor="ctr"/>
+          <a:bodyPr lIns="295232" tIns="147616" rIns="295232" bIns="147616" rtlCol="0" anchor="ctr"/>
           <a:lstStyle/>
           <a:p>
             <a:pPr algn="ctr"/>
             <a:r>
-              <a:rPr lang="en-US" altLang="ja-JP" sz="2400" dirty="0" smtClean="0">
+              <a:rPr lang="en-US" altLang="ja-JP" sz="7700" dirty="0">
                 <a:solidFill>
                   <a:schemeClr val="tx1"/>
                 </a:solidFill>
@@ -18796,14 +18812,14 @@
               <a:t>PM</a:t>
             </a:r>
             <a:r>
-              <a:rPr lang="ja-JP" altLang="en-US" sz="2400" dirty="0" smtClean="0">
+              <a:rPr lang="ja-JP" altLang="en-US" sz="7700" dirty="0">
                 <a:solidFill>
                   <a:schemeClr val="tx1"/>
                 </a:solidFill>
               </a:rPr>
               <a:t>との関連性</a:t>
             </a:r>
-            <a:endParaRPr kumimoji="1" lang="ja-JP" altLang="en-US" sz="2400" dirty="0">
+            <a:endParaRPr lang="ja-JP" altLang="en-US" sz="7700" dirty="0">
               <a:solidFill>
                 <a:schemeClr val="tx1"/>
               </a:solidFill>
@@ -18819,8 +18835,8 @@
         </p:nvSpPr>
         <p:spPr>
           <a:xfrm>
-            <a:off x="57017" y="4958332"/>
-            <a:ext cx="1863857" cy="484632"/>
+            <a:off x="1088802" y="16194922"/>
+            <a:ext cx="6290656" cy="1604839"/>
           </a:xfrm>
           <a:prstGeom prst="homePlate">
             <a:avLst/>
@@ -18849,12 +18865,12 @@
           </a:fontRef>
         </p:style>
         <p:txBody>
-          <a:bodyPr rtlCol="0" anchor="ctr"/>
+          <a:bodyPr lIns="295232" tIns="147616" rIns="295232" bIns="147616" rtlCol="0" anchor="ctr"/>
           <a:lstStyle/>
           <a:p>
             <a:pPr algn="ctr"/>
             <a:r>
-              <a:rPr lang="ja-JP" altLang="en-US" sz="2400" dirty="0">
+              <a:rPr lang="ja-JP" altLang="en-US" sz="7700" dirty="0">
                 <a:solidFill>
                   <a:schemeClr val="tx1"/>
                 </a:solidFill>
@@ -18862,14 +18878,14 @@
               <a:t>研究</a:t>
             </a:r>
             <a:r>
-              <a:rPr lang="ja-JP" altLang="en-US" sz="2400" dirty="0" smtClean="0">
+              <a:rPr lang="ja-JP" altLang="en-US" sz="7700" dirty="0">
                 <a:solidFill>
                   <a:schemeClr val="tx1"/>
                 </a:solidFill>
               </a:rPr>
               <a:t>の現状</a:t>
             </a:r>
-            <a:endParaRPr kumimoji="1" lang="ja-JP" altLang="en-US" sz="2400" dirty="0">
+            <a:endParaRPr lang="ja-JP" altLang="en-US" sz="7700" dirty="0">
               <a:solidFill>
                 <a:schemeClr val="tx1"/>
               </a:solidFill>
@@ -18885,8 +18901,8 @@
         </p:nvSpPr>
         <p:spPr>
           <a:xfrm>
-            <a:off x="48665" y="7222343"/>
-            <a:ext cx="1872209" cy="484632"/>
+            <a:off x="1093579" y="23780947"/>
+            <a:ext cx="6316702" cy="1604839"/>
           </a:xfrm>
           <a:prstGeom prst="homePlate">
             <a:avLst/>
@@ -18915,12 +18931,12 @@
           </a:fontRef>
         </p:style>
         <p:txBody>
-          <a:bodyPr rtlCol="0" anchor="ctr"/>
+          <a:bodyPr lIns="295232" tIns="147616" rIns="295232" bIns="147616" rtlCol="0" anchor="ctr"/>
           <a:lstStyle/>
           <a:p>
             <a:pPr algn="ctr"/>
             <a:r>
-              <a:rPr lang="ja-JP" altLang="en-US" sz="2400" dirty="0">
+              <a:rPr lang="ja-JP" altLang="en-US" sz="7700" dirty="0">
                 <a:solidFill>
                   <a:schemeClr val="tx1"/>
                 </a:solidFill>
@@ -18928,14 +18944,14 @@
               <a:t>今後</a:t>
             </a:r>
             <a:r>
-              <a:rPr lang="ja-JP" altLang="en-US" sz="2400" dirty="0" smtClean="0">
+              <a:rPr lang="ja-JP" altLang="en-US" sz="7700" dirty="0">
                 <a:solidFill>
                   <a:schemeClr val="tx1"/>
                 </a:solidFill>
               </a:rPr>
               <a:t>の計画</a:t>
             </a:r>
-            <a:endParaRPr kumimoji="1" lang="ja-JP" altLang="en-US" sz="2400" dirty="0">
+            <a:endParaRPr lang="ja-JP" altLang="en-US" sz="7700" dirty="0">
               <a:solidFill>
                 <a:schemeClr val="tx1"/>
               </a:solidFill>
@@ -18951,8 +18967,8 @@
         </p:nvSpPr>
         <p:spPr>
           <a:xfrm>
-            <a:off x="349141" y="5580112"/>
-            <a:ext cx="6248210" cy="1512168"/>
+            <a:off x="1088802" y="18024149"/>
+            <a:ext cx="19485159" cy="5461641"/>
           </a:xfrm>
           <a:prstGeom prst="rect">
             <a:avLst/>
@@ -18983,7 +18999,7 @@
           </a:fontRef>
         </p:style>
         <p:txBody>
-          <a:bodyPr rtlCol="0" anchor="t"/>
+          <a:bodyPr lIns="295232" tIns="147616" rIns="295232" bIns="147616" rtlCol="0" anchor="t"/>
           <a:lstStyle/>
           <a:p>
             <a:r>
@@ -19008,7 +19024,15 @@
                   <a:schemeClr val="tx1"/>
                 </a:solidFill>
               </a:rPr>
-              <a:t>マイニングとは，</a:t>
+              <a:t>マイニングと</a:t>
+            </a:r>
+            <a:r>
+              <a:rPr kumimoji="1" lang="ja-JP" altLang="en-US" dirty="0" smtClean="0">
+                <a:solidFill>
+                  <a:schemeClr val="tx1"/>
+                </a:solidFill>
+              </a:rPr>
+              <a:t>は，</a:t>
             </a:r>
             <a:r>
               <a:rPr kumimoji="1" lang="en-US" altLang="ja-JP" dirty="0" smtClean="0">
@@ -19154,12 +19178,20 @@
               <a:t>#)</a:t>
             </a:r>
             <a:r>
-              <a:rPr lang="ja-JP" altLang="en-US" b="1" dirty="0" err="1" smtClean="0">
+              <a:rPr lang="ja-JP" altLang="en-US" dirty="0" err="1">
                 <a:solidFill>
                   <a:schemeClr val="tx1"/>
                 </a:solidFill>
               </a:rPr>
               <a:t>，</a:t>
+            </a:r>
+            <a:r>
+              <a:rPr lang="ja-JP" altLang="en-US" b="1" dirty="0" smtClean="0">
+                <a:solidFill>
+                  <a:schemeClr val="tx1"/>
+                </a:solidFill>
+              </a:rPr>
+              <a:t> </a:t>
             </a:r>
             <a:r>
               <a:rPr lang="en-US" altLang="ja-JP" b="1" dirty="0" smtClean="0">
@@ -19232,8 +19264,8 @@
         </p:nvSpPr>
         <p:spPr>
           <a:xfrm>
-            <a:off x="244152" y="7884368"/>
-            <a:ext cx="6458189" cy="1152128"/>
+            <a:off x="1434131" y="25725163"/>
+            <a:ext cx="17869889" cy="3815224"/>
           </a:xfrm>
           <a:prstGeom prst="rect">
             <a:avLst/>
@@ -19264,9 +19296,17 @@
           </a:fontRef>
         </p:style>
         <p:txBody>
-          <a:bodyPr rtlCol="0" anchor="t"/>
+          <a:bodyPr lIns="295232" tIns="147616" rIns="295232" bIns="147616" rtlCol="0" anchor="t"/>
           <a:lstStyle/>
           <a:p>
+            <a:r>
+              <a:rPr kumimoji="1" lang="ja-JP" altLang="en-US" dirty="0" smtClean="0">
+                <a:solidFill>
+                  <a:schemeClr val="tx1"/>
+                </a:solidFill>
+              </a:rPr>
+              <a:t>・</a:t>
+            </a:r>
             <a:r>
               <a:rPr kumimoji="1" lang="en-US" altLang="ja-JP" dirty="0" smtClean="0">
                 <a:solidFill>
@@ -19307,7 +19347,15 @@
           </a:p>
           <a:p>
             <a:r>
-              <a:rPr lang="en-US" altLang="ja-JP" dirty="0">
+              <a:rPr lang="ja-JP" altLang="en-US" dirty="0" smtClean="0">
+                <a:solidFill>
+                  <a:schemeClr val="tx1"/>
+                </a:solidFill>
+              </a:rPr>
+              <a:t>・</a:t>
+            </a:r>
+            <a:r>
+              <a:rPr lang="en-US" altLang="ja-JP" dirty="0" smtClean="0">
                 <a:solidFill>
                   <a:schemeClr val="tx1"/>
                 </a:solidFill>
@@ -19339,16 +19387,16 @@
       </p:sp>
       <p:grpSp>
         <p:nvGrpSpPr>
-          <p:cNvPr id="5" name="グループ化 4"/>
+          <p:cNvPr id="13" name="グループ化 12"/>
           <p:cNvGrpSpPr/>
           <p:nvPr/>
         </p:nvGrpSpPr>
         <p:grpSpPr>
           <a:xfrm>
-            <a:off x="119918" y="931321"/>
-            <a:ext cx="6706658" cy="4027011"/>
-            <a:chOff x="40931" y="744886"/>
-            <a:chExt cx="6706658" cy="4027011"/>
+            <a:off x="840729" y="3194087"/>
+            <a:ext cx="19776487" cy="13568124"/>
+            <a:chOff x="840729" y="3194087"/>
+            <a:chExt cx="19776487" cy="13568124"/>
           </a:xfrm>
         </p:grpSpPr>
         <p:sp>
@@ -19359,8 +19407,8 @@
           </p:nvSpPr>
           <p:spPr>
             <a:xfrm>
-              <a:off x="2878120" y="1677724"/>
-              <a:ext cx="3864256" cy="1224136"/>
+              <a:off x="9688555" y="6283141"/>
+              <a:ext cx="10912404" cy="4053675"/>
             </a:xfrm>
             <a:prstGeom prst="ellipse">
               <a:avLst/>
@@ -19395,7 +19443,7 @@
             <a:lstStyle/>
             <a:p>
               <a:pPr algn="ctr"/>
-              <a:endParaRPr lang="en-US" altLang="ja-JP" sz="1400" b="1" dirty="0">
+              <a:endParaRPr lang="en-US" altLang="ja-JP" sz="4500" b="1" dirty="0">
                 <a:solidFill>
                   <a:schemeClr val="tx1"/>
                 </a:solidFill>
@@ -19419,18 +19467,7 @@
             </a:p>
             <a:p>
               <a:pPr algn="ctr"/>
-              <a:r>
-                <a:rPr lang="ja-JP" altLang="ja-JP" sz="1400" dirty="0">
-                  <a:solidFill>
-                    <a:schemeClr val="tx1"/>
-                  </a:solidFill>
-                </a:rPr>
-                <a:t>多くの協力者に参加してもらう事により品質の向上</a:t>
-              </a:r>
-            </a:p>
-            <a:p>
-              <a:pPr algn="ctr"/>
-              <a:endParaRPr kumimoji="1" lang="en-US" altLang="ja-JP" sz="1400" dirty="0" smtClean="0">
+              <a:endParaRPr lang="en-US" altLang="ja-JP" sz="4500" dirty="0">
                 <a:solidFill>
                   <a:schemeClr val="tx1"/>
                 </a:solidFill>
@@ -19446,8 +19483,8 @@
           </p:nvSpPr>
           <p:spPr>
             <a:xfrm>
-              <a:off x="63096" y="744886"/>
-              <a:ext cx="3864256" cy="1224136"/>
+              <a:off x="909851" y="3194087"/>
+              <a:ext cx="10912404" cy="4053675"/>
             </a:xfrm>
             <a:prstGeom prst="ellipse">
               <a:avLst/>
@@ -19482,7 +19519,7 @@
             <a:lstStyle/>
             <a:p>
               <a:pPr algn="ctr"/>
-              <a:endParaRPr lang="en-US" altLang="ja-JP" sz="1400" b="1" dirty="0">
+              <a:endParaRPr lang="en-US" altLang="ja-JP" sz="4500" b="1" dirty="0">
                 <a:solidFill>
                   <a:schemeClr val="tx1"/>
                 </a:solidFill>
@@ -19490,7 +19527,7 @@
             </a:p>
             <a:p>
               <a:pPr algn="ctr"/>
-              <a:endParaRPr kumimoji="1" lang="en-US" altLang="ja-JP" sz="1400" b="1" dirty="0" smtClean="0">
+              <a:endParaRPr lang="en-US" altLang="ja-JP" sz="4500" b="1" dirty="0">
                 <a:solidFill>
                   <a:schemeClr val="tx1"/>
                 </a:solidFill>
@@ -19498,47 +19535,7 @@
             </a:p>
             <a:p>
               <a:pPr algn="ctr"/>
-              <a:endParaRPr kumimoji="1" lang="en-US" altLang="ja-JP" sz="1400" b="1" dirty="0" smtClean="0">
-                <a:solidFill>
-                  <a:schemeClr val="tx1"/>
-                </a:solidFill>
-              </a:endParaRPr>
-            </a:p>
-            <a:p>
-              <a:pPr algn="ctr"/>
-              <a:r>
-                <a:rPr lang="ja-JP" altLang="ja-JP" sz="1400" dirty="0">
-                  <a:solidFill>
-                    <a:schemeClr val="tx1"/>
-                  </a:solidFill>
-                </a:rPr>
-                <a:t>類似したプロジェクトなどを参考にすることで</a:t>
-              </a:r>
-              <a:r>
-                <a:rPr lang="ja-JP" altLang="ja-JP" sz="1400" dirty="0" smtClean="0">
-                  <a:solidFill>
-                    <a:schemeClr val="tx1"/>
-                  </a:solidFill>
-                </a:rPr>
-                <a:t>コス</a:t>
-              </a:r>
-              <a:r>
-                <a:rPr lang="ja-JP" altLang="en-US" sz="1400" dirty="0" smtClean="0">
-                  <a:solidFill>
-                    <a:schemeClr val="tx1"/>
-                  </a:solidFill>
-                </a:rPr>
-                <a:t>ト</a:t>
-              </a:r>
-              <a:r>
-                <a:rPr lang="ja-JP" altLang="ja-JP" sz="1400" dirty="0" smtClean="0">
-                  <a:solidFill>
-                    <a:schemeClr val="tx1"/>
-                  </a:solidFill>
-                </a:rPr>
-                <a:t>ダウン</a:t>
-              </a:r>
-              <a:endParaRPr kumimoji="1" lang="ja-JP" altLang="en-US" sz="1400" dirty="0">
+              <a:endParaRPr lang="en-US" altLang="ja-JP" sz="4500" b="1" dirty="0">
                 <a:solidFill>
                   <a:schemeClr val="tx1"/>
                 </a:solidFill>
@@ -19554,8 +19551,8 @@
           </p:nvSpPr>
           <p:spPr>
             <a:xfrm>
-              <a:off x="40931" y="2627784"/>
-              <a:ext cx="3864256" cy="1224136"/>
+              <a:off x="840729" y="9057355"/>
+              <a:ext cx="10912404" cy="4928377"/>
             </a:xfrm>
             <a:prstGeom prst="ellipse">
               <a:avLst/>
@@ -19590,7 +19587,7 @@
             <a:lstStyle/>
             <a:p>
               <a:pPr algn="ctr"/>
-              <a:endParaRPr lang="en-US" altLang="ja-JP" sz="1400" b="1" dirty="0">
+              <a:endParaRPr lang="en-US" altLang="ja-JP" sz="4500" b="1" dirty="0">
                 <a:solidFill>
                   <a:schemeClr val="tx1"/>
                 </a:solidFill>
@@ -19598,7 +19595,7 @@
             </a:p>
             <a:p>
               <a:pPr algn="ctr"/>
-              <a:endParaRPr lang="en-US" altLang="ja-JP" sz="1400" b="1" dirty="0" smtClean="0">
+              <a:endParaRPr lang="en-US" altLang="ja-JP" sz="4500" b="1" dirty="0">
                 <a:solidFill>
                   <a:schemeClr val="tx1"/>
                 </a:solidFill>
@@ -19614,47 +19611,7 @@
             </a:p>
             <a:p>
               <a:pPr algn="ctr"/>
-              <a:r>
-                <a:rPr lang="en-US" altLang="ja-JP" sz="1400" dirty="0">
-                  <a:solidFill>
-                    <a:schemeClr val="tx1"/>
-                  </a:solidFill>
-                </a:rPr>
-                <a:t>URL</a:t>
-              </a:r>
-              <a:r>
-                <a:rPr lang="ja-JP" altLang="ja-JP" sz="1400" dirty="0">
-                  <a:solidFill>
-                    <a:schemeClr val="tx1"/>
-                  </a:solidFill>
-                </a:rPr>
-                <a:t>やリンクなどを使って表現の意味などを共通し</a:t>
-              </a:r>
-              <a:r>
-                <a:rPr lang="ja-JP" altLang="en-US" sz="1400" dirty="0">
-                  <a:solidFill>
-                    <a:schemeClr val="tx1"/>
-                  </a:solidFill>
-                </a:rPr>
-                <a:t>た</a:t>
-              </a:r>
-              <a:r>
-                <a:rPr lang="ja-JP" altLang="ja-JP" sz="1400" dirty="0">
-                  <a:solidFill>
-                    <a:schemeClr val="tx1"/>
-                  </a:solidFill>
-                </a:rPr>
-                <a:t>理解を持てる</a:t>
-              </a:r>
-              <a:endParaRPr lang="en-US" altLang="ja-JP" sz="1400" dirty="0">
-                <a:solidFill>
-                  <a:schemeClr val="tx1"/>
-                </a:solidFill>
-              </a:endParaRPr>
-            </a:p>
-            <a:p>
-              <a:pPr algn="ctr"/>
-              <a:endParaRPr kumimoji="1" lang="en-US" altLang="ja-JP" sz="1400" dirty="0" smtClean="0">
+              <a:endParaRPr lang="en-US" altLang="ja-JP" sz="4500" dirty="0">
                 <a:solidFill>
                   <a:schemeClr val="tx1"/>
                 </a:solidFill>
@@ -19670,8 +19627,8 @@
           </p:nvSpPr>
           <p:spPr>
             <a:xfrm>
-              <a:off x="2883333" y="3547761"/>
-              <a:ext cx="3864256" cy="1224136"/>
+              <a:off x="9704812" y="12475691"/>
+              <a:ext cx="10912404" cy="4286520"/>
             </a:xfrm>
             <a:prstGeom prst="ellipse">
               <a:avLst/>
@@ -19706,7 +19663,7 @@
             <a:lstStyle/>
             <a:p>
               <a:pPr algn="ctr"/>
-              <a:endParaRPr lang="en-US" altLang="ja-JP" sz="1400" b="1" dirty="0">
+              <a:endParaRPr lang="en-US" altLang="ja-JP" sz="4500" b="1" dirty="0">
                 <a:solidFill>
                   <a:schemeClr val="tx1"/>
                 </a:solidFill>
@@ -19714,7 +19671,7 @@
             </a:p>
             <a:p>
               <a:pPr algn="ctr"/>
-              <a:endParaRPr lang="en-US" altLang="ja-JP" sz="1400" b="1" dirty="0" smtClean="0">
+              <a:endParaRPr lang="en-US" altLang="ja-JP" sz="4500" b="1" dirty="0">
                 <a:solidFill>
                   <a:schemeClr val="tx1"/>
                 </a:solidFill>
@@ -19722,23 +19679,7 @@
             </a:p>
             <a:p>
               <a:pPr algn="ctr"/>
-              <a:endParaRPr lang="en-US" altLang="ja-JP" sz="1400" b="1" dirty="0" smtClean="0">
-                <a:solidFill>
-                  <a:schemeClr val="tx1"/>
-                </a:solidFill>
-              </a:endParaRPr>
-            </a:p>
-            <a:p>
-              <a:pPr algn="ctr"/>
-              <a:r>
-                <a:rPr lang="ja-JP" altLang="ja-JP" sz="1400" dirty="0">
-                  <a:solidFill>
-                    <a:schemeClr val="tx1"/>
-                  </a:solidFill>
-                </a:rPr>
-                <a:t>顧客が何を欲しているのか情報を通じて理解できる</a:t>
-              </a:r>
-              <a:endParaRPr kumimoji="1" lang="ja-JP" altLang="en-US" sz="1400" dirty="0">
+              <a:endParaRPr lang="en-US" altLang="ja-JP" sz="4500" b="1" dirty="0">
                 <a:solidFill>
                   <a:schemeClr val="tx1"/>
                 </a:solidFill>
@@ -19754,8 +19695,8 @@
           </p:nvSpPr>
           <p:spPr>
             <a:xfrm>
-              <a:off x="898264" y="974512"/>
-              <a:ext cx="1984932" cy="288032"/>
+              <a:off x="2879691" y="3762723"/>
+              <a:ext cx="7107444" cy="953806"/>
             </a:xfrm>
             <a:prstGeom prst="rect">
               <a:avLst/>
@@ -19789,14 +19730,14 @@
             <a:p>
               <a:pPr algn="ctr"/>
               <a:r>
-                <a:rPr kumimoji="1" lang="ja-JP" altLang="en-US" b="1" dirty="0" smtClean="0">
+                <a:rPr kumimoji="1" lang="ja-JP" altLang="en-US" sz="4800" b="1" dirty="0" smtClean="0">
                   <a:solidFill>
                     <a:schemeClr val="tx1"/>
                   </a:solidFill>
                 </a:rPr>
                 <a:t>コスト・マネジメント</a:t>
               </a:r>
-              <a:endParaRPr kumimoji="1" lang="ja-JP" altLang="en-US" b="1" dirty="0">
+              <a:endParaRPr kumimoji="1" lang="ja-JP" altLang="en-US" sz="4800" b="1" dirty="0">
                 <a:solidFill>
                   <a:schemeClr val="tx1"/>
                 </a:solidFill>
@@ -19806,199 +19747,235 @@
         </p:sp>
         <p:sp>
           <p:nvSpPr>
-            <p:cNvPr id="30" name="正方形/長方形 29"/>
-            <p:cNvSpPr/>
+            <p:cNvPr id="3" name="テキスト ボックス 2"/>
+            <p:cNvSpPr txBox="1"/>
             <p:nvPr/>
           </p:nvSpPr>
           <p:spPr>
             <a:xfrm>
-              <a:off x="3856398" y="3715734"/>
-              <a:ext cx="1984932" cy="288032"/>
+              <a:off x="2448713" y="5220924"/>
+              <a:ext cx="8352927" cy="1323439"/>
             </a:xfrm>
             <a:prstGeom prst="rect">
               <a:avLst/>
             </a:prstGeom>
-            <a:solidFill>
-              <a:srgbClr val="FFFF00"/>
-            </a:solidFill>
-            <a:ln>
-              <a:noFill/>
-            </a:ln>
+            <a:noFill/>
           </p:spPr>
-          <p:style>
-            <a:lnRef idx="2">
-              <a:schemeClr val="accent1">
-                <a:shade val="50000"/>
-              </a:schemeClr>
-            </a:lnRef>
-            <a:fillRef idx="1">
-              <a:schemeClr val="accent1"/>
-            </a:fillRef>
-            <a:effectRef idx="0">
-              <a:schemeClr val="accent1"/>
-            </a:effectRef>
-            <a:fontRef idx="minor">
-              <a:schemeClr val="lt1"/>
-            </a:fontRef>
-          </p:style>
           <p:txBody>
-            <a:bodyPr rtlCol="0" anchor="ctr"/>
+            <a:bodyPr wrap="square" rtlCol="0">
+              <a:spAutoFit/>
+            </a:bodyPr>
             <a:lstStyle/>
             <a:p>
               <a:pPr algn="ctr"/>
               <a:r>
-                <a:rPr lang="ja-JP" altLang="en-US" b="1" dirty="0">
-                  <a:solidFill>
-                    <a:schemeClr val="tx1"/>
-                  </a:solidFill>
-                </a:rPr>
-                <a:t>調達</a:t>
+                <a:rPr lang="ja-JP" altLang="ja-JP" sz="4000" dirty="0"/>
+                <a:t>類似したプロジェクトなどを参考にすることでコス</a:t>
               </a:r>
               <a:r>
-                <a:rPr kumimoji="1" lang="ja-JP" altLang="en-US" b="1" dirty="0" smtClean="0">
-                  <a:solidFill>
-                    <a:schemeClr val="tx1"/>
-                  </a:solidFill>
-                </a:rPr>
-                <a:t>マネジメント</a:t>
+                <a:rPr lang="ja-JP" altLang="en-US" sz="4000" dirty="0"/>
+                <a:t>ト</a:t>
               </a:r>
-              <a:endParaRPr kumimoji="1" lang="ja-JP" altLang="en-US" b="1" dirty="0">
-                <a:solidFill>
-                  <a:schemeClr val="tx1"/>
-                </a:solidFill>
-              </a:endParaRPr>
+              <a:r>
+                <a:rPr lang="ja-JP" altLang="ja-JP" sz="4000" dirty="0"/>
+                <a:t>ダウン</a:t>
+              </a:r>
+              <a:endParaRPr lang="ja-JP" altLang="en-US" sz="4000" dirty="0"/>
             </a:p>
           </p:txBody>
         </p:sp>
         <p:sp>
           <p:nvSpPr>
-            <p:cNvPr id="31" name="正方形/長方形 30"/>
-            <p:cNvSpPr/>
+            <p:cNvPr id="6" name="テキスト ボックス 5"/>
+            <p:cNvSpPr txBox="1"/>
             <p:nvPr/>
           </p:nvSpPr>
           <p:spPr>
             <a:xfrm>
-              <a:off x="390073" y="2901860"/>
-              <a:ext cx="3165969" cy="288032"/>
+              <a:off x="11224941" y="8515251"/>
+              <a:ext cx="7872145" cy="1323439"/>
             </a:xfrm>
             <a:prstGeom prst="rect">
               <a:avLst/>
             </a:prstGeom>
-            <a:solidFill>
-              <a:srgbClr val="FFFF00"/>
-            </a:solidFill>
-            <a:ln>
-              <a:noFill/>
-            </a:ln>
+            <a:noFill/>
           </p:spPr>
-          <p:style>
-            <a:lnRef idx="2">
-              <a:schemeClr val="accent1">
-                <a:shade val="50000"/>
-              </a:schemeClr>
-            </a:lnRef>
-            <a:fillRef idx="1">
-              <a:schemeClr val="accent1"/>
-            </a:fillRef>
-            <a:effectRef idx="0">
-              <a:schemeClr val="accent1"/>
-            </a:effectRef>
-            <a:fontRef idx="minor">
-              <a:schemeClr val="lt1"/>
-            </a:fontRef>
-          </p:style>
           <p:txBody>
-            <a:bodyPr rtlCol="0" anchor="ctr"/>
+            <a:bodyPr wrap="square" rtlCol="0">
+              <a:spAutoFit/>
+            </a:bodyPr>
             <a:lstStyle/>
             <a:p>
               <a:pPr algn="ctr"/>
               <a:r>
-                <a:rPr lang="ja-JP" altLang="en-US" b="1" dirty="0">
-                  <a:solidFill>
-                    <a:schemeClr val="tx1"/>
-                  </a:solidFill>
-                </a:rPr>
-                <a:t>コミュニケーション</a:t>
+                <a:rPr lang="ja-JP" altLang="ja-JP" sz="4000" dirty="0"/>
+                <a:t>多くの協力者に参加してもらう事により品質の向上</a:t>
               </a:r>
-              <a:r>
-                <a:rPr kumimoji="1" lang="ja-JP" altLang="en-US" b="1" dirty="0" smtClean="0">
-                  <a:solidFill>
-                    <a:schemeClr val="tx1"/>
-                  </a:solidFill>
-                </a:rPr>
-                <a:t>・マネジメント</a:t>
-              </a:r>
-              <a:endParaRPr kumimoji="1" lang="ja-JP" altLang="en-US" b="1" dirty="0">
-                <a:solidFill>
-                  <a:schemeClr val="tx1"/>
-                </a:solidFill>
-              </a:endParaRPr>
+              <a:endParaRPr lang="ja-JP" altLang="ja-JP" sz="4000" dirty="0"/>
             </a:p>
           </p:txBody>
         </p:sp>
         <p:sp>
           <p:nvSpPr>
-            <p:cNvPr id="33" name="正方形/長方形 32"/>
-            <p:cNvSpPr/>
+            <p:cNvPr id="7" name="テキスト ボックス 6"/>
+            <p:cNvSpPr txBox="1"/>
             <p:nvPr/>
           </p:nvSpPr>
           <p:spPr>
             <a:xfrm>
-              <a:off x="3784224" y="1821628"/>
-              <a:ext cx="1984932" cy="288032"/>
+              <a:off x="2533382" y="11813971"/>
+              <a:ext cx="7924009" cy="1323439"/>
             </a:xfrm>
             <a:prstGeom prst="rect">
               <a:avLst/>
             </a:prstGeom>
-            <a:solidFill>
-              <a:srgbClr val="FFFF00"/>
-            </a:solidFill>
-            <a:ln>
-              <a:noFill/>
-            </a:ln>
+            <a:noFill/>
           </p:spPr>
-          <p:style>
-            <a:lnRef idx="2">
-              <a:schemeClr val="accent1">
-                <a:shade val="50000"/>
-              </a:schemeClr>
-            </a:lnRef>
-            <a:fillRef idx="1">
-              <a:schemeClr val="accent1"/>
-            </a:fillRef>
-            <a:effectRef idx="0">
-              <a:schemeClr val="accent1"/>
-            </a:effectRef>
-            <a:fontRef idx="minor">
-              <a:schemeClr val="lt1"/>
-            </a:fontRef>
-          </p:style>
           <p:txBody>
-            <a:bodyPr rtlCol="0" anchor="ctr"/>
+            <a:bodyPr wrap="square" rtlCol="0">
+              <a:spAutoFit/>
+            </a:bodyPr>
             <a:lstStyle/>
             <a:p>
               <a:pPr algn="ctr"/>
               <a:r>
-                <a:rPr lang="ja-JP" altLang="en-US" b="1" dirty="0">
-                  <a:solidFill>
-                    <a:schemeClr val="tx1"/>
-                  </a:solidFill>
-                </a:rPr>
-                <a:t>品質</a:t>
+                <a:rPr lang="en-US" altLang="ja-JP" sz="4000" dirty="0"/>
+                <a:t>URL</a:t>
               </a:r>
               <a:r>
-                <a:rPr kumimoji="1" lang="ja-JP" altLang="en-US" b="1" dirty="0" smtClean="0">
-                  <a:solidFill>
-                    <a:schemeClr val="tx1"/>
-                  </a:solidFill>
-                </a:rPr>
-                <a:t>マネジメント</a:t>
+                <a:rPr lang="ja-JP" altLang="ja-JP" sz="4000" dirty="0"/>
+                <a:t>やリンクなどを使って表現の意味などを共通し</a:t>
               </a:r>
-              <a:endParaRPr kumimoji="1" lang="ja-JP" altLang="en-US" b="1" dirty="0">
-                <a:solidFill>
-                  <a:schemeClr val="tx1"/>
-                </a:solidFill>
-              </a:endParaRPr>
+              <a:r>
+                <a:rPr lang="ja-JP" altLang="en-US" sz="4000" dirty="0"/>
+                <a:t>た</a:t>
+              </a:r>
+              <a:r>
+                <a:rPr lang="ja-JP" altLang="ja-JP" sz="4000" dirty="0"/>
+                <a:t>理解を持てる</a:t>
+              </a:r>
+              <a:endParaRPr lang="en-US" altLang="ja-JP" sz="4000" dirty="0"/>
+            </a:p>
+          </p:txBody>
+        </p:sp>
+        <p:sp>
+          <p:nvSpPr>
+            <p:cNvPr id="8" name="テキスト ボックス 7"/>
+            <p:cNvSpPr txBox="1"/>
+            <p:nvPr/>
+          </p:nvSpPr>
+          <p:spPr>
+            <a:xfrm>
+              <a:off x="12013437" y="14923963"/>
+              <a:ext cx="6757611" cy="1323439"/>
+            </a:xfrm>
+            <a:prstGeom prst="rect">
+              <a:avLst/>
+            </a:prstGeom>
+            <a:noFill/>
+          </p:spPr>
+          <p:txBody>
+            <a:bodyPr wrap="square" rtlCol="0">
+              <a:spAutoFit/>
+            </a:bodyPr>
+            <a:lstStyle/>
+            <a:p>
+              <a:pPr algn="ctr"/>
+              <a:r>
+                <a:rPr lang="ja-JP" altLang="ja-JP" sz="4000" dirty="0"/>
+                <a:t>顧客が何を欲しているのか情報を通じて理解できる</a:t>
+              </a:r>
+              <a:endParaRPr lang="ja-JP" altLang="en-US" sz="4000" dirty="0"/>
+            </a:p>
+          </p:txBody>
+        </p:sp>
+        <p:sp>
+          <p:nvSpPr>
+            <p:cNvPr id="10" name="テキスト ボックス 9"/>
+            <p:cNvSpPr txBox="1"/>
+            <p:nvPr/>
+          </p:nvSpPr>
+          <p:spPr>
+            <a:xfrm>
+              <a:off x="12828021" y="13123763"/>
+              <a:ext cx="5144002" cy="830997"/>
+            </a:xfrm>
+            <a:prstGeom prst="rect">
+              <a:avLst/>
+            </a:prstGeom>
+            <a:noFill/>
+          </p:spPr>
+          <p:txBody>
+            <a:bodyPr wrap="square" rtlCol="0">
+              <a:spAutoFit/>
+            </a:bodyPr>
+            <a:lstStyle/>
+            <a:p>
+              <a:r>
+                <a:rPr kumimoji="1" lang="ja-JP" altLang="en-US" sz="4800" b="1" dirty="0" smtClean="0"/>
+                <a:t>調達マネジメント</a:t>
+              </a:r>
+              <a:endParaRPr kumimoji="1" lang="ja-JP" altLang="en-US" sz="4800" b="1" dirty="0"/>
+            </a:p>
+          </p:txBody>
+        </p:sp>
+        <p:sp>
+          <p:nvSpPr>
+            <p:cNvPr id="11" name="テキスト ボックス 10"/>
+            <p:cNvSpPr txBox="1"/>
+            <p:nvPr/>
+          </p:nvSpPr>
+          <p:spPr>
+            <a:xfrm>
+              <a:off x="1236447" y="10336816"/>
+              <a:ext cx="10259211" cy="830997"/>
+            </a:xfrm>
+            <a:prstGeom prst="rect">
+              <a:avLst/>
+            </a:prstGeom>
+            <a:noFill/>
+          </p:spPr>
+          <p:txBody>
+            <a:bodyPr wrap="square" rtlCol="0">
+              <a:spAutoFit/>
+            </a:bodyPr>
+            <a:lstStyle/>
+            <a:p>
+              <a:r>
+                <a:rPr kumimoji="1" lang="ja-JP" altLang="en-US" sz="4800" b="1" dirty="0" smtClean="0"/>
+                <a:t>コミュニケーション・マネジメント</a:t>
+              </a:r>
+              <a:endParaRPr kumimoji="1" lang="ja-JP" altLang="en-US" sz="4800" b="1" dirty="0"/>
+            </a:p>
+          </p:txBody>
+        </p:sp>
+        <p:sp>
+          <p:nvSpPr>
+            <p:cNvPr id="12" name="テキスト ボックス 11"/>
+            <p:cNvSpPr txBox="1"/>
+            <p:nvPr/>
+          </p:nvSpPr>
+          <p:spPr>
+            <a:xfrm>
+              <a:off x="12323958" y="6832263"/>
+              <a:ext cx="5641597" cy="830997"/>
+            </a:xfrm>
+            <a:prstGeom prst="rect">
+              <a:avLst/>
+            </a:prstGeom>
+            <a:noFill/>
+          </p:spPr>
+          <p:txBody>
+            <a:bodyPr wrap="square" rtlCol="0">
+              <a:spAutoFit/>
+            </a:bodyPr>
+            <a:lstStyle/>
+            <a:p>
+              <a:r>
+                <a:rPr kumimoji="1" lang="ja-JP" altLang="en-US" sz="4800" b="1" dirty="0" smtClean="0"/>
+                <a:t>品質マネジメント</a:t>
+              </a:r>
+              <a:endParaRPr kumimoji="1" lang="ja-JP" altLang="en-US" sz="4800" b="1" dirty="0"/>
             </a:p>
           </p:txBody>
         </p:sp>
@@ -20006,7 +19983,7 @@
     </p:spTree>
     <p:extLst>
       <p:ext uri="{BB962C8B-B14F-4D97-AF65-F5344CB8AC3E}">
-        <p14:creationId xmlns:p14="http://schemas.microsoft.com/office/powerpoint/2010/main" val="3734641489"/>
+        <p14:creationId xmlns:p14="http://schemas.microsoft.com/office/powerpoint/2010/main" val="764223897"/>
       </p:ext>
     </p:extLst>
   </p:cSld>
@@ -20021,12 +19998,6 @@
     </p:tnLst>
   </p:timing>
 </p:sld>
-</file>
-
-<file path=ppt/tags/tag1.xml><?xml version="1.0" encoding="utf-8"?>
-<p:tagLst xmlns:a="http://schemas.openxmlformats.org/drawingml/2006/main" xmlns:r="http://schemas.openxmlformats.org/officeDocument/2006/relationships" xmlns:p="http://schemas.openxmlformats.org/presentationml/2006/main">
-  <p:tag name="TAG" val="6d89bb2a-4450-43fc-9411-d137bcd99cec"/>
-</p:tagLst>
 </file>
 
 <file path=ppt/theme/theme1.xml><?xml version="1.0" encoding="utf-8"?>
@@ -20070,54 +20041,15 @@
         <a:srgbClr val="800080"/>
       </a:folHlink>
     </a:clrScheme>
-    <a:fontScheme name="アース">
+    <a:fontScheme name="みやび">
       <a:majorFont>
-        <a:latin typeface="Bookman Old Style"/>
+        <a:latin typeface="Calibri"/>
         <a:ea typeface=""/>
         <a:cs typeface=""/>
-        <a:font script="Grek" typeface="Cambria"/>
-        <a:font script="Cyrl" typeface="Cambria"/>
-        <a:font script="Jpan" typeface="HG明朝E"/>
-        <a:font script="Hang" typeface="돋움"/>
+        <a:font script="Jpan" typeface="HGｺﾞｼｯｸE"/>
+        <a:font script="Hang" typeface="맑은 고딕"/>
         <a:font script="Hans" typeface="宋体"/>
-        <a:font script="Hant" typeface="標楷體"/>
-        <a:font script="Arab" typeface="Times New Roman"/>
-        <a:font script="Hebr" typeface="Times New Roman"/>
-        <a:font script="Thai" typeface="Browallia New"/>
-        <a:font script="Ethi" typeface="Nyala"/>
-        <a:font script="Beng" typeface="Vrinda"/>
-        <a:font script="Gujr" typeface="Shruti"/>
-        <a:font script="Khmr" typeface="MoolBoran"/>
-        <a:font script="Knda" typeface="Tunga"/>
-        <a:font script="Guru" typeface="Raavi"/>
-        <a:font script="Cans" typeface="Euphemia"/>
-        <a:font script="Cher" typeface="Plantagenet Cherokee"/>
-        <a:font script="Yiii" typeface="Microsoft Yi Baiti"/>
-        <a:font script="Tibt" typeface="Microsoft Himalaya"/>
-        <a:font script="Thaa" typeface="MV Boli"/>
-        <a:font script="Deva" typeface="Mangal"/>
-        <a:font script="Telu" typeface="Gautami"/>
-        <a:font script="Taml" typeface="Latha"/>
-        <a:font script="Syrc" typeface="Estrangelo Edessa"/>
-        <a:font script="Orya" typeface="Kalinga"/>
-        <a:font script="Mlym" typeface="Kartika"/>
-        <a:font script="Laoo" typeface="DokChampa"/>
-        <a:font script="Sinh" typeface="Iskoola Pota"/>
-        <a:font script="Mong" typeface="Mongolian Baiti"/>
-        <a:font script="Viet" typeface="Times New Roman"/>
-        <a:font script="Uigh" typeface="Microsoft Uighur"/>
-        <a:font script="Geor" typeface="Sylfaen"/>
-      </a:majorFont>
-      <a:minorFont>
-        <a:latin typeface="Gill Sans MT"/>
-        <a:ea typeface=""/>
-        <a:cs typeface=""/>
-        <a:font script="Grek" typeface="Calibri"/>
-        <a:font script="Cyrl" typeface="Calibri"/>
-        <a:font script="Jpan" typeface="ＭＳ Ｐゴシック"/>
-        <a:font script="Hang" typeface="맑은 고딕"/>
-        <a:font script="Hans" typeface="华文新魏"/>
-        <a:font script="Hant" typeface="新細明體"/>
+        <a:font script="Hant" typeface="微軟正黑體"/>
         <a:font script="Arab" typeface="Arial"/>
         <a:font script="Hebr" typeface="Arial"/>
         <a:font script="Thai" typeface="Cordia New"/>
@@ -20142,6 +20074,41 @@
         <a:font script="Sinh" typeface="Iskoola Pota"/>
         <a:font script="Mong" typeface="Mongolian Baiti"/>
         <a:font script="Viet" typeface="Arial"/>
+        <a:font script="Uigh" typeface="Microsoft Uighur"/>
+        <a:font script="Geor" typeface="Sylfaen"/>
+      </a:majorFont>
+      <a:minorFont>
+        <a:latin typeface="Corbel"/>
+        <a:ea typeface=""/>
+        <a:cs typeface=""/>
+        <a:font script="Jpan" typeface="ＭＳ ゴシック"/>
+        <a:font script="Hang" typeface="맑은 고딕"/>
+        <a:font script="Hans" typeface="黑体"/>
+        <a:font script="Hant" typeface="微軟正黑體"/>
+        <a:font script="Arab" typeface="Tahoma"/>
+        <a:font script="Hebr" typeface="Tahoma"/>
+        <a:font script="Thai" typeface="Cordia New"/>
+        <a:font script="Ethi" typeface="Nyala"/>
+        <a:font script="Beng" typeface="Vrinda"/>
+        <a:font script="Gujr" typeface="Shruti"/>
+        <a:font script="Khmr" typeface="MoolBoran"/>
+        <a:font script="Knda" typeface="Tunga"/>
+        <a:font script="Guru" typeface="Raavi"/>
+        <a:font script="Cans" typeface="Euphemia"/>
+        <a:font script="Cher" typeface="Plantagenet Cherokee"/>
+        <a:font script="Yiii" typeface="Microsoft Yi Baiti"/>
+        <a:font script="Tibt" typeface="Microsoft Himalaya"/>
+        <a:font script="Thaa" typeface="MV Boli"/>
+        <a:font script="Deva" typeface="Mangal"/>
+        <a:font script="Telu" typeface="Gautami"/>
+        <a:font script="Taml" typeface="Latha"/>
+        <a:font script="Syrc" typeface="Estrangelo Edessa"/>
+        <a:font script="Orya" typeface="Kalinga"/>
+        <a:font script="Mlym" typeface="Kartika"/>
+        <a:font script="Laoo" typeface="DokChampa"/>
+        <a:font script="Sinh" typeface="Iskoola Pota"/>
+        <a:font script="Mong" typeface="Mongolian Baiti"/>
+        <a:font script="Viet" typeface="Tahoma"/>
         <a:font script="Uigh" typeface="Microsoft Uighur"/>
         <a:font script="Geor" typeface="Sylfaen"/>
       </a:minorFont>

--- a/課題研究/2013/曽我勇貴/ポスター.pptx
+++ b/課題研究/2013/曽我勇貴/ポスター.pptx
@@ -17472,7 +17472,7 @@
           <a:p>
             <a:pPr algn="ctr"/>
             <a:r>
-              <a:rPr lang="en-US" altLang="ja-JP" sz="6500" kern="0" dirty="0">
+              <a:rPr lang="en-US" altLang="ja-JP" sz="6500" kern="0" dirty="0" smtClean="0">
                 <a:solidFill>
                   <a:srgbClr val="975C1E"/>
                 </a:solidFill>
@@ -17495,6 +17495,29 @@
               <a:t>Wikipedia</a:t>
             </a:r>
             <a:r>
+              <a:rPr lang="ja-JP" altLang="en-US" sz="6500" kern="0" dirty="0" smtClean="0">
+                <a:solidFill>
+                  <a:srgbClr val="975C1E"/>
+                </a:solidFill>
+                <a:effectLst>
+                  <a:glow rad="101600">
+                    <a:srgbClr val="FFE880">
+                      <a:tint val="20000"/>
+                      <a:alpha val="60000"/>
+                    </a:srgbClr>
+                  </a:glow>
+                  <a:outerShdw blurRad="50800" dist="50800" dir="2700000" algn="tl" rotWithShape="0">
+                    <a:srgbClr val="000000">
+                      <a:alpha val="43137"/>
+                    </a:srgbClr>
+                  </a:outerShdw>
+                </a:effectLst>
+                <a:latin typeface="Bookman Old Style"/>
+                <a:ea typeface="HG明朝E"/>
+              </a:rPr>
+              <a:t>人的資源</a:t>
+            </a:r>
+            <a:r>
               <a:rPr lang="ja-JP" altLang="en-US" sz="6500" kern="0" dirty="0">
                 <a:solidFill>
                   <a:srgbClr val="975C1E"/>
@@ -17515,53 +17538,7 @@
                 <a:latin typeface="Bookman Old Style"/>
                 <a:ea typeface="HG明朝E"/>
               </a:rPr>
-              <a:t>を使用</a:t>
-            </a:r>
-            <a:r>
-              <a:rPr lang="ja-JP" altLang="en-US" sz="6500" kern="0" dirty="0">
-                <a:solidFill>
-                  <a:srgbClr val="975C1E"/>
-                </a:solidFill>
-                <a:effectLst>
-                  <a:glow rad="101600">
-                    <a:srgbClr val="FFE880">
-                      <a:tint val="20000"/>
-                      <a:alpha val="60000"/>
-                    </a:srgbClr>
-                  </a:glow>
-                  <a:outerShdw blurRad="50800" dist="50800" dir="2700000" algn="tl" rotWithShape="0">
-                    <a:srgbClr val="000000">
-                      <a:alpha val="43137"/>
-                    </a:srgbClr>
-                  </a:outerShdw>
-                </a:effectLst>
-                <a:latin typeface="Bookman Old Style"/>
-                <a:ea typeface="HG明朝E"/>
-              </a:rPr>
-              <a:t>したプロジェクトマネジメント</a:t>
-            </a:r>
-            <a:r>
-              <a:rPr lang="ja-JP" altLang="en-US" sz="6500" kern="0" dirty="0">
-                <a:solidFill>
-                  <a:srgbClr val="975C1E"/>
-                </a:solidFill>
-                <a:effectLst>
-                  <a:glow rad="101600">
-                    <a:srgbClr val="FFE880">
-                      <a:tint val="20000"/>
-                      <a:alpha val="60000"/>
-                    </a:srgbClr>
-                  </a:glow>
-                  <a:outerShdw blurRad="50800" dist="50800" dir="2700000" algn="tl" rotWithShape="0">
-                    <a:srgbClr val="000000">
-                      <a:alpha val="43137"/>
-                    </a:srgbClr>
-                  </a:outerShdw>
-                </a:effectLst>
-                <a:latin typeface="Bookman Old Style"/>
-                <a:ea typeface="HG明朝E"/>
-              </a:rPr>
-              <a:t>研究</a:t>
+              <a:t>マイニング</a:t>
             </a:r>
             <a:endParaRPr lang="ja-JP" altLang="en-US" sz="6500" dirty="0"/>
           </a:p>
@@ -17617,11 +17594,6 @@
               </a:rPr>
               <a:t>背景</a:t>
             </a:r>
-            <a:endParaRPr lang="ja-JP" altLang="en-US" sz="6500" dirty="0">
-              <a:solidFill>
-                <a:schemeClr val="tx1"/>
-              </a:solidFill>
-            </a:endParaRPr>
           </a:p>
         </p:txBody>
       </p:sp>
@@ -17659,7 +17631,6 @@
               <a:rPr lang="ja-JP" altLang="en-US" sz="5200" b="1" dirty="0"/>
               <a:t>　曽我勇貴</a:t>
             </a:r>
-            <a:endParaRPr lang="ja-JP" altLang="en-US" sz="5200" b="1" dirty="0"/>
           </a:p>
         </p:txBody>
       </p:sp>
@@ -18086,7 +18057,7 @@
         </p:nvSpPr>
         <p:spPr>
           <a:xfrm>
-            <a:off x="656305" y="18740387"/>
+            <a:off x="1002289" y="13267779"/>
             <a:ext cx="4491166" cy="1669160"/>
           </a:xfrm>
           <a:prstGeom prst="homePlate">
@@ -18136,70 +18107,6 @@
           </a:p>
         </p:txBody>
       </p:sp>
-      <p:pic>
-        <p:nvPicPr>
-          <p:cNvPr id="30" name="Picture 2"/>
-          <p:cNvPicPr>
-            <a:picLocks noChangeAspect="1" noChangeArrowheads="1"/>
-          </p:cNvPicPr>
-          <p:nvPr/>
-        </p:nvPicPr>
-        <p:blipFill>
-          <a:blip r:embed="rId2" cstate="print">
-            <a:extLst>
-              <a:ext uri="{28A0092B-C50C-407E-A947-70E740481C1C}">
-                <a14:useLocalDpi xmlns:a14="http://schemas.microsoft.com/office/drawing/2010/main" val="0"/>
-              </a:ext>
-            </a:extLst>
-          </a:blip>
-          <a:srcRect/>
-          <a:stretch>
-            <a:fillRect/>
-          </a:stretch>
-        </p:blipFill>
-        <p:spPr bwMode="auto">
-          <a:xfrm>
-            <a:off x="6372920" y="12912368"/>
-            <a:ext cx="12901186" cy="5837869"/>
-          </a:xfrm>
-          <a:prstGeom prst="rect">
-            <a:avLst/>
-          </a:prstGeom>
-          <a:noFill/>
-          <a:ln>
-            <a:noFill/>
-          </a:ln>
-          <a:effectLst/>
-          <a:extLst>
-            <a:ext uri="{909E8E84-426E-40DD-AFC4-6F175D3DCCD1}">
-              <a14:hiddenFill xmlns:a14="http://schemas.microsoft.com/office/drawing/2010/main">
-                <a:solidFill>
-                  <a:schemeClr val="accent1"/>
-                </a:solidFill>
-              </a14:hiddenFill>
-            </a:ext>
-            <a:ext uri="{91240B29-F687-4F45-9708-019B960494DF}">
-              <a14:hiddenLine xmlns:a14="http://schemas.microsoft.com/office/drawing/2010/main" w="9525">
-                <a:solidFill>
-                  <a:schemeClr val="tx1"/>
-                </a:solidFill>
-                <a:miter lim="800000"/>
-                <a:headEnd/>
-                <a:tailEnd/>
-              </a14:hiddenLine>
-            </a:ext>
-            <a:ext uri="{AF507438-7753-43E0-B8FC-AC1667EBCBE1}">
-              <a14:hiddenEffects xmlns:a14="http://schemas.microsoft.com/office/drawing/2010/main">
-                <a:effectLst>
-                  <a:outerShdw dist="35921" dir="2700000" algn="ctr" rotWithShape="0">
-                    <a:schemeClr val="bg2"/>
-                  </a:outerShdw>
-                </a:effectLst>
-              </a14:hiddenEffects>
-            </a:ext>
-          </a:extLst>
-        </p:spPr>
-      </p:pic>
       <p:sp>
         <p:nvSpPr>
           <p:cNvPr id="31" name="ホームベース 30"/>
@@ -18208,7 +18115,7 @@
         </p:nvSpPr>
         <p:spPr>
           <a:xfrm>
-            <a:off x="656305" y="23852955"/>
+            <a:off x="1002289" y="20684603"/>
             <a:ext cx="4402294" cy="1811838"/>
           </a:xfrm>
           <a:prstGeom prst="homePlate">
@@ -18248,15 +18155,7 @@
                   <a:schemeClr val="tx1"/>
                 </a:solidFill>
               </a:rPr>
-              <a:t>研究</a:t>
-            </a:r>
-            <a:r>
-              <a:rPr lang="ja-JP" altLang="en-US" sz="6500" dirty="0">
-                <a:solidFill>
-                  <a:schemeClr val="tx1"/>
-                </a:solidFill>
-              </a:rPr>
-              <a:t>方法</a:t>
+              <a:t>研究方法</a:t>
             </a:r>
           </a:p>
         </p:txBody>
@@ -18269,8 +18168,8 @@
         </p:nvSpPr>
         <p:spPr>
           <a:xfrm>
-            <a:off x="656305" y="26085203"/>
-            <a:ext cx="19400515" cy="3528392"/>
+            <a:off x="1038180" y="22700827"/>
+            <a:ext cx="19400515" cy="6480720"/>
           </a:xfrm>
           <a:prstGeom prst="rect">
             <a:avLst/>
@@ -18304,30 +18203,37 @@
           <a:bodyPr lIns="295232" tIns="147616" rIns="295232" bIns="147616" rtlCol="0" anchor="t"/>
           <a:lstStyle/>
           <a:p>
-            <a:r>
-              <a:rPr lang="ja-JP" altLang="en-US" dirty="0" smtClean="0">
+            <a:pPr marL="1143000" indent="-1143000">
+              <a:buFont typeface="+mj-lt"/>
+              <a:buAutoNum type="arabicPeriod"/>
+            </a:pPr>
+            <a:r>
+              <a:rPr kumimoji="1" lang="en-US" altLang="ja-JP" dirty="0" smtClean="0">
                 <a:solidFill>
                   <a:schemeClr val="tx1"/>
                 </a:solidFill>
               </a:rPr>
-              <a:t>・先行</a:t>
-            </a:r>
-            <a:r>
-              <a:rPr lang="ja-JP" altLang="en-US" dirty="0">
+              <a:t>Wikipedia</a:t>
+            </a:r>
+            <a:r>
+              <a:rPr kumimoji="1" lang="ja-JP" altLang="en-US" dirty="0" smtClean="0">
                 <a:solidFill>
                   <a:schemeClr val="tx1"/>
                 </a:solidFill>
               </a:rPr>
-              <a:t>研究と</a:t>
-            </a:r>
-            <a:r>
-              <a:rPr lang="ja-JP" altLang="en-US" dirty="0" smtClean="0">
-                <a:solidFill>
-                  <a:schemeClr val="tx1"/>
-                </a:solidFill>
-              </a:rPr>
-              <a:t>して，</a:t>
-            </a:r>
+              <a:t>の作業履歴データを取得する技術を習得する．</a:t>
+            </a:r>
+            <a:endParaRPr kumimoji="1" lang="en-US" altLang="ja-JP" dirty="0" smtClean="0">
+              <a:solidFill>
+                <a:schemeClr val="tx1"/>
+              </a:solidFill>
+            </a:endParaRPr>
+          </a:p>
+          <a:p>
+            <a:pPr marL="1143000" indent="-1143000">
+              <a:buFont typeface="+mj-lt"/>
+              <a:buAutoNum type="arabicPeriod"/>
+            </a:pPr>
             <a:r>
               <a:rPr lang="en-US" altLang="ja-JP" dirty="0" smtClean="0">
                 <a:solidFill>
@@ -18342,7 +18248,23 @@
                   <a:schemeClr val="tx1"/>
                 </a:solidFill>
               </a:rPr>
-              <a:t>マイニングについて研究．</a:t>
+              <a:t>の作業履歴データを解析し，</a:t>
+            </a:r>
+            <a:r>
+              <a:rPr lang="en-US" altLang="ja-JP" dirty="0" smtClean="0">
+                <a:solidFill>
+                  <a:schemeClr val="tx1"/>
+                </a:solidFill>
+              </a:rPr>
+              <a:t>Wikipedia</a:t>
+            </a:r>
+            <a:r>
+              <a:rPr lang="ja-JP" altLang="en-US" dirty="0" smtClean="0">
+                <a:solidFill>
+                  <a:schemeClr val="tx1"/>
+                </a:solidFill>
+              </a:rPr>
+              <a:t>でどのように人的資源が活用されているかを明らかにする．</a:t>
             </a:r>
             <a:endParaRPr lang="en-US" altLang="ja-JP" dirty="0" smtClean="0">
               <a:solidFill>
@@ -18351,85 +18273,27 @@
             </a:endParaRPr>
           </a:p>
           <a:p>
-            <a:r>
-              <a:rPr lang="ja-JP" altLang="en-US" dirty="0" smtClean="0">
+            <a:pPr marL="1143000" indent="-1143000">
+              <a:buFont typeface="+mj-lt"/>
+              <a:buAutoNum type="arabicPeriod"/>
+            </a:pPr>
+            <a:r>
+              <a:rPr kumimoji="1" lang="ja-JP" altLang="en-US" dirty="0">
                 <a:solidFill>
                   <a:schemeClr val="tx1"/>
                 </a:solidFill>
               </a:rPr>
-              <a:t>・</a:t>
-            </a:r>
-            <a:r>
-              <a:rPr lang="en-US" altLang="ja-JP" dirty="0" smtClean="0">
-                <a:solidFill>
-                  <a:schemeClr val="tx1"/>
-                </a:solidFill>
-              </a:rPr>
-              <a:t>Wikipedia</a:t>
-            </a:r>
-            <a:r>
-              <a:rPr lang="ja-JP" altLang="en-US" dirty="0" smtClean="0">
-                <a:solidFill>
-                  <a:schemeClr val="tx1"/>
-                </a:solidFill>
-              </a:rPr>
-              <a:t>のデータを取得し，データを集める．</a:t>
-            </a:r>
-            <a:endParaRPr lang="en-US" altLang="ja-JP" dirty="0" smtClean="0">
-              <a:solidFill>
-                <a:schemeClr val="tx1"/>
-              </a:solidFill>
-            </a:endParaRPr>
-          </a:p>
-          <a:p>
+              <a:t>オープン</a:t>
+            </a:r>
             <a:r>
               <a:rPr kumimoji="1" lang="ja-JP" altLang="en-US" dirty="0" smtClean="0">
                 <a:solidFill>
                   <a:schemeClr val="tx1"/>
                 </a:solidFill>
               </a:rPr>
-              <a:t>・</a:t>
-            </a:r>
-            <a:r>
-              <a:rPr kumimoji="1" lang="en-US" altLang="ja-JP" dirty="0" smtClean="0">
-                <a:solidFill>
-                  <a:schemeClr val="tx1"/>
-                </a:solidFill>
-              </a:rPr>
-              <a:t>Wikipedia</a:t>
-            </a:r>
-            <a:r>
-              <a:rPr kumimoji="1" lang="ja-JP" altLang="en-US" dirty="0" smtClean="0">
-                <a:solidFill>
-                  <a:schemeClr val="tx1"/>
-                </a:solidFill>
-              </a:rPr>
-              <a:t>の</a:t>
-            </a:r>
-            <a:r>
-              <a:rPr kumimoji="1" lang="en-US" altLang="ja-JP" dirty="0" smtClean="0">
-                <a:solidFill>
-                  <a:schemeClr val="tx1"/>
-                </a:solidFill>
-              </a:rPr>
-              <a:t>API</a:t>
-            </a:r>
-            <a:r>
-              <a:rPr kumimoji="1" lang="ja-JP" altLang="en-US" dirty="0" smtClean="0">
-                <a:solidFill>
-                  <a:schemeClr val="tx1"/>
-                </a:solidFill>
-              </a:rPr>
-              <a:t>にどのようなものがあるかを調査する．</a:t>
+              <a:t>な共同作業プロジェクトにおける人的資源マネジメントのあり方を提案する．</a:t>
             </a:r>
             <a:endParaRPr kumimoji="1" lang="en-US" altLang="ja-JP" dirty="0" smtClean="0">
-              <a:solidFill>
-                <a:schemeClr val="tx1"/>
-              </a:solidFill>
-            </a:endParaRPr>
-          </a:p>
-          <a:p>
-            <a:endParaRPr kumimoji="1" lang="ja-JP" altLang="en-US" dirty="0">
               <a:solidFill>
                 <a:schemeClr val="tx1"/>
               </a:solidFill>
@@ -18567,8 +18431,8 @@
         </p:nvSpPr>
         <p:spPr>
           <a:xfrm>
-            <a:off x="532712" y="10719485"/>
-            <a:ext cx="4418052" cy="2030765"/>
+            <a:off x="532711" y="10719485"/>
+            <a:ext cx="4342797" cy="2030765"/>
           </a:xfrm>
           <a:prstGeom prst="rect">
             <a:avLst/>
@@ -18607,23 +18471,15 @@
                   <a:schemeClr val="tx1"/>
                 </a:solidFill>
               </a:rPr>
-              <a:t>データ収集</a:t>
-            </a:r>
-            <a:endParaRPr kumimoji="1" lang="en-US" altLang="ja-JP" b="1" dirty="0" smtClean="0">
-              <a:solidFill>
-                <a:schemeClr val="tx1"/>
-              </a:solidFill>
-            </a:endParaRPr>
-          </a:p>
-          <a:p>
-            <a:pPr algn="ctr"/>
+              <a:t>データ</a:t>
+            </a:r>
             <a:r>
               <a:rPr lang="ja-JP" altLang="en-US" b="1" dirty="0" smtClean="0">
                 <a:solidFill>
                   <a:schemeClr val="tx1"/>
                 </a:solidFill>
               </a:rPr>
-              <a:t>データ</a:t>
+              <a:t>収集，</a:t>
             </a:r>
             <a:r>
               <a:rPr kumimoji="1" lang="ja-JP" altLang="en-US" b="1" dirty="0" smtClean="0">
@@ -18649,8 +18505,8 @@
         </p:nvSpPr>
         <p:spPr>
           <a:xfrm>
-            <a:off x="656305" y="20684603"/>
-            <a:ext cx="19893598" cy="2952328"/>
+            <a:off x="981215" y="15284003"/>
+            <a:ext cx="19893598" cy="4752528"/>
           </a:xfrm>
           <a:prstGeom prst="rect">
             <a:avLst/>
@@ -18684,8 +18540,12 @@
           <a:bodyPr lIns="295232" tIns="147616" rIns="295232" bIns="147616" rtlCol="0" anchor="t"/>
           <a:lstStyle/>
           <a:p>
-            <a:r>
-              <a:rPr lang="en-US" altLang="ja-JP" dirty="0">
+            <a:pPr marL="857250" indent="-857250">
+              <a:buFont typeface="Wingdings" panose="05000000000000000000" pitchFamily="2" charset="2"/>
+              <a:buChar char="l"/>
+            </a:pPr>
+            <a:r>
+              <a:rPr lang="en-US" altLang="ja-JP" dirty="0" smtClean="0">
                 <a:solidFill>
                   <a:schemeClr val="tx1"/>
                 </a:solidFill>
@@ -18693,29 +18553,39 @@
               <a:t>Wikipedia</a:t>
             </a:r>
             <a:r>
-              <a:rPr lang="ja-JP" altLang="en-US" dirty="0">
+              <a:rPr lang="ja-JP" altLang="en-US" dirty="0" smtClean="0">
                 <a:solidFill>
                   <a:schemeClr val="tx1"/>
                 </a:solidFill>
               </a:rPr>
-              <a:t>に投稿している人々の利用頻度をランダムに選び，ヒストグラムなどにまとめ，プロジェクトマネジメントに</a:t>
-            </a:r>
-            <a:r>
-              <a:rPr lang="en-US" altLang="ja-JP" dirty="0">
+              <a:t>を一つのプロジェクトとみなし，そこで人的資源がどのように活用されているかを調査する．</a:t>
+            </a:r>
+            <a:endParaRPr lang="en-US" altLang="ja-JP" dirty="0" smtClean="0">
+              <a:solidFill>
+                <a:schemeClr val="tx1"/>
+              </a:solidFill>
+            </a:endParaRPr>
+          </a:p>
+          <a:p>
+            <a:pPr marL="857250" indent="-857250">
+              <a:buFont typeface="Wingdings" panose="05000000000000000000" pitchFamily="2" charset="2"/>
+              <a:buChar char="l"/>
+            </a:pPr>
+            <a:r>
+              <a:rPr lang="ja-JP" altLang="en-US" dirty="0" smtClean="0">
                 <a:solidFill>
                   <a:schemeClr val="tx1"/>
                 </a:solidFill>
               </a:rPr>
-              <a:t>Wikipedia</a:t>
-            </a:r>
-            <a:r>
-              <a:rPr lang="ja-JP" altLang="en-US" dirty="0">
-                <a:solidFill>
-                  <a:schemeClr val="tx1"/>
-                </a:solidFill>
-              </a:rPr>
-              <a:t>を利用する．</a:t>
-            </a:r>
+              <a:t>この調査によって，オープンな共同作業プロジェクトにおける，人的資源マネジメントのあり方についての知見を得たい．</a:t>
+            </a:r>
+            <a:endParaRPr lang="en-US" altLang="ja-JP" dirty="0" smtClean="0">
+              <a:solidFill>
+                <a:schemeClr val="tx1"/>
+              </a:solidFill>
+            </a:endParaRPr>
+          </a:p>
+          <a:p>
             <a:endParaRPr kumimoji="1" lang="ja-JP" altLang="en-US" dirty="0">
               <a:solidFill>
                 <a:schemeClr val="tx1"/>
@@ -18769,7 +18639,7 @@
         </p:nvSpPr>
         <p:spPr>
           <a:xfrm>
-            <a:off x="1077089" y="1242443"/>
+            <a:off x="1077089" y="954411"/>
             <a:ext cx="7293332" cy="1604839"/>
           </a:xfrm>
           <a:prstGeom prst="homePlate">
@@ -18819,11 +18689,6 @@
               </a:rPr>
               <a:t>との関連性</a:t>
             </a:r>
-            <a:endParaRPr lang="ja-JP" altLang="en-US" sz="7700" dirty="0">
-              <a:solidFill>
-                <a:schemeClr val="tx1"/>
-              </a:solidFill>
-            </a:endParaRPr>
           </a:p>
         </p:txBody>
       </p:sp>
@@ -18835,7 +18700,7 @@
         </p:nvSpPr>
         <p:spPr>
           <a:xfrm>
-            <a:off x="1088802" y="16194922"/>
+            <a:off x="810596" y="7647765"/>
             <a:ext cx="6290656" cy="1604839"/>
           </a:xfrm>
           <a:prstGeom prst="homePlate">
@@ -18875,21 +18740,8 @@
                   <a:schemeClr val="tx1"/>
                 </a:solidFill>
               </a:rPr>
-              <a:t>研究</a:t>
-            </a:r>
-            <a:r>
-              <a:rPr lang="ja-JP" altLang="en-US" sz="7700" dirty="0">
-                <a:solidFill>
-                  <a:schemeClr val="tx1"/>
-                </a:solidFill>
-              </a:rPr>
-              <a:t>の現状</a:t>
-            </a:r>
-            <a:endParaRPr lang="ja-JP" altLang="en-US" sz="7700" dirty="0">
-              <a:solidFill>
-                <a:schemeClr val="tx1"/>
-              </a:solidFill>
-            </a:endParaRPr>
+              <a:t>研究の現状</a:t>
+            </a:r>
           </a:p>
         </p:txBody>
       </p:sp>
@@ -18941,21 +18793,8 @@
                   <a:schemeClr val="tx1"/>
                 </a:solidFill>
               </a:rPr>
-              <a:t>今後</a:t>
-            </a:r>
-            <a:r>
-              <a:rPr lang="ja-JP" altLang="en-US" sz="7700" dirty="0">
-                <a:solidFill>
-                  <a:schemeClr val="tx1"/>
-                </a:solidFill>
-              </a:rPr>
-              <a:t>の計画</a:t>
-            </a:r>
-            <a:endParaRPr lang="ja-JP" altLang="en-US" sz="7700" dirty="0">
-              <a:solidFill>
-                <a:schemeClr val="tx1"/>
-              </a:solidFill>
-            </a:endParaRPr>
+              <a:t>今後の計画</a:t>
+            </a:r>
           </a:p>
         </p:txBody>
       </p:sp>
@@ -18967,8 +18806,8 @@
         </p:nvSpPr>
         <p:spPr>
           <a:xfrm>
-            <a:off x="1088802" y="18024149"/>
-            <a:ext cx="19485159" cy="5461641"/>
+            <a:off x="1088802" y="9523363"/>
+            <a:ext cx="19485159" cy="13962427"/>
           </a:xfrm>
           <a:prstGeom prst="rect">
             <a:avLst/>
@@ -19002,14 +18841,10 @@
           <a:bodyPr lIns="295232" tIns="147616" rIns="295232" bIns="147616" rtlCol="0" anchor="t"/>
           <a:lstStyle/>
           <a:p>
-            <a:r>
-              <a:rPr lang="ja-JP" altLang="en-US" dirty="0">
-                <a:solidFill>
-                  <a:schemeClr val="tx1"/>
-                </a:solidFill>
-              </a:rPr>
-              <a:t>・</a:t>
-            </a:r>
+            <a:pPr marL="1143000" indent="-1143000">
+              <a:buFont typeface="+mj-lt"/>
+              <a:buAutoNum type="arabicPeriod"/>
+            </a:pPr>
             <a:r>
               <a:rPr kumimoji="1" lang="en-US" altLang="ja-JP" dirty="0" smtClean="0">
                 <a:solidFill>
@@ -19024,15 +18859,7 @@
                   <a:schemeClr val="tx1"/>
                 </a:solidFill>
               </a:rPr>
-              <a:t>マイニングと</a:t>
-            </a:r>
-            <a:r>
-              <a:rPr kumimoji="1" lang="ja-JP" altLang="en-US" dirty="0" smtClean="0">
-                <a:solidFill>
-                  <a:schemeClr val="tx1"/>
-                </a:solidFill>
-              </a:rPr>
-              <a:t>は，</a:t>
+              <a:t>マイニングを調査し，</a:t>
             </a:r>
             <a:r>
               <a:rPr kumimoji="1" lang="en-US" altLang="ja-JP" dirty="0" smtClean="0">
@@ -19080,7 +18907,15 @@
                   <a:schemeClr val="tx1"/>
                 </a:solidFill>
               </a:rPr>
-              <a:t>コーパスとして有益な情報を抽出する手法．</a:t>
+              <a:t>コーパスとして有益な情報を抽出する手法</a:t>
+            </a:r>
+            <a:r>
+              <a:rPr kumimoji="1" lang="ja-JP" altLang="en-US" dirty="0" smtClean="0">
+                <a:solidFill>
+                  <a:schemeClr val="tx1"/>
+                </a:solidFill>
+              </a:rPr>
+              <a:t>．</a:t>
             </a:r>
             <a:endParaRPr kumimoji="1" lang="en-US" altLang="ja-JP" dirty="0" smtClean="0">
               <a:solidFill>
@@ -19089,16 +18924,12 @@
             </a:endParaRPr>
           </a:p>
           <a:p>
-            <a:r>
-              <a:rPr kumimoji="1" lang="ja-JP" altLang="en-US" dirty="0" smtClean="0">
-                <a:solidFill>
-                  <a:schemeClr val="tx1"/>
-                </a:solidFill>
-              </a:rPr>
-              <a:t>・</a:t>
-            </a:r>
-            <a:r>
-              <a:rPr kumimoji="1" lang="en-US" altLang="ja-JP" dirty="0" smtClean="0">
+            <a:pPr marL="1143000" indent="-1143000">
+              <a:buFont typeface="+mj-lt"/>
+              <a:buAutoNum type="arabicPeriod"/>
+            </a:pPr>
+            <a:r>
+              <a:rPr lang="en-US" altLang="ja-JP" dirty="0" smtClean="0">
                 <a:solidFill>
                   <a:schemeClr val="tx1"/>
                 </a:solidFill>
@@ -19111,15 +18942,7 @@
                   <a:schemeClr val="tx1"/>
                 </a:solidFill>
               </a:rPr>
-              <a:t>で使える</a:t>
-            </a:r>
-            <a:r>
-              <a:rPr kumimoji="1" lang="en-US" altLang="ja-JP" dirty="0" smtClean="0">
-                <a:solidFill>
-                  <a:schemeClr val="tx1"/>
-                </a:solidFill>
-              </a:rPr>
-              <a:t>API</a:t>
+              <a:t>の参加者</a:t>
             </a:r>
             <a:r>
               <a:rPr lang="en-US" altLang="ja-JP" dirty="0" smtClean="0">
@@ -19130,76 +18953,12 @@
               <a:t>(</a:t>
             </a:r>
             <a:r>
-              <a:rPr lang="en-US" altLang="ja-JP" b="1" dirty="0" err="1" smtClean="0">
+              <a:rPr lang="ja-JP" altLang="en-US" dirty="0" smtClean="0">
                 <a:solidFill>
                   <a:schemeClr val="tx1"/>
                 </a:solidFill>
               </a:rPr>
-              <a:t>isual</a:t>
-            </a:r>
-            <a:r>
-              <a:rPr lang="en-US" altLang="ja-JP" b="1" dirty="0" smtClean="0">
-                <a:solidFill>
-                  <a:schemeClr val="tx1"/>
-                </a:solidFill>
-              </a:rPr>
-              <a:t> </a:t>
-            </a:r>
-            <a:r>
-              <a:rPr lang="en-US" altLang="ja-JP" b="1" dirty="0">
-                <a:solidFill>
-                  <a:schemeClr val="tx1"/>
-                </a:solidFill>
-              </a:rPr>
-              <a:t>Studio </a:t>
-            </a:r>
-            <a:r>
-              <a:rPr lang="en-US" altLang="ja-JP" b="1" dirty="0" err="1">
-                <a:solidFill>
-                  <a:schemeClr val="tx1"/>
-                </a:solidFill>
-              </a:rPr>
-              <a:t>.net</a:t>
-            </a:r>
-            <a:r>
-              <a:rPr lang="en-US" altLang="ja-JP" b="1" dirty="0">
-                <a:solidFill>
-                  <a:schemeClr val="tx1"/>
-                </a:solidFill>
-              </a:rPr>
-              <a:t> (C</a:t>
-            </a:r>
-            <a:r>
-              <a:rPr lang="en-US" altLang="ja-JP" b="1" dirty="0" smtClean="0">
-                <a:solidFill>
-                  <a:schemeClr val="tx1"/>
-                </a:solidFill>
-              </a:rPr>
-              <a:t>#)</a:t>
-            </a:r>
-            <a:r>
-              <a:rPr lang="ja-JP" altLang="en-US" dirty="0" err="1">
-                <a:solidFill>
-                  <a:schemeClr val="tx1"/>
-                </a:solidFill>
-              </a:rPr>
-              <a:t>，</a:t>
-            </a:r>
-            <a:r>
-              <a:rPr lang="ja-JP" altLang="en-US" b="1" dirty="0" smtClean="0">
-                <a:solidFill>
-                  <a:schemeClr val="tx1"/>
-                </a:solidFill>
-              </a:rPr>
-              <a:t> </a:t>
-            </a:r>
-            <a:r>
-              <a:rPr lang="en-US" altLang="ja-JP" b="1" dirty="0" smtClean="0">
-                <a:solidFill>
-                  <a:schemeClr val="tx1"/>
-                </a:solidFill>
-              </a:rPr>
-              <a:t>Java</a:t>
+              <a:t>日本国内</a:t>
             </a:r>
             <a:r>
               <a:rPr lang="en-US" altLang="ja-JP" dirty="0" smtClean="0">
@@ -19215,7 +18974,7 @@
                   <a:schemeClr val="tx1"/>
                 </a:solidFill>
               </a:rPr>
-              <a:t>の調査．</a:t>
+              <a:t>について調査した．</a:t>
             </a:r>
             <a:endParaRPr lang="en-US" altLang="ja-JP" dirty="0" smtClean="0">
               <a:solidFill>
@@ -19224,14 +18983,87 @@
             </a:endParaRPr>
           </a:p>
           <a:p>
-            <a:r>
-              <a:rPr lang="ja-JP" altLang="en-US" dirty="0" smtClean="0">
-                <a:solidFill>
-                  <a:schemeClr val="tx1"/>
-                </a:solidFill>
-              </a:rPr>
-              <a:t>・</a:t>
-            </a:r>
+            <a:pPr marL="1143000" indent="-1143000">
+              <a:buFont typeface="+mj-lt"/>
+              <a:buAutoNum type="arabicPeriod"/>
+            </a:pPr>
+            <a:endParaRPr kumimoji="1" lang="en-US" altLang="ja-JP" dirty="0">
+              <a:solidFill>
+                <a:schemeClr val="tx1"/>
+              </a:solidFill>
+            </a:endParaRPr>
+          </a:p>
+          <a:p>
+            <a:pPr marL="1143000" indent="-1143000">
+              <a:buFont typeface="+mj-lt"/>
+              <a:buAutoNum type="arabicPeriod"/>
+            </a:pPr>
+            <a:endParaRPr lang="en-US" altLang="ja-JP" dirty="0" smtClean="0">
+              <a:solidFill>
+                <a:schemeClr val="tx1"/>
+              </a:solidFill>
+            </a:endParaRPr>
+          </a:p>
+          <a:p>
+            <a:pPr marL="1143000" indent="-1143000">
+              <a:buFont typeface="+mj-lt"/>
+              <a:buAutoNum type="arabicPeriod"/>
+            </a:pPr>
+            <a:endParaRPr kumimoji="1" lang="en-US" altLang="ja-JP" dirty="0">
+              <a:solidFill>
+                <a:schemeClr val="tx1"/>
+              </a:solidFill>
+            </a:endParaRPr>
+          </a:p>
+          <a:p>
+            <a:pPr marL="1143000" indent="-1143000">
+              <a:buFont typeface="+mj-lt"/>
+              <a:buAutoNum type="arabicPeriod"/>
+            </a:pPr>
+            <a:endParaRPr lang="en-US" altLang="ja-JP" dirty="0" smtClean="0">
+              <a:solidFill>
+                <a:schemeClr val="tx1"/>
+              </a:solidFill>
+            </a:endParaRPr>
+          </a:p>
+          <a:p>
+            <a:pPr marL="1143000" indent="-1143000">
+              <a:buFont typeface="+mj-lt"/>
+              <a:buAutoNum type="arabicPeriod"/>
+            </a:pPr>
+            <a:endParaRPr lang="en-US" altLang="ja-JP" dirty="0">
+              <a:solidFill>
+                <a:schemeClr val="tx1"/>
+              </a:solidFill>
+            </a:endParaRPr>
+          </a:p>
+          <a:p>
+            <a:pPr marL="1143000" indent="-1143000">
+              <a:buFont typeface="+mj-lt"/>
+              <a:buAutoNum type="arabicPeriod"/>
+            </a:pPr>
+            <a:endParaRPr lang="en-US" altLang="ja-JP" dirty="0" smtClean="0">
+              <a:solidFill>
+                <a:schemeClr val="tx1"/>
+              </a:solidFill>
+            </a:endParaRPr>
+          </a:p>
+          <a:p>
+            <a:pPr marL="1143000" indent="-1143000">
+              <a:buFont typeface="+mj-lt"/>
+              <a:buAutoNum type="arabicPeriod"/>
+            </a:pPr>
+            <a:endParaRPr lang="en-US" altLang="ja-JP" dirty="0">
+              <a:solidFill>
+                <a:schemeClr val="tx1"/>
+              </a:solidFill>
+            </a:endParaRPr>
+          </a:p>
+          <a:p>
+            <a:pPr marL="1143000" indent="-1143000">
+              <a:buFont typeface="+mj-lt"/>
+              <a:buAutoNum type="arabicPeriod"/>
+            </a:pPr>
             <a:r>
               <a:rPr lang="en-US" altLang="ja-JP" dirty="0" smtClean="0">
                 <a:solidFill>
@@ -19246,7 +19078,23 @@
                   <a:schemeClr val="tx1"/>
                 </a:solidFill>
               </a:rPr>
-              <a:t>の全データダウンロード．</a:t>
+              <a:t>の参加者の数値が急に変わったことについて，</a:t>
+            </a:r>
+            <a:r>
+              <a:rPr lang="en-US" altLang="ja-JP" dirty="0" smtClean="0">
+                <a:solidFill>
+                  <a:schemeClr val="tx1"/>
+                </a:solidFill>
+              </a:rPr>
+              <a:t>SOPA</a:t>
+            </a:r>
+            <a:r>
+              <a:rPr lang="ja-JP" altLang="en-US" dirty="0" smtClean="0">
+                <a:solidFill>
+                  <a:schemeClr val="tx1"/>
+                </a:solidFill>
+              </a:rPr>
+              <a:t>法案の講義に対する投稿によるものだと考察した．</a:t>
             </a:r>
             <a:endParaRPr lang="en-US" altLang="ja-JP" dirty="0" smtClean="0">
               <a:solidFill>
@@ -19387,94 +19235,18 @@
       </p:sp>
       <p:grpSp>
         <p:nvGrpSpPr>
-          <p:cNvPr id="13" name="グループ化 12"/>
+          <p:cNvPr id="14" name="グループ化 13"/>
           <p:cNvGrpSpPr/>
           <p:nvPr/>
         </p:nvGrpSpPr>
         <p:grpSpPr>
           <a:xfrm>
-            <a:off x="840729" y="3194087"/>
-            <a:ext cx="19776487" cy="13568124"/>
-            <a:chOff x="840729" y="3194087"/>
-            <a:chExt cx="19776487" cy="13568124"/>
+            <a:off x="810596" y="2718523"/>
+            <a:ext cx="19568962" cy="4928377"/>
+            <a:chOff x="810596" y="2718523"/>
+            <a:chExt cx="19568962" cy="4928377"/>
           </a:xfrm>
         </p:grpSpPr>
-        <p:sp>
-          <p:nvSpPr>
-            <p:cNvPr id="24" name="円/楕円 23"/>
-            <p:cNvSpPr/>
-            <p:nvPr/>
-          </p:nvSpPr>
-          <p:spPr>
-            <a:xfrm>
-              <a:off x="9688555" y="6283141"/>
-              <a:ext cx="10912404" cy="4053675"/>
-            </a:xfrm>
-            <a:prstGeom prst="ellipse">
-              <a:avLst/>
-            </a:prstGeom>
-            <a:solidFill>
-              <a:srgbClr val="FFFF00"/>
-            </a:solidFill>
-            <a:ln>
-              <a:solidFill>
-                <a:srgbClr val="92D050"/>
-              </a:solidFill>
-            </a:ln>
-          </p:spPr>
-          <p:style>
-            <a:lnRef idx="2">
-              <a:schemeClr val="accent1">
-                <a:shade val="50000"/>
-              </a:schemeClr>
-            </a:lnRef>
-            <a:fillRef idx="1">
-              <a:schemeClr val="accent1"/>
-            </a:fillRef>
-            <a:effectRef idx="0">
-              <a:schemeClr val="accent1"/>
-            </a:effectRef>
-            <a:fontRef idx="minor">
-              <a:schemeClr val="lt1"/>
-            </a:fontRef>
-          </p:style>
-          <p:txBody>
-            <a:bodyPr rtlCol="0" anchor="ctr"/>
-            <a:lstStyle/>
-            <a:p>
-              <a:pPr algn="ctr"/>
-              <a:endParaRPr lang="en-US" altLang="ja-JP" sz="4500" b="1" dirty="0">
-                <a:solidFill>
-                  <a:schemeClr val="tx1"/>
-                </a:solidFill>
-              </a:endParaRPr>
-            </a:p>
-            <a:p>
-              <a:pPr algn="ctr"/>
-              <a:endParaRPr lang="en-US" altLang="ja-JP" b="1" dirty="0" smtClean="0">
-                <a:solidFill>
-                  <a:schemeClr val="tx1"/>
-                </a:solidFill>
-              </a:endParaRPr>
-            </a:p>
-            <a:p>
-              <a:pPr algn="ctr"/>
-              <a:endParaRPr lang="en-US" altLang="ja-JP" b="1" dirty="0" smtClean="0">
-                <a:solidFill>
-                  <a:schemeClr val="tx1"/>
-                </a:solidFill>
-              </a:endParaRPr>
-            </a:p>
-            <a:p>
-              <a:pPr algn="ctr"/>
-              <a:endParaRPr lang="en-US" altLang="ja-JP" sz="4500" dirty="0">
-                <a:solidFill>
-                  <a:schemeClr val="tx1"/>
-                </a:solidFill>
-              </a:endParaRPr>
-            </a:p>
-          </p:txBody>
-        </p:sp>
         <p:sp>
           <p:nvSpPr>
             <p:cNvPr id="25" name="円/楕円 24"/>
@@ -19483,8 +19255,8 @@
           </p:nvSpPr>
           <p:spPr>
             <a:xfrm>
-              <a:off x="909851" y="3194087"/>
-              <a:ext cx="10912404" cy="4053675"/>
+              <a:off x="810596" y="2866833"/>
+              <a:ext cx="8856984" cy="4536504"/>
             </a:xfrm>
             <a:prstGeom prst="ellipse">
               <a:avLst/>
@@ -19551,8 +19323,8 @@
           </p:nvSpPr>
           <p:spPr>
             <a:xfrm>
-              <a:off x="840729" y="9057355"/>
-              <a:ext cx="10912404" cy="4928377"/>
+              <a:off x="9821286" y="2718523"/>
+              <a:ext cx="10558272" cy="4928377"/>
             </a:xfrm>
             <a:prstGeom prst="ellipse">
               <a:avLst/>
@@ -19621,89 +19393,19 @@
         </p:sp>
         <p:sp>
           <p:nvSpPr>
-            <p:cNvPr id="28" name="円/楕円 27"/>
-            <p:cNvSpPr/>
-            <p:nvPr/>
-          </p:nvSpPr>
-          <p:spPr>
-            <a:xfrm>
-              <a:off x="9704812" y="12475691"/>
-              <a:ext cx="10912404" cy="4286520"/>
-            </a:xfrm>
-            <a:prstGeom prst="ellipse">
-              <a:avLst/>
-            </a:prstGeom>
-            <a:solidFill>
-              <a:srgbClr val="FFFF00"/>
-            </a:solidFill>
-            <a:ln>
-              <a:solidFill>
-                <a:srgbClr val="92D050"/>
-              </a:solidFill>
-            </a:ln>
-          </p:spPr>
-          <p:style>
-            <a:lnRef idx="2">
-              <a:schemeClr val="accent1">
-                <a:shade val="50000"/>
-              </a:schemeClr>
-            </a:lnRef>
-            <a:fillRef idx="1">
-              <a:schemeClr val="accent1"/>
-            </a:fillRef>
-            <a:effectRef idx="0">
-              <a:schemeClr val="accent1"/>
-            </a:effectRef>
-            <a:fontRef idx="minor">
-              <a:schemeClr val="lt1"/>
-            </a:fontRef>
-          </p:style>
-          <p:txBody>
-            <a:bodyPr rtlCol="0" anchor="ctr"/>
-            <a:lstStyle/>
-            <a:p>
-              <a:pPr algn="ctr"/>
-              <a:endParaRPr lang="en-US" altLang="ja-JP" sz="4500" b="1" dirty="0">
-                <a:solidFill>
-                  <a:schemeClr val="tx1"/>
-                </a:solidFill>
-              </a:endParaRPr>
-            </a:p>
-            <a:p>
-              <a:pPr algn="ctr"/>
-              <a:endParaRPr lang="en-US" altLang="ja-JP" sz="4500" b="1" dirty="0">
-                <a:solidFill>
-                  <a:schemeClr val="tx1"/>
-                </a:solidFill>
-              </a:endParaRPr>
-            </a:p>
-            <a:p>
-              <a:pPr algn="ctr"/>
-              <a:endParaRPr lang="en-US" altLang="ja-JP" sz="4500" b="1" dirty="0">
-                <a:solidFill>
-                  <a:schemeClr val="tx1"/>
-                </a:solidFill>
-              </a:endParaRPr>
-            </a:p>
-          </p:txBody>
-        </p:sp>
-        <p:sp>
-          <p:nvSpPr>
             <p:cNvPr id="29" name="正方形/長方形 28"/>
             <p:cNvSpPr/>
             <p:nvPr/>
           </p:nvSpPr>
           <p:spPr>
             <a:xfrm>
-              <a:off x="2879691" y="3762723"/>
+              <a:off x="1685366" y="3549564"/>
               <a:ext cx="7107444" cy="953806"/>
             </a:xfrm>
             <a:prstGeom prst="rect">
               <a:avLst/>
             </a:prstGeom>
-            <a:solidFill>
-              <a:srgbClr val="FFFF00"/>
-            </a:solidFill>
+            <a:noFill/>
             <a:ln>
               <a:noFill/>
             </a:ln>
@@ -19735,7 +19437,7 @@
                     <a:schemeClr val="tx1"/>
                   </a:solidFill>
                 </a:rPr>
-                <a:t>コスト・マネジメント</a:t>
+                <a:t>人的資源マネジメント</a:t>
               </a:r>
               <a:endParaRPr kumimoji="1" lang="ja-JP" altLang="en-US" sz="4800" b="1" dirty="0">
                 <a:solidFill>
@@ -19753,8 +19455,8 @@
           </p:nvSpPr>
           <p:spPr>
             <a:xfrm>
-              <a:off x="2448713" y="5220924"/>
-              <a:ext cx="8352927" cy="1323439"/>
+              <a:off x="1802301" y="5418907"/>
+              <a:ext cx="7020551" cy="1323439"/>
             </a:xfrm>
             <a:prstGeom prst="rect">
               <a:avLst/>
@@ -19769,49 +19471,14 @@
             <a:p>
               <a:pPr algn="ctr"/>
               <a:r>
-                <a:rPr lang="ja-JP" altLang="ja-JP" sz="4000" dirty="0"/>
-                <a:t>類似したプロジェクトなどを参考にすることでコス</a:t>
+                <a:rPr lang="ja-JP" altLang="en-US" sz="4000" dirty="0"/>
+                <a:t>多く</a:t>
               </a:r>
               <a:r>
-                <a:rPr lang="ja-JP" altLang="en-US" sz="4000" dirty="0"/>
-                <a:t>ト</a:t>
-              </a:r>
-              <a:r>
-                <a:rPr lang="ja-JP" altLang="ja-JP" sz="4000" dirty="0"/>
-                <a:t>ダウン</a:t>
+                <a:rPr lang="ja-JP" altLang="en-US" sz="4000" dirty="0" smtClean="0"/>
+                <a:t>の人々に使われており，参加者が多く集まる</a:t>
               </a:r>
               <a:endParaRPr lang="ja-JP" altLang="en-US" sz="4000" dirty="0"/>
-            </a:p>
-          </p:txBody>
-        </p:sp>
-        <p:sp>
-          <p:nvSpPr>
-            <p:cNvPr id="6" name="テキスト ボックス 5"/>
-            <p:cNvSpPr txBox="1"/>
-            <p:nvPr/>
-          </p:nvSpPr>
-          <p:spPr>
-            <a:xfrm>
-              <a:off x="11224941" y="8515251"/>
-              <a:ext cx="7872145" cy="1323439"/>
-            </a:xfrm>
-            <a:prstGeom prst="rect">
-              <a:avLst/>
-            </a:prstGeom>
-            <a:noFill/>
-          </p:spPr>
-          <p:txBody>
-            <a:bodyPr wrap="square" rtlCol="0">
-              <a:spAutoFit/>
-            </a:bodyPr>
-            <a:lstStyle/>
-            <a:p>
-              <a:pPr algn="ctr"/>
-              <a:r>
-                <a:rPr lang="ja-JP" altLang="ja-JP" sz="4000" dirty="0"/>
-                <a:t>多くの協力者に参加してもらう事により品質の向上</a:t>
-              </a:r>
-              <a:endParaRPr lang="ja-JP" altLang="ja-JP" sz="4000" dirty="0"/>
             </a:p>
           </p:txBody>
         </p:sp>
@@ -19823,7 +19490,7 @@
           </p:nvSpPr>
           <p:spPr>
             <a:xfrm>
-              <a:off x="2533382" y="11813971"/>
+              <a:off x="11138418" y="5495633"/>
               <a:ext cx="7924009" cy="1323439"/>
             </a:xfrm>
             <a:prstGeom prst="rect">
@@ -19860,74 +19527,13 @@
         </p:sp>
         <p:sp>
           <p:nvSpPr>
-            <p:cNvPr id="8" name="テキスト ボックス 7"/>
-            <p:cNvSpPr txBox="1"/>
-            <p:nvPr/>
-          </p:nvSpPr>
-          <p:spPr>
-            <a:xfrm>
-              <a:off x="12013437" y="14923963"/>
-              <a:ext cx="6757611" cy="1323439"/>
-            </a:xfrm>
-            <a:prstGeom prst="rect">
-              <a:avLst/>
-            </a:prstGeom>
-            <a:noFill/>
-          </p:spPr>
-          <p:txBody>
-            <a:bodyPr wrap="square" rtlCol="0">
-              <a:spAutoFit/>
-            </a:bodyPr>
-            <a:lstStyle/>
-            <a:p>
-              <a:pPr algn="ctr"/>
-              <a:r>
-                <a:rPr lang="ja-JP" altLang="ja-JP" sz="4000" dirty="0"/>
-                <a:t>顧客が何を欲しているのか情報を通じて理解できる</a:t>
-              </a:r>
-              <a:endParaRPr lang="ja-JP" altLang="en-US" sz="4000" dirty="0"/>
-            </a:p>
-          </p:txBody>
-        </p:sp>
-        <p:sp>
-          <p:nvSpPr>
-            <p:cNvPr id="10" name="テキスト ボックス 9"/>
-            <p:cNvSpPr txBox="1"/>
-            <p:nvPr/>
-          </p:nvSpPr>
-          <p:spPr>
-            <a:xfrm>
-              <a:off x="12828021" y="13123763"/>
-              <a:ext cx="5144002" cy="830997"/>
-            </a:xfrm>
-            <a:prstGeom prst="rect">
-              <a:avLst/>
-            </a:prstGeom>
-            <a:noFill/>
-          </p:spPr>
-          <p:txBody>
-            <a:bodyPr wrap="square" rtlCol="0">
-              <a:spAutoFit/>
-            </a:bodyPr>
-            <a:lstStyle/>
-            <a:p>
-              <a:r>
-                <a:rPr kumimoji="1" lang="ja-JP" altLang="en-US" sz="4800" b="1" dirty="0" smtClean="0"/>
-                <a:t>調達マネジメント</a:t>
-              </a:r>
-              <a:endParaRPr kumimoji="1" lang="ja-JP" altLang="en-US" sz="4800" b="1" dirty="0"/>
-            </a:p>
-          </p:txBody>
-        </p:sp>
-        <p:sp>
-          <p:nvSpPr>
             <p:cNvPr id="11" name="テキスト ボックス 10"/>
             <p:cNvSpPr txBox="1"/>
             <p:nvPr/>
           </p:nvSpPr>
           <p:spPr>
             <a:xfrm>
-              <a:off x="1236447" y="10336816"/>
+              <a:off x="10120347" y="4087871"/>
               <a:ext cx="10259211" cy="830997"/>
             </a:xfrm>
             <a:prstGeom prst="rect">
@@ -19949,37 +19555,71 @@
             </a:p>
           </p:txBody>
         </p:sp>
-        <p:sp>
-          <p:nvSpPr>
-            <p:cNvPr id="12" name="テキスト ボックス 11"/>
-            <p:cNvSpPr txBox="1"/>
-            <p:nvPr/>
-          </p:nvSpPr>
-          <p:spPr>
-            <a:xfrm>
-              <a:off x="12323958" y="6832263"/>
-              <a:ext cx="5641597" cy="830997"/>
-            </a:xfrm>
-            <a:prstGeom prst="rect">
-              <a:avLst/>
-            </a:prstGeom>
+      </p:grpSp>
+      <p:pic>
+        <p:nvPicPr>
+          <p:cNvPr id="23" name="Picture 2"/>
+          <p:cNvPicPr>
+            <a:picLocks noChangeAspect="1" noChangeArrowheads="1"/>
+          </p:cNvPicPr>
+          <p:nvPr/>
+        </p:nvPicPr>
+        <p:blipFill>
+          <a:blip r:embed="rId2" cstate="print">
+            <a:extLst>
+              <a:ext uri="{28A0092B-C50C-407E-A947-70E740481C1C}">
+                <a14:useLocalDpi xmlns:a14="http://schemas.microsoft.com/office/drawing/2010/main" val="0"/>
+              </a:ext>
+            </a:extLst>
+          </a:blip>
+          <a:srcRect/>
+          <a:stretch>
+            <a:fillRect/>
+          </a:stretch>
+        </p:blipFill>
+        <p:spPr bwMode="auto">
+          <a:xfrm>
+            <a:off x="7410281" y="13339787"/>
+            <a:ext cx="12901186" cy="5837869"/>
+          </a:xfrm>
+          <a:prstGeom prst="rect">
+            <a:avLst/>
+          </a:prstGeom>
+          <a:noFill/>
+          <a:ln>
             <a:noFill/>
-          </p:spPr>
-          <p:txBody>
-            <a:bodyPr wrap="square" rtlCol="0">
-              <a:spAutoFit/>
-            </a:bodyPr>
-            <a:lstStyle/>
-            <a:p>
-              <a:r>
-                <a:rPr kumimoji="1" lang="ja-JP" altLang="en-US" sz="4800" b="1" dirty="0" smtClean="0"/>
-                <a:t>品質マネジメント</a:t>
-              </a:r>
-              <a:endParaRPr kumimoji="1" lang="ja-JP" altLang="en-US" sz="4800" b="1" dirty="0"/>
-            </a:p>
-          </p:txBody>
-        </p:sp>
-      </p:grpSp>
+          </a:ln>
+          <a:effectLst/>
+          <a:extLst>
+            <a:ext uri="{909E8E84-426E-40DD-AFC4-6F175D3DCCD1}">
+              <a14:hiddenFill xmlns:a14="http://schemas.microsoft.com/office/drawing/2010/main">
+                <a:solidFill>
+                  <a:schemeClr val="accent1"/>
+                </a:solidFill>
+              </a14:hiddenFill>
+            </a:ext>
+            <a:ext uri="{91240B29-F687-4F45-9708-019B960494DF}">
+              <a14:hiddenLine xmlns:a14="http://schemas.microsoft.com/office/drawing/2010/main" w="9525">
+                <a:solidFill>
+                  <a:schemeClr val="tx1"/>
+                </a:solidFill>
+                <a:miter lim="800000"/>
+                <a:headEnd/>
+                <a:tailEnd/>
+              </a14:hiddenLine>
+            </a:ext>
+            <a:ext uri="{AF507438-7753-43E0-B8FC-AC1667EBCBE1}">
+              <a14:hiddenEffects xmlns:a14="http://schemas.microsoft.com/office/drawing/2010/main">
+                <a:effectLst>
+                  <a:outerShdw dist="35921" dir="2700000" algn="ctr" rotWithShape="0">
+                    <a:schemeClr val="bg2"/>
+                  </a:outerShdw>
+                </a:effectLst>
+              </a14:hiddenEffects>
+            </a:ext>
+          </a:extLst>
+        </p:spPr>
+      </p:pic>
     </p:spTree>
     <p:extLst>
       <p:ext uri="{BB962C8B-B14F-4D97-AF65-F5344CB8AC3E}">

--- a/課題研究/2013/曽我勇貴/ポスター.pptx
+++ b/課題研究/2013/曽我勇貴/ポスター.pptx
@@ -10,6 +10,9 @@
   </p:sldIdLst>
   <p:sldSz cx="21386800" cy="30279975"/>
   <p:notesSz cx="6858000" cy="9144000"/>
+  <p:custDataLst>
+    <p:tags r:id="rId4"/>
+  </p:custDataLst>
   <p:defaultTextStyle>
     <a:defPPr>
       <a:defRPr lang="ja-JP"/>
@@ -500,7 +503,7 @@
           <a:p>
             <a:fld id="{CD18CB5A-6947-405F-A94A-52FF85729738}" type="datetimeFigureOut">
               <a:rPr kumimoji="1" lang="ja-JP" altLang="en-US" smtClean="0"/>
-              <a:t>2013/12/11</a:t>
+              <a:t>2013/12/12</a:t>
             </a:fld>
             <a:endParaRPr kumimoji="1" lang="ja-JP" altLang="en-US"/>
           </a:p>
@@ -3718,7 +3721,7 @@
           <a:p>
             <a:fld id="{CD18CB5A-6947-405F-A94A-52FF85729738}" type="datetimeFigureOut">
               <a:rPr kumimoji="1" lang="ja-JP" altLang="en-US" smtClean="0"/>
-              <a:t>2013/12/11</a:t>
+              <a:t>2013/12/12</a:t>
             </a:fld>
             <a:endParaRPr kumimoji="1" lang="ja-JP" altLang="en-US"/>
           </a:p>
@@ -3944,7 +3947,7 @@
           <a:p>
             <a:fld id="{CD18CB5A-6947-405F-A94A-52FF85729738}" type="datetimeFigureOut">
               <a:rPr kumimoji="1" lang="ja-JP" altLang="en-US" smtClean="0"/>
-              <a:t>2013/12/11</a:t>
+              <a:t>2013/12/12</a:t>
             </a:fld>
             <a:endParaRPr kumimoji="1" lang="ja-JP" altLang="en-US"/>
           </a:p>
@@ -4170,7 +4173,7 @@
           <a:p>
             <a:fld id="{CD18CB5A-6947-405F-A94A-52FF85729738}" type="datetimeFigureOut">
               <a:rPr kumimoji="1" lang="ja-JP" altLang="en-US" smtClean="0"/>
-              <a:t>2013/12/11</a:t>
+              <a:t>2013/12/12</a:t>
             </a:fld>
             <a:endParaRPr kumimoji="1" lang="ja-JP" altLang="en-US"/>
           </a:p>
@@ -4486,7 +4489,7 @@
           <a:p>
             <a:fld id="{CD18CB5A-6947-405F-A94A-52FF85729738}" type="datetimeFigureOut">
               <a:rPr kumimoji="1" lang="ja-JP" altLang="en-US" smtClean="0"/>
-              <a:t>2013/12/11</a:t>
+              <a:t>2013/12/12</a:t>
             </a:fld>
             <a:endParaRPr kumimoji="1" lang="ja-JP" altLang="en-US"/>
           </a:p>
@@ -12088,7 +12091,7 @@
           <a:p>
             <a:fld id="{CD18CB5A-6947-405F-A94A-52FF85729738}" type="datetimeFigureOut">
               <a:rPr kumimoji="1" lang="ja-JP" altLang="en-US" smtClean="0"/>
-              <a:t>2013/12/11</a:t>
+              <a:t>2013/12/12</a:t>
             </a:fld>
             <a:endParaRPr kumimoji="1" lang="ja-JP" altLang="en-US"/>
           </a:p>
@@ -12593,7 +12596,7 @@
           <a:p>
             <a:fld id="{CD18CB5A-6947-405F-A94A-52FF85729738}" type="datetimeFigureOut">
               <a:rPr kumimoji="1" lang="ja-JP" altLang="en-US" smtClean="0"/>
-              <a:t>2013/12/11</a:t>
+              <a:t>2013/12/12</a:t>
             </a:fld>
             <a:endParaRPr kumimoji="1" lang="ja-JP" altLang="en-US"/>
           </a:p>
@@ -12730,7 +12733,7 @@
           <a:p>
             <a:fld id="{CD18CB5A-6947-405F-A94A-52FF85729738}" type="datetimeFigureOut">
               <a:rPr kumimoji="1" lang="ja-JP" altLang="en-US" smtClean="0"/>
-              <a:t>2013/12/11</a:t>
+              <a:t>2013/12/12</a:t>
             </a:fld>
             <a:endParaRPr kumimoji="1" lang="ja-JP" altLang="en-US"/>
           </a:p>
@@ -12839,7 +12842,7 @@
           <a:p>
             <a:fld id="{CD18CB5A-6947-405F-A94A-52FF85729738}" type="datetimeFigureOut">
               <a:rPr kumimoji="1" lang="ja-JP" altLang="en-US" smtClean="0"/>
-              <a:t>2013/12/11</a:t>
+              <a:t>2013/12/12</a:t>
             </a:fld>
             <a:endParaRPr kumimoji="1" lang="ja-JP" altLang="en-US"/>
           </a:p>
@@ -13223,7 +13226,7 @@
           <a:p>
             <a:fld id="{CD18CB5A-6947-405F-A94A-52FF85729738}" type="datetimeFigureOut">
               <a:rPr kumimoji="1" lang="ja-JP" altLang="en-US" smtClean="0"/>
-              <a:t>2013/12/11</a:t>
+              <a:t>2013/12/12</a:t>
             </a:fld>
             <a:endParaRPr kumimoji="1" lang="ja-JP" altLang="en-US"/>
           </a:p>
@@ -13583,7 +13586,7 @@
           <a:p>
             <a:fld id="{CD18CB5A-6947-405F-A94A-52FF85729738}" type="datetimeFigureOut">
               <a:rPr kumimoji="1" lang="ja-JP" altLang="en-US" smtClean="0"/>
-              <a:t>2013/12/11</a:t>
+              <a:t>2013/12/12</a:t>
             </a:fld>
             <a:endParaRPr kumimoji="1" lang="ja-JP" altLang="en-US"/>
           </a:p>
@@ -13710,7 +13713,7 @@
           <a:p>
             <a:fld id="{CD18CB5A-6947-405F-A94A-52FF85729738}" type="datetimeFigureOut">
               <a:rPr kumimoji="1" lang="ja-JP" altLang="en-US" smtClean="0"/>
-              <a:t>2013/12/11</a:t>
+              <a:t>2013/12/12</a:t>
             </a:fld>
             <a:endParaRPr kumimoji="1" lang="ja-JP" altLang="en-US"/>
           </a:p>
@@ -17642,7 +17645,7 @@
         </p:nvSpPr>
         <p:spPr>
           <a:xfrm>
-            <a:off x="3203436" y="5418006"/>
+            <a:off x="513023" y="5418006"/>
             <a:ext cx="8724972" cy="3072205"/>
           </a:xfrm>
           <a:prstGeom prst="ellipse">
@@ -17700,7 +17703,7 @@
         </p:nvSpPr>
         <p:spPr>
           <a:xfrm>
-            <a:off x="12027764" y="6050460"/>
+            <a:off x="9337351" y="6050460"/>
             <a:ext cx="2525651" cy="1807305"/>
           </a:xfrm>
           <a:prstGeom prst="rightArrow">
@@ -17746,7 +17749,7 @@
         </p:nvSpPr>
         <p:spPr>
           <a:xfrm>
-            <a:off x="15004652" y="5921368"/>
+            <a:off x="12314239" y="5921368"/>
             <a:ext cx="5434043" cy="2065489"/>
           </a:xfrm>
           <a:prstGeom prst="snip2DiagRect">
@@ -17797,9 +17800,17 @@
                   <a:schemeClr val="tx1"/>
                 </a:solidFill>
               </a:rPr>
-              <a:t>な情報</a:t>
-            </a:r>
-            <a:endParaRPr kumimoji="1" lang="ja-JP" altLang="en-US" b="1" dirty="0">
+              <a:t>な</a:t>
+            </a:r>
+            <a:r>
+              <a:rPr lang="ja-JP" altLang="en-US" b="1" dirty="0" smtClean="0">
+                <a:solidFill>
+                  <a:schemeClr val="tx1"/>
+                </a:solidFill>
+              </a:rPr>
+              <a:t>情報</a:t>
+            </a:r>
+            <a:endParaRPr lang="en-US" altLang="ja-JP" b="1" dirty="0" smtClean="0">
               <a:solidFill>
                 <a:schemeClr val="tx1"/>
               </a:solidFill>
@@ -17815,7 +17826,7 @@
         </p:nvSpPr>
         <p:spPr>
           <a:xfrm>
-            <a:off x="5988459" y="8522535"/>
+            <a:off x="3298046" y="8522535"/>
             <a:ext cx="1607231" cy="2204855"/>
           </a:xfrm>
           <a:prstGeom prst="upArrow">
@@ -17861,7 +17872,7 @@
         </p:nvSpPr>
         <p:spPr>
           <a:xfrm>
-            <a:off x="8093315" y="8578129"/>
+            <a:off x="5402902" y="8578129"/>
             <a:ext cx="1607231" cy="2149259"/>
           </a:xfrm>
           <a:prstGeom prst="upArrow">
@@ -17907,7 +17918,7 @@
         </p:nvSpPr>
         <p:spPr>
           <a:xfrm>
-            <a:off x="5260751" y="10958220"/>
+            <a:off x="2570338" y="10958220"/>
             <a:ext cx="5166100" cy="1549117"/>
           </a:xfrm>
           <a:prstGeom prst="roundRect">
@@ -17965,7 +17976,7 @@
         </p:nvSpPr>
         <p:spPr>
           <a:xfrm>
-            <a:off x="4875509" y="9567901"/>
+            <a:off x="2185096" y="9567901"/>
             <a:ext cx="6265419" cy="754055"/>
           </a:xfrm>
           <a:prstGeom prst="ellipse">
@@ -17973,52 +17984,6 @@
           </a:prstGeom>
           <a:solidFill>
             <a:srgbClr val="FFC000"/>
-          </a:solidFill>
-          <a:ln>
-            <a:noFill/>
-          </a:ln>
-        </p:spPr>
-        <p:style>
-          <a:lnRef idx="2">
-            <a:schemeClr val="accent1">
-              <a:shade val="50000"/>
-            </a:schemeClr>
-          </a:lnRef>
-          <a:fillRef idx="1">
-            <a:schemeClr val="accent1"/>
-          </a:fillRef>
-          <a:effectRef idx="0">
-            <a:schemeClr val="accent1"/>
-          </a:effectRef>
-          <a:fontRef idx="minor">
-            <a:schemeClr val="lt1"/>
-          </a:fontRef>
-        </p:style>
-        <p:txBody>
-          <a:bodyPr lIns="295232" tIns="147616" rIns="295232" bIns="147616" rtlCol="0" anchor="ctr"/>
-          <a:lstStyle/>
-          <a:p>
-            <a:pPr algn="ctr"/>
-            <a:endParaRPr kumimoji="1" lang="ja-JP" altLang="en-US"/>
-          </a:p>
-        </p:txBody>
-      </p:sp>
-      <p:sp>
-        <p:nvSpPr>
-          <p:cNvPr id="15" name="左矢印 14"/>
-          <p:cNvSpPr/>
-          <p:nvPr/>
-        </p:nvSpPr>
-        <p:spPr>
-          <a:xfrm>
-            <a:off x="11849541" y="8989811"/>
-            <a:ext cx="2428447" cy="1737575"/>
-          </a:xfrm>
-          <a:prstGeom prst="leftArrow">
-            <a:avLst/>
-          </a:prstGeom>
-          <a:solidFill>
-            <a:srgbClr val="00B0F0"/>
           </a:solidFill>
           <a:ln>
             <a:noFill/>
@@ -18309,7 +18274,7 @@
         </p:nvSpPr>
         <p:spPr>
           <a:xfrm>
-            <a:off x="14553415" y="8865123"/>
+            <a:off x="11947577" y="10041491"/>
             <a:ext cx="6282293" cy="2159611"/>
           </a:xfrm>
           <a:prstGeom prst="snip2DiagRect">
@@ -18347,149 +18312,38 @@
           <a:p>
             <a:pPr algn="ctr"/>
             <a:r>
-              <a:rPr lang="ja-JP" altLang="en-US" sz="4500" b="1" dirty="0">
+              <a:rPr lang="en-US" altLang="ja-JP" sz="4500" b="1" dirty="0" smtClean="0">
                 <a:solidFill>
                   <a:schemeClr val="tx1"/>
                 </a:solidFill>
               </a:rPr>
-              <a:t>プロジェクトとして</a:t>
-            </a:r>
-            <a:endParaRPr lang="en-US" altLang="ja-JP" sz="4500" b="1" dirty="0">
-              <a:solidFill>
-                <a:schemeClr val="tx1"/>
-              </a:solidFill>
-            </a:endParaRPr>
-          </a:p>
-          <a:p>
-            <a:pPr algn="ctr"/>
-            <a:r>
-              <a:rPr lang="ja-JP" altLang="en-US" sz="4500" b="1" dirty="0">
+              <a:t>Wikipedia</a:t>
+            </a:r>
+            <a:r>
+              <a:rPr lang="ja-JP" altLang="en-US" sz="4500" b="1" dirty="0" smtClean="0">
                 <a:solidFill>
                   <a:schemeClr val="tx1"/>
                 </a:solidFill>
               </a:rPr>
-              <a:t>利用できるのでは？</a:t>
-            </a:r>
-          </a:p>
-        </p:txBody>
-      </p:sp>
-      <p:sp>
-        <p:nvSpPr>
-          <p:cNvPr id="34" name="屈折矢印 33"/>
-          <p:cNvSpPr/>
-          <p:nvPr/>
-        </p:nvSpPr>
-        <p:spPr>
-          <a:xfrm rot="10800000">
-            <a:off x="1218907" y="6817473"/>
-            <a:ext cx="1869365" cy="3504480"/>
-          </a:xfrm>
-          <a:prstGeom prst="bentUpArrow">
-            <a:avLst>
-              <a:gd name="adj1" fmla="val 25000"/>
-              <a:gd name="adj2" fmla="val 48040"/>
-              <a:gd name="adj3" fmla="val 25000"/>
-            </a:avLst>
-          </a:prstGeom>
-          <a:solidFill>
-            <a:srgbClr val="00B0F0"/>
-          </a:solidFill>
-          <a:ln>
-            <a:noFill/>
-          </a:ln>
-        </p:spPr>
-        <p:style>
-          <a:lnRef idx="2">
-            <a:schemeClr val="accent1">
-              <a:shade val="50000"/>
-            </a:schemeClr>
-          </a:lnRef>
-          <a:fillRef idx="1">
-            <a:schemeClr val="accent1"/>
-          </a:fillRef>
-          <a:effectRef idx="0">
-            <a:schemeClr val="accent1"/>
-          </a:effectRef>
-          <a:fontRef idx="minor">
-            <a:schemeClr val="lt1"/>
-          </a:fontRef>
-        </p:style>
-        <p:txBody>
-          <a:bodyPr lIns="295232" tIns="147616" rIns="295232" bIns="147616" rtlCol="0" anchor="ctr"/>
-          <a:lstStyle/>
-          <a:p>
-            <a:pPr algn="ctr"/>
-            <a:endParaRPr kumimoji="1" lang="ja-JP" altLang="en-US"/>
-          </a:p>
-        </p:txBody>
-      </p:sp>
-      <p:sp>
-        <p:nvSpPr>
-          <p:cNvPr id="35" name="正方形/長方形 34"/>
-          <p:cNvSpPr/>
-          <p:nvPr/>
-        </p:nvSpPr>
-        <p:spPr>
-          <a:xfrm>
-            <a:off x="532711" y="10719485"/>
-            <a:ext cx="4342797" cy="2030765"/>
-          </a:xfrm>
-          <a:prstGeom prst="rect">
-            <a:avLst/>
-          </a:prstGeom>
-          <a:solidFill>
-            <a:schemeClr val="bg1"/>
-          </a:solidFill>
-          <a:ln>
-            <a:noFill/>
-          </a:ln>
-        </p:spPr>
-        <p:style>
-          <a:lnRef idx="2">
-            <a:schemeClr val="accent1">
-              <a:shade val="50000"/>
-            </a:schemeClr>
-          </a:lnRef>
-          <a:fillRef idx="1">
-            <a:schemeClr val="accent1"/>
-          </a:fillRef>
-          <a:effectRef idx="0">
-            <a:schemeClr val="accent1"/>
-          </a:effectRef>
-          <a:fontRef idx="minor">
-            <a:schemeClr val="lt1"/>
-          </a:fontRef>
-        </p:style>
-        <p:txBody>
-          <a:bodyPr lIns="295232" tIns="147616" rIns="295232" bIns="147616" rtlCol="0" anchor="ctr"/>
-          <a:lstStyle/>
-          <a:p>
-            <a:pPr algn="ctr"/>
-            <a:r>
-              <a:rPr kumimoji="1" lang="ja-JP" altLang="en-US" b="1" dirty="0" smtClean="0">
+              <a:t>における</a:t>
+            </a:r>
+            <a:r>
+              <a:rPr lang="en-US" altLang="ja-JP" sz="4500" b="1" dirty="0" smtClean="0">
                 <a:solidFill>
                   <a:schemeClr val="tx1"/>
                 </a:solidFill>
               </a:rPr>
-              <a:t>データ</a:t>
-            </a:r>
-            <a:r>
-              <a:rPr lang="ja-JP" altLang="en-US" b="1" dirty="0" smtClean="0">
+              <a:t>PM</a:t>
+            </a:r>
+            <a:r>
+              <a:rPr lang="ja-JP" altLang="en-US" sz="4500" b="1" dirty="0" smtClean="0">
                 <a:solidFill>
                   <a:schemeClr val="tx1"/>
                 </a:solidFill>
               </a:rPr>
-              <a:t>収集，</a:t>
-            </a:r>
-            <a:r>
-              <a:rPr kumimoji="1" lang="ja-JP" altLang="en-US" b="1" dirty="0" smtClean="0">
-                <a:solidFill>
-                  <a:schemeClr val="tx1"/>
-                </a:solidFill>
-              </a:rPr>
-              <a:t>解析</a:t>
-            </a:r>
-            <a:endParaRPr kumimoji="1" lang="ja-JP" altLang="en-US" b="1" dirty="0">
+              <a:t>？</a:t>
+            </a:r>
+            <a:endParaRPr lang="ja-JP" altLang="en-US" sz="4500" b="1" dirty="0">
               <a:solidFill>
                 <a:schemeClr val="tx1"/>
               </a:solidFill>
@@ -18591,6 +18445,120 @@
                 <a:schemeClr val="tx1"/>
               </a:solidFill>
             </a:endParaRPr>
+          </a:p>
+        </p:txBody>
+      </p:sp>
+      <p:sp>
+        <p:nvSpPr>
+          <p:cNvPr id="2" name="テキスト ボックス 1"/>
+          <p:cNvSpPr txBox="1"/>
+          <p:nvPr/>
+        </p:nvSpPr>
+        <p:spPr>
+          <a:xfrm>
+            <a:off x="9337351" y="5058867"/>
+            <a:ext cx="6968574" cy="984885"/>
+          </a:xfrm>
+          <a:prstGeom prst="rect">
+            <a:avLst/>
+          </a:prstGeom>
+          <a:noFill/>
+        </p:spPr>
+        <p:txBody>
+          <a:bodyPr wrap="none" rtlCol="0">
+            <a:spAutoFit/>
+          </a:bodyPr>
+          <a:lstStyle/>
+          <a:p>
+            <a:r>
+              <a:rPr kumimoji="1" lang="en-US" altLang="ja-JP" dirty="0" smtClean="0"/>
+              <a:t>Wikipedia</a:t>
+            </a:r>
+            <a:r>
+              <a:rPr kumimoji="1" lang="ja-JP" altLang="en-US" dirty="0" smtClean="0"/>
+              <a:t>マイニング</a:t>
+            </a:r>
+            <a:endParaRPr kumimoji="1" lang="ja-JP" altLang="en-US" dirty="0"/>
+          </a:p>
+        </p:txBody>
+      </p:sp>
+      <p:sp>
+        <p:nvSpPr>
+          <p:cNvPr id="21" name="右矢印 20"/>
+          <p:cNvSpPr/>
+          <p:nvPr/>
+        </p:nvSpPr>
+        <p:spPr>
+          <a:xfrm>
+            <a:off x="9421925" y="9925473"/>
+            <a:ext cx="2525651" cy="1807305"/>
+          </a:xfrm>
+          <a:prstGeom prst="rightArrow">
+            <a:avLst/>
+          </a:prstGeom>
+          <a:solidFill>
+            <a:srgbClr val="00B0F0"/>
+          </a:solidFill>
+          <a:ln>
+            <a:noFill/>
+          </a:ln>
+        </p:spPr>
+        <p:style>
+          <a:lnRef idx="2">
+            <a:schemeClr val="accent1">
+              <a:shade val="50000"/>
+            </a:schemeClr>
+          </a:lnRef>
+          <a:fillRef idx="1">
+            <a:schemeClr val="accent1"/>
+          </a:fillRef>
+          <a:effectRef idx="0">
+            <a:schemeClr val="accent1"/>
+          </a:effectRef>
+          <a:fontRef idx="minor">
+            <a:schemeClr val="lt1"/>
+          </a:fontRef>
+        </p:style>
+        <p:txBody>
+          <a:bodyPr lIns="295232" tIns="147616" rIns="295232" bIns="147616" rtlCol="0" anchor="ctr"/>
+          <a:lstStyle/>
+          <a:p>
+            <a:pPr algn="ctr"/>
+            <a:endParaRPr kumimoji="1" lang="ja-JP" altLang="en-US"/>
+          </a:p>
+        </p:txBody>
+      </p:sp>
+      <p:sp>
+        <p:nvSpPr>
+          <p:cNvPr id="22" name="テキスト ボックス 21"/>
+          <p:cNvSpPr txBox="1"/>
+          <p:nvPr/>
+        </p:nvSpPr>
+        <p:spPr>
+          <a:xfrm>
+            <a:off x="9421925" y="8490211"/>
+            <a:ext cx="9943748" cy="984885"/>
+          </a:xfrm>
+          <a:prstGeom prst="rect">
+            <a:avLst/>
+          </a:prstGeom>
+          <a:noFill/>
+        </p:spPr>
+        <p:txBody>
+          <a:bodyPr wrap="none" rtlCol="0">
+            <a:spAutoFit/>
+          </a:bodyPr>
+          <a:lstStyle/>
+          <a:p>
+            <a:r>
+              <a:rPr kumimoji="1" lang="en-US" altLang="ja-JP" dirty="0" smtClean="0"/>
+              <a:t>Wikipedia</a:t>
+            </a:r>
+            <a:r>
+              <a:rPr kumimoji="1" lang="ja-JP" altLang="en-US" dirty="0" smtClean="0"/>
+              <a:t>人的資源マイニング</a:t>
+            </a:r>
+            <a:endParaRPr kumimoji="1" lang="ja-JP" altLang="en-US" dirty="0"/>
           </a:p>
         </p:txBody>
       </p:sp>
@@ -18907,15 +18875,7 @@
                   <a:schemeClr val="tx1"/>
                 </a:solidFill>
               </a:rPr>
-              <a:t>コーパスとして有益な情報を抽出する手法</a:t>
-            </a:r>
-            <a:r>
-              <a:rPr kumimoji="1" lang="ja-JP" altLang="en-US" dirty="0" smtClean="0">
-                <a:solidFill>
-                  <a:schemeClr val="tx1"/>
-                </a:solidFill>
-              </a:rPr>
-              <a:t>．</a:t>
+              <a:t>コーパスとして有益な情報を抽出する手法．</a:t>
             </a:r>
             <a:endParaRPr kumimoji="1" lang="en-US" altLang="ja-JP" dirty="0" smtClean="0">
               <a:solidFill>
@@ -19094,7 +19054,94 @@
                   <a:schemeClr val="tx1"/>
                 </a:solidFill>
               </a:rPr>
-              <a:t>法案の講義に対する投稿によるものだと考察した．</a:t>
+              <a:t>法案</a:t>
+            </a:r>
+            <a:r>
+              <a:rPr lang="ja-JP" altLang="en-US" dirty="0">
+                <a:solidFill>
+                  <a:schemeClr val="tx1"/>
+                </a:solidFill>
+              </a:rPr>
+              <a:t>へ</a:t>
+            </a:r>
+            <a:r>
+              <a:rPr lang="ja-JP" altLang="en-US" dirty="0" smtClean="0">
+                <a:solidFill>
+                  <a:schemeClr val="tx1"/>
+                </a:solidFill>
+              </a:rPr>
+              <a:t>の抗議のためのもの</a:t>
+            </a:r>
+            <a:r>
+              <a:rPr lang="ja-JP" altLang="en-US" dirty="0" smtClean="0">
+                <a:solidFill>
+                  <a:schemeClr val="tx1"/>
+                </a:solidFill>
+              </a:rPr>
+              <a:t>だ</a:t>
+            </a:r>
+            <a:r>
+              <a:rPr lang="ja-JP" altLang="en-US" dirty="0" smtClean="0">
+                <a:solidFill>
+                  <a:schemeClr val="tx1"/>
+                </a:solidFill>
+              </a:rPr>
+              <a:t>と考察した</a:t>
+            </a:r>
+            <a:r>
+              <a:rPr lang="ja-JP" altLang="en-US" dirty="0" smtClean="0">
+                <a:solidFill>
+                  <a:schemeClr val="tx1"/>
+                </a:solidFill>
+              </a:rPr>
+              <a:t>．</a:t>
+            </a:r>
+            <a:r>
+              <a:rPr lang="en-US" altLang="ja-JP" dirty="0" smtClean="0">
+                <a:solidFill>
+                  <a:schemeClr val="tx1"/>
+                </a:solidFill>
+              </a:rPr>
+              <a:t/>
+            </a:r>
+            <a:br>
+              <a:rPr lang="en-US" altLang="ja-JP" dirty="0" smtClean="0">
+                <a:solidFill>
+                  <a:schemeClr val="tx1"/>
+                </a:solidFill>
+              </a:rPr>
+            </a:br>
+            <a:r>
+              <a:rPr lang="ja-JP" altLang="en-US" dirty="0" smtClean="0">
+                <a:solidFill>
+                  <a:schemeClr val="tx1"/>
+                </a:solidFill>
+              </a:rPr>
+              <a:t>（</a:t>
+            </a:r>
+            <a:r>
+              <a:rPr lang="en-US" altLang="ja-JP" dirty="0" smtClean="0">
+                <a:solidFill>
+                  <a:schemeClr val="tx1"/>
+                </a:solidFill>
+              </a:rPr>
+              <a:t>Google Trend</a:t>
+            </a:r>
+            <a:r>
+              <a:rPr lang="ja-JP" altLang="en-US" dirty="0" smtClean="0">
+                <a:solidFill>
+                  <a:schemeClr val="tx1"/>
+                </a:solidFill>
+              </a:rPr>
+              <a:t>の調査結果</a:t>
+            </a:r>
+            <a:r>
+              <a:rPr lang="ja-JP" altLang="en-US" smtClean="0">
+                <a:solidFill>
+                  <a:schemeClr val="tx1"/>
+                </a:solidFill>
+              </a:rPr>
+              <a:t>も載せて丁寧に説明する）</a:t>
             </a:r>
             <a:endParaRPr lang="en-US" altLang="ja-JP" dirty="0" smtClean="0">
               <a:solidFill>
@@ -19620,6 +19667,126 @@
           </a:extLst>
         </p:spPr>
       </p:pic>
+      <p:pic>
+        <p:nvPicPr>
+          <p:cNvPr id="2050" name="Picture 2"/>
+          <p:cNvPicPr>
+            <a:picLocks noChangeAspect="1" noChangeArrowheads="1"/>
+          </p:cNvPicPr>
+          <p:nvPr/>
+        </p:nvPicPr>
+        <p:blipFill>
+          <a:blip r:embed="rId3">
+            <a:extLst>
+              <a:ext uri="{28A0092B-C50C-407E-A947-70E740481C1C}">
+                <a14:useLocalDpi xmlns:a14="http://schemas.microsoft.com/office/drawing/2010/main" val="0"/>
+              </a:ext>
+            </a:extLst>
+          </a:blip>
+          <a:srcRect/>
+          <a:stretch>
+            <a:fillRect/>
+          </a:stretch>
+        </p:blipFill>
+        <p:spPr bwMode="auto">
+          <a:xfrm>
+            <a:off x="-2385467" y="14275891"/>
+            <a:ext cx="10211841" cy="6530829"/>
+          </a:xfrm>
+          <a:prstGeom prst="rect">
+            <a:avLst/>
+          </a:prstGeom>
+          <a:noFill/>
+          <a:ln>
+            <a:noFill/>
+          </a:ln>
+          <a:extLst>
+            <a:ext uri="{909E8E84-426E-40DD-AFC4-6F175D3DCCD1}">
+              <a14:hiddenFill xmlns:a14="http://schemas.microsoft.com/office/drawing/2010/main">
+                <a:solidFill>
+                  <a:schemeClr val="accent1"/>
+                </a:solidFill>
+              </a14:hiddenFill>
+            </a:ext>
+            <a:ext uri="{91240B29-F687-4F45-9708-019B960494DF}">
+              <a14:hiddenLine xmlns:a14="http://schemas.microsoft.com/office/drawing/2010/main" w="9525">
+                <a:solidFill>
+                  <a:schemeClr val="tx1"/>
+                </a:solidFill>
+                <a:miter lim="800000"/>
+                <a:headEnd/>
+                <a:tailEnd/>
+              </a14:hiddenLine>
+            </a:ext>
+          </a:extLst>
+        </p:spPr>
+      </p:pic>
+      <p:cxnSp>
+        <p:nvCxnSpPr>
+          <p:cNvPr id="10" name="直線矢印コネクタ 9"/>
+          <p:cNvCxnSpPr/>
+          <p:nvPr/>
+        </p:nvCxnSpPr>
+        <p:spPr>
+          <a:xfrm flipH="1">
+            <a:off x="-1403944" y="13627819"/>
+            <a:ext cx="6336704" cy="2304256"/>
+          </a:xfrm>
+          <a:prstGeom prst="straightConnector1">
+            <a:avLst/>
+          </a:prstGeom>
+          <a:ln w="76200">
+            <a:tailEnd type="arrow"/>
+          </a:ln>
+        </p:spPr>
+        <p:style>
+          <a:lnRef idx="1">
+            <a:schemeClr val="accent1"/>
+          </a:lnRef>
+          <a:fillRef idx="0">
+            <a:schemeClr val="accent1"/>
+          </a:fillRef>
+          <a:effectRef idx="0">
+            <a:schemeClr val="accent1"/>
+          </a:effectRef>
+          <a:fontRef idx="minor">
+            <a:schemeClr val="tx1"/>
+          </a:fontRef>
+        </p:style>
+      </p:cxnSp>
+      <p:cxnSp>
+        <p:nvCxnSpPr>
+          <p:cNvPr id="16" name="直線矢印コネクタ 15"/>
+          <p:cNvCxnSpPr/>
+          <p:nvPr/>
+        </p:nvCxnSpPr>
+        <p:spPr>
+          <a:xfrm>
+            <a:off x="5312576" y="13627819"/>
+            <a:ext cx="4807771" cy="1512168"/>
+          </a:xfrm>
+          <a:prstGeom prst="straightConnector1">
+            <a:avLst/>
+          </a:prstGeom>
+          <a:ln w="57150">
+            <a:tailEnd type="arrow"/>
+          </a:ln>
+        </p:spPr>
+        <p:style>
+          <a:lnRef idx="1">
+            <a:schemeClr val="accent1"/>
+          </a:lnRef>
+          <a:fillRef idx="0">
+            <a:schemeClr val="accent1"/>
+          </a:fillRef>
+          <a:effectRef idx="0">
+            <a:schemeClr val="accent1"/>
+          </a:effectRef>
+          <a:fontRef idx="minor">
+            <a:schemeClr val="tx1"/>
+          </a:fontRef>
+        </p:style>
+      </p:cxnSp>
     </p:spTree>
     <p:extLst>
       <p:ext uri="{BB962C8B-B14F-4D97-AF65-F5344CB8AC3E}">
@@ -19638,6 +19805,12 @@
     </p:tnLst>
   </p:timing>
 </p:sld>
+</file>
+
+<file path=ppt/tags/tag1.xml><?xml version="1.0" encoding="utf-8"?>
+<p:tagLst xmlns:a="http://schemas.openxmlformats.org/drawingml/2006/main" xmlns:r="http://schemas.openxmlformats.org/officeDocument/2006/relationships" xmlns:p="http://schemas.openxmlformats.org/presentationml/2006/main">
+  <p:tag name="TAG" val="c5666b97-3eb7-4e95-a574-df83fa6f0c5b"/>
+</p:tagLst>
 </file>
 
 <file path=ppt/theme/theme1.xml><?xml version="1.0" encoding="utf-8"?>

--- a/課題研究/2013/曽我勇貴/ポスター.pptx
+++ b/課題研究/2013/曽我勇貴/ポスター.pptx
@@ -17800,15 +17800,7 @@
                   <a:schemeClr val="tx1"/>
                 </a:solidFill>
               </a:rPr>
-              <a:t>な</a:t>
-            </a:r>
-            <a:r>
-              <a:rPr lang="ja-JP" altLang="en-US" b="1" dirty="0" smtClean="0">
-                <a:solidFill>
-                  <a:schemeClr val="tx1"/>
-                </a:solidFill>
-              </a:rPr>
-              <a:t>情報</a:t>
+              <a:t>な情報</a:t>
             </a:r>
             <a:endParaRPr lang="en-US" altLang="ja-JP" b="1" dirty="0" smtClean="0">
               <a:solidFill>
@@ -18607,8 +18599,8 @@
         </p:nvSpPr>
         <p:spPr>
           <a:xfrm>
-            <a:off x="1077089" y="954411"/>
-            <a:ext cx="7293332" cy="1604839"/>
+            <a:off x="1077089" y="666379"/>
+            <a:ext cx="7293332" cy="1307325"/>
           </a:xfrm>
           <a:prstGeom prst="homePlate">
             <a:avLst/>
@@ -18668,8 +18660,8 @@
         </p:nvSpPr>
         <p:spPr>
           <a:xfrm>
-            <a:off x="810596" y="7647765"/>
-            <a:ext cx="6290656" cy="1604839"/>
+            <a:off x="636227" y="7147099"/>
+            <a:ext cx="6290656" cy="1295719"/>
           </a:xfrm>
           <a:prstGeom prst="homePlate">
             <a:avLst/>
@@ -18721,8 +18713,8 @@
         </p:nvSpPr>
         <p:spPr>
           <a:xfrm>
-            <a:off x="1093579" y="23780947"/>
-            <a:ext cx="6316702" cy="1604839"/>
+            <a:off x="712394" y="24501027"/>
+            <a:ext cx="6316702" cy="1273132"/>
           </a:xfrm>
           <a:prstGeom prst="homePlate">
             <a:avLst/>
@@ -18774,8 +18766,8 @@
         </p:nvSpPr>
         <p:spPr>
           <a:xfrm>
-            <a:off x="1088802" y="9523363"/>
-            <a:ext cx="19485159" cy="13962427"/>
+            <a:off x="1088802" y="8731275"/>
+            <a:ext cx="19485159" cy="15409712"/>
           </a:xfrm>
           <a:prstGeom prst="rect">
             <a:avLst/>
@@ -19024,6 +19016,28 @@
               <a:buFont typeface="+mj-lt"/>
               <a:buAutoNum type="arabicPeriod"/>
             </a:pPr>
+            <a:endParaRPr lang="en-US" altLang="ja-JP" dirty="0" smtClean="0">
+              <a:solidFill>
+                <a:schemeClr val="tx1"/>
+              </a:solidFill>
+            </a:endParaRPr>
+          </a:p>
+          <a:p>
+            <a:pPr marL="1143000" indent="-1143000">
+              <a:buFont typeface="+mj-lt"/>
+              <a:buAutoNum type="arabicPeriod"/>
+            </a:pPr>
+            <a:endParaRPr lang="en-US" altLang="ja-JP" dirty="0">
+              <a:solidFill>
+                <a:schemeClr val="tx1"/>
+              </a:solidFill>
+            </a:endParaRPr>
+          </a:p>
+          <a:p>
+            <a:pPr marL="1143000" indent="-1143000">
+              <a:buFont typeface="+mj-lt"/>
+              <a:buAutoNum type="arabicPeriod"/>
+            </a:pPr>
             <a:r>
               <a:rPr lang="en-US" altLang="ja-JP" dirty="0" smtClean="0">
                 <a:solidFill>
@@ -19038,7 +19052,31 @@
                   <a:schemeClr val="tx1"/>
                 </a:solidFill>
               </a:rPr>
-              <a:t>の参加者の数値が急に変わったことについて，</a:t>
+              <a:t>の参加者の数値が急に変わったことについて</a:t>
+            </a:r>
+            <a:r>
+              <a:rPr lang="ja-JP" altLang="en-US" dirty="0" smtClean="0">
+                <a:solidFill>
+                  <a:schemeClr val="tx1"/>
+                </a:solidFill>
+              </a:rPr>
+              <a:t>，</a:t>
+            </a:r>
+            <a:r>
+              <a:rPr lang="en-US" altLang="ja-JP" dirty="0" smtClean="0">
+                <a:solidFill>
+                  <a:schemeClr val="tx1"/>
+                </a:solidFill>
+              </a:rPr>
+              <a:t>Google Trend</a:t>
+            </a:r>
+            <a:r>
+              <a:rPr lang="ja-JP" altLang="en-US" dirty="0" smtClean="0">
+                <a:solidFill>
+                  <a:schemeClr val="tx1"/>
+                </a:solidFill>
+              </a:rPr>
+              <a:t>で調査したところ，同じような傾向が見られ，</a:t>
             </a:r>
             <a:r>
               <a:rPr lang="en-US" altLang="ja-JP" dirty="0" smtClean="0">
@@ -19070,23 +19108,7 @@
                   <a:schemeClr val="tx1"/>
                 </a:solidFill>
               </a:rPr>
-              <a:t>の抗議のためのもの</a:t>
-            </a:r>
-            <a:r>
-              <a:rPr lang="ja-JP" altLang="en-US" dirty="0" smtClean="0">
-                <a:solidFill>
-                  <a:schemeClr val="tx1"/>
-                </a:solidFill>
-              </a:rPr>
-              <a:t>だ</a:t>
-            </a:r>
-            <a:r>
-              <a:rPr lang="ja-JP" altLang="en-US" dirty="0" smtClean="0">
-                <a:solidFill>
-                  <a:schemeClr val="tx1"/>
-                </a:solidFill>
-              </a:rPr>
-              <a:t>と考察した</a:t>
+              <a:t>の抗議のためのものだと考察した</a:t>
             </a:r>
             <a:r>
               <a:rPr lang="ja-JP" altLang="en-US" dirty="0" smtClean="0">
@@ -19095,53 +19117,6 @@
                 </a:solidFill>
               </a:rPr>
               <a:t>．</a:t>
-            </a:r>
-            <a:r>
-              <a:rPr lang="en-US" altLang="ja-JP" dirty="0" smtClean="0">
-                <a:solidFill>
-                  <a:schemeClr val="tx1"/>
-                </a:solidFill>
-              </a:rPr>
-              <a:t/>
-            </a:r>
-            <a:br>
-              <a:rPr lang="en-US" altLang="ja-JP" dirty="0" smtClean="0">
-                <a:solidFill>
-                  <a:schemeClr val="tx1"/>
-                </a:solidFill>
-              </a:rPr>
-            </a:br>
-            <a:r>
-              <a:rPr lang="ja-JP" altLang="en-US" dirty="0" smtClean="0">
-                <a:solidFill>
-                  <a:schemeClr val="tx1"/>
-                </a:solidFill>
-              </a:rPr>
-              <a:t>（</a:t>
-            </a:r>
-            <a:r>
-              <a:rPr lang="en-US" altLang="ja-JP" dirty="0" smtClean="0">
-                <a:solidFill>
-                  <a:schemeClr val="tx1"/>
-                </a:solidFill>
-              </a:rPr>
-              <a:t>Google Trend</a:t>
-            </a:r>
-            <a:r>
-              <a:rPr lang="ja-JP" altLang="en-US" dirty="0" smtClean="0">
-                <a:solidFill>
-                  <a:schemeClr val="tx1"/>
-                </a:solidFill>
-              </a:rPr>
-              <a:t>の調査結果</a:t>
-            </a:r>
-            <a:r>
-              <a:rPr lang="ja-JP" altLang="en-US" smtClean="0">
-                <a:solidFill>
-                  <a:schemeClr val="tx1"/>
-                </a:solidFill>
-              </a:rPr>
-              <a:t>も載せて丁寧に説明する）</a:t>
             </a:r>
             <a:endParaRPr lang="en-US" altLang="ja-JP" dirty="0" smtClean="0">
               <a:solidFill>
@@ -19159,7 +19134,7 @@
         </p:nvSpPr>
         <p:spPr>
           <a:xfrm>
-            <a:off x="1434131" y="25725163"/>
+            <a:off x="1513644" y="25963702"/>
             <a:ext cx="17869889" cy="3815224"/>
           </a:xfrm>
           <a:prstGeom prst="rect">
@@ -19288,10 +19263,10 @@
         </p:nvGrpSpPr>
         <p:grpSpPr>
           <a:xfrm>
-            <a:off x="810596" y="2718523"/>
-            <a:ext cx="19568962" cy="4928377"/>
-            <a:chOff x="810596" y="2718523"/>
-            <a:chExt cx="19568962" cy="4928377"/>
+            <a:off x="664107" y="1973704"/>
+            <a:ext cx="19568962" cy="4684814"/>
+            <a:chOff x="810596" y="2718524"/>
+            <a:chExt cx="19568962" cy="4684814"/>
           </a:xfrm>
         </p:grpSpPr>
         <p:sp>
@@ -19370,8 +19345,8 @@
           </p:nvSpPr>
           <p:spPr>
             <a:xfrm>
-              <a:off x="9821286" y="2718523"/>
-              <a:ext cx="10558272" cy="4928377"/>
+              <a:off x="9821286" y="2718524"/>
+              <a:ext cx="10558272" cy="4684814"/>
             </a:xfrm>
             <a:prstGeom prst="ellipse">
               <a:avLst/>
@@ -19605,14 +19580,14 @@
       </p:grpSp>
       <p:pic>
         <p:nvPicPr>
-          <p:cNvPr id="23" name="Picture 2"/>
+          <p:cNvPr id="2050" name="Picture 2"/>
           <p:cNvPicPr>
             <a:picLocks noChangeAspect="1" noChangeArrowheads="1"/>
           </p:cNvPicPr>
           <p:nvPr/>
         </p:nvPicPr>
         <p:blipFill>
-          <a:blip r:embed="rId2" cstate="print">
+          <a:blip r:embed="rId2">
             <a:extLst>
               <a:ext uri="{28A0092B-C50C-407E-A947-70E740481C1C}">
                 <a14:useLocalDpi xmlns:a14="http://schemas.microsoft.com/office/drawing/2010/main" val="0"/>
@@ -19626,8 +19601,95 @@
         </p:blipFill>
         <p:spPr bwMode="auto">
           <a:xfrm>
-            <a:off x="7410281" y="13339787"/>
-            <a:ext cx="12901186" cy="5837869"/>
+            <a:off x="-66731" y="13568510"/>
+            <a:ext cx="10211841" cy="6530829"/>
+          </a:xfrm>
+          <a:prstGeom prst="rect">
+            <a:avLst/>
+          </a:prstGeom>
+          <a:noFill/>
+          <a:ln>
+            <a:noFill/>
+          </a:ln>
+          <a:extLst>
+            <a:ext uri="{909E8E84-426E-40DD-AFC4-6F175D3DCCD1}">
+              <a14:hiddenFill xmlns:a14="http://schemas.microsoft.com/office/drawing/2010/main">
+                <a:solidFill>
+                  <a:schemeClr val="accent1"/>
+                </a:solidFill>
+              </a14:hiddenFill>
+            </a:ext>
+            <a:ext uri="{91240B29-F687-4F45-9708-019B960494DF}">
+              <a14:hiddenLine xmlns:a14="http://schemas.microsoft.com/office/drawing/2010/main" w="9525">
+                <a:solidFill>
+                  <a:schemeClr val="tx1"/>
+                </a:solidFill>
+                <a:miter lim="800000"/>
+                <a:headEnd/>
+                <a:tailEnd/>
+              </a14:hiddenLine>
+            </a:ext>
+          </a:extLst>
+        </p:spPr>
+      </p:pic>
+      <p:cxnSp>
+        <p:nvCxnSpPr>
+          <p:cNvPr id="10" name="直線矢印コネクタ 9"/>
+          <p:cNvCxnSpPr/>
+          <p:nvPr/>
+        </p:nvCxnSpPr>
+        <p:spPr>
+          <a:xfrm flipH="1">
+            <a:off x="712394" y="12907739"/>
+            <a:ext cx="4501980" cy="2520280"/>
+          </a:xfrm>
+          <a:prstGeom prst="straightConnector1">
+            <a:avLst/>
+          </a:prstGeom>
+          <a:ln w="76200">
+            <a:tailEnd type="arrow"/>
+          </a:ln>
+        </p:spPr>
+        <p:style>
+          <a:lnRef idx="1">
+            <a:schemeClr val="accent1"/>
+          </a:lnRef>
+          <a:fillRef idx="0">
+            <a:schemeClr val="accent1"/>
+          </a:fillRef>
+          <a:effectRef idx="0">
+            <a:schemeClr val="accent1"/>
+          </a:effectRef>
+          <a:fontRef idx="minor">
+            <a:schemeClr val="tx1"/>
+          </a:fontRef>
+        </p:style>
+      </p:cxnSp>
+      <p:pic>
+        <p:nvPicPr>
+          <p:cNvPr id="23" name="Picture 2"/>
+          <p:cNvPicPr>
+            <a:picLocks noChangeAspect="1" noChangeArrowheads="1"/>
+          </p:cNvPicPr>
+          <p:nvPr/>
+        </p:nvPicPr>
+        <p:blipFill>
+          <a:blip r:embed="rId3" cstate="print">
+            <a:extLst>
+              <a:ext uri="{28A0092B-C50C-407E-A947-70E740481C1C}">
+                <a14:useLocalDpi xmlns:a14="http://schemas.microsoft.com/office/drawing/2010/main" val="0"/>
+              </a:ext>
+            </a:extLst>
+          </a:blip>
+          <a:srcRect/>
+          <a:stretch>
+            <a:fillRect/>
+          </a:stretch>
+        </p:blipFill>
+        <p:spPr bwMode="auto">
+          <a:xfrm>
+            <a:off x="8973685" y="13568510"/>
+            <a:ext cx="12356127" cy="5591226"/>
           </a:xfrm>
           <a:prstGeom prst="rect">
             <a:avLst/>
@@ -19667,93 +19729,6 @@
           </a:extLst>
         </p:spPr>
       </p:pic>
-      <p:pic>
-        <p:nvPicPr>
-          <p:cNvPr id="2050" name="Picture 2"/>
-          <p:cNvPicPr>
-            <a:picLocks noChangeAspect="1" noChangeArrowheads="1"/>
-          </p:cNvPicPr>
-          <p:nvPr/>
-        </p:nvPicPr>
-        <p:blipFill>
-          <a:blip r:embed="rId3">
-            <a:extLst>
-              <a:ext uri="{28A0092B-C50C-407E-A947-70E740481C1C}">
-                <a14:useLocalDpi xmlns:a14="http://schemas.microsoft.com/office/drawing/2010/main" val="0"/>
-              </a:ext>
-            </a:extLst>
-          </a:blip>
-          <a:srcRect/>
-          <a:stretch>
-            <a:fillRect/>
-          </a:stretch>
-        </p:blipFill>
-        <p:spPr bwMode="auto">
-          <a:xfrm>
-            <a:off x="-2385467" y="14275891"/>
-            <a:ext cx="10211841" cy="6530829"/>
-          </a:xfrm>
-          <a:prstGeom prst="rect">
-            <a:avLst/>
-          </a:prstGeom>
-          <a:noFill/>
-          <a:ln>
-            <a:noFill/>
-          </a:ln>
-          <a:extLst>
-            <a:ext uri="{909E8E84-426E-40DD-AFC4-6F175D3DCCD1}">
-              <a14:hiddenFill xmlns:a14="http://schemas.microsoft.com/office/drawing/2010/main">
-                <a:solidFill>
-                  <a:schemeClr val="accent1"/>
-                </a:solidFill>
-              </a14:hiddenFill>
-            </a:ext>
-            <a:ext uri="{91240B29-F687-4F45-9708-019B960494DF}">
-              <a14:hiddenLine xmlns:a14="http://schemas.microsoft.com/office/drawing/2010/main" w="9525">
-                <a:solidFill>
-                  <a:schemeClr val="tx1"/>
-                </a:solidFill>
-                <a:miter lim="800000"/>
-                <a:headEnd/>
-                <a:tailEnd/>
-              </a14:hiddenLine>
-            </a:ext>
-          </a:extLst>
-        </p:spPr>
-      </p:pic>
-      <p:cxnSp>
-        <p:nvCxnSpPr>
-          <p:cNvPr id="10" name="直線矢印コネクタ 9"/>
-          <p:cNvCxnSpPr/>
-          <p:nvPr/>
-        </p:nvCxnSpPr>
-        <p:spPr>
-          <a:xfrm flipH="1">
-            <a:off x="-1403944" y="13627819"/>
-            <a:ext cx="6336704" cy="2304256"/>
-          </a:xfrm>
-          <a:prstGeom prst="straightConnector1">
-            <a:avLst/>
-          </a:prstGeom>
-          <a:ln w="76200">
-            <a:tailEnd type="arrow"/>
-          </a:ln>
-        </p:spPr>
-        <p:style>
-          <a:lnRef idx="1">
-            <a:schemeClr val="accent1"/>
-          </a:lnRef>
-          <a:fillRef idx="0">
-            <a:schemeClr val="accent1"/>
-          </a:fillRef>
-          <a:effectRef idx="0">
-            <a:schemeClr val="accent1"/>
-          </a:effectRef>
-          <a:fontRef idx="minor">
-            <a:schemeClr val="tx1"/>
-          </a:fontRef>
-        </p:style>
-      </p:cxnSp>
       <p:cxnSp>
         <p:nvCxnSpPr>
           <p:cNvPr id="16" name="直線矢印コネクタ 15"/>
@@ -19762,8 +19737,8 @@
         </p:nvCxnSpPr>
         <p:spPr>
           <a:xfrm>
-            <a:off x="5312576" y="13627819"/>
-            <a:ext cx="4807771" cy="1512168"/>
+            <a:off x="5312576" y="12907739"/>
+            <a:ext cx="6172912" cy="2232248"/>
           </a:xfrm>
           <a:prstGeom prst="straightConnector1">
             <a:avLst/>

--- a/課題研究/2013/曽我勇貴/ポスター.pptx
+++ b/課題研究/2013/曽我勇貴/ポスター.pptx
@@ -109,6 +109,314 @@
     </a:lvl9pPr>
   </p:defaultTextStyle>
 </p:presentation>
+</file>
+
+<file path=ppt/charts/chart1.xml><?xml version="1.0" encoding="utf-8"?>
+<c:chartSpace xmlns:c="http://schemas.openxmlformats.org/drawingml/2006/chart" xmlns:a="http://schemas.openxmlformats.org/drawingml/2006/main" xmlns:r="http://schemas.openxmlformats.org/officeDocument/2006/relationships">
+  <c:date1904 val="0"/>
+  <c:lang val="ja-JP"/>
+  <c:roundedCorners val="0"/>
+  <mc:AlternateContent xmlns:mc="http://schemas.openxmlformats.org/markup-compatibility/2006">
+    <mc:Choice xmlns:c14="http://schemas.microsoft.com/office/drawing/2007/8/2/chart" Requires="c14">
+      <c14:style val="102"/>
+    </mc:Choice>
+    <mc:Fallback>
+      <c:style val="2"/>
+    </mc:Fallback>
+  </mc:AlternateContent>
+  <c:chart>
+    <c:autoTitleDeleted val="1"/>
+    <c:plotArea>
+      <c:layout>
+        <c:manualLayout>
+          <c:layoutTarget val="inner"/>
+          <c:xMode val="edge"/>
+          <c:yMode val="edge"/>
+          <c:x val="0.11623732261835713"/>
+          <c:y val="0.11364514429732527"/>
+          <c:w val="0.6386917876633561"/>
+          <c:h val="0.61528534252731948"/>
+        </c:manualLayout>
+      </c:layout>
+      <c:lineChart>
+        <c:grouping val="standard"/>
+        <c:varyColors val="0"/>
+        <c:ser>
+          <c:idx val="0"/>
+          <c:order val="0"/>
+          <c:tx>
+            <c:strRef>
+              <c:f>Sheet1!$I$29</c:f>
+              <c:strCache>
+                <c:ptCount val="1"/>
+                <c:pt idx="0">
+                  <c:v>活動中の登録者数</c:v>
+                </c:pt>
+              </c:strCache>
+            </c:strRef>
+          </c:tx>
+          <c:spPr>
+            <a:ln w="63500">
+              <a:solidFill>
+                <a:srgbClr val="FF0000"/>
+              </a:solidFill>
+            </a:ln>
+          </c:spPr>
+          <c:marker>
+            <c:symbol val="none"/>
+          </c:marker>
+          <c:cat>
+            <c:multiLvlStrRef>
+              <c:f>Sheet1!$G$30:$H$53</c:f>
+              <c:multiLvlStrCache>
+                <c:ptCount val="24"/>
+                <c:lvl>
+                  <c:pt idx="0">
+                    <c:v>1月</c:v>
+                  </c:pt>
+                  <c:pt idx="1">
+                    <c:v>2月</c:v>
+                  </c:pt>
+                  <c:pt idx="2">
+                    <c:v>3月</c:v>
+                  </c:pt>
+                  <c:pt idx="3">
+                    <c:v>4月</c:v>
+                  </c:pt>
+                  <c:pt idx="4">
+                    <c:v>5月</c:v>
+                  </c:pt>
+                  <c:pt idx="5">
+                    <c:v>6月</c:v>
+                  </c:pt>
+                  <c:pt idx="6">
+                    <c:v>7月</c:v>
+                  </c:pt>
+                  <c:pt idx="7">
+                    <c:v>8月</c:v>
+                  </c:pt>
+                  <c:pt idx="8">
+                    <c:v>9月</c:v>
+                  </c:pt>
+                  <c:pt idx="9">
+                    <c:v>10月</c:v>
+                  </c:pt>
+                  <c:pt idx="10">
+                    <c:v>11月</c:v>
+                  </c:pt>
+                  <c:pt idx="11">
+                    <c:v>12月</c:v>
+                  </c:pt>
+                  <c:pt idx="12">
+                    <c:v>1月</c:v>
+                  </c:pt>
+                  <c:pt idx="13">
+                    <c:v>2月</c:v>
+                  </c:pt>
+                  <c:pt idx="14">
+                    <c:v>3月</c:v>
+                  </c:pt>
+                  <c:pt idx="15">
+                    <c:v>4月</c:v>
+                  </c:pt>
+                  <c:pt idx="16">
+                    <c:v>5月</c:v>
+                  </c:pt>
+                  <c:pt idx="17">
+                    <c:v>6月</c:v>
+                  </c:pt>
+                  <c:pt idx="18">
+                    <c:v>7月</c:v>
+                  </c:pt>
+                  <c:pt idx="19">
+                    <c:v>8月</c:v>
+                  </c:pt>
+                  <c:pt idx="20">
+                    <c:v>9月</c:v>
+                  </c:pt>
+                  <c:pt idx="21">
+                    <c:v>10月</c:v>
+                  </c:pt>
+                  <c:pt idx="22">
+                    <c:v>11月</c:v>
+                  </c:pt>
+                  <c:pt idx="23">
+                    <c:v>12月</c:v>
+                  </c:pt>
+                </c:lvl>
+                <c:lvl>
+                  <c:pt idx="0">
+                    <c:v>2012</c:v>
+                  </c:pt>
+                  <c:pt idx="12">
+                    <c:v>2013</c:v>
+                  </c:pt>
+                </c:lvl>
+              </c:multiLvlStrCache>
+            </c:multiLvlStrRef>
+          </c:cat>
+          <c:val>
+            <c:numRef>
+              <c:f>Sheet1!$I$30:$I$53</c:f>
+              <c:numCache>
+                <c:formatCode>General</c:formatCode>
+                <c:ptCount val="24"/>
+                <c:pt idx="0">
+                  <c:v>10750</c:v>
+                </c:pt>
+                <c:pt idx="1">
+                  <c:v>11894</c:v>
+                </c:pt>
+                <c:pt idx="2">
+                  <c:v>11957</c:v>
+                </c:pt>
+                <c:pt idx="3">
+                  <c:v>19968</c:v>
+                </c:pt>
+                <c:pt idx="4">
+                  <c:v>11834</c:v>
+                </c:pt>
+                <c:pt idx="5">
+                  <c:v>11684</c:v>
+                </c:pt>
+                <c:pt idx="6">
+                  <c:v>11725</c:v>
+                </c:pt>
+                <c:pt idx="7">
+                  <c:v>11849</c:v>
+                </c:pt>
+                <c:pt idx="8">
+                  <c:v>11841</c:v>
+                </c:pt>
+                <c:pt idx="9">
+                  <c:v>11819</c:v>
+                </c:pt>
+                <c:pt idx="10">
+                  <c:v>11886</c:v>
+                </c:pt>
+                <c:pt idx="11">
+                  <c:v>11692</c:v>
+                </c:pt>
+                <c:pt idx="12">
+                  <c:v>11446</c:v>
+                </c:pt>
+                <c:pt idx="13">
+                  <c:v>12089</c:v>
+                </c:pt>
+                <c:pt idx="14">
+                  <c:v>12141</c:v>
+                </c:pt>
+                <c:pt idx="15">
+                  <c:v>12165</c:v>
+                </c:pt>
+                <c:pt idx="16">
+                  <c:v>12135</c:v>
+                </c:pt>
+                <c:pt idx="17">
+                  <c:v>11875</c:v>
+                </c:pt>
+                <c:pt idx="18">
+                  <c:v>11859</c:v>
+                </c:pt>
+                <c:pt idx="19">
+                  <c:v>11603</c:v>
+                </c:pt>
+                <c:pt idx="20">
+                  <c:v>11552</c:v>
+                </c:pt>
+                <c:pt idx="21">
+                  <c:v>11481</c:v>
+                </c:pt>
+                <c:pt idx="22">
+                  <c:v>11481</c:v>
+                </c:pt>
+                <c:pt idx="23">
+                  <c:v>10880</c:v>
+                </c:pt>
+              </c:numCache>
+            </c:numRef>
+          </c:val>
+          <c:smooth val="0"/>
+        </c:ser>
+        <c:dLbls>
+          <c:showLegendKey val="0"/>
+          <c:showVal val="0"/>
+          <c:showCatName val="0"/>
+          <c:showSerName val="0"/>
+          <c:showPercent val="0"/>
+          <c:showBubbleSize val="0"/>
+        </c:dLbls>
+        <c:marker val="1"/>
+        <c:smooth val="0"/>
+        <c:axId val="71087616"/>
+        <c:axId val="71089536"/>
+      </c:lineChart>
+      <c:catAx>
+        <c:axId val="71087616"/>
+        <c:scaling>
+          <c:orientation val="minMax"/>
+        </c:scaling>
+        <c:delete val="0"/>
+        <c:axPos val="b"/>
+        <c:majorTickMark val="out"/>
+        <c:minorTickMark val="none"/>
+        <c:tickLblPos val="nextTo"/>
+        <c:crossAx val="71089536"/>
+        <c:crosses val="autoZero"/>
+        <c:auto val="1"/>
+        <c:lblAlgn val="ctr"/>
+        <c:lblOffset val="100"/>
+        <c:noMultiLvlLbl val="0"/>
+      </c:catAx>
+      <c:valAx>
+        <c:axId val="71089536"/>
+        <c:scaling>
+          <c:orientation val="minMax"/>
+        </c:scaling>
+        <c:delete val="0"/>
+        <c:axPos val="l"/>
+        <c:majorGridlines/>
+        <c:numFmt formatCode="General" sourceLinked="1"/>
+        <c:majorTickMark val="out"/>
+        <c:minorTickMark val="none"/>
+        <c:tickLblPos val="nextTo"/>
+        <c:crossAx val="71087616"/>
+        <c:crosses val="autoZero"/>
+        <c:crossBetween val="between"/>
+      </c:valAx>
+    </c:plotArea>
+    <c:legend>
+      <c:legendPos val="r"/>
+      <c:layout>
+        <c:manualLayout>
+          <c:xMode val="edge"/>
+          <c:yMode val="edge"/>
+          <c:x val="0.45387030254507377"/>
+          <c:y val="0.61716238769974374"/>
+          <c:w val="0.29086237145644117"/>
+          <c:h val="8.853011338315718E-2"/>
+        </c:manualLayout>
+      </c:layout>
+      <c:overlay val="0"/>
+    </c:legend>
+    <c:plotVisOnly val="1"/>
+    <c:dispBlanksAs val="gap"/>
+    <c:showDLblsOverMax val="0"/>
+  </c:chart>
+  <c:txPr>
+    <a:bodyPr/>
+    <a:lstStyle/>
+    <a:p>
+      <a:pPr>
+        <a:defRPr sz="3200"/>
+      </a:pPr>
+      <a:endParaRPr lang="ja-JP"/>
+    </a:p>
+  </c:txPr>
+  <c:externalData r:id="rId1">
+    <c:autoUpdate val="0"/>
+  </c:externalData>
+</c:chartSpace>
 </file>
 
 <file path=ppt/slideLayouts/slideLayout1.xml><?xml version="1.0" encoding="utf-8"?>
@@ -18766,8 +19074,8 @@
         </p:nvSpPr>
         <p:spPr>
           <a:xfrm>
-            <a:off x="1088802" y="8731275"/>
-            <a:ext cx="19485159" cy="15409712"/>
+            <a:off x="712394" y="8731275"/>
+            <a:ext cx="20206142" cy="15409712"/>
           </a:xfrm>
           <a:prstGeom prst="rect">
             <a:avLst/>
@@ -18894,7 +19202,23 @@
                   <a:schemeClr val="tx1"/>
                 </a:solidFill>
               </a:rPr>
-              <a:t>の参加者</a:t>
+              <a:t>の登録者数について</a:t>
+            </a:r>
+            <a:r>
+              <a:rPr lang="ja-JP" altLang="en-US" dirty="0" smtClean="0">
+                <a:solidFill>
+                  <a:schemeClr val="tx1"/>
+                </a:solidFill>
+              </a:rPr>
+              <a:t>，</a:t>
+            </a:r>
+            <a:r>
+              <a:rPr lang="ja-JP" altLang="en-US" dirty="0" smtClean="0">
+                <a:solidFill>
+                  <a:schemeClr val="tx1"/>
+                </a:solidFill>
+              </a:rPr>
+              <a:t>変なところがあったから，</a:t>
             </a:r>
             <a:r>
               <a:rPr lang="en-US" altLang="ja-JP" dirty="0" smtClean="0">
@@ -18902,7 +19226,7 @@
                   <a:schemeClr val="tx1"/>
                 </a:solidFill>
               </a:rPr>
-              <a:t>(</a:t>
+              <a:t>Google Trend</a:t>
             </a:r>
             <a:r>
               <a:rPr lang="ja-JP" altLang="en-US" dirty="0" smtClean="0">
@@ -18910,23 +19234,7 @@
                   <a:schemeClr val="tx1"/>
                 </a:solidFill>
               </a:rPr>
-              <a:t>日本国内</a:t>
-            </a:r>
-            <a:r>
-              <a:rPr lang="en-US" altLang="ja-JP" dirty="0" smtClean="0">
-                <a:solidFill>
-                  <a:schemeClr val="tx1"/>
-                </a:solidFill>
-              </a:rPr>
-              <a:t>)</a:t>
-            </a:r>
-            <a:r>
-              <a:rPr lang="ja-JP" altLang="en-US" dirty="0" smtClean="0">
-                <a:solidFill>
-                  <a:schemeClr val="tx1"/>
-                </a:solidFill>
-              </a:rPr>
-              <a:t>について調査した．</a:t>
+              <a:t>で調査した．</a:t>
             </a:r>
             <a:endParaRPr lang="en-US" altLang="ja-JP" dirty="0" smtClean="0">
               <a:solidFill>
@@ -19052,15 +19360,7 @@
                   <a:schemeClr val="tx1"/>
                 </a:solidFill>
               </a:rPr>
-              <a:t>の参加者の数値が急に変わったことについて</a:t>
-            </a:r>
-            <a:r>
-              <a:rPr lang="ja-JP" altLang="en-US" dirty="0" smtClean="0">
-                <a:solidFill>
-                  <a:schemeClr val="tx1"/>
-                </a:solidFill>
-              </a:rPr>
-              <a:t>，</a:t>
+              <a:t>の参加者の数値が急に変わったことについて，</a:t>
             </a:r>
             <a:r>
               <a:rPr lang="en-US" altLang="ja-JP" dirty="0" smtClean="0">
@@ -19092,31 +19392,7 @@
                   <a:schemeClr val="tx1"/>
                 </a:solidFill>
               </a:rPr>
-              <a:t>法案</a:t>
-            </a:r>
-            <a:r>
-              <a:rPr lang="ja-JP" altLang="en-US" dirty="0">
-                <a:solidFill>
-                  <a:schemeClr val="tx1"/>
-                </a:solidFill>
-              </a:rPr>
-              <a:t>へ</a:t>
-            </a:r>
-            <a:r>
-              <a:rPr lang="ja-JP" altLang="en-US" dirty="0" smtClean="0">
-                <a:solidFill>
-                  <a:schemeClr val="tx1"/>
-                </a:solidFill>
-              </a:rPr>
-              <a:t>の抗議のためのものだと考察した</a:t>
-            </a:r>
-            <a:r>
-              <a:rPr lang="ja-JP" altLang="en-US" dirty="0" smtClean="0">
-                <a:solidFill>
-                  <a:schemeClr val="tx1"/>
-                </a:solidFill>
-              </a:rPr>
-              <a:t>．</a:t>
+              <a:t>法案への抗議のためのものだと考察した．</a:t>
             </a:r>
             <a:endParaRPr lang="en-US" altLang="ja-JP" dirty="0" smtClean="0">
               <a:solidFill>
@@ -19207,7 +19483,15 @@
                   <a:schemeClr val="tx1"/>
                 </a:solidFill>
               </a:rPr>
-              <a:t>で解析．</a:t>
+              <a:t>で</a:t>
+            </a:r>
+            <a:r>
+              <a:rPr kumimoji="1" lang="ja-JP" altLang="en-US" dirty="0" smtClean="0">
+                <a:solidFill>
+                  <a:schemeClr val="tx1"/>
+                </a:solidFill>
+              </a:rPr>
+              <a:t>解析する．</a:t>
             </a:r>
             <a:endParaRPr kumimoji="1" lang="en-US" altLang="ja-JP" dirty="0" smtClean="0">
               <a:solidFill>
@@ -19601,7 +19885,7 @@
         </p:blipFill>
         <p:spPr bwMode="auto">
           <a:xfrm>
-            <a:off x="-66731" y="13568510"/>
+            <a:off x="10471961" y="13411795"/>
             <a:ext cx="10211841" cy="6530829"/>
           </a:xfrm>
           <a:prstGeom prst="rect">
@@ -19632,136 +19916,198 @@
           </a:extLst>
         </p:spPr>
       </p:pic>
-      <p:cxnSp>
-        <p:nvCxnSpPr>
-          <p:cNvPr id="10" name="直線矢印コネクタ 9"/>
-          <p:cNvCxnSpPr/>
+      <p:graphicFrame>
+        <p:nvGraphicFramePr>
+          <p:cNvPr id="18" name="グラフ 17"/>
+          <p:cNvGraphicFramePr>
+            <a:graphicFrameLocks/>
+          </p:cNvGraphicFramePr>
+          <p:nvPr>
+            <p:extLst>
+              <p:ext uri="{D42A27DB-BD31-4B8C-83A1-F6EECF244321}">
+                <p14:modId xmlns:p14="http://schemas.microsoft.com/office/powerpoint/2010/main" val="2901176562"/>
+              </p:ext>
+            </p:extLst>
+          </p:nvPr>
+        </p:nvGraphicFramePr>
+        <p:xfrm>
+          <a:off x="785249" y="13001526"/>
+          <a:ext cx="12487693" cy="6408712"/>
+        </p:xfrm>
+        <a:graphic>
+          <a:graphicData uri="http://schemas.openxmlformats.org/drawingml/2006/chart">
+            <c:chart xmlns:c="http://schemas.openxmlformats.org/drawingml/2006/chart" xmlns:r="http://schemas.openxmlformats.org/officeDocument/2006/relationships" r:id="rId3"/>
+          </a:graphicData>
+        </a:graphic>
+      </p:graphicFrame>
+      <p:sp>
+        <p:nvSpPr>
+          <p:cNvPr id="30" name="円/楕円 29"/>
+          <p:cNvSpPr/>
           <p:nvPr/>
-        </p:nvCxnSpPr>
+        </p:nvSpPr>
         <p:spPr>
-          <a:xfrm flipH="1">
-            <a:off x="712394" y="12907739"/>
-            <a:ext cx="4501980" cy="2520280"/>
+          <a:xfrm>
+            <a:off x="2970655" y="14347899"/>
+            <a:ext cx="864096" cy="864096"/>
           </a:xfrm>
-          <a:prstGeom prst="straightConnector1">
+          <a:prstGeom prst="ellipse">
             <a:avLst/>
           </a:prstGeom>
+          <a:noFill/>
           <a:ln w="76200">
-            <a:tailEnd type="arrow"/>
+            <a:solidFill>
+              <a:schemeClr val="tx1"/>
+            </a:solidFill>
           </a:ln>
         </p:spPr>
         <p:style>
-          <a:lnRef idx="1">
-            <a:schemeClr val="accent1"/>
+          <a:lnRef idx="2">
+            <a:schemeClr val="accent1">
+              <a:shade val="50000"/>
+            </a:schemeClr>
           </a:lnRef>
-          <a:fillRef idx="0">
+          <a:fillRef idx="1">
             <a:schemeClr val="accent1"/>
           </a:fillRef>
           <a:effectRef idx="0">
             <a:schemeClr val="accent1"/>
           </a:effectRef>
           <a:fontRef idx="minor">
-            <a:schemeClr val="tx1"/>
+            <a:schemeClr val="lt1"/>
           </a:fontRef>
         </p:style>
-      </p:cxnSp>
-      <p:pic>
-        <p:nvPicPr>
-          <p:cNvPr id="23" name="Picture 2"/>
-          <p:cNvPicPr>
-            <a:picLocks noChangeAspect="1" noChangeArrowheads="1"/>
-          </p:cNvPicPr>
+        <p:txBody>
+          <a:bodyPr rtlCol="0" anchor="ctr"/>
+          <a:lstStyle/>
+          <a:p>
+            <a:pPr algn="ctr"/>
+            <a:endParaRPr kumimoji="1" lang="ja-JP" altLang="en-US"/>
+          </a:p>
+        </p:txBody>
+      </p:sp>
+      <p:sp>
+        <p:nvSpPr>
+          <p:cNvPr id="32" name="円/楕円 31"/>
+          <p:cNvSpPr/>
           <p:nvPr/>
-        </p:nvPicPr>
-        <p:blipFill>
-          <a:blip r:embed="rId3" cstate="print">
-            <a:extLst>
-              <a:ext uri="{28A0092B-C50C-407E-A947-70E740481C1C}">
-                <a14:useLocalDpi xmlns:a14="http://schemas.microsoft.com/office/drawing/2010/main" val="0"/>
-              </a:ext>
-            </a:extLst>
-          </a:blip>
-          <a:srcRect/>
-          <a:stretch>
-            <a:fillRect/>
-          </a:stretch>
-        </p:blipFill>
-        <p:spPr bwMode="auto">
+        </p:nvSpPr>
+        <p:spPr>
           <a:xfrm>
-            <a:off x="8973685" y="13568510"/>
-            <a:ext cx="12356127" cy="5591226"/>
+            <a:off x="10827410" y="15126306"/>
+            <a:ext cx="864096" cy="864096"/>
           </a:xfrm>
-          <a:prstGeom prst="rect">
+          <a:prstGeom prst="ellipse">
             <a:avLst/>
           </a:prstGeom>
           <a:noFill/>
-          <a:ln>
-            <a:noFill/>
-          </a:ln>
-          <a:effectLst/>
-          <a:extLst>
-            <a:ext uri="{909E8E84-426E-40DD-AFC4-6F175D3DCCD1}">
-              <a14:hiddenFill xmlns:a14="http://schemas.microsoft.com/office/drawing/2010/main">
-                <a:solidFill>
-                  <a:schemeClr val="accent1"/>
-                </a:solidFill>
-              </a14:hiddenFill>
-            </a:ext>
-            <a:ext uri="{91240B29-F687-4F45-9708-019B960494DF}">
-              <a14:hiddenLine xmlns:a14="http://schemas.microsoft.com/office/drawing/2010/main" w="9525">
-                <a:solidFill>
-                  <a:schemeClr val="tx1"/>
-                </a:solidFill>
-                <a:miter lim="800000"/>
-                <a:headEnd/>
-                <a:tailEnd/>
-              </a14:hiddenLine>
-            </a:ext>
-            <a:ext uri="{AF507438-7753-43E0-B8FC-AC1667EBCBE1}">
-              <a14:hiddenEffects xmlns:a14="http://schemas.microsoft.com/office/drawing/2010/main">
-                <a:effectLst>
-                  <a:outerShdw dist="35921" dir="2700000" algn="ctr" rotWithShape="0">
-                    <a:schemeClr val="bg2"/>
-                  </a:outerShdw>
-                </a:effectLst>
-              </a14:hiddenEffects>
-            </a:ext>
-          </a:extLst>
-        </p:spPr>
-      </p:pic>
-      <p:cxnSp>
-        <p:nvCxnSpPr>
-          <p:cNvPr id="16" name="直線矢印コネクタ 15"/>
-          <p:cNvCxnSpPr/>
-          <p:nvPr/>
-        </p:nvCxnSpPr>
-        <p:spPr>
-          <a:xfrm>
-            <a:off x="5312576" y="12907739"/>
-            <a:ext cx="6172912" cy="2232248"/>
-          </a:xfrm>
-          <a:prstGeom prst="straightConnector1">
-            <a:avLst/>
-          </a:prstGeom>
-          <a:ln w="57150">
-            <a:tailEnd type="arrow"/>
+          <a:ln w="76200">
+            <a:solidFill>
+              <a:schemeClr val="tx1"/>
+            </a:solidFill>
           </a:ln>
         </p:spPr>
         <p:style>
-          <a:lnRef idx="1">
-            <a:schemeClr val="accent1"/>
+          <a:lnRef idx="2">
+            <a:schemeClr val="accent1">
+              <a:shade val="50000"/>
+            </a:schemeClr>
           </a:lnRef>
-          <a:fillRef idx="0">
+          <a:fillRef idx="1">
             <a:schemeClr val="accent1"/>
           </a:fillRef>
           <a:effectRef idx="0">
             <a:schemeClr val="accent1"/>
           </a:effectRef>
           <a:fontRef idx="minor">
-            <a:schemeClr val="tx1"/>
+            <a:schemeClr val="lt1"/>
           </a:fontRef>
         </p:style>
-      </p:cxnSp>
+        <p:txBody>
+          <a:bodyPr rtlCol="0" anchor="ctr"/>
+          <a:lstStyle/>
+          <a:p>
+            <a:pPr algn="ctr"/>
+            <a:endParaRPr kumimoji="1" lang="ja-JP" altLang="en-US"/>
+          </a:p>
+        </p:txBody>
+      </p:sp>
+      <p:sp>
+        <p:nvSpPr>
+          <p:cNvPr id="31" name="テキスト ボックス 30"/>
+          <p:cNvSpPr txBox="1"/>
+          <p:nvPr/>
+        </p:nvSpPr>
+        <p:spPr>
+          <a:xfrm>
+            <a:off x="2772520" y="19460467"/>
+            <a:ext cx="6748571" cy="769441"/>
+          </a:xfrm>
+          <a:prstGeom prst="rect">
+            <a:avLst/>
+          </a:prstGeom>
+          <a:noFill/>
+        </p:spPr>
+        <p:txBody>
+          <a:bodyPr wrap="square" rtlCol="0">
+            <a:spAutoFit/>
+          </a:bodyPr>
+          <a:lstStyle/>
+          <a:p>
+            <a:r>
+              <a:rPr kumimoji="1" lang="en-US" altLang="ja-JP" sz="4400" dirty="0" smtClean="0"/>
+              <a:t>Wikipedia</a:t>
+            </a:r>
+            <a:r>
+              <a:rPr kumimoji="1" lang="ja-JP" altLang="en-US" sz="4400" dirty="0" smtClean="0"/>
+              <a:t>の参加登録者数</a:t>
+            </a:r>
+            <a:endParaRPr kumimoji="1" lang="ja-JP" altLang="en-US" sz="4400" dirty="0"/>
+          </a:p>
+        </p:txBody>
+      </p:sp>
+      <p:sp>
+        <p:nvSpPr>
+          <p:cNvPr id="35" name="テキスト ボックス 34"/>
+          <p:cNvSpPr txBox="1"/>
+          <p:nvPr/>
+        </p:nvSpPr>
+        <p:spPr>
+          <a:xfrm>
+            <a:off x="11905253" y="19557903"/>
+            <a:ext cx="8327816" cy="769441"/>
+          </a:xfrm>
+          <a:prstGeom prst="rect">
+            <a:avLst/>
+          </a:prstGeom>
+          <a:noFill/>
+        </p:spPr>
+        <p:txBody>
+          <a:bodyPr wrap="square" rtlCol="0">
+            <a:spAutoFit/>
+          </a:bodyPr>
+          <a:lstStyle/>
+          <a:p>
+            <a:r>
+              <a:rPr kumimoji="1" lang="en-US" altLang="ja-JP" sz="4400" dirty="0" smtClean="0"/>
+              <a:t>Google Trend</a:t>
+            </a:r>
+            <a:r>
+              <a:rPr kumimoji="1" lang="ja-JP" altLang="en-US" sz="4400" dirty="0" smtClean="0"/>
+              <a:t>の</a:t>
+            </a:r>
+            <a:r>
+              <a:rPr kumimoji="1" lang="en-US" altLang="ja-JP" sz="4400" dirty="0" smtClean="0"/>
+              <a:t>Wikipedia</a:t>
+            </a:r>
+            <a:r>
+              <a:rPr kumimoji="1" lang="ja-JP" altLang="en-US" sz="4400" dirty="0" smtClean="0"/>
+              <a:t>の動向</a:t>
+            </a:r>
+            <a:endParaRPr kumimoji="1" lang="ja-JP" altLang="en-US" sz="4400" dirty="0"/>
+          </a:p>
+        </p:txBody>
+      </p:sp>
     </p:spTree>
     <p:extLst>
       <p:ext uri="{BB962C8B-B14F-4D97-AF65-F5344CB8AC3E}">

--- a/課題研究/2013/曽我勇貴/ポスター.pptx
+++ b/課題研究/2013/曽我勇貴/ポスター.pptx
@@ -348,11 +348,11 @@
         </c:dLbls>
         <c:marker val="1"/>
         <c:smooth val="0"/>
-        <c:axId val="71087616"/>
-        <c:axId val="71089536"/>
+        <c:axId val="97857536"/>
+        <c:axId val="97859072"/>
       </c:lineChart>
       <c:catAx>
-        <c:axId val="71087616"/>
+        <c:axId val="97857536"/>
         <c:scaling>
           <c:orientation val="minMax"/>
         </c:scaling>
@@ -361,7 +361,7 @@
         <c:majorTickMark val="out"/>
         <c:minorTickMark val="none"/>
         <c:tickLblPos val="nextTo"/>
-        <c:crossAx val="71089536"/>
+        <c:crossAx val="97859072"/>
         <c:crosses val="autoZero"/>
         <c:auto val="1"/>
         <c:lblAlgn val="ctr"/>
@@ -369,7 +369,7 @@
         <c:noMultiLvlLbl val="0"/>
       </c:catAx>
       <c:valAx>
-        <c:axId val="71089536"/>
+        <c:axId val="97859072"/>
         <c:scaling>
           <c:orientation val="minMax"/>
         </c:scaling>
@@ -380,7 +380,7 @@
         <c:majorTickMark val="out"/>
         <c:minorTickMark val="none"/>
         <c:tickLblPos val="nextTo"/>
-        <c:crossAx val="71087616"/>
+        <c:crossAx val="97857536"/>
         <c:crosses val="autoZero"/>
         <c:crossBetween val="between"/>
       </c:valAx>
@@ -19075,7 +19075,7 @@
         <p:spPr>
           <a:xfrm>
             <a:off x="712394" y="8731275"/>
-            <a:ext cx="20206142" cy="15409712"/>
+            <a:ext cx="20350158" cy="15409712"/>
           </a:xfrm>
           <a:prstGeom prst="rect">
             <a:avLst/>
@@ -19202,23 +19202,7 @@
                   <a:schemeClr val="tx1"/>
                 </a:solidFill>
               </a:rPr>
-              <a:t>の登録者数について</a:t>
-            </a:r>
-            <a:r>
-              <a:rPr lang="ja-JP" altLang="en-US" dirty="0" smtClean="0">
-                <a:solidFill>
-                  <a:schemeClr val="tx1"/>
-                </a:solidFill>
-              </a:rPr>
-              <a:t>，</a:t>
-            </a:r>
-            <a:r>
-              <a:rPr lang="ja-JP" altLang="en-US" dirty="0" smtClean="0">
-                <a:solidFill>
-                  <a:schemeClr val="tx1"/>
-                </a:solidFill>
-              </a:rPr>
-              <a:t>変なところがあったから，</a:t>
+              <a:t>の登録者数について，変なところがあったから，</a:t>
             </a:r>
             <a:r>
               <a:rPr lang="en-US" altLang="ja-JP" dirty="0" smtClean="0">
@@ -19335,17 +19319,6 @@
               <a:buFont typeface="+mj-lt"/>
               <a:buAutoNum type="arabicPeriod"/>
             </a:pPr>
-            <a:endParaRPr lang="en-US" altLang="ja-JP" dirty="0">
-              <a:solidFill>
-                <a:schemeClr val="tx1"/>
-              </a:solidFill>
-            </a:endParaRPr>
-          </a:p>
-          <a:p>
-            <a:pPr marL="1143000" indent="-1143000">
-              <a:buFont typeface="+mj-lt"/>
-              <a:buAutoNum type="arabicPeriod"/>
-            </a:pPr>
             <a:r>
               <a:rPr lang="en-US" altLang="ja-JP" dirty="0" smtClean="0">
                 <a:solidFill>
@@ -19392,7 +19365,23 @@
                   <a:schemeClr val="tx1"/>
                 </a:solidFill>
               </a:rPr>
-              <a:t>法案への抗議のためのものだと考察した．</a:t>
+              <a:t>法案への抗議のためのものだと</a:t>
+            </a:r>
+            <a:r>
+              <a:rPr lang="ja-JP" altLang="en-US" dirty="0" smtClean="0">
+                <a:solidFill>
+                  <a:schemeClr val="tx1"/>
+                </a:solidFill>
+              </a:rPr>
+              <a:t>考察した</a:t>
+            </a:r>
+            <a:r>
+              <a:rPr lang="ja-JP" altLang="en-US" dirty="0" smtClean="0">
+                <a:solidFill>
+                  <a:schemeClr val="tx1"/>
+                </a:solidFill>
+              </a:rPr>
+              <a:t>．</a:t>
             </a:r>
             <a:endParaRPr lang="en-US" altLang="ja-JP" dirty="0" smtClean="0">
               <a:solidFill>
@@ -19445,14 +19434,10 @@
           <a:bodyPr lIns="295232" tIns="147616" rIns="295232" bIns="147616" rtlCol="0" anchor="t"/>
           <a:lstStyle/>
           <a:p>
-            <a:r>
-              <a:rPr kumimoji="1" lang="ja-JP" altLang="en-US" dirty="0" smtClean="0">
-                <a:solidFill>
-                  <a:schemeClr val="tx1"/>
-                </a:solidFill>
-              </a:rPr>
-              <a:t>・</a:t>
-            </a:r>
+            <a:pPr marL="857250" indent="-857250">
+              <a:buFont typeface="Wingdings" panose="05000000000000000000" pitchFamily="2" charset="2"/>
+              <a:buChar char="l"/>
+            </a:pPr>
             <a:r>
               <a:rPr kumimoji="1" lang="en-US" altLang="ja-JP" dirty="0" smtClean="0">
                 <a:solidFill>
@@ -19483,7 +19468,7 @@
                   <a:schemeClr val="tx1"/>
                 </a:solidFill>
               </a:rPr>
-              <a:t>で</a:t>
+              <a:t>で解析する</a:t>
             </a:r>
             <a:r>
               <a:rPr kumimoji="1" lang="ja-JP" altLang="en-US" dirty="0" smtClean="0">
@@ -19491,23 +19476,19 @@
                   <a:schemeClr val="tx1"/>
                 </a:solidFill>
               </a:rPr>
-              <a:t>解析する．</a:t>
-            </a:r>
-            <a:endParaRPr kumimoji="1" lang="en-US" altLang="ja-JP" dirty="0" smtClean="0">
+              <a:t>．</a:t>
+            </a:r>
+            <a:endParaRPr lang="en-US" altLang="ja-JP" dirty="0">
               <a:solidFill>
                 <a:schemeClr val="tx1"/>
               </a:solidFill>
             </a:endParaRPr>
           </a:p>
           <a:p>
-            <a:r>
-              <a:rPr lang="ja-JP" altLang="en-US" dirty="0" smtClean="0">
-                <a:solidFill>
-                  <a:schemeClr val="tx1"/>
-                </a:solidFill>
-              </a:rPr>
-              <a:t>・</a:t>
-            </a:r>
+            <a:pPr marL="857250" indent="-857250">
+              <a:buFont typeface="Wingdings" panose="05000000000000000000" pitchFamily="2" charset="2"/>
+              <a:buChar char="l"/>
+            </a:pPr>
             <a:r>
               <a:rPr lang="en-US" altLang="ja-JP" dirty="0" smtClean="0">
                 <a:solidFill>

--- a/課題研究/2013/曽我勇貴/ポスター.pptx
+++ b/課題研究/2013/曽我勇貴/ポスター.pptx
@@ -109,6 +109,314 @@
     </a:lvl9pPr>
   </p:defaultTextStyle>
 </p:presentation>
+</file>
+
+<file path=ppt/charts/chart1.xml><?xml version="1.0" encoding="utf-8"?>
+<c:chartSpace xmlns:c="http://schemas.openxmlformats.org/drawingml/2006/chart" xmlns:a="http://schemas.openxmlformats.org/drawingml/2006/main" xmlns:r="http://schemas.openxmlformats.org/officeDocument/2006/relationships">
+  <c:date1904 val="0"/>
+  <c:lang val="ja-JP"/>
+  <c:roundedCorners val="0"/>
+  <mc:AlternateContent xmlns:mc="http://schemas.openxmlformats.org/markup-compatibility/2006">
+    <mc:Choice xmlns:c14="http://schemas.microsoft.com/office/drawing/2007/8/2/chart" Requires="c14">
+      <c14:style val="102"/>
+    </mc:Choice>
+    <mc:Fallback>
+      <c:style val="2"/>
+    </mc:Fallback>
+  </mc:AlternateContent>
+  <c:chart>
+    <c:autoTitleDeleted val="1"/>
+    <c:plotArea>
+      <c:layout>
+        <c:manualLayout>
+          <c:layoutTarget val="inner"/>
+          <c:xMode val="edge"/>
+          <c:yMode val="edge"/>
+          <c:x val="0.11623732261835713"/>
+          <c:y val="0.11364514429732527"/>
+          <c:w val="0.6386917876633561"/>
+          <c:h val="0.61528534252731948"/>
+        </c:manualLayout>
+      </c:layout>
+      <c:lineChart>
+        <c:grouping val="standard"/>
+        <c:varyColors val="0"/>
+        <c:ser>
+          <c:idx val="0"/>
+          <c:order val="0"/>
+          <c:tx>
+            <c:strRef>
+              <c:f>Sheet1!$I$29</c:f>
+              <c:strCache>
+                <c:ptCount val="1"/>
+                <c:pt idx="0">
+                  <c:v>活動中の登録者数</c:v>
+                </c:pt>
+              </c:strCache>
+            </c:strRef>
+          </c:tx>
+          <c:spPr>
+            <a:ln w="63500">
+              <a:solidFill>
+                <a:srgbClr val="FF0000"/>
+              </a:solidFill>
+            </a:ln>
+          </c:spPr>
+          <c:marker>
+            <c:symbol val="none"/>
+          </c:marker>
+          <c:cat>
+            <c:multiLvlStrRef>
+              <c:f>Sheet1!$G$30:$H$53</c:f>
+              <c:multiLvlStrCache>
+                <c:ptCount val="24"/>
+                <c:lvl>
+                  <c:pt idx="0">
+                    <c:v>1月</c:v>
+                  </c:pt>
+                  <c:pt idx="1">
+                    <c:v>2月</c:v>
+                  </c:pt>
+                  <c:pt idx="2">
+                    <c:v>3月</c:v>
+                  </c:pt>
+                  <c:pt idx="3">
+                    <c:v>4月</c:v>
+                  </c:pt>
+                  <c:pt idx="4">
+                    <c:v>5月</c:v>
+                  </c:pt>
+                  <c:pt idx="5">
+                    <c:v>6月</c:v>
+                  </c:pt>
+                  <c:pt idx="6">
+                    <c:v>7月</c:v>
+                  </c:pt>
+                  <c:pt idx="7">
+                    <c:v>8月</c:v>
+                  </c:pt>
+                  <c:pt idx="8">
+                    <c:v>9月</c:v>
+                  </c:pt>
+                  <c:pt idx="9">
+                    <c:v>10月</c:v>
+                  </c:pt>
+                  <c:pt idx="10">
+                    <c:v>11月</c:v>
+                  </c:pt>
+                  <c:pt idx="11">
+                    <c:v>12月</c:v>
+                  </c:pt>
+                  <c:pt idx="12">
+                    <c:v>1月</c:v>
+                  </c:pt>
+                  <c:pt idx="13">
+                    <c:v>2月</c:v>
+                  </c:pt>
+                  <c:pt idx="14">
+                    <c:v>3月</c:v>
+                  </c:pt>
+                  <c:pt idx="15">
+                    <c:v>4月</c:v>
+                  </c:pt>
+                  <c:pt idx="16">
+                    <c:v>5月</c:v>
+                  </c:pt>
+                  <c:pt idx="17">
+                    <c:v>6月</c:v>
+                  </c:pt>
+                  <c:pt idx="18">
+                    <c:v>7月</c:v>
+                  </c:pt>
+                  <c:pt idx="19">
+                    <c:v>8月</c:v>
+                  </c:pt>
+                  <c:pt idx="20">
+                    <c:v>9月</c:v>
+                  </c:pt>
+                  <c:pt idx="21">
+                    <c:v>10月</c:v>
+                  </c:pt>
+                  <c:pt idx="22">
+                    <c:v>11月</c:v>
+                  </c:pt>
+                  <c:pt idx="23">
+                    <c:v>12月</c:v>
+                  </c:pt>
+                </c:lvl>
+                <c:lvl>
+                  <c:pt idx="0">
+                    <c:v>2012</c:v>
+                  </c:pt>
+                  <c:pt idx="12">
+                    <c:v>2013</c:v>
+                  </c:pt>
+                </c:lvl>
+              </c:multiLvlStrCache>
+            </c:multiLvlStrRef>
+          </c:cat>
+          <c:val>
+            <c:numRef>
+              <c:f>Sheet1!$I$30:$I$53</c:f>
+              <c:numCache>
+                <c:formatCode>General</c:formatCode>
+                <c:ptCount val="24"/>
+                <c:pt idx="0">
+                  <c:v>10750</c:v>
+                </c:pt>
+                <c:pt idx="1">
+                  <c:v>11894</c:v>
+                </c:pt>
+                <c:pt idx="2">
+                  <c:v>11957</c:v>
+                </c:pt>
+                <c:pt idx="3">
+                  <c:v>19968</c:v>
+                </c:pt>
+                <c:pt idx="4">
+                  <c:v>11834</c:v>
+                </c:pt>
+                <c:pt idx="5">
+                  <c:v>11684</c:v>
+                </c:pt>
+                <c:pt idx="6">
+                  <c:v>11725</c:v>
+                </c:pt>
+                <c:pt idx="7">
+                  <c:v>11849</c:v>
+                </c:pt>
+                <c:pt idx="8">
+                  <c:v>11841</c:v>
+                </c:pt>
+                <c:pt idx="9">
+                  <c:v>11819</c:v>
+                </c:pt>
+                <c:pt idx="10">
+                  <c:v>11886</c:v>
+                </c:pt>
+                <c:pt idx="11">
+                  <c:v>11692</c:v>
+                </c:pt>
+                <c:pt idx="12">
+                  <c:v>11446</c:v>
+                </c:pt>
+                <c:pt idx="13">
+                  <c:v>12089</c:v>
+                </c:pt>
+                <c:pt idx="14">
+                  <c:v>12141</c:v>
+                </c:pt>
+                <c:pt idx="15">
+                  <c:v>12165</c:v>
+                </c:pt>
+                <c:pt idx="16">
+                  <c:v>12135</c:v>
+                </c:pt>
+                <c:pt idx="17">
+                  <c:v>11875</c:v>
+                </c:pt>
+                <c:pt idx="18">
+                  <c:v>11859</c:v>
+                </c:pt>
+                <c:pt idx="19">
+                  <c:v>11603</c:v>
+                </c:pt>
+                <c:pt idx="20">
+                  <c:v>11552</c:v>
+                </c:pt>
+                <c:pt idx="21">
+                  <c:v>11481</c:v>
+                </c:pt>
+                <c:pt idx="22">
+                  <c:v>11481</c:v>
+                </c:pt>
+                <c:pt idx="23">
+                  <c:v>10880</c:v>
+                </c:pt>
+              </c:numCache>
+            </c:numRef>
+          </c:val>
+          <c:smooth val="0"/>
+        </c:ser>
+        <c:dLbls>
+          <c:showLegendKey val="0"/>
+          <c:showVal val="0"/>
+          <c:showCatName val="0"/>
+          <c:showSerName val="0"/>
+          <c:showPercent val="0"/>
+          <c:showBubbleSize val="0"/>
+        </c:dLbls>
+        <c:marker val="1"/>
+        <c:smooth val="0"/>
+        <c:axId val="97857536"/>
+        <c:axId val="97859072"/>
+      </c:lineChart>
+      <c:catAx>
+        <c:axId val="97857536"/>
+        <c:scaling>
+          <c:orientation val="minMax"/>
+        </c:scaling>
+        <c:delete val="0"/>
+        <c:axPos val="b"/>
+        <c:majorTickMark val="out"/>
+        <c:minorTickMark val="none"/>
+        <c:tickLblPos val="nextTo"/>
+        <c:crossAx val="97859072"/>
+        <c:crosses val="autoZero"/>
+        <c:auto val="1"/>
+        <c:lblAlgn val="ctr"/>
+        <c:lblOffset val="100"/>
+        <c:noMultiLvlLbl val="0"/>
+      </c:catAx>
+      <c:valAx>
+        <c:axId val="97859072"/>
+        <c:scaling>
+          <c:orientation val="minMax"/>
+        </c:scaling>
+        <c:delete val="0"/>
+        <c:axPos val="l"/>
+        <c:majorGridlines/>
+        <c:numFmt formatCode="General" sourceLinked="1"/>
+        <c:majorTickMark val="out"/>
+        <c:minorTickMark val="none"/>
+        <c:tickLblPos val="nextTo"/>
+        <c:crossAx val="97857536"/>
+        <c:crosses val="autoZero"/>
+        <c:crossBetween val="between"/>
+      </c:valAx>
+    </c:plotArea>
+    <c:legend>
+      <c:legendPos val="r"/>
+      <c:layout>
+        <c:manualLayout>
+          <c:xMode val="edge"/>
+          <c:yMode val="edge"/>
+          <c:x val="0.45387030254507377"/>
+          <c:y val="0.61716238769974374"/>
+          <c:w val="0.29086237145644117"/>
+          <c:h val="8.853011338315718E-2"/>
+        </c:manualLayout>
+      </c:layout>
+      <c:overlay val="0"/>
+    </c:legend>
+    <c:plotVisOnly val="1"/>
+    <c:dispBlanksAs val="gap"/>
+    <c:showDLblsOverMax val="0"/>
+  </c:chart>
+  <c:txPr>
+    <a:bodyPr/>
+    <a:lstStyle/>
+    <a:p>
+      <a:pPr>
+        <a:defRPr sz="3200"/>
+      </a:pPr>
+      <a:endParaRPr lang="ja-JP"/>
+    </a:p>
+  </c:txPr>
+  <c:externalData r:id="rId1">
+    <c:autoUpdate val="0"/>
+  </c:externalData>
+</c:chartSpace>
 </file>
 
 <file path=ppt/slideLayouts/slideLayout1.xml><?xml version="1.0" encoding="utf-8"?>
@@ -17800,15 +18108,7 @@
                   <a:schemeClr val="tx1"/>
                 </a:solidFill>
               </a:rPr>
-              <a:t>な</a:t>
-            </a:r>
-            <a:r>
-              <a:rPr lang="ja-JP" altLang="en-US" b="1" dirty="0" smtClean="0">
-                <a:solidFill>
-                  <a:schemeClr val="tx1"/>
-                </a:solidFill>
-              </a:rPr>
-              <a:t>情報</a:t>
+              <a:t>な情報</a:t>
             </a:r>
             <a:endParaRPr lang="en-US" altLang="ja-JP" b="1" dirty="0" smtClean="0">
               <a:solidFill>
@@ -18607,8 +18907,8 @@
         </p:nvSpPr>
         <p:spPr>
           <a:xfrm>
-            <a:off x="1077089" y="954411"/>
-            <a:ext cx="7293332" cy="1604839"/>
+            <a:off x="1077089" y="666379"/>
+            <a:ext cx="7293332" cy="1307325"/>
           </a:xfrm>
           <a:prstGeom prst="homePlate">
             <a:avLst/>
@@ -18668,8 +18968,8 @@
         </p:nvSpPr>
         <p:spPr>
           <a:xfrm>
-            <a:off x="810596" y="7647765"/>
-            <a:ext cx="6290656" cy="1604839"/>
+            <a:off x="636227" y="7147099"/>
+            <a:ext cx="6290656" cy="1295719"/>
           </a:xfrm>
           <a:prstGeom prst="homePlate">
             <a:avLst/>
@@ -18721,8 +19021,8 @@
         </p:nvSpPr>
         <p:spPr>
           <a:xfrm>
-            <a:off x="1093579" y="23780947"/>
-            <a:ext cx="6316702" cy="1604839"/>
+            <a:off x="712394" y="24501027"/>
+            <a:ext cx="6316702" cy="1273132"/>
           </a:xfrm>
           <a:prstGeom prst="homePlate">
             <a:avLst/>
@@ -18774,8 +19074,8 @@
         </p:nvSpPr>
         <p:spPr>
           <a:xfrm>
-            <a:off x="1088802" y="9523363"/>
-            <a:ext cx="19485159" cy="13962427"/>
+            <a:off x="712394" y="8731275"/>
+            <a:ext cx="20350158" cy="15409712"/>
           </a:xfrm>
           <a:prstGeom prst="rect">
             <a:avLst/>
@@ -18902,7 +19202,7 @@
                   <a:schemeClr val="tx1"/>
                 </a:solidFill>
               </a:rPr>
-              <a:t>の参加者</a:t>
+              <a:t>の登録者数について，変なところがあったから，</a:t>
             </a:r>
             <a:r>
               <a:rPr lang="en-US" altLang="ja-JP" dirty="0" smtClean="0">
@@ -18910,7 +19210,7 @@
                   <a:schemeClr val="tx1"/>
                 </a:solidFill>
               </a:rPr>
-              <a:t>(</a:t>
+              <a:t>Google Trend</a:t>
             </a:r>
             <a:r>
               <a:rPr lang="ja-JP" altLang="en-US" dirty="0" smtClean="0">
@@ -18918,23 +19218,7 @@
                   <a:schemeClr val="tx1"/>
                 </a:solidFill>
               </a:rPr>
-              <a:t>日本国内</a:t>
-            </a:r>
-            <a:r>
-              <a:rPr lang="en-US" altLang="ja-JP" dirty="0" smtClean="0">
-                <a:solidFill>
-                  <a:schemeClr val="tx1"/>
-                </a:solidFill>
-              </a:rPr>
-              <a:t>)</a:t>
-            </a:r>
-            <a:r>
-              <a:rPr lang="ja-JP" altLang="en-US" dirty="0" smtClean="0">
-                <a:solidFill>
-                  <a:schemeClr val="tx1"/>
-                </a:solidFill>
-              </a:rPr>
-              <a:t>について調査した．</a:t>
+              <a:t>で調査した．</a:t>
             </a:r>
             <a:endParaRPr lang="en-US" altLang="ja-JP" dirty="0" smtClean="0">
               <a:solidFill>
@@ -19024,6 +19308,17 @@
               <a:buFont typeface="+mj-lt"/>
               <a:buAutoNum type="arabicPeriod"/>
             </a:pPr>
+            <a:endParaRPr lang="en-US" altLang="ja-JP" dirty="0" smtClean="0">
+              <a:solidFill>
+                <a:schemeClr val="tx1"/>
+              </a:solidFill>
+            </a:endParaRPr>
+          </a:p>
+          <a:p>
+            <a:pPr marL="1143000" indent="-1143000">
+              <a:buFont typeface="+mj-lt"/>
+              <a:buAutoNum type="arabicPeriod"/>
+            </a:pPr>
             <a:r>
               <a:rPr lang="en-US" altLang="ja-JP" dirty="0" smtClean="0">
                 <a:solidFill>
@@ -19046,7 +19341,7 @@
                   <a:schemeClr val="tx1"/>
                 </a:solidFill>
               </a:rPr>
-              <a:t>SOPA</a:t>
+              <a:t>Google Trend</a:t>
             </a:r>
             <a:r>
               <a:rPr lang="ja-JP" altLang="en-US" dirty="0" smtClean="0">
@@ -19054,15 +19349,15 @@
                   <a:schemeClr val="tx1"/>
                 </a:solidFill>
               </a:rPr>
-              <a:t>法案</a:t>
-            </a:r>
-            <a:r>
-              <a:rPr lang="ja-JP" altLang="en-US" dirty="0">
+              <a:t>で調査したところ，同じような傾向が見られ，</a:t>
+            </a:r>
+            <a:r>
+              <a:rPr lang="en-US" altLang="ja-JP" dirty="0" smtClean="0">
                 <a:solidFill>
                   <a:schemeClr val="tx1"/>
                 </a:solidFill>
               </a:rPr>
-              <a:t>へ</a:t>
+              <a:t>SOPA</a:t>
             </a:r>
             <a:r>
               <a:rPr lang="ja-JP" altLang="en-US" dirty="0" smtClean="0">
@@ -19070,7 +19365,7 @@
                   <a:schemeClr val="tx1"/>
                 </a:solidFill>
               </a:rPr>
-              <a:t>の抗議のためのもの</a:t>
+              <a:t>法案への抗議のためのものだと</a:t>
             </a:r>
             <a:r>
               <a:rPr lang="ja-JP" altLang="en-US" dirty="0" smtClean="0">
@@ -19078,15 +19373,7 @@
                   <a:schemeClr val="tx1"/>
                 </a:solidFill>
               </a:rPr>
-              <a:t>だ</a:t>
-            </a:r>
-            <a:r>
-              <a:rPr lang="ja-JP" altLang="en-US" dirty="0" smtClean="0">
-                <a:solidFill>
-                  <a:schemeClr val="tx1"/>
-                </a:solidFill>
-              </a:rPr>
-              <a:t>と考察した</a:t>
+              <a:t>考察した</a:t>
             </a:r>
             <a:r>
               <a:rPr lang="ja-JP" altLang="en-US" dirty="0" smtClean="0">
@@ -19095,53 +19382,6 @@
                 </a:solidFill>
               </a:rPr>
               <a:t>．</a:t>
-            </a:r>
-            <a:r>
-              <a:rPr lang="en-US" altLang="ja-JP" dirty="0" smtClean="0">
-                <a:solidFill>
-                  <a:schemeClr val="tx1"/>
-                </a:solidFill>
-              </a:rPr>
-              <a:t/>
-            </a:r>
-            <a:br>
-              <a:rPr lang="en-US" altLang="ja-JP" dirty="0" smtClean="0">
-                <a:solidFill>
-                  <a:schemeClr val="tx1"/>
-                </a:solidFill>
-              </a:rPr>
-            </a:br>
-            <a:r>
-              <a:rPr lang="ja-JP" altLang="en-US" dirty="0" smtClean="0">
-                <a:solidFill>
-                  <a:schemeClr val="tx1"/>
-                </a:solidFill>
-              </a:rPr>
-              <a:t>（</a:t>
-            </a:r>
-            <a:r>
-              <a:rPr lang="en-US" altLang="ja-JP" dirty="0" smtClean="0">
-                <a:solidFill>
-                  <a:schemeClr val="tx1"/>
-                </a:solidFill>
-              </a:rPr>
-              <a:t>Google Trend</a:t>
-            </a:r>
-            <a:r>
-              <a:rPr lang="ja-JP" altLang="en-US" dirty="0" smtClean="0">
-                <a:solidFill>
-                  <a:schemeClr val="tx1"/>
-                </a:solidFill>
-              </a:rPr>
-              <a:t>の調査結果</a:t>
-            </a:r>
-            <a:r>
-              <a:rPr lang="ja-JP" altLang="en-US" smtClean="0">
-                <a:solidFill>
-                  <a:schemeClr val="tx1"/>
-                </a:solidFill>
-              </a:rPr>
-              <a:t>も載せて丁寧に説明する）</a:t>
             </a:r>
             <a:endParaRPr lang="en-US" altLang="ja-JP" dirty="0" smtClean="0">
               <a:solidFill>
@@ -19159,7 +19399,7 @@
         </p:nvSpPr>
         <p:spPr>
           <a:xfrm>
-            <a:off x="1434131" y="25725163"/>
+            <a:off x="1513644" y="25963702"/>
             <a:ext cx="17869889" cy="3815224"/>
           </a:xfrm>
           <a:prstGeom prst="rect">
@@ -19194,14 +19434,10 @@
           <a:bodyPr lIns="295232" tIns="147616" rIns="295232" bIns="147616" rtlCol="0" anchor="t"/>
           <a:lstStyle/>
           <a:p>
-            <a:r>
-              <a:rPr kumimoji="1" lang="ja-JP" altLang="en-US" dirty="0" smtClean="0">
-                <a:solidFill>
-                  <a:schemeClr val="tx1"/>
-                </a:solidFill>
-              </a:rPr>
-              <a:t>・</a:t>
-            </a:r>
+            <a:pPr marL="857250" indent="-857250">
+              <a:buFont typeface="Wingdings" panose="05000000000000000000" pitchFamily="2" charset="2"/>
+              <a:buChar char="l"/>
+            </a:pPr>
             <a:r>
               <a:rPr kumimoji="1" lang="en-US" altLang="ja-JP" dirty="0" smtClean="0">
                 <a:solidFill>
@@ -19232,23 +19468,27 @@
                   <a:schemeClr val="tx1"/>
                 </a:solidFill>
               </a:rPr>
-              <a:t>で解析．</a:t>
-            </a:r>
-            <a:endParaRPr kumimoji="1" lang="en-US" altLang="ja-JP" dirty="0" smtClean="0">
+              <a:t>で解析する</a:t>
+            </a:r>
+            <a:r>
+              <a:rPr kumimoji="1" lang="ja-JP" altLang="en-US" dirty="0" smtClean="0">
+                <a:solidFill>
+                  <a:schemeClr val="tx1"/>
+                </a:solidFill>
+              </a:rPr>
+              <a:t>．</a:t>
+            </a:r>
+            <a:endParaRPr lang="en-US" altLang="ja-JP" dirty="0">
               <a:solidFill>
                 <a:schemeClr val="tx1"/>
               </a:solidFill>
             </a:endParaRPr>
           </a:p>
           <a:p>
-            <a:r>
-              <a:rPr lang="ja-JP" altLang="en-US" dirty="0" smtClean="0">
-                <a:solidFill>
-                  <a:schemeClr val="tx1"/>
-                </a:solidFill>
-              </a:rPr>
-              <a:t>・</a:t>
-            </a:r>
+            <a:pPr marL="857250" indent="-857250">
+              <a:buFont typeface="Wingdings" panose="05000000000000000000" pitchFamily="2" charset="2"/>
+              <a:buChar char="l"/>
+            </a:pPr>
             <a:r>
               <a:rPr lang="en-US" altLang="ja-JP" dirty="0" smtClean="0">
                 <a:solidFill>
@@ -19288,10 +19528,10 @@
         </p:nvGrpSpPr>
         <p:grpSpPr>
           <a:xfrm>
-            <a:off x="810596" y="2718523"/>
-            <a:ext cx="19568962" cy="4928377"/>
-            <a:chOff x="810596" y="2718523"/>
-            <a:chExt cx="19568962" cy="4928377"/>
+            <a:off x="664107" y="1973704"/>
+            <a:ext cx="19568962" cy="4684814"/>
+            <a:chOff x="810596" y="2718524"/>
+            <a:chExt cx="19568962" cy="4684814"/>
           </a:xfrm>
         </p:grpSpPr>
         <p:sp>
@@ -19370,8 +19610,8 @@
           </p:nvSpPr>
           <p:spPr>
             <a:xfrm>
-              <a:off x="9821286" y="2718523"/>
-              <a:ext cx="10558272" cy="4928377"/>
+              <a:off x="9821286" y="2718524"/>
+              <a:ext cx="10558272" cy="4684814"/>
             </a:xfrm>
             <a:prstGeom prst="ellipse">
               <a:avLst/>
@@ -19605,14 +19845,14 @@
       </p:grpSp>
       <p:pic>
         <p:nvPicPr>
-          <p:cNvPr id="23" name="Picture 2"/>
+          <p:cNvPr id="2050" name="Picture 2"/>
           <p:cNvPicPr>
             <a:picLocks noChangeAspect="1" noChangeArrowheads="1"/>
           </p:cNvPicPr>
           <p:nvPr/>
         </p:nvPicPr>
         <p:blipFill>
-          <a:blip r:embed="rId2" cstate="print">
+          <a:blip r:embed="rId2">
             <a:extLst>
               <a:ext uri="{28A0092B-C50C-407E-A947-70E740481C1C}">
                 <a14:useLocalDpi xmlns:a14="http://schemas.microsoft.com/office/drawing/2010/main" val="0"/>
@@ -19626,71 +19866,7 @@
         </p:blipFill>
         <p:spPr bwMode="auto">
           <a:xfrm>
-            <a:off x="7410281" y="13339787"/>
-            <a:ext cx="12901186" cy="5837869"/>
-          </a:xfrm>
-          <a:prstGeom prst="rect">
-            <a:avLst/>
-          </a:prstGeom>
-          <a:noFill/>
-          <a:ln>
-            <a:noFill/>
-          </a:ln>
-          <a:effectLst/>
-          <a:extLst>
-            <a:ext uri="{909E8E84-426E-40DD-AFC4-6F175D3DCCD1}">
-              <a14:hiddenFill xmlns:a14="http://schemas.microsoft.com/office/drawing/2010/main">
-                <a:solidFill>
-                  <a:schemeClr val="accent1"/>
-                </a:solidFill>
-              </a14:hiddenFill>
-            </a:ext>
-            <a:ext uri="{91240B29-F687-4F45-9708-019B960494DF}">
-              <a14:hiddenLine xmlns:a14="http://schemas.microsoft.com/office/drawing/2010/main" w="9525">
-                <a:solidFill>
-                  <a:schemeClr val="tx1"/>
-                </a:solidFill>
-                <a:miter lim="800000"/>
-                <a:headEnd/>
-                <a:tailEnd/>
-              </a14:hiddenLine>
-            </a:ext>
-            <a:ext uri="{AF507438-7753-43E0-B8FC-AC1667EBCBE1}">
-              <a14:hiddenEffects xmlns:a14="http://schemas.microsoft.com/office/drawing/2010/main">
-                <a:effectLst>
-                  <a:outerShdw dist="35921" dir="2700000" algn="ctr" rotWithShape="0">
-                    <a:schemeClr val="bg2"/>
-                  </a:outerShdw>
-                </a:effectLst>
-              </a14:hiddenEffects>
-            </a:ext>
-          </a:extLst>
-        </p:spPr>
-      </p:pic>
-      <p:pic>
-        <p:nvPicPr>
-          <p:cNvPr id="2050" name="Picture 2"/>
-          <p:cNvPicPr>
-            <a:picLocks noChangeAspect="1" noChangeArrowheads="1"/>
-          </p:cNvPicPr>
-          <p:nvPr/>
-        </p:nvPicPr>
-        <p:blipFill>
-          <a:blip r:embed="rId3">
-            <a:extLst>
-              <a:ext uri="{28A0092B-C50C-407E-A947-70E740481C1C}">
-                <a14:useLocalDpi xmlns:a14="http://schemas.microsoft.com/office/drawing/2010/main" val="0"/>
-              </a:ext>
-            </a:extLst>
-          </a:blip>
-          <a:srcRect/>
-          <a:stretch>
-            <a:fillRect/>
-          </a:stretch>
-        </p:blipFill>
-        <p:spPr bwMode="auto">
-          <a:xfrm>
-            <a:off x="-2385467" y="14275891"/>
+            <a:off x="10471961" y="13411795"/>
             <a:ext cx="10211841" cy="6530829"/>
           </a:xfrm>
           <a:prstGeom prst="rect">
@@ -19721,72 +19897,198 @@
           </a:extLst>
         </p:spPr>
       </p:pic>
-      <p:cxnSp>
-        <p:nvCxnSpPr>
-          <p:cNvPr id="10" name="直線矢印コネクタ 9"/>
-          <p:cNvCxnSpPr/>
+      <p:graphicFrame>
+        <p:nvGraphicFramePr>
+          <p:cNvPr id="18" name="グラフ 17"/>
+          <p:cNvGraphicFramePr>
+            <a:graphicFrameLocks/>
+          </p:cNvGraphicFramePr>
+          <p:nvPr>
+            <p:extLst>
+              <p:ext uri="{D42A27DB-BD31-4B8C-83A1-F6EECF244321}">
+                <p14:modId xmlns:p14="http://schemas.microsoft.com/office/powerpoint/2010/main" val="2901176562"/>
+              </p:ext>
+            </p:extLst>
+          </p:nvPr>
+        </p:nvGraphicFramePr>
+        <p:xfrm>
+          <a:off x="785249" y="13001526"/>
+          <a:ext cx="12487693" cy="6408712"/>
+        </p:xfrm>
+        <a:graphic>
+          <a:graphicData uri="http://schemas.openxmlformats.org/drawingml/2006/chart">
+            <c:chart xmlns:c="http://schemas.openxmlformats.org/drawingml/2006/chart" xmlns:r="http://schemas.openxmlformats.org/officeDocument/2006/relationships" r:id="rId3"/>
+          </a:graphicData>
+        </a:graphic>
+      </p:graphicFrame>
+      <p:sp>
+        <p:nvSpPr>
+          <p:cNvPr id="30" name="円/楕円 29"/>
+          <p:cNvSpPr/>
           <p:nvPr/>
-        </p:nvCxnSpPr>
+        </p:nvSpPr>
         <p:spPr>
-          <a:xfrm flipH="1">
-            <a:off x="-1403944" y="13627819"/>
-            <a:ext cx="6336704" cy="2304256"/>
+          <a:xfrm>
+            <a:off x="2970655" y="14347899"/>
+            <a:ext cx="864096" cy="864096"/>
           </a:xfrm>
-          <a:prstGeom prst="straightConnector1">
+          <a:prstGeom prst="ellipse">
             <a:avLst/>
           </a:prstGeom>
+          <a:noFill/>
           <a:ln w="76200">
-            <a:tailEnd type="arrow"/>
+            <a:solidFill>
+              <a:schemeClr val="tx1"/>
+            </a:solidFill>
           </a:ln>
         </p:spPr>
         <p:style>
-          <a:lnRef idx="1">
-            <a:schemeClr val="accent1"/>
+          <a:lnRef idx="2">
+            <a:schemeClr val="accent1">
+              <a:shade val="50000"/>
+            </a:schemeClr>
           </a:lnRef>
-          <a:fillRef idx="0">
+          <a:fillRef idx="1">
             <a:schemeClr val="accent1"/>
           </a:fillRef>
           <a:effectRef idx="0">
             <a:schemeClr val="accent1"/>
           </a:effectRef>
           <a:fontRef idx="minor">
-            <a:schemeClr val="tx1"/>
+            <a:schemeClr val="lt1"/>
           </a:fontRef>
         </p:style>
-      </p:cxnSp>
-      <p:cxnSp>
-        <p:nvCxnSpPr>
-          <p:cNvPr id="16" name="直線矢印コネクタ 15"/>
-          <p:cNvCxnSpPr/>
+        <p:txBody>
+          <a:bodyPr rtlCol="0" anchor="ctr"/>
+          <a:lstStyle/>
+          <a:p>
+            <a:pPr algn="ctr"/>
+            <a:endParaRPr kumimoji="1" lang="ja-JP" altLang="en-US"/>
+          </a:p>
+        </p:txBody>
+      </p:sp>
+      <p:sp>
+        <p:nvSpPr>
+          <p:cNvPr id="32" name="円/楕円 31"/>
+          <p:cNvSpPr/>
           <p:nvPr/>
-        </p:nvCxnSpPr>
+        </p:nvSpPr>
         <p:spPr>
           <a:xfrm>
-            <a:off x="5312576" y="13627819"/>
-            <a:ext cx="4807771" cy="1512168"/>
+            <a:off x="10827410" y="15126306"/>
+            <a:ext cx="864096" cy="864096"/>
           </a:xfrm>
-          <a:prstGeom prst="straightConnector1">
+          <a:prstGeom prst="ellipse">
             <a:avLst/>
           </a:prstGeom>
-          <a:ln w="57150">
-            <a:tailEnd type="arrow"/>
+          <a:noFill/>
+          <a:ln w="76200">
+            <a:solidFill>
+              <a:schemeClr val="tx1"/>
+            </a:solidFill>
           </a:ln>
         </p:spPr>
         <p:style>
-          <a:lnRef idx="1">
-            <a:schemeClr val="accent1"/>
+          <a:lnRef idx="2">
+            <a:schemeClr val="accent1">
+              <a:shade val="50000"/>
+            </a:schemeClr>
           </a:lnRef>
-          <a:fillRef idx="0">
+          <a:fillRef idx="1">
             <a:schemeClr val="accent1"/>
           </a:fillRef>
           <a:effectRef idx="0">
             <a:schemeClr val="accent1"/>
           </a:effectRef>
           <a:fontRef idx="minor">
-            <a:schemeClr val="tx1"/>
+            <a:schemeClr val="lt1"/>
           </a:fontRef>
         </p:style>
-      </p:cxnSp>
+        <p:txBody>
+          <a:bodyPr rtlCol="0" anchor="ctr"/>
+          <a:lstStyle/>
+          <a:p>
+            <a:pPr algn="ctr"/>
+            <a:endParaRPr kumimoji="1" lang="ja-JP" altLang="en-US"/>
+          </a:p>
+        </p:txBody>
+      </p:sp>
+      <p:sp>
+        <p:nvSpPr>
+          <p:cNvPr id="31" name="テキスト ボックス 30"/>
+          <p:cNvSpPr txBox="1"/>
+          <p:nvPr/>
+        </p:nvSpPr>
+        <p:spPr>
+          <a:xfrm>
+            <a:off x="2772520" y="19460467"/>
+            <a:ext cx="6748571" cy="769441"/>
+          </a:xfrm>
+          <a:prstGeom prst="rect">
+            <a:avLst/>
+          </a:prstGeom>
+          <a:noFill/>
+        </p:spPr>
+        <p:txBody>
+          <a:bodyPr wrap="square" rtlCol="0">
+            <a:spAutoFit/>
+          </a:bodyPr>
+          <a:lstStyle/>
+          <a:p>
+            <a:r>
+              <a:rPr kumimoji="1" lang="en-US" altLang="ja-JP" sz="4400" dirty="0" smtClean="0"/>
+              <a:t>Wikipedia</a:t>
+            </a:r>
+            <a:r>
+              <a:rPr kumimoji="1" lang="ja-JP" altLang="en-US" sz="4400" dirty="0" smtClean="0"/>
+              <a:t>の参加登録者数</a:t>
+            </a:r>
+            <a:endParaRPr kumimoji="1" lang="ja-JP" altLang="en-US" sz="4400" dirty="0"/>
+          </a:p>
+        </p:txBody>
+      </p:sp>
+      <p:sp>
+        <p:nvSpPr>
+          <p:cNvPr id="35" name="テキスト ボックス 34"/>
+          <p:cNvSpPr txBox="1"/>
+          <p:nvPr/>
+        </p:nvSpPr>
+        <p:spPr>
+          <a:xfrm>
+            <a:off x="11905253" y="19557903"/>
+            <a:ext cx="8327816" cy="769441"/>
+          </a:xfrm>
+          <a:prstGeom prst="rect">
+            <a:avLst/>
+          </a:prstGeom>
+          <a:noFill/>
+        </p:spPr>
+        <p:txBody>
+          <a:bodyPr wrap="square" rtlCol="0">
+            <a:spAutoFit/>
+          </a:bodyPr>
+          <a:lstStyle/>
+          <a:p>
+            <a:r>
+              <a:rPr kumimoji="1" lang="en-US" altLang="ja-JP" sz="4400" dirty="0" smtClean="0"/>
+              <a:t>Google Trend</a:t>
+            </a:r>
+            <a:r>
+              <a:rPr kumimoji="1" lang="ja-JP" altLang="en-US" sz="4400" dirty="0" smtClean="0"/>
+              <a:t>の</a:t>
+            </a:r>
+            <a:r>
+              <a:rPr kumimoji="1" lang="en-US" altLang="ja-JP" sz="4400" dirty="0" smtClean="0"/>
+              <a:t>Wikipedia</a:t>
+            </a:r>
+            <a:r>
+              <a:rPr kumimoji="1" lang="ja-JP" altLang="en-US" sz="4400" dirty="0" smtClean="0"/>
+              <a:t>の動向</a:t>
+            </a:r>
+            <a:endParaRPr kumimoji="1" lang="ja-JP" altLang="en-US" sz="4400" dirty="0"/>
+          </a:p>
+        </p:txBody>
+      </p:sp>
     </p:spTree>
     <p:extLst>
       <p:ext uri="{BB962C8B-B14F-4D97-AF65-F5344CB8AC3E}">
